--- a/use_cases.pptx
+++ b/use_cases.pptx
@@ -118,7 +118,7 @@
 <file path=ppt/revisionInfo.xml><?xml version="1.0" encoding="utf-8"?>
 <p1510:revInfo xmlns:a="http://schemas.openxmlformats.org/drawingml/2006/main" xmlns:r="http://schemas.openxmlformats.org/officeDocument/2006/relationships" xmlns:p1510="http://schemas.microsoft.com/office/powerpoint/2015/10/main">
   <p1510:revLst>
-    <p1510:client id="{31DF6E34-6386-D345-95D1-76FAD145A90A}" v="31" dt="2024-10-03T05:41:58.393"/>
+    <p1510:client id="{0548765D-58AD-A348-A47A-BAEAEF245B50}" v="9" dt="2024-10-03T08:45:17.911"/>
   </p1510:revLst>
 </p1510:revInfo>
 </file>
@@ -126,1564 +126,20 @@
 <file path=ppt/changesInfos/changesInfo1.xml><?xml version="1.0" encoding="utf-8"?>
 <pc:chgInfo xmlns:a="http://schemas.openxmlformats.org/drawingml/2006/main" xmlns:r="http://schemas.openxmlformats.org/officeDocument/2006/relationships" xmlns:ac="http://schemas.microsoft.com/office/drawing/2013/main/command" xmlns:pc="http://schemas.microsoft.com/office/powerpoint/2013/main/command">
   <pc:docChgLst>
-    <pc:chgData name="Dave Iberson-Hurst" userId="b9343ad4-b965-4c67-a190-78071bba09d9" providerId="ADAL" clId="{31DF6E34-6386-D345-95D1-76FAD145A90A}"/>
-    <pc:docChg chg="undo custSel modSld">
-      <pc:chgData name="Dave Iberson-Hurst" userId="b9343ad4-b965-4c67-a190-78071bba09d9" providerId="ADAL" clId="{31DF6E34-6386-D345-95D1-76FAD145A90A}" dt="2024-10-03T05:44:38.928" v="2303" actId="1076"/>
+    <pc:chgData name="Dave Iberson-Hurst" userId="b9343ad4-b965-4c67-a190-78071bba09d9" providerId="ADAL" clId="{0548765D-58AD-A348-A47A-BAEAEF245B50}"/>
+    <pc:docChg chg="modSld">
+      <pc:chgData name="Dave Iberson-Hurst" userId="b9343ad4-b965-4c67-a190-78071bba09d9" providerId="ADAL" clId="{0548765D-58AD-A348-A47A-BAEAEF245B50}" dt="2024-10-07T06:14:33.703" v="0" actId="1076"/>
       <pc:docMkLst>
         <pc:docMk/>
       </pc:docMkLst>
-      <pc:sldChg chg="addSp delSp modSp mod">
-        <pc:chgData name="Dave Iberson-Hurst" userId="b9343ad4-b965-4c67-a190-78071bba09d9" providerId="ADAL" clId="{31DF6E34-6386-D345-95D1-76FAD145A90A}" dt="2024-10-03T05:44:38.928" v="2303" actId="1076"/>
+      <pc:sldChg chg="modSp mod">
+        <pc:chgData name="Dave Iberson-Hurst" userId="b9343ad4-b965-4c67-a190-78071bba09d9" providerId="ADAL" clId="{0548765D-58AD-A348-A47A-BAEAEF245B50}" dt="2024-10-07T06:14:33.703" v="0" actId="1076"/>
         <pc:sldMkLst>
           <pc:docMk/>
           <pc:sldMk cId="3544396517" sldId="256"/>
         </pc:sldMkLst>
-        <pc:spChg chg="mod">
-          <ac:chgData name="Dave Iberson-Hurst" userId="b9343ad4-b965-4c67-a190-78071bba09d9" providerId="ADAL" clId="{31DF6E34-6386-D345-95D1-76FAD145A90A}" dt="2024-10-02T11:31:15.619" v="1251" actId="207"/>
-          <ac:spMkLst>
-            <pc:docMk/>
-            <pc:sldMk cId="3544396517" sldId="256"/>
-            <ac:spMk id="11" creationId="{197CC124-2DC4-49AB-8487-2B7724C9ECB3}"/>
-          </ac:spMkLst>
-        </pc:spChg>
-        <pc:spChg chg="mod">
-          <ac:chgData name="Dave Iberson-Hurst" userId="b9343ad4-b965-4c67-a190-78071bba09d9" providerId="ADAL" clId="{31DF6E34-6386-D345-95D1-76FAD145A90A}" dt="2024-10-02T12:58:13.718" v="1329" actId="20577"/>
-          <ac:spMkLst>
-            <pc:docMk/>
-            <pc:sldMk cId="3544396517" sldId="256"/>
-            <ac:spMk id="16" creationId="{92E02097-9465-854C-1D93-FCE3238C62E2}"/>
-          </ac:spMkLst>
-        </pc:spChg>
-        <pc:spChg chg="mod">
-          <ac:chgData name="Dave Iberson-Hurst" userId="b9343ad4-b965-4c67-a190-78071bba09d9" providerId="ADAL" clId="{31DF6E34-6386-D345-95D1-76FAD145A90A}" dt="2024-10-02T11:31:15.619" v="1251" actId="207"/>
-          <ac:spMkLst>
-            <pc:docMk/>
-            <pc:sldMk cId="3544396517" sldId="256"/>
-            <ac:spMk id="17" creationId="{9AA2D311-522B-CBD9-AE55-D5C31047FD82}"/>
-          </ac:spMkLst>
-        </pc:spChg>
-        <pc:spChg chg="mod">
-          <ac:chgData name="Dave Iberson-Hurst" userId="b9343ad4-b965-4c67-a190-78071bba09d9" providerId="ADAL" clId="{31DF6E34-6386-D345-95D1-76FAD145A90A}" dt="2024-10-02T11:00:19.568" v="387" actId="20577"/>
-          <ac:spMkLst>
-            <pc:docMk/>
-            <pc:sldMk cId="3544396517" sldId="256"/>
-            <ac:spMk id="21" creationId="{8890BE0F-C814-3DCF-CF25-D6B1EEF2B1FF}"/>
-          </ac:spMkLst>
-        </pc:spChg>
-        <pc:spChg chg="mod">
-          <ac:chgData name="Dave Iberson-Hurst" userId="b9343ad4-b965-4c67-a190-78071bba09d9" providerId="ADAL" clId="{31DF6E34-6386-D345-95D1-76FAD145A90A}" dt="2024-10-02T11:31:29.908" v="1252" actId="207"/>
-          <ac:spMkLst>
-            <pc:docMk/>
-            <pc:sldMk cId="3544396517" sldId="256"/>
-            <ac:spMk id="22" creationId="{0234F8AD-9621-1DB9-71FE-96A0A0B3D4FD}"/>
-          </ac:spMkLst>
-        </pc:spChg>
-        <pc:spChg chg="mod">
-          <ac:chgData name="Dave Iberson-Hurst" userId="b9343ad4-b965-4c67-a190-78071bba09d9" providerId="ADAL" clId="{31DF6E34-6386-D345-95D1-76FAD145A90A}" dt="2024-10-02T11:31:29.908" v="1252" actId="207"/>
-          <ac:spMkLst>
-            <pc:docMk/>
-            <pc:sldMk cId="3544396517" sldId="256"/>
-            <ac:spMk id="23" creationId="{4916D694-3403-6DE8-1C6A-01FAD35D1C1D}"/>
-          </ac:spMkLst>
-        </pc:spChg>
-        <pc:spChg chg="mod">
-          <ac:chgData name="Dave Iberson-Hurst" userId="b9343ad4-b965-4c67-a190-78071bba09d9" providerId="ADAL" clId="{31DF6E34-6386-D345-95D1-76FAD145A90A}" dt="2024-10-02T11:31:29.908" v="1252" actId="207"/>
-          <ac:spMkLst>
-            <pc:docMk/>
-            <pc:sldMk cId="3544396517" sldId="256"/>
-            <ac:spMk id="32" creationId="{4DC66562-4AAF-2E61-8CA9-B76398EF0391}"/>
-          </ac:spMkLst>
-        </pc:spChg>
-        <pc:spChg chg="mod">
-          <ac:chgData name="Dave Iberson-Hurst" userId="b9343ad4-b965-4c67-a190-78071bba09d9" providerId="ADAL" clId="{31DF6E34-6386-D345-95D1-76FAD145A90A}" dt="2024-10-03T05:29:16.229" v="1764" actId="20577"/>
-          <ac:spMkLst>
-            <pc:docMk/>
-            <pc:sldMk cId="3544396517" sldId="256"/>
-            <ac:spMk id="36" creationId="{C87E5244-2BD8-38B0-6369-76F5C03E87F3}"/>
-          </ac:spMkLst>
-        </pc:spChg>
-        <pc:spChg chg="mod">
-          <ac:chgData name="Dave Iberson-Hurst" userId="b9343ad4-b965-4c67-a190-78071bba09d9" providerId="ADAL" clId="{31DF6E34-6386-D345-95D1-76FAD145A90A}" dt="2024-10-02T11:25:22.752" v="1156" actId="207"/>
-          <ac:spMkLst>
-            <pc:docMk/>
-            <pc:sldMk cId="3544396517" sldId="256"/>
-            <ac:spMk id="37" creationId="{73E76114-5695-A52B-9D0A-7DE948016A7C}"/>
-          </ac:spMkLst>
-        </pc:spChg>
-        <pc:spChg chg="mod">
-          <ac:chgData name="Dave Iberson-Hurst" userId="b9343ad4-b965-4c67-a190-78071bba09d9" providerId="ADAL" clId="{31DF6E34-6386-D345-95D1-76FAD145A90A}" dt="2024-10-03T05:19:28.496" v="1652" actId="14100"/>
-          <ac:spMkLst>
-            <pc:docMk/>
-            <pc:sldMk cId="3544396517" sldId="256"/>
-            <ac:spMk id="47" creationId="{1BF7EEF6-7CEA-59AF-9D9F-A1EC6639EF39}"/>
-          </ac:spMkLst>
-        </pc:spChg>
-        <pc:spChg chg="mod">
-          <ac:chgData name="Dave Iberson-Hurst" userId="b9343ad4-b965-4c67-a190-78071bba09d9" providerId="ADAL" clId="{31DF6E34-6386-D345-95D1-76FAD145A90A}" dt="2024-10-02T11:25:22.752" v="1156" actId="207"/>
-          <ac:spMkLst>
-            <pc:docMk/>
-            <pc:sldMk cId="3544396517" sldId="256"/>
-            <ac:spMk id="49" creationId="{E2F1D18B-2607-8A82-325F-B23A49472801}"/>
-          </ac:spMkLst>
-        </pc:spChg>
-        <pc:spChg chg="mod">
-          <ac:chgData name="Dave Iberson-Hurst" userId="b9343ad4-b965-4c67-a190-78071bba09d9" providerId="ADAL" clId="{31DF6E34-6386-D345-95D1-76FAD145A90A}" dt="2024-10-02T11:25:43.744" v="1157" actId="207"/>
-          <ac:spMkLst>
-            <pc:docMk/>
-            <pc:sldMk cId="3544396517" sldId="256"/>
-            <ac:spMk id="55" creationId="{3151B9EC-E6E6-4E4F-B1F3-DC7ACAD9CBC2}"/>
-          </ac:spMkLst>
-        </pc:spChg>
-        <pc:spChg chg="mod">
-          <ac:chgData name="Dave Iberson-Hurst" userId="b9343ad4-b965-4c67-a190-78071bba09d9" providerId="ADAL" clId="{31DF6E34-6386-D345-95D1-76FAD145A90A}" dt="2024-10-02T11:25:43.744" v="1157" actId="207"/>
-          <ac:spMkLst>
-            <pc:docMk/>
-            <pc:sldMk cId="3544396517" sldId="256"/>
-            <ac:spMk id="56" creationId="{DC8A7806-DD09-FCED-0A60-B285A5206937}"/>
-          </ac:spMkLst>
-        </pc:spChg>
-        <pc:spChg chg="mod">
-          <ac:chgData name="Dave Iberson-Hurst" userId="b9343ad4-b965-4c67-a190-78071bba09d9" providerId="ADAL" clId="{31DF6E34-6386-D345-95D1-76FAD145A90A}" dt="2024-10-03T05:34:47.399" v="2049" actId="20577"/>
-          <ac:spMkLst>
-            <pc:docMk/>
-            <pc:sldMk cId="3544396517" sldId="256"/>
-            <ac:spMk id="61" creationId="{6D43507D-B53B-DC4E-B61C-4EABED2F974C}"/>
-          </ac:spMkLst>
-        </pc:spChg>
-        <pc:spChg chg="mod">
-          <ac:chgData name="Dave Iberson-Hurst" userId="b9343ad4-b965-4c67-a190-78071bba09d9" providerId="ADAL" clId="{31DF6E34-6386-D345-95D1-76FAD145A90A}" dt="2024-10-02T10:49:24.625" v="0"/>
-          <ac:spMkLst>
-            <pc:docMk/>
-            <pc:sldMk cId="3544396517" sldId="256"/>
-            <ac:spMk id="62" creationId="{C2C9B26F-B3D0-2F14-89BA-9A474639BBAD}"/>
-          </ac:spMkLst>
-        </pc:spChg>
-        <pc:spChg chg="mod">
-          <ac:chgData name="Dave Iberson-Hurst" userId="b9343ad4-b965-4c67-a190-78071bba09d9" providerId="ADAL" clId="{31DF6E34-6386-D345-95D1-76FAD145A90A}" dt="2024-10-03T05:39:48.897" v="2108" actId="20577"/>
-          <ac:spMkLst>
-            <pc:docMk/>
-            <pc:sldMk cId="3544396517" sldId="256"/>
-            <ac:spMk id="63" creationId="{82DA1EDB-6D2F-E64B-3E98-22F07CE9C0E5}"/>
-          </ac:spMkLst>
-        </pc:spChg>
-        <pc:spChg chg="mod">
-          <ac:chgData name="Dave Iberson-Hurst" userId="b9343ad4-b965-4c67-a190-78071bba09d9" providerId="ADAL" clId="{31DF6E34-6386-D345-95D1-76FAD145A90A}" dt="2024-10-02T10:49:24.625" v="0"/>
-          <ac:spMkLst>
-            <pc:docMk/>
-            <pc:sldMk cId="3544396517" sldId="256"/>
-            <ac:spMk id="130" creationId="{2A3EE221-6209-BCC6-0209-0DA930E67068}"/>
-          </ac:spMkLst>
-        </pc:spChg>
-        <pc:spChg chg="mod">
-          <ac:chgData name="Dave Iberson-Hurst" userId="b9343ad4-b965-4c67-a190-78071bba09d9" providerId="ADAL" clId="{31DF6E34-6386-D345-95D1-76FAD145A90A}" dt="2024-10-02T10:49:24.625" v="0"/>
-          <ac:spMkLst>
-            <pc:docMk/>
-            <pc:sldMk cId="3544396517" sldId="256"/>
-            <ac:spMk id="131" creationId="{848F23AB-7B71-CC69-8981-D7BA6FC0F178}"/>
-          </ac:spMkLst>
-        </pc:spChg>
-        <pc:spChg chg="mod">
-          <ac:chgData name="Dave Iberson-Hurst" userId="b9343ad4-b965-4c67-a190-78071bba09d9" providerId="ADAL" clId="{31DF6E34-6386-D345-95D1-76FAD145A90A}" dt="2024-10-02T10:49:24.625" v="0"/>
-          <ac:spMkLst>
-            <pc:docMk/>
-            <pc:sldMk cId="3544396517" sldId="256"/>
-            <ac:spMk id="132" creationId="{BFDF203B-3ECD-E809-798D-E8EA190329CB}"/>
-          </ac:spMkLst>
-        </pc:spChg>
-        <pc:spChg chg="mod">
-          <ac:chgData name="Dave Iberson-Hurst" userId="b9343ad4-b965-4c67-a190-78071bba09d9" providerId="ADAL" clId="{31DF6E34-6386-D345-95D1-76FAD145A90A}" dt="2024-10-02T10:49:24.625" v="0"/>
-          <ac:spMkLst>
-            <pc:docMk/>
-            <pc:sldMk cId="3544396517" sldId="256"/>
-            <ac:spMk id="133" creationId="{D8CD29E1-6F72-26DE-3B82-244F3FD0623E}"/>
-          </ac:spMkLst>
-        </pc:spChg>
-        <pc:spChg chg="mod">
-          <ac:chgData name="Dave Iberson-Hurst" userId="b9343ad4-b965-4c67-a190-78071bba09d9" providerId="ADAL" clId="{31DF6E34-6386-D345-95D1-76FAD145A90A}" dt="2024-10-02T10:49:24.625" v="0"/>
-          <ac:spMkLst>
-            <pc:docMk/>
-            <pc:sldMk cId="3544396517" sldId="256"/>
-            <ac:spMk id="134" creationId="{3C3B92F2-50D9-2060-A607-1279A9B4E921}"/>
-          </ac:spMkLst>
-        </pc:spChg>
-        <pc:spChg chg="mod">
-          <ac:chgData name="Dave Iberson-Hurst" userId="b9343ad4-b965-4c67-a190-78071bba09d9" providerId="ADAL" clId="{31DF6E34-6386-D345-95D1-76FAD145A90A}" dt="2024-10-02T11:26:22.357" v="1159" actId="207"/>
-          <ac:spMkLst>
-            <pc:docMk/>
-            <pc:sldMk cId="3544396517" sldId="256"/>
-            <ac:spMk id="135" creationId="{09239802-647E-98FA-A6C6-3598F8168612}"/>
-          </ac:spMkLst>
-        </pc:spChg>
-        <pc:spChg chg="mod">
-          <ac:chgData name="Dave Iberson-Hurst" userId="b9343ad4-b965-4c67-a190-78071bba09d9" providerId="ADAL" clId="{31DF6E34-6386-D345-95D1-76FAD145A90A}" dt="2024-10-02T11:27:05.561" v="1160" actId="6549"/>
-          <ac:spMkLst>
-            <pc:docMk/>
-            <pc:sldMk cId="3544396517" sldId="256"/>
-            <ac:spMk id="138" creationId="{015D7EF6-FE6F-9C2F-097D-0AAC8732213B}"/>
-          </ac:spMkLst>
-        </pc:spChg>
-        <pc:spChg chg="mod">
-          <ac:chgData name="Dave Iberson-Hurst" userId="b9343ad4-b965-4c67-a190-78071bba09d9" providerId="ADAL" clId="{31DF6E34-6386-D345-95D1-76FAD145A90A}" dt="2024-10-02T10:50:34.774" v="40"/>
-          <ac:spMkLst>
-            <pc:docMk/>
-            <pc:sldMk cId="3544396517" sldId="256"/>
-            <ac:spMk id="139" creationId="{19B67DD6-2C36-E0BB-74CC-8842AA22EE1E}"/>
-          </ac:spMkLst>
-        </pc:spChg>
-        <pc:spChg chg="mod">
-          <ac:chgData name="Dave Iberson-Hurst" userId="b9343ad4-b965-4c67-a190-78071bba09d9" providerId="ADAL" clId="{31DF6E34-6386-D345-95D1-76FAD145A90A}" dt="2024-10-02T10:50:34.774" v="40"/>
-          <ac:spMkLst>
-            <pc:docMk/>
-            <pc:sldMk cId="3544396517" sldId="256"/>
-            <ac:spMk id="140" creationId="{10E0A2C8-54A1-2A71-1E0E-BCC968B1F827}"/>
-          </ac:spMkLst>
-        </pc:spChg>
-        <pc:spChg chg="mod">
-          <ac:chgData name="Dave Iberson-Hurst" userId="b9343ad4-b965-4c67-a190-78071bba09d9" providerId="ADAL" clId="{31DF6E34-6386-D345-95D1-76FAD145A90A}" dt="2024-10-02T10:50:34.774" v="40"/>
-          <ac:spMkLst>
-            <pc:docMk/>
-            <pc:sldMk cId="3544396517" sldId="256"/>
-            <ac:spMk id="141" creationId="{1BE2A33A-DD48-DDF3-5AC8-2DC266E2EFD7}"/>
-          </ac:spMkLst>
-        </pc:spChg>
-        <pc:spChg chg="mod">
-          <ac:chgData name="Dave Iberson-Hurst" userId="b9343ad4-b965-4c67-a190-78071bba09d9" providerId="ADAL" clId="{31DF6E34-6386-D345-95D1-76FAD145A90A}" dt="2024-10-02T11:32:25.628" v="1255" actId="207"/>
-          <ac:spMkLst>
-            <pc:docMk/>
-            <pc:sldMk cId="3544396517" sldId="256"/>
-            <ac:spMk id="142" creationId="{F57914C5-DDA3-2404-6272-822661F87541}"/>
-          </ac:spMkLst>
-        </pc:spChg>
-        <pc:spChg chg="mod">
-          <ac:chgData name="Dave Iberson-Hurst" userId="b9343ad4-b965-4c67-a190-78071bba09d9" providerId="ADAL" clId="{31DF6E34-6386-D345-95D1-76FAD145A90A}" dt="2024-10-02T10:50:34.774" v="40"/>
-          <ac:spMkLst>
-            <pc:docMk/>
-            <pc:sldMk cId="3544396517" sldId="256"/>
-            <ac:spMk id="143" creationId="{C04A85B3-77F5-2B2F-C5AE-76393D542E3E}"/>
-          </ac:spMkLst>
-        </pc:spChg>
-        <pc:spChg chg="mod">
-          <ac:chgData name="Dave Iberson-Hurst" userId="b9343ad4-b965-4c67-a190-78071bba09d9" providerId="ADAL" clId="{31DF6E34-6386-D345-95D1-76FAD145A90A}" dt="2024-10-02T10:50:34.774" v="40"/>
-          <ac:spMkLst>
-            <pc:docMk/>
-            <pc:sldMk cId="3544396517" sldId="256"/>
-            <ac:spMk id="144" creationId="{130F9A84-90C4-1AD6-B94E-CA8E177E3961}"/>
-          </ac:spMkLst>
-        </pc:spChg>
-        <pc:spChg chg="mod">
-          <ac:chgData name="Dave Iberson-Hurst" userId="b9343ad4-b965-4c67-a190-78071bba09d9" providerId="ADAL" clId="{31DF6E34-6386-D345-95D1-76FAD145A90A}" dt="2024-10-02T10:50:34.774" v="40"/>
-          <ac:spMkLst>
-            <pc:docMk/>
-            <pc:sldMk cId="3544396517" sldId="256"/>
-            <ac:spMk id="145" creationId="{AA4FD41D-D18F-E06B-8435-CB6007E26B71}"/>
-          </ac:spMkLst>
-        </pc:spChg>
-        <pc:spChg chg="mod">
-          <ac:chgData name="Dave Iberson-Hurst" userId="b9343ad4-b965-4c67-a190-78071bba09d9" providerId="ADAL" clId="{31DF6E34-6386-D345-95D1-76FAD145A90A}" dt="2024-10-03T05:35:27.974" v="2075" actId="20577"/>
-          <ac:spMkLst>
-            <pc:docMk/>
-            <pc:sldMk cId="3544396517" sldId="256"/>
-            <ac:spMk id="148" creationId="{3E120E80-A7F4-D089-F1C6-06B6A84D8710}"/>
-          </ac:spMkLst>
-        </pc:spChg>
-        <pc:spChg chg="mod">
-          <ac:chgData name="Dave Iberson-Hurst" userId="b9343ad4-b965-4c67-a190-78071bba09d9" providerId="ADAL" clId="{31DF6E34-6386-D345-95D1-76FAD145A90A}" dt="2024-10-02T11:32:46.121" v="1256" actId="207"/>
-          <ac:spMkLst>
-            <pc:docMk/>
-            <pc:sldMk cId="3544396517" sldId="256"/>
-            <ac:spMk id="149" creationId="{D6C69B51-2302-3E09-5BDA-6BCC484F9833}"/>
-          </ac:spMkLst>
-        </pc:spChg>
-        <pc:spChg chg="mod">
-          <ac:chgData name="Dave Iberson-Hurst" userId="b9343ad4-b965-4c67-a190-78071bba09d9" providerId="ADAL" clId="{31DF6E34-6386-D345-95D1-76FAD145A90A}" dt="2024-10-02T10:51:48.136" v="92"/>
-          <ac:spMkLst>
-            <pc:docMk/>
-            <pc:sldMk cId="3544396517" sldId="256"/>
-            <ac:spMk id="150" creationId="{E39F6A22-DB3F-FA24-E666-813243219FCE}"/>
-          </ac:spMkLst>
-        </pc:spChg>
-        <pc:spChg chg="mod">
-          <ac:chgData name="Dave Iberson-Hurst" userId="b9343ad4-b965-4c67-a190-78071bba09d9" providerId="ADAL" clId="{31DF6E34-6386-D345-95D1-76FAD145A90A}" dt="2024-10-02T10:51:48.136" v="92"/>
-          <ac:spMkLst>
-            <pc:docMk/>
-            <pc:sldMk cId="3544396517" sldId="256"/>
-            <ac:spMk id="151" creationId="{B9F37D25-D506-94D9-F4FF-DCC058C8BA33}"/>
-          </ac:spMkLst>
-        </pc:spChg>
-        <pc:spChg chg="mod">
-          <ac:chgData name="Dave Iberson-Hurst" userId="b9343ad4-b965-4c67-a190-78071bba09d9" providerId="ADAL" clId="{31DF6E34-6386-D345-95D1-76FAD145A90A}" dt="2024-10-02T10:51:48.136" v="92"/>
-          <ac:spMkLst>
-            <pc:docMk/>
-            <pc:sldMk cId="3544396517" sldId="256"/>
-            <ac:spMk id="152" creationId="{9095F2B9-9710-4D09-8D1C-9335127C9726}"/>
-          </ac:spMkLst>
-        </pc:spChg>
-        <pc:spChg chg="mod">
-          <ac:chgData name="Dave Iberson-Hurst" userId="b9343ad4-b965-4c67-a190-78071bba09d9" providerId="ADAL" clId="{31DF6E34-6386-D345-95D1-76FAD145A90A}" dt="2024-10-02T11:32:46.121" v="1256" actId="207"/>
-          <ac:spMkLst>
-            <pc:docMk/>
-            <pc:sldMk cId="3544396517" sldId="256"/>
-            <ac:spMk id="153" creationId="{ADDCDCA2-20BA-53E1-D713-6E7A58598CA4}"/>
-          </ac:spMkLst>
-        </pc:spChg>
-        <pc:spChg chg="mod">
-          <ac:chgData name="Dave Iberson-Hurst" userId="b9343ad4-b965-4c67-a190-78071bba09d9" providerId="ADAL" clId="{31DF6E34-6386-D345-95D1-76FAD145A90A}" dt="2024-10-02T10:51:48.136" v="92"/>
-          <ac:spMkLst>
-            <pc:docMk/>
-            <pc:sldMk cId="3544396517" sldId="256"/>
-            <ac:spMk id="154" creationId="{C29A338E-FE59-BD6E-5B35-A4EE8355DC36}"/>
-          </ac:spMkLst>
-        </pc:spChg>
-        <pc:spChg chg="mod">
-          <ac:chgData name="Dave Iberson-Hurst" userId="b9343ad4-b965-4c67-a190-78071bba09d9" providerId="ADAL" clId="{31DF6E34-6386-D345-95D1-76FAD145A90A}" dt="2024-10-02T11:32:46.121" v="1256" actId="207"/>
-          <ac:spMkLst>
-            <pc:docMk/>
-            <pc:sldMk cId="3544396517" sldId="256"/>
-            <ac:spMk id="155" creationId="{401ECFEE-9B3A-93EC-5FDF-362FB271ACEA}"/>
-          </ac:spMkLst>
-        </pc:spChg>
-        <pc:spChg chg="mod">
-          <ac:chgData name="Dave Iberson-Hurst" userId="b9343ad4-b965-4c67-a190-78071bba09d9" providerId="ADAL" clId="{31DF6E34-6386-D345-95D1-76FAD145A90A}" dt="2024-10-02T10:55:56.725" v="236" actId="6549"/>
-          <ac:spMkLst>
-            <pc:docMk/>
-            <pc:sldMk cId="3544396517" sldId="256"/>
-            <ac:spMk id="158" creationId="{79334F0E-50FF-0433-AFC4-2DDB599AFA8B}"/>
-          </ac:spMkLst>
-        </pc:spChg>
-        <pc:spChg chg="mod">
-          <ac:chgData name="Dave Iberson-Hurst" userId="b9343ad4-b965-4c67-a190-78071bba09d9" providerId="ADAL" clId="{31DF6E34-6386-D345-95D1-76FAD145A90A}" dt="2024-10-02T10:55:05.955" v="138"/>
-          <ac:spMkLst>
-            <pc:docMk/>
-            <pc:sldMk cId="3544396517" sldId="256"/>
-            <ac:spMk id="159" creationId="{3A0F2131-D989-86E8-814B-CCB62035D7AD}"/>
-          </ac:spMkLst>
-        </pc:spChg>
-        <pc:spChg chg="mod">
-          <ac:chgData name="Dave Iberson-Hurst" userId="b9343ad4-b965-4c67-a190-78071bba09d9" providerId="ADAL" clId="{31DF6E34-6386-D345-95D1-76FAD145A90A}" dt="2024-10-02T10:55:05.955" v="138"/>
-          <ac:spMkLst>
-            <pc:docMk/>
-            <pc:sldMk cId="3544396517" sldId="256"/>
-            <ac:spMk id="160" creationId="{D31B4CCD-B4C6-8955-8EC2-76E84B2794C6}"/>
-          </ac:spMkLst>
-        </pc:spChg>
-        <pc:spChg chg="mod">
-          <ac:chgData name="Dave Iberson-Hurst" userId="b9343ad4-b965-4c67-a190-78071bba09d9" providerId="ADAL" clId="{31DF6E34-6386-D345-95D1-76FAD145A90A}" dt="2024-10-02T10:55:05.955" v="138"/>
-          <ac:spMkLst>
-            <pc:docMk/>
-            <pc:sldMk cId="3544396517" sldId="256"/>
-            <ac:spMk id="161" creationId="{6756F833-6B55-708C-50E0-F653E9FB1A54}"/>
-          </ac:spMkLst>
-        </pc:spChg>
-        <pc:spChg chg="mod">
-          <ac:chgData name="Dave Iberson-Hurst" userId="b9343ad4-b965-4c67-a190-78071bba09d9" providerId="ADAL" clId="{31DF6E34-6386-D345-95D1-76FAD145A90A}" dt="2024-10-02T10:55:05.955" v="138"/>
-          <ac:spMkLst>
-            <pc:docMk/>
-            <pc:sldMk cId="3544396517" sldId="256"/>
-            <ac:spMk id="162" creationId="{318E978B-709E-E938-4497-A9B36609BF74}"/>
-          </ac:spMkLst>
-        </pc:spChg>
-        <pc:spChg chg="mod">
-          <ac:chgData name="Dave Iberson-Hurst" userId="b9343ad4-b965-4c67-a190-78071bba09d9" providerId="ADAL" clId="{31DF6E34-6386-D345-95D1-76FAD145A90A}" dt="2024-10-02T10:55:05.955" v="138"/>
-          <ac:spMkLst>
-            <pc:docMk/>
-            <pc:sldMk cId="3544396517" sldId="256"/>
-            <ac:spMk id="163" creationId="{0B048BB2-3AC3-62DB-0C12-DD8B586ABFEE}"/>
-          </ac:spMkLst>
-        </pc:spChg>
-        <pc:spChg chg="mod">
-          <ac:chgData name="Dave Iberson-Hurst" userId="b9343ad4-b965-4c67-a190-78071bba09d9" providerId="ADAL" clId="{31DF6E34-6386-D345-95D1-76FAD145A90A}" dt="2024-10-02T10:55:05.955" v="138"/>
-          <ac:spMkLst>
-            <pc:docMk/>
-            <pc:sldMk cId="3544396517" sldId="256"/>
-            <ac:spMk id="164" creationId="{2FF47642-8CCF-99E0-E0AD-5FE55D0584E9}"/>
-          </ac:spMkLst>
-        </pc:spChg>
-        <pc:spChg chg="mod">
-          <ac:chgData name="Dave Iberson-Hurst" userId="b9343ad4-b965-4c67-a190-78071bba09d9" providerId="ADAL" clId="{31DF6E34-6386-D345-95D1-76FAD145A90A}" dt="2024-10-02T10:55:05.955" v="138"/>
-          <ac:spMkLst>
-            <pc:docMk/>
-            <pc:sldMk cId="3544396517" sldId="256"/>
-            <ac:spMk id="165" creationId="{1E8BA99F-1D3D-B129-D5CD-1509D69E23FE}"/>
-          </ac:spMkLst>
-        </pc:spChg>
-        <pc:spChg chg="add mod topLvl">
-          <ac:chgData name="Dave Iberson-Hurst" userId="b9343ad4-b965-4c67-a190-78071bba09d9" providerId="ADAL" clId="{31DF6E34-6386-D345-95D1-76FAD145A90A}" dt="2024-10-03T05:04:42.360" v="1400" actId="1076"/>
-          <ac:spMkLst>
-            <pc:docMk/>
-            <pc:sldMk cId="3544396517" sldId="256"/>
-            <ac:spMk id="166" creationId="{D2ABD904-A8B2-B9AC-914A-CE0B66A19384}"/>
-          </ac:spMkLst>
-        </pc:spChg>
-        <pc:spChg chg="mod">
-          <ac:chgData name="Dave Iberson-Hurst" userId="b9343ad4-b965-4c67-a190-78071bba09d9" providerId="ADAL" clId="{31DF6E34-6386-D345-95D1-76FAD145A90A}" dt="2024-10-02T11:05:34.171" v="578" actId="20577"/>
-          <ac:spMkLst>
-            <pc:docMk/>
-            <pc:sldMk cId="3544396517" sldId="256"/>
-            <ac:spMk id="169" creationId="{01B5F8A9-6585-CABF-6C7D-DDA4F793B73E}"/>
-          </ac:spMkLst>
-        </pc:spChg>
-        <pc:spChg chg="mod">
-          <ac:chgData name="Dave Iberson-Hurst" userId="b9343ad4-b965-4c67-a190-78071bba09d9" providerId="ADAL" clId="{31DF6E34-6386-D345-95D1-76FAD145A90A}" dt="2024-10-02T11:04:49.043" v="495"/>
-          <ac:spMkLst>
-            <pc:docMk/>
-            <pc:sldMk cId="3544396517" sldId="256"/>
-            <ac:spMk id="170" creationId="{39879B4E-3F25-0F18-D8EB-D3245E399785}"/>
-          </ac:spMkLst>
-        </pc:spChg>
-        <pc:spChg chg="mod">
-          <ac:chgData name="Dave Iberson-Hurst" userId="b9343ad4-b965-4c67-a190-78071bba09d9" providerId="ADAL" clId="{31DF6E34-6386-D345-95D1-76FAD145A90A}" dt="2024-10-02T11:04:49.043" v="495"/>
-          <ac:spMkLst>
-            <pc:docMk/>
-            <pc:sldMk cId="3544396517" sldId="256"/>
-            <ac:spMk id="172" creationId="{70B2DD60-7AB3-9370-C02B-270B1E012327}"/>
-          </ac:spMkLst>
-        </pc:spChg>
-        <pc:spChg chg="mod">
-          <ac:chgData name="Dave Iberson-Hurst" userId="b9343ad4-b965-4c67-a190-78071bba09d9" providerId="ADAL" clId="{31DF6E34-6386-D345-95D1-76FAD145A90A}" dt="2024-10-02T11:04:49.043" v="495"/>
-          <ac:spMkLst>
-            <pc:docMk/>
-            <pc:sldMk cId="3544396517" sldId="256"/>
-            <ac:spMk id="173" creationId="{BC9DF891-9F0E-7C40-7ECA-6295C7E5B522}"/>
-          </ac:spMkLst>
-        </pc:spChg>
-        <pc:spChg chg="mod">
-          <ac:chgData name="Dave Iberson-Hurst" userId="b9343ad4-b965-4c67-a190-78071bba09d9" providerId="ADAL" clId="{31DF6E34-6386-D345-95D1-76FAD145A90A}" dt="2024-10-02T11:04:49.043" v="495"/>
-          <ac:spMkLst>
-            <pc:docMk/>
-            <pc:sldMk cId="3544396517" sldId="256"/>
-            <ac:spMk id="174" creationId="{2CA5CA2C-1619-B2E9-FF77-771677D0AFAF}"/>
-          </ac:spMkLst>
-        </pc:spChg>
-        <pc:spChg chg="mod">
-          <ac:chgData name="Dave Iberson-Hurst" userId="b9343ad4-b965-4c67-a190-78071bba09d9" providerId="ADAL" clId="{31DF6E34-6386-D345-95D1-76FAD145A90A}" dt="2024-10-03T05:29:49.662" v="1770" actId="20577"/>
-          <ac:spMkLst>
-            <pc:docMk/>
-            <pc:sldMk cId="3544396517" sldId="256"/>
-            <ac:spMk id="183" creationId="{7A9C5DF0-D262-4A05-6AB0-56441B18E52F}"/>
-          </ac:spMkLst>
-        </pc:spChg>
-        <pc:spChg chg="add mod topLvl">
-          <ac:chgData name="Dave Iberson-Hurst" userId="b9343ad4-b965-4c67-a190-78071bba09d9" providerId="ADAL" clId="{31DF6E34-6386-D345-95D1-76FAD145A90A}" dt="2024-10-03T05:04:47.309" v="1401" actId="1076"/>
-          <ac:spMkLst>
-            <pc:docMk/>
-            <pc:sldMk cId="3544396517" sldId="256"/>
-            <ac:spMk id="185" creationId="{C6225F22-962C-3FBC-C0B1-4262C4F02BCC}"/>
-          </ac:spMkLst>
-        </pc:spChg>
-        <pc:spChg chg="add mod topLvl">
-          <ac:chgData name="Dave Iberson-Hurst" userId="b9343ad4-b965-4c67-a190-78071bba09d9" providerId="ADAL" clId="{31DF6E34-6386-D345-95D1-76FAD145A90A}" dt="2024-10-03T05:04:55.015" v="1403" actId="14100"/>
-          <ac:spMkLst>
-            <pc:docMk/>
-            <pc:sldMk cId="3544396517" sldId="256"/>
-            <ac:spMk id="186" creationId="{220E1C3E-CE64-7E44-D5B2-EDFD1C943332}"/>
-          </ac:spMkLst>
-        </pc:spChg>
-        <pc:spChg chg="mod">
-          <ac:chgData name="Dave Iberson-Hurst" userId="b9343ad4-b965-4c67-a190-78071bba09d9" providerId="ADAL" clId="{31DF6E34-6386-D345-95D1-76FAD145A90A}" dt="2024-10-03T05:02:57.095" v="1352"/>
-          <ac:spMkLst>
-            <pc:docMk/>
-            <pc:sldMk cId="3544396517" sldId="256"/>
-            <ac:spMk id="189" creationId="{7254425D-CD45-E330-9BBA-7746C2651085}"/>
-          </ac:spMkLst>
-        </pc:spChg>
-        <pc:spChg chg="mod">
-          <ac:chgData name="Dave Iberson-Hurst" userId="b9343ad4-b965-4c67-a190-78071bba09d9" providerId="ADAL" clId="{31DF6E34-6386-D345-95D1-76FAD145A90A}" dt="2024-10-03T05:02:57.095" v="1352"/>
-          <ac:spMkLst>
-            <pc:docMk/>
-            <pc:sldMk cId="3544396517" sldId="256"/>
-            <ac:spMk id="190" creationId="{77D60D84-E3A9-EB90-5163-F5F88281FB27}"/>
-          </ac:spMkLst>
-        </pc:spChg>
-        <pc:spChg chg="mod">
-          <ac:chgData name="Dave Iberson-Hurst" userId="b9343ad4-b965-4c67-a190-78071bba09d9" providerId="ADAL" clId="{31DF6E34-6386-D345-95D1-76FAD145A90A}" dt="2024-10-03T05:02:57.095" v="1352"/>
-          <ac:spMkLst>
-            <pc:docMk/>
-            <pc:sldMk cId="3544396517" sldId="256"/>
-            <ac:spMk id="191" creationId="{3356E582-993B-C860-082C-0DC7365EFBA2}"/>
-          </ac:spMkLst>
-        </pc:spChg>
-        <pc:spChg chg="mod">
-          <ac:chgData name="Dave Iberson-Hurst" userId="b9343ad4-b965-4c67-a190-78071bba09d9" providerId="ADAL" clId="{31DF6E34-6386-D345-95D1-76FAD145A90A}" dt="2024-10-03T05:06:22.830" v="1430"/>
-          <ac:spMkLst>
-            <pc:docMk/>
-            <pc:sldMk cId="3544396517" sldId="256"/>
-            <ac:spMk id="194" creationId="{19E52A7E-0A5C-948A-4AF3-0C050294B68B}"/>
-          </ac:spMkLst>
-        </pc:spChg>
-        <pc:spChg chg="mod">
-          <ac:chgData name="Dave Iberson-Hurst" userId="b9343ad4-b965-4c67-a190-78071bba09d9" providerId="ADAL" clId="{31DF6E34-6386-D345-95D1-76FAD145A90A}" dt="2024-10-03T05:33:25.195" v="2008" actId="20577"/>
-          <ac:spMkLst>
-            <pc:docMk/>
-            <pc:sldMk cId="3544396517" sldId="256"/>
-            <ac:spMk id="197" creationId="{C3E1EED6-A5FB-09EE-2124-84C43A28A903}"/>
-          </ac:spMkLst>
-        </pc:spChg>
-        <pc:spChg chg="mod">
-          <ac:chgData name="Dave Iberson-Hurst" userId="b9343ad4-b965-4c67-a190-78071bba09d9" providerId="ADAL" clId="{31DF6E34-6386-D345-95D1-76FAD145A90A}" dt="2024-10-02T11:23:53.122" v="1119" actId="6549"/>
-          <ac:spMkLst>
-            <pc:docMk/>
-            <pc:sldMk cId="3544396517" sldId="256"/>
-            <ac:spMk id="207" creationId="{58090520-E200-5D1B-528D-896DC1F4478A}"/>
-          </ac:spMkLst>
-        </pc:spChg>
-        <pc:spChg chg="mod">
-          <ac:chgData name="Dave Iberson-Hurst" userId="b9343ad4-b965-4c67-a190-78071bba09d9" providerId="ADAL" clId="{31DF6E34-6386-D345-95D1-76FAD145A90A}" dt="2024-10-03T05:35:52.564" v="2079" actId="20577"/>
-          <ac:spMkLst>
-            <pc:docMk/>
-            <pc:sldMk cId="3544396517" sldId="256"/>
-            <ac:spMk id="217" creationId="{EFAE883D-A934-5214-8CEC-7FEAEEF152D9}"/>
-          </ac:spMkLst>
-        </pc:spChg>
-        <pc:spChg chg="mod">
-          <ac:chgData name="Dave Iberson-Hurst" userId="b9343ad4-b965-4c67-a190-78071bba09d9" providerId="ADAL" clId="{31DF6E34-6386-D345-95D1-76FAD145A90A}" dt="2024-10-02T11:25:11.761" v="1155" actId="207"/>
-          <ac:spMkLst>
-            <pc:docMk/>
-            <pc:sldMk cId="3544396517" sldId="256"/>
-            <ac:spMk id="218" creationId="{B1762CB9-6DD4-207A-2865-A999F2B909C9}"/>
-          </ac:spMkLst>
-        </pc:spChg>
-        <pc:spChg chg="mod">
-          <ac:chgData name="Dave Iberson-Hurst" userId="b9343ad4-b965-4c67-a190-78071bba09d9" providerId="ADAL" clId="{31DF6E34-6386-D345-95D1-76FAD145A90A}" dt="2024-10-02T11:24:59.377" v="1154" actId="207"/>
-          <ac:spMkLst>
-            <pc:docMk/>
-            <pc:sldMk cId="3544396517" sldId="256"/>
-            <ac:spMk id="224" creationId="{A14022C9-2007-6750-0533-21C2A592AA6D}"/>
-          </ac:spMkLst>
-        </pc:spChg>
-        <pc:spChg chg="mod">
-          <ac:chgData name="Dave Iberson-Hurst" userId="b9343ad4-b965-4c67-a190-78071bba09d9" providerId="ADAL" clId="{31DF6E34-6386-D345-95D1-76FAD145A90A}" dt="2024-10-02T11:04:49.043" v="495"/>
-          <ac:spMkLst>
-            <pc:docMk/>
-            <pc:sldMk cId="3544396517" sldId="256"/>
-            <ac:spMk id="225" creationId="{068784B2-0760-73F2-1009-DFA643FE40BB}"/>
-          </ac:spMkLst>
-        </pc:spChg>
-        <pc:spChg chg="mod">
-          <ac:chgData name="Dave Iberson-Hurst" userId="b9343ad4-b965-4c67-a190-78071bba09d9" providerId="ADAL" clId="{31DF6E34-6386-D345-95D1-76FAD145A90A}" dt="2024-10-02T11:04:49.043" v="495"/>
-          <ac:spMkLst>
-            <pc:docMk/>
-            <pc:sldMk cId="3544396517" sldId="256"/>
-            <ac:spMk id="226" creationId="{95D89834-7218-B6A8-A527-5B76758D62BF}"/>
-          </ac:spMkLst>
-        </pc:spChg>
-        <pc:spChg chg="mod">
-          <ac:chgData name="Dave Iberson-Hurst" userId="b9343ad4-b965-4c67-a190-78071bba09d9" providerId="ADAL" clId="{31DF6E34-6386-D345-95D1-76FAD145A90A}" dt="2024-10-02T11:04:49.043" v="495"/>
-          <ac:spMkLst>
-            <pc:docMk/>
-            <pc:sldMk cId="3544396517" sldId="256"/>
-            <ac:spMk id="227" creationId="{68C2B3C4-9BA8-E8F3-C588-BDD02C87928E}"/>
-          </ac:spMkLst>
-        </pc:spChg>
-        <pc:spChg chg="mod">
-          <ac:chgData name="Dave Iberson-Hurst" userId="b9343ad4-b965-4c67-a190-78071bba09d9" providerId="ADAL" clId="{31DF6E34-6386-D345-95D1-76FAD145A90A}" dt="2024-10-03T05:09:36.390" v="1509" actId="207"/>
-          <ac:spMkLst>
-            <pc:docMk/>
-            <pc:sldMk cId="3544396517" sldId="256"/>
-            <ac:spMk id="229" creationId="{4583C860-6A9A-A838-F134-3CAA1B9DF3A7}"/>
-          </ac:spMkLst>
-        </pc:spChg>
-        <pc:spChg chg="mod">
-          <ac:chgData name="Dave Iberson-Hurst" userId="b9343ad4-b965-4c67-a190-78071bba09d9" providerId="ADAL" clId="{31DF6E34-6386-D345-95D1-76FAD145A90A}" dt="2024-10-03T05:06:22.830" v="1430"/>
-          <ac:spMkLst>
-            <pc:docMk/>
-            <pc:sldMk cId="3544396517" sldId="256"/>
-            <ac:spMk id="230" creationId="{DAE0FCA0-B0AD-339A-5D3B-96D6A85695C1}"/>
-          </ac:spMkLst>
-        </pc:spChg>
-        <pc:spChg chg="mod">
-          <ac:chgData name="Dave Iberson-Hurst" userId="b9343ad4-b965-4c67-a190-78071bba09d9" providerId="ADAL" clId="{31DF6E34-6386-D345-95D1-76FAD145A90A}" dt="2024-10-03T05:07:25.761" v="1434"/>
-          <ac:spMkLst>
-            <pc:docMk/>
-            <pc:sldMk cId="3544396517" sldId="256"/>
-            <ac:spMk id="234" creationId="{C5904485-F712-74D0-B438-9FC47C06D208}"/>
-          </ac:spMkLst>
-        </pc:spChg>
-        <pc:spChg chg="mod">
-          <ac:chgData name="Dave Iberson-Hurst" userId="b9343ad4-b965-4c67-a190-78071bba09d9" providerId="ADAL" clId="{31DF6E34-6386-D345-95D1-76FAD145A90A}" dt="2024-10-02T11:29:46.886" v="1195" actId="207"/>
-          <ac:spMkLst>
-            <pc:docMk/>
-            <pc:sldMk cId="3544396517" sldId="256"/>
-            <ac:spMk id="251" creationId="{05693514-00E1-3586-4873-2E91F3C69822}"/>
-          </ac:spMkLst>
-        </pc:spChg>
-        <pc:spChg chg="mod">
-          <ac:chgData name="Dave Iberson-Hurst" userId="b9343ad4-b965-4c67-a190-78071bba09d9" providerId="ADAL" clId="{31DF6E34-6386-D345-95D1-76FAD145A90A}" dt="2024-10-02T11:29:46.886" v="1195" actId="207"/>
-          <ac:spMkLst>
-            <pc:docMk/>
-            <pc:sldMk cId="3544396517" sldId="256"/>
-            <ac:spMk id="252" creationId="{6F7AF186-C705-2EE0-6FA2-E45F431C794E}"/>
-          </ac:spMkLst>
-        </pc:spChg>
-        <pc:spChg chg="mod">
-          <ac:chgData name="Dave Iberson-Hurst" userId="b9343ad4-b965-4c67-a190-78071bba09d9" providerId="ADAL" clId="{31DF6E34-6386-D345-95D1-76FAD145A90A}" dt="2024-10-02T11:29:46.886" v="1195" actId="207"/>
-          <ac:spMkLst>
-            <pc:docMk/>
-            <pc:sldMk cId="3544396517" sldId="256"/>
-            <ac:spMk id="255" creationId="{3D6003AC-B48D-D5FA-AC88-AD5303C3502E}"/>
-          </ac:spMkLst>
-        </pc:spChg>
-        <pc:spChg chg="mod">
-          <ac:chgData name="Dave Iberson-Hurst" userId="b9343ad4-b965-4c67-a190-78071bba09d9" providerId="ADAL" clId="{31DF6E34-6386-D345-95D1-76FAD145A90A}" dt="2024-10-03T05:07:25.761" v="1434"/>
-          <ac:spMkLst>
-            <pc:docMk/>
-            <pc:sldMk cId="3544396517" sldId="256"/>
-            <ac:spMk id="266" creationId="{1515C2A7-1440-3D26-F114-ED6525D3F698}"/>
-          </ac:spMkLst>
-        </pc:spChg>
-        <pc:spChg chg="mod topLvl">
-          <ac:chgData name="Dave Iberson-Hurst" userId="b9343ad4-b965-4c67-a190-78071bba09d9" providerId="ADAL" clId="{31DF6E34-6386-D345-95D1-76FAD145A90A}" dt="2024-10-03T05:34:00.604" v="2016" actId="20577"/>
-          <ac:spMkLst>
-            <pc:docMk/>
-            <pc:sldMk cId="3544396517" sldId="256"/>
-            <ac:spMk id="268" creationId="{38DEF776-3E78-E78A-2D41-80AEDFA8A069}"/>
-          </ac:spMkLst>
-        </pc:spChg>
-        <pc:spChg chg="mod">
-          <ac:chgData name="Dave Iberson-Hurst" userId="b9343ad4-b965-4c67-a190-78071bba09d9" providerId="ADAL" clId="{31DF6E34-6386-D345-95D1-76FAD145A90A}" dt="2024-10-02T11:25:58.631" v="1158" actId="207"/>
-          <ac:spMkLst>
-            <pc:docMk/>
-            <pc:sldMk cId="3544396517" sldId="256"/>
-            <ac:spMk id="275" creationId="{58006A73-E99B-3D07-2767-A5E38828BEDD}"/>
-          </ac:spMkLst>
-        </pc:spChg>
-        <pc:spChg chg="mod">
-          <ac:chgData name="Dave Iberson-Hurst" userId="b9343ad4-b965-4c67-a190-78071bba09d9" providerId="ADAL" clId="{31DF6E34-6386-D345-95D1-76FAD145A90A}" dt="2024-10-02T11:30:27.133" v="1234" actId="20577"/>
-          <ac:spMkLst>
-            <pc:docMk/>
-            <pc:sldMk cId="3544396517" sldId="256"/>
-            <ac:spMk id="288" creationId="{280E7B2D-BB57-79DF-BE2D-817539BE539F}"/>
-          </ac:spMkLst>
-        </pc:spChg>
-        <pc:spChg chg="mod">
-          <ac:chgData name="Dave Iberson-Hurst" userId="b9343ad4-b965-4c67-a190-78071bba09d9" providerId="ADAL" clId="{31DF6E34-6386-D345-95D1-76FAD145A90A}" dt="2024-10-02T11:02:22.865" v="409" actId="20577"/>
-          <ac:spMkLst>
-            <pc:docMk/>
-            <pc:sldMk cId="3544396517" sldId="256"/>
-            <ac:spMk id="298" creationId="{51A8F07C-9AEC-A1A3-2E64-F3985DB30C79}"/>
-          </ac:spMkLst>
-        </pc:spChg>
-        <pc:spChg chg="mod">
-          <ac:chgData name="Dave Iberson-Hurst" userId="b9343ad4-b965-4c67-a190-78071bba09d9" providerId="ADAL" clId="{31DF6E34-6386-D345-95D1-76FAD145A90A}" dt="2024-10-02T11:31:49.431" v="1253" actId="207"/>
-          <ac:spMkLst>
-            <pc:docMk/>
-            <pc:sldMk cId="3544396517" sldId="256"/>
-            <ac:spMk id="305" creationId="{B6F046E4-B937-62B7-33D8-CDB9165F7262}"/>
-          </ac:spMkLst>
-        </pc:spChg>
-        <pc:spChg chg="mod">
-          <ac:chgData name="Dave Iberson-Hurst" userId="b9343ad4-b965-4c67-a190-78071bba09d9" providerId="ADAL" clId="{31DF6E34-6386-D345-95D1-76FAD145A90A}" dt="2024-10-03T05:07:25.761" v="1434"/>
-          <ac:spMkLst>
-            <pc:docMk/>
-            <pc:sldMk cId="3544396517" sldId="256"/>
-            <ac:spMk id="306" creationId="{96676045-269C-41B2-AB21-31DE80A65E17}"/>
-          </ac:spMkLst>
-        </pc:spChg>
-        <pc:spChg chg="mod">
-          <ac:chgData name="Dave Iberson-Hurst" userId="b9343ad4-b965-4c67-a190-78071bba09d9" providerId="ADAL" clId="{31DF6E34-6386-D345-95D1-76FAD145A90A}" dt="2024-10-02T11:27:49.825" v="1177" actId="20577"/>
-          <ac:spMkLst>
-            <pc:docMk/>
-            <pc:sldMk cId="3544396517" sldId="256"/>
-            <ac:spMk id="309" creationId="{32067E1C-A3D6-6E6B-65D9-D100B4024E87}"/>
-          </ac:spMkLst>
-        </pc:spChg>
-        <pc:spChg chg="mod">
-          <ac:chgData name="Dave Iberson-Hurst" userId="b9343ad4-b965-4c67-a190-78071bba09d9" providerId="ADAL" clId="{31DF6E34-6386-D345-95D1-76FAD145A90A}" dt="2024-10-03T05:07:46.188" v="1436"/>
-          <ac:spMkLst>
-            <pc:docMk/>
-            <pc:sldMk cId="3544396517" sldId="256"/>
-            <ac:spMk id="318" creationId="{534AED70-45CF-2109-5D08-A6E727E72813}"/>
-          </ac:spMkLst>
-        </pc:spChg>
-        <pc:spChg chg="mod">
-          <ac:chgData name="Dave Iberson-Hurst" userId="b9343ad4-b965-4c67-a190-78071bba09d9" providerId="ADAL" clId="{31DF6E34-6386-D345-95D1-76FAD145A90A}" dt="2024-10-03T05:07:46.188" v="1436"/>
-          <ac:spMkLst>
-            <pc:docMk/>
-            <pc:sldMk cId="3544396517" sldId="256"/>
-            <ac:spMk id="319" creationId="{4E71BFC4-4C37-442A-2749-2B6B929756DE}"/>
-          </ac:spMkLst>
-        </pc:spChg>
-        <pc:spChg chg="mod">
-          <ac:chgData name="Dave Iberson-Hurst" userId="b9343ad4-b965-4c67-a190-78071bba09d9" providerId="ADAL" clId="{31DF6E34-6386-D345-95D1-76FAD145A90A}" dt="2024-10-03T05:07:46.188" v="1436"/>
-          <ac:spMkLst>
-            <pc:docMk/>
-            <pc:sldMk cId="3544396517" sldId="256"/>
-            <ac:spMk id="320" creationId="{F300E1C4-9004-34CF-77C0-4705F7770001}"/>
-          </ac:spMkLst>
-        </pc:spChg>
-        <pc:spChg chg="mod">
-          <ac:chgData name="Dave Iberson-Hurst" userId="b9343ad4-b965-4c67-a190-78071bba09d9" providerId="ADAL" clId="{31DF6E34-6386-D345-95D1-76FAD145A90A}" dt="2024-10-03T05:08:10.784" v="1438"/>
-          <ac:spMkLst>
-            <pc:docMk/>
-            <pc:sldMk cId="3544396517" sldId="256"/>
-            <ac:spMk id="322" creationId="{93958656-B708-8F82-82F0-1C3F20693069}"/>
-          </ac:spMkLst>
-        </pc:spChg>
-        <pc:spChg chg="mod">
-          <ac:chgData name="Dave Iberson-Hurst" userId="b9343ad4-b965-4c67-a190-78071bba09d9" providerId="ADAL" clId="{31DF6E34-6386-D345-95D1-76FAD145A90A}" dt="2024-10-03T05:08:10.784" v="1438"/>
-          <ac:spMkLst>
-            <pc:docMk/>
-            <pc:sldMk cId="3544396517" sldId="256"/>
-            <ac:spMk id="323" creationId="{CF81BA02-2017-F0FF-8B55-06C63065CB99}"/>
-          </ac:spMkLst>
-        </pc:spChg>
-        <pc:spChg chg="mod">
-          <ac:chgData name="Dave Iberson-Hurst" userId="b9343ad4-b965-4c67-a190-78071bba09d9" providerId="ADAL" clId="{31DF6E34-6386-D345-95D1-76FAD145A90A}" dt="2024-10-03T05:09:57.265" v="1512" actId="207"/>
-          <ac:spMkLst>
-            <pc:docMk/>
-            <pc:sldMk cId="3544396517" sldId="256"/>
-            <ac:spMk id="324" creationId="{CE31DEAE-95FE-D361-1610-7EF786CAD815}"/>
-          </ac:spMkLst>
-        </pc:spChg>
-        <pc:spChg chg="mod topLvl">
-          <ac:chgData name="Dave Iberson-Hurst" userId="b9343ad4-b965-4c67-a190-78071bba09d9" providerId="ADAL" clId="{31DF6E34-6386-D345-95D1-76FAD145A90A}" dt="2024-10-03T05:44:21.513" v="2301" actId="14100"/>
-          <ac:spMkLst>
-            <pc:docMk/>
-            <pc:sldMk cId="3544396517" sldId="256"/>
-            <ac:spMk id="327" creationId="{20C1498C-2589-353E-5779-C02EECBD8DA2}"/>
-          </ac:spMkLst>
-        </pc:spChg>
-        <pc:spChg chg="mod topLvl">
-          <ac:chgData name="Dave Iberson-Hurst" userId="b9343ad4-b965-4c67-a190-78071bba09d9" providerId="ADAL" clId="{31DF6E34-6386-D345-95D1-76FAD145A90A}" dt="2024-10-03T05:43:36.045" v="2263" actId="1076"/>
-          <ac:spMkLst>
-            <pc:docMk/>
-            <pc:sldMk cId="3544396517" sldId="256"/>
-            <ac:spMk id="329" creationId="{42EAB0D2-ED1A-242A-D507-51B70B86FF59}"/>
-          </ac:spMkLst>
-        </pc:spChg>
-        <pc:spChg chg="del mod">
-          <ac:chgData name="Dave Iberson-Hurst" userId="b9343ad4-b965-4c67-a190-78071bba09d9" providerId="ADAL" clId="{31DF6E34-6386-D345-95D1-76FAD145A90A}" dt="2024-10-03T05:13:03.865" v="1536" actId="478"/>
-          <ac:spMkLst>
-            <pc:docMk/>
-            <pc:sldMk cId="3544396517" sldId="256"/>
-            <ac:spMk id="332" creationId="{1C75F3E0-DC72-9DBB-D5F1-071F0B3D7762}"/>
-          </ac:spMkLst>
-        </pc:spChg>
-        <pc:spChg chg="mod">
-          <ac:chgData name="Dave Iberson-Hurst" userId="b9343ad4-b965-4c67-a190-78071bba09d9" providerId="ADAL" clId="{31DF6E34-6386-D345-95D1-76FAD145A90A}" dt="2024-10-03T05:12:16.371" v="1516"/>
-          <ac:spMkLst>
-            <pc:docMk/>
-            <pc:sldMk cId="3544396517" sldId="256"/>
-            <ac:spMk id="333" creationId="{19E3D69C-AAD8-A7CF-E9AD-385C5876DE09}"/>
-          </ac:spMkLst>
-        </pc:spChg>
-        <pc:spChg chg="mod">
-          <ac:chgData name="Dave Iberson-Hurst" userId="b9343ad4-b965-4c67-a190-78071bba09d9" providerId="ADAL" clId="{31DF6E34-6386-D345-95D1-76FAD145A90A}" dt="2024-10-03T05:12:16.371" v="1516"/>
-          <ac:spMkLst>
-            <pc:docMk/>
-            <pc:sldMk cId="3544396517" sldId="256"/>
-            <ac:spMk id="334" creationId="{EC8F2846-6A0F-45A4-678A-07093E4015E1}"/>
-          </ac:spMkLst>
-        </pc:spChg>
-        <pc:spChg chg="mod">
-          <ac:chgData name="Dave Iberson-Hurst" userId="b9343ad4-b965-4c67-a190-78071bba09d9" providerId="ADAL" clId="{31DF6E34-6386-D345-95D1-76FAD145A90A}" dt="2024-10-03T05:12:16.371" v="1516"/>
-          <ac:spMkLst>
-            <pc:docMk/>
-            <pc:sldMk cId="3544396517" sldId="256"/>
-            <ac:spMk id="335" creationId="{9E316D8D-00AA-8471-8C6B-2D378D991465}"/>
-          </ac:spMkLst>
-        </pc:spChg>
-        <pc:spChg chg="mod">
-          <ac:chgData name="Dave Iberson-Hurst" userId="b9343ad4-b965-4c67-a190-78071bba09d9" providerId="ADAL" clId="{31DF6E34-6386-D345-95D1-76FAD145A90A}" dt="2024-10-03T05:12:16.371" v="1516"/>
-          <ac:spMkLst>
-            <pc:docMk/>
-            <pc:sldMk cId="3544396517" sldId="256"/>
-            <ac:spMk id="336" creationId="{218FD83B-C013-F4B9-3670-A84572FF2E0D}"/>
-          </ac:spMkLst>
-        </pc:spChg>
-        <pc:spChg chg="mod">
-          <ac:chgData name="Dave Iberson-Hurst" userId="b9343ad4-b965-4c67-a190-78071bba09d9" providerId="ADAL" clId="{31DF6E34-6386-D345-95D1-76FAD145A90A}" dt="2024-10-03T05:12:16.371" v="1516"/>
-          <ac:spMkLst>
-            <pc:docMk/>
-            <pc:sldMk cId="3544396517" sldId="256"/>
-            <ac:spMk id="337" creationId="{8C4474BF-3F47-28AB-CEE2-3B39D98FB482}"/>
-          </ac:spMkLst>
-        </pc:spChg>
-        <pc:spChg chg="mod">
-          <ac:chgData name="Dave Iberson-Hurst" userId="b9343ad4-b965-4c67-a190-78071bba09d9" providerId="ADAL" clId="{31DF6E34-6386-D345-95D1-76FAD145A90A}" dt="2024-10-03T05:12:16.371" v="1516"/>
-          <ac:spMkLst>
-            <pc:docMk/>
-            <pc:sldMk cId="3544396517" sldId="256"/>
-            <ac:spMk id="338" creationId="{89C17AA5-837F-3B7F-C4C0-DB53FCAA67AB}"/>
-          </ac:spMkLst>
-        </pc:spChg>
-        <pc:spChg chg="mod">
-          <ac:chgData name="Dave Iberson-Hurst" userId="b9343ad4-b965-4c67-a190-78071bba09d9" providerId="ADAL" clId="{31DF6E34-6386-D345-95D1-76FAD145A90A}" dt="2024-10-03T05:12:16.371" v="1516"/>
-          <ac:spMkLst>
-            <pc:docMk/>
-            <pc:sldMk cId="3544396517" sldId="256"/>
-            <ac:spMk id="339" creationId="{F52025F9-65A4-0428-ED6C-1C98F232D3A8}"/>
-          </ac:spMkLst>
-        </pc:spChg>
-        <pc:spChg chg="del mod">
-          <ac:chgData name="Dave Iberson-Hurst" userId="b9343ad4-b965-4c67-a190-78071bba09d9" providerId="ADAL" clId="{31DF6E34-6386-D345-95D1-76FAD145A90A}" dt="2024-10-03T05:12:56.378" v="1532" actId="478"/>
-          <ac:spMkLst>
-            <pc:docMk/>
-            <pc:sldMk cId="3544396517" sldId="256"/>
-            <ac:spMk id="341" creationId="{48DF3892-27B5-2FDE-B6CC-8B0410142CBC}"/>
-          </ac:spMkLst>
-        </pc:spChg>
-        <pc:spChg chg="mod">
-          <ac:chgData name="Dave Iberson-Hurst" userId="b9343ad4-b965-4c67-a190-78071bba09d9" providerId="ADAL" clId="{31DF6E34-6386-D345-95D1-76FAD145A90A}" dt="2024-10-03T05:12:16.371" v="1516"/>
-          <ac:spMkLst>
-            <pc:docMk/>
-            <pc:sldMk cId="3544396517" sldId="256"/>
-            <ac:spMk id="342" creationId="{EFA8DFFD-93F2-CDCC-9263-128F81614916}"/>
-          </ac:spMkLst>
-        </pc:spChg>
-        <pc:spChg chg="mod">
-          <ac:chgData name="Dave Iberson-Hurst" userId="b9343ad4-b965-4c67-a190-78071bba09d9" providerId="ADAL" clId="{31DF6E34-6386-D345-95D1-76FAD145A90A}" dt="2024-10-03T05:12:16.371" v="1516"/>
-          <ac:spMkLst>
-            <pc:docMk/>
-            <pc:sldMk cId="3544396517" sldId="256"/>
-            <ac:spMk id="343" creationId="{6AED38F4-B4C0-7E79-B203-9EE72DAC9DFD}"/>
-          </ac:spMkLst>
-        </pc:spChg>
-        <pc:spChg chg="mod">
-          <ac:chgData name="Dave Iberson-Hurst" userId="b9343ad4-b965-4c67-a190-78071bba09d9" providerId="ADAL" clId="{31DF6E34-6386-D345-95D1-76FAD145A90A}" dt="2024-10-03T05:24:40.452" v="1661" actId="20577"/>
-          <ac:spMkLst>
-            <pc:docMk/>
-            <pc:sldMk cId="3544396517" sldId="256"/>
-            <ac:spMk id="344" creationId="{0985E804-5F92-EF54-9BC8-093413E91041}"/>
-          </ac:spMkLst>
-        </pc:spChg>
-        <pc:spChg chg="mod">
-          <ac:chgData name="Dave Iberson-Hurst" userId="b9343ad4-b965-4c67-a190-78071bba09d9" providerId="ADAL" clId="{31DF6E34-6386-D345-95D1-76FAD145A90A}" dt="2024-10-03T05:12:16.371" v="1516"/>
-          <ac:spMkLst>
-            <pc:docMk/>
-            <pc:sldMk cId="3544396517" sldId="256"/>
-            <ac:spMk id="345" creationId="{35500A4B-6374-2350-14C3-37392FA49CF5}"/>
-          </ac:spMkLst>
-        </pc:spChg>
-        <pc:spChg chg="mod">
-          <ac:chgData name="Dave Iberson-Hurst" userId="b9343ad4-b965-4c67-a190-78071bba09d9" providerId="ADAL" clId="{31DF6E34-6386-D345-95D1-76FAD145A90A}" dt="2024-10-02T11:27:52.281" v="1178" actId="6549"/>
-          <ac:spMkLst>
-            <pc:docMk/>
-            <pc:sldMk cId="3544396517" sldId="256"/>
-            <ac:spMk id="348" creationId="{B00B2F7E-1C0F-1593-8D08-7CCA03B9BA8F}"/>
-          </ac:spMkLst>
-        </pc:spChg>
-        <pc:spChg chg="mod">
-          <ac:chgData name="Dave Iberson-Hurst" userId="b9343ad4-b965-4c67-a190-78071bba09d9" providerId="ADAL" clId="{31DF6E34-6386-D345-95D1-76FAD145A90A}" dt="2024-10-03T05:08:42.892" v="1485" actId="6549"/>
-          <ac:spMkLst>
-            <pc:docMk/>
-            <pc:sldMk cId="3544396517" sldId="256"/>
-            <ac:spMk id="358" creationId="{F7812200-17F4-D615-421D-3E38529AE524}"/>
-          </ac:spMkLst>
-        </pc:spChg>
-        <pc:spChg chg="mod">
-          <ac:chgData name="Dave Iberson-Hurst" userId="b9343ad4-b965-4c67-a190-78071bba09d9" providerId="ADAL" clId="{31DF6E34-6386-D345-95D1-76FAD145A90A}" dt="2024-10-02T11:32:05.105" v="1254" actId="207"/>
-          <ac:spMkLst>
-            <pc:docMk/>
-            <pc:sldMk cId="3544396517" sldId="256"/>
-            <ac:spMk id="359" creationId="{FA102A5F-6E32-B269-2995-85FD52AA51A8}"/>
-          </ac:spMkLst>
-        </pc:spChg>
-        <pc:spChg chg="mod">
-          <ac:chgData name="Dave Iberson-Hurst" userId="b9343ad4-b965-4c67-a190-78071bba09d9" providerId="ADAL" clId="{31DF6E34-6386-D345-95D1-76FAD145A90A}" dt="2024-10-02T11:32:05.105" v="1254" actId="207"/>
-          <ac:spMkLst>
-            <pc:docMk/>
-            <pc:sldMk cId="3544396517" sldId="256"/>
-            <ac:spMk id="361" creationId="{7AB6C6DA-C5DF-7BEF-5272-0EF7189B305D}"/>
-          </ac:spMkLst>
-        </pc:spChg>
-        <pc:spChg chg="mod">
-          <ac:chgData name="Dave Iberson-Hurst" userId="b9343ad4-b965-4c67-a190-78071bba09d9" providerId="ADAL" clId="{31DF6E34-6386-D345-95D1-76FAD145A90A}" dt="2024-10-02T11:32:05.105" v="1254" actId="207"/>
-          <ac:spMkLst>
-            <pc:docMk/>
-            <pc:sldMk cId="3544396517" sldId="256"/>
-            <ac:spMk id="362" creationId="{D3DA8A2E-7290-1025-EFBD-F109B29FAD00}"/>
-          </ac:spMkLst>
-        </pc:spChg>
-        <pc:spChg chg="mod">
-          <ac:chgData name="Dave Iberson-Hurst" userId="b9343ad4-b965-4c67-a190-78071bba09d9" providerId="ADAL" clId="{31DF6E34-6386-D345-95D1-76FAD145A90A}" dt="2024-10-02T11:32:05.105" v="1254" actId="207"/>
-          <ac:spMkLst>
-            <pc:docMk/>
-            <pc:sldMk cId="3544396517" sldId="256"/>
-            <ac:spMk id="365" creationId="{14766BA1-DD53-A737-5023-B2CF355257A0}"/>
-          </ac:spMkLst>
-        </pc:spChg>
-        <pc:spChg chg="mod">
-          <ac:chgData name="Dave Iberson-Hurst" userId="b9343ad4-b965-4c67-a190-78071bba09d9" providerId="ADAL" clId="{31DF6E34-6386-D345-95D1-76FAD145A90A}" dt="2024-10-03T05:08:56.411" v="1491" actId="1036"/>
-          <ac:spMkLst>
-            <pc:docMk/>
-            <pc:sldMk cId="3544396517" sldId="256"/>
-            <ac:spMk id="368" creationId="{C92186C1-6021-35A1-17D9-7CE9FC50ADBD}"/>
-          </ac:spMkLst>
-        </pc:spChg>
-        <pc:spChg chg="del mod">
-          <ac:chgData name="Dave Iberson-Hurst" userId="b9343ad4-b965-4c67-a190-78071bba09d9" providerId="ADAL" clId="{31DF6E34-6386-D345-95D1-76FAD145A90A}" dt="2024-10-02T10:54:56.832" v="136" actId="478"/>
-          <ac:spMkLst>
-            <pc:docMk/>
-            <pc:sldMk cId="3544396517" sldId="256"/>
-            <ac:spMk id="376" creationId="{54824A57-2D1A-58FA-3E27-727A893CEBA8}"/>
-          </ac:spMkLst>
-        </pc:spChg>
-        <pc:spChg chg="mod">
-          <ac:chgData name="Dave Iberson-Hurst" userId="b9343ad4-b965-4c67-a190-78071bba09d9" providerId="ADAL" clId="{31DF6E34-6386-D345-95D1-76FAD145A90A}" dt="2024-10-03T05:12:16.371" v="1516"/>
-          <ac:spMkLst>
-            <pc:docMk/>
-            <pc:sldMk cId="3544396517" sldId="256"/>
-            <ac:spMk id="376" creationId="{71EC287C-B68B-D843-B4C5-263C1556AE68}"/>
-          </ac:spMkLst>
-        </pc:spChg>
-        <pc:spChg chg="mod">
-          <ac:chgData name="Dave Iberson-Hurst" userId="b9343ad4-b965-4c67-a190-78071bba09d9" providerId="ADAL" clId="{31DF6E34-6386-D345-95D1-76FAD145A90A}" dt="2024-10-03T05:12:16.371" v="1516"/>
-          <ac:spMkLst>
-            <pc:docMk/>
-            <pc:sldMk cId="3544396517" sldId="256"/>
-            <ac:spMk id="377" creationId="{87A91033-5673-243F-48C4-45A537A54D3F}"/>
-          </ac:spMkLst>
-        </pc:spChg>
-        <pc:spChg chg="mod">
-          <ac:chgData name="Dave Iberson-Hurst" userId="b9343ad4-b965-4c67-a190-78071bba09d9" providerId="ADAL" clId="{31DF6E34-6386-D345-95D1-76FAD145A90A}" dt="2024-10-03T05:12:16.371" v="1516"/>
-          <ac:spMkLst>
-            <pc:docMk/>
-            <pc:sldMk cId="3544396517" sldId="256"/>
-            <ac:spMk id="378" creationId="{E9867E12-1CEF-4840-E484-E41E026B3884}"/>
-          </ac:spMkLst>
-        </pc:spChg>
-        <pc:spChg chg="mod">
-          <ac:chgData name="Dave Iberson-Hurst" userId="b9343ad4-b965-4c67-a190-78071bba09d9" providerId="ADAL" clId="{31DF6E34-6386-D345-95D1-76FAD145A90A}" dt="2024-10-03T05:12:16.371" v="1516"/>
-          <ac:spMkLst>
-            <pc:docMk/>
-            <pc:sldMk cId="3544396517" sldId="256"/>
-            <ac:spMk id="379" creationId="{2C0AEE3E-E651-91FA-2427-F76B0F5715ED}"/>
-          </ac:spMkLst>
-        </pc:spChg>
-        <pc:spChg chg="del mod topLvl">
-          <ac:chgData name="Dave Iberson-Hurst" userId="b9343ad4-b965-4c67-a190-78071bba09d9" providerId="ADAL" clId="{31DF6E34-6386-D345-95D1-76FAD145A90A}" dt="2024-10-03T05:15:03.932" v="1579" actId="478"/>
-          <ac:spMkLst>
-            <pc:docMk/>
-            <pc:sldMk cId="3544396517" sldId="256"/>
-            <ac:spMk id="381" creationId="{50B6D36B-8833-22B7-3B2F-43914F9C46A8}"/>
-          </ac:spMkLst>
-        </pc:spChg>
-        <pc:spChg chg="mod topLvl">
-          <ac:chgData name="Dave Iberson-Hurst" userId="b9343ad4-b965-4c67-a190-78071bba09d9" providerId="ADAL" clId="{31DF6E34-6386-D345-95D1-76FAD145A90A}" dt="2024-10-03T05:44:17.107" v="2300" actId="1035"/>
-          <ac:spMkLst>
-            <pc:docMk/>
-            <pc:sldMk cId="3544396517" sldId="256"/>
-            <ac:spMk id="382" creationId="{B64F8737-1B3B-BE75-F4AC-0DA8BD18E24B}"/>
-          </ac:spMkLst>
-        </pc:spChg>
-        <pc:spChg chg="mod topLvl">
-          <ac:chgData name="Dave Iberson-Hurst" userId="b9343ad4-b965-4c67-a190-78071bba09d9" providerId="ADAL" clId="{31DF6E34-6386-D345-95D1-76FAD145A90A}" dt="2024-10-03T05:44:17.107" v="2300" actId="1035"/>
-          <ac:spMkLst>
-            <pc:docMk/>
-            <pc:sldMk cId="3544396517" sldId="256"/>
-            <ac:spMk id="383" creationId="{8FB5723D-9A1F-838B-007B-265E75D1B991}"/>
-          </ac:spMkLst>
-        </pc:spChg>
-        <pc:spChg chg="mod">
-          <ac:chgData name="Dave Iberson-Hurst" userId="b9343ad4-b965-4c67-a190-78071bba09d9" providerId="ADAL" clId="{31DF6E34-6386-D345-95D1-76FAD145A90A}" dt="2024-10-03T05:14:11.059" v="1560" actId="571"/>
-          <ac:spMkLst>
-            <pc:docMk/>
-            <pc:sldMk cId="3544396517" sldId="256"/>
-            <ac:spMk id="385" creationId="{F3747997-F4A9-08B7-197F-D6A3F03C5549}"/>
-          </ac:spMkLst>
-        </pc:spChg>
-        <pc:spChg chg="mod">
-          <ac:chgData name="Dave Iberson-Hurst" userId="b9343ad4-b965-4c67-a190-78071bba09d9" providerId="ADAL" clId="{31DF6E34-6386-D345-95D1-76FAD145A90A}" dt="2024-10-03T05:14:11.059" v="1560" actId="571"/>
-          <ac:spMkLst>
-            <pc:docMk/>
-            <pc:sldMk cId="3544396517" sldId="256"/>
-            <ac:spMk id="386" creationId="{BC767587-FF65-EEC6-56F5-874A76550C0B}"/>
-          </ac:spMkLst>
-        </pc:spChg>
-        <pc:spChg chg="mod topLvl">
-          <ac:chgData name="Dave Iberson-Hurst" userId="b9343ad4-b965-4c67-a190-78071bba09d9" providerId="ADAL" clId="{31DF6E34-6386-D345-95D1-76FAD145A90A}" dt="2024-10-02T11:19:28.554" v="989" actId="1076"/>
-          <ac:spMkLst>
-            <pc:docMk/>
-            <pc:sldMk cId="3544396517" sldId="256"/>
-            <ac:spMk id="397" creationId="{FA21814F-FE9F-3D1F-B364-BA544890C124}"/>
-          </ac:spMkLst>
-        </pc:spChg>
-        <pc:spChg chg="mod topLvl">
-          <ac:chgData name="Dave Iberson-Hurst" userId="b9343ad4-b965-4c67-a190-78071bba09d9" providerId="ADAL" clId="{31DF6E34-6386-D345-95D1-76FAD145A90A}" dt="2024-10-02T11:19:28.554" v="989" actId="1076"/>
-          <ac:spMkLst>
-            <pc:docMk/>
-            <pc:sldMk cId="3544396517" sldId="256"/>
-            <ac:spMk id="398" creationId="{62B4C2DE-495F-A224-23C2-8BC39D498B9C}"/>
-          </ac:spMkLst>
-        </pc:spChg>
-        <pc:spChg chg="mod">
-          <ac:chgData name="Dave Iberson-Hurst" userId="b9343ad4-b965-4c67-a190-78071bba09d9" providerId="ADAL" clId="{31DF6E34-6386-D345-95D1-76FAD145A90A}" dt="2024-10-03T05:14:11.059" v="1560" actId="571"/>
-          <ac:spMkLst>
-            <pc:docMk/>
-            <pc:sldMk cId="3544396517" sldId="256"/>
-            <ac:spMk id="399" creationId="{408137E2-C890-1C78-D828-4E0CE9336094}"/>
-          </ac:spMkLst>
-        </pc:spChg>
-        <pc:spChg chg="mod">
-          <ac:chgData name="Dave Iberson-Hurst" userId="b9343ad4-b965-4c67-a190-78071bba09d9" providerId="ADAL" clId="{31DF6E34-6386-D345-95D1-76FAD145A90A}" dt="2024-10-03T05:14:10.464" v="1559" actId="571"/>
-          <ac:spMkLst>
-            <pc:docMk/>
-            <pc:sldMk cId="3544396517" sldId="256"/>
-            <ac:spMk id="401" creationId="{8BCFA1E1-1C21-CBC4-6B95-0B830566F2B8}"/>
-          </ac:spMkLst>
-        </pc:spChg>
-        <pc:spChg chg="mod">
-          <ac:chgData name="Dave Iberson-Hurst" userId="b9343ad4-b965-4c67-a190-78071bba09d9" providerId="ADAL" clId="{31DF6E34-6386-D345-95D1-76FAD145A90A}" dt="2024-10-03T05:14:10.464" v="1559" actId="571"/>
-          <ac:spMkLst>
-            <pc:docMk/>
-            <pc:sldMk cId="3544396517" sldId="256"/>
-            <ac:spMk id="402" creationId="{43D54B0E-6FF2-9855-45F8-71C4E896E08C}"/>
-          </ac:spMkLst>
-        </pc:spChg>
-        <pc:spChg chg="mod">
-          <ac:chgData name="Dave Iberson-Hurst" userId="b9343ad4-b965-4c67-a190-78071bba09d9" providerId="ADAL" clId="{31DF6E34-6386-D345-95D1-76FAD145A90A}" dt="2024-10-03T05:14:10.464" v="1559" actId="571"/>
-          <ac:spMkLst>
-            <pc:docMk/>
-            <pc:sldMk cId="3544396517" sldId="256"/>
-            <ac:spMk id="403" creationId="{BBD26EA1-066F-8D7F-A58E-991153471C54}"/>
-          </ac:spMkLst>
-        </pc:spChg>
-        <pc:spChg chg="mod">
-          <ac:chgData name="Dave Iberson-Hurst" userId="b9343ad4-b965-4c67-a190-78071bba09d9" providerId="ADAL" clId="{31DF6E34-6386-D345-95D1-76FAD145A90A}" dt="2024-10-03T05:14:10.090" v="1558" actId="571"/>
-          <ac:spMkLst>
-            <pc:docMk/>
-            <pc:sldMk cId="3544396517" sldId="256"/>
-            <ac:spMk id="405" creationId="{0F946B83-74F5-52AB-7EF6-279C3651A49F}"/>
-          </ac:spMkLst>
-        </pc:spChg>
-        <pc:spChg chg="mod">
-          <ac:chgData name="Dave Iberson-Hurst" userId="b9343ad4-b965-4c67-a190-78071bba09d9" providerId="ADAL" clId="{31DF6E34-6386-D345-95D1-76FAD145A90A}" dt="2024-10-03T05:14:10.090" v="1558" actId="571"/>
-          <ac:spMkLst>
-            <pc:docMk/>
-            <pc:sldMk cId="3544396517" sldId="256"/>
-            <ac:spMk id="406" creationId="{BFC776B5-D5C7-89A2-327A-8A05F4881E16}"/>
-          </ac:spMkLst>
-        </pc:spChg>
-        <pc:spChg chg="mod">
-          <ac:chgData name="Dave Iberson-Hurst" userId="b9343ad4-b965-4c67-a190-78071bba09d9" providerId="ADAL" clId="{31DF6E34-6386-D345-95D1-76FAD145A90A}" dt="2024-10-03T05:14:10.090" v="1558" actId="571"/>
-          <ac:spMkLst>
-            <pc:docMk/>
-            <pc:sldMk cId="3544396517" sldId="256"/>
-            <ac:spMk id="407" creationId="{94CCAAAE-4D8E-097B-2CE6-C49B86E67946}"/>
-          </ac:spMkLst>
-        </pc:spChg>
-        <pc:spChg chg="add mod topLvl">
-          <ac:chgData name="Dave Iberson-Hurst" userId="b9343ad4-b965-4c67-a190-78071bba09d9" providerId="ADAL" clId="{31DF6E34-6386-D345-95D1-76FAD145A90A}" dt="2024-10-03T05:44:17.107" v="2300" actId="1035"/>
-          <ac:spMkLst>
-            <pc:docMk/>
-            <pc:sldMk cId="3544396517" sldId="256"/>
-            <ac:spMk id="408" creationId="{5A8CFBC7-BC42-4161-8B19-E8F473456880}"/>
-          </ac:spMkLst>
-        </pc:spChg>
-        <pc:spChg chg="add mod topLvl">
-          <ac:chgData name="Dave Iberson-Hurst" userId="b9343ad4-b965-4c67-a190-78071bba09d9" providerId="ADAL" clId="{31DF6E34-6386-D345-95D1-76FAD145A90A}" dt="2024-10-03T05:44:17.107" v="2300" actId="1035"/>
-          <ac:spMkLst>
-            <pc:docMk/>
-            <pc:sldMk cId="3544396517" sldId="256"/>
-            <ac:spMk id="409" creationId="{756F2B23-B2ED-D931-A2F9-00E05F9C2CBC}"/>
-          </ac:spMkLst>
-        </pc:spChg>
-        <pc:spChg chg="mod">
-          <ac:chgData name="Dave Iberson-Hurst" userId="b9343ad4-b965-4c67-a190-78071bba09d9" providerId="ADAL" clId="{31DF6E34-6386-D345-95D1-76FAD145A90A}" dt="2024-10-03T05:23:27.850" v="1653"/>
-          <ac:spMkLst>
-            <pc:docMk/>
-            <pc:sldMk cId="3544396517" sldId="256"/>
-            <ac:spMk id="412" creationId="{61C744AD-4355-1AFC-4366-E36B9E509DA6}"/>
-          </ac:spMkLst>
-        </pc:spChg>
-        <pc:spChg chg="mod">
-          <ac:chgData name="Dave Iberson-Hurst" userId="b9343ad4-b965-4c67-a190-78071bba09d9" providerId="ADAL" clId="{31DF6E34-6386-D345-95D1-76FAD145A90A}" dt="2024-10-03T05:43:17.387" v="2260" actId="207"/>
-          <ac:spMkLst>
-            <pc:docMk/>
-            <pc:sldMk cId="3544396517" sldId="256"/>
-            <ac:spMk id="413" creationId="{2F79E679-04E3-7326-7149-396C3351FDA8}"/>
-          </ac:spMkLst>
-        </pc:spChg>
-        <pc:spChg chg="mod">
-          <ac:chgData name="Dave Iberson-Hurst" userId="b9343ad4-b965-4c67-a190-78071bba09d9" providerId="ADAL" clId="{31DF6E34-6386-D345-95D1-76FAD145A90A}" dt="2024-10-03T05:43:17.387" v="2260" actId="207"/>
-          <ac:spMkLst>
-            <pc:docMk/>
-            <pc:sldMk cId="3544396517" sldId="256"/>
-            <ac:spMk id="414" creationId="{A6BAABB7-3B0E-3A7E-B71B-CA9BB434155A}"/>
-          </ac:spMkLst>
-        </pc:spChg>
-        <pc:spChg chg="mod">
-          <ac:chgData name="Dave Iberson-Hurst" userId="b9343ad4-b965-4c67-a190-78071bba09d9" providerId="ADAL" clId="{31DF6E34-6386-D345-95D1-76FAD145A90A}" dt="2024-10-03T05:43:22.589" v="2261" actId="207"/>
-          <ac:spMkLst>
-            <pc:docMk/>
-            <pc:sldMk cId="3544396517" sldId="256"/>
-            <ac:spMk id="416" creationId="{0EB55741-A26F-1127-DEF3-65B1672A2D48}"/>
-          </ac:spMkLst>
-        </pc:spChg>
-        <pc:spChg chg="mod">
-          <ac:chgData name="Dave Iberson-Hurst" userId="b9343ad4-b965-4c67-a190-78071bba09d9" providerId="ADAL" clId="{31DF6E34-6386-D345-95D1-76FAD145A90A}" dt="2024-10-03T05:43:22.589" v="2261" actId="207"/>
-          <ac:spMkLst>
-            <pc:docMk/>
-            <pc:sldMk cId="3544396517" sldId="256"/>
-            <ac:spMk id="417" creationId="{AEABC8A5-6F4B-1FEE-0DE2-1C345095AD8A}"/>
-          </ac:spMkLst>
-        </pc:spChg>
-        <pc:spChg chg="mod">
-          <ac:chgData name="Dave Iberson-Hurst" userId="b9343ad4-b965-4c67-a190-78071bba09d9" providerId="ADAL" clId="{31DF6E34-6386-D345-95D1-76FAD145A90A}" dt="2024-10-03T05:43:22.589" v="2261" actId="207"/>
-          <ac:spMkLst>
-            <pc:docMk/>
-            <pc:sldMk cId="3544396517" sldId="256"/>
-            <ac:spMk id="418" creationId="{4E8FFF89-8EC5-0310-0757-95AB1AA7DBCE}"/>
-          </ac:spMkLst>
-        </pc:spChg>
-        <pc:spChg chg="mod">
-          <ac:chgData name="Dave Iberson-Hurst" userId="b9343ad4-b965-4c67-a190-78071bba09d9" providerId="ADAL" clId="{31DF6E34-6386-D345-95D1-76FAD145A90A}" dt="2024-10-03T05:35:40.411" v="2076"/>
-          <ac:spMkLst>
-            <pc:docMk/>
-            <pc:sldMk cId="3544396517" sldId="256"/>
-            <ac:spMk id="420" creationId="{0B82FD8C-1FB0-1A79-A04E-84ABF4B65324}"/>
-          </ac:spMkLst>
-        </pc:spChg>
-        <pc:spChg chg="mod">
-          <ac:chgData name="Dave Iberson-Hurst" userId="b9343ad4-b965-4c67-a190-78071bba09d9" providerId="ADAL" clId="{31DF6E34-6386-D345-95D1-76FAD145A90A}" dt="2024-10-03T05:35:40.411" v="2076"/>
-          <ac:spMkLst>
-            <pc:docMk/>
-            <pc:sldMk cId="3544396517" sldId="256"/>
-            <ac:spMk id="421" creationId="{BACEBBF9-21D6-CC7F-EC25-DC6645E1B691}"/>
-          </ac:spMkLst>
-        </pc:spChg>
-        <pc:spChg chg="mod">
-          <ac:chgData name="Dave Iberson-Hurst" userId="b9343ad4-b965-4c67-a190-78071bba09d9" providerId="ADAL" clId="{31DF6E34-6386-D345-95D1-76FAD145A90A}" dt="2024-10-03T05:35:40.411" v="2076"/>
-          <ac:spMkLst>
-            <pc:docMk/>
-            <pc:sldMk cId="3544396517" sldId="256"/>
-            <ac:spMk id="422" creationId="{F1C9F506-53D7-4031-093C-81B26D7D1687}"/>
-          </ac:spMkLst>
-        </pc:spChg>
-        <pc:spChg chg="add mod">
-          <ac:chgData name="Dave Iberson-Hurst" userId="b9343ad4-b965-4c67-a190-78071bba09d9" providerId="ADAL" clId="{31DF6E34-6386-D345-95D1-76FAD145A90A}" dt="2024-10-03T05:44:08.733" v="2284" actId="20577"/>
-          <ac:spMkLst>
-            <pc:docMk/>
-            <pc:sldMk cId="3544396517" sldId="256"/>
-            <ac:spMk id="423" creationId="{6E034EFE-F73A-60FE-C503-7C9033E0C0D2}"/>
-          </ac:spMkLst>
-        </pc:spChg>
-        <pc:grpChg chg="mod">
-          <ac:chgData name="Dave Iberson-Hurst" userId="b9343ad4-b965-4c67-a190-78071bba09d9" providerId="ADAL" clId="{31DF6E34-6386-D345-95D1-76FAD145A90A}" dt="2024-10-02T11:30:50.126" v="1250" actId="1036"/>
-          <ac:grpSpMkLst>
-            <pc:docMk/>
-            <pc:sldMk cId="3544396517" sldId="256"/>
-            <ac:grpSpMk id="7" creationId="{C1C20B59-3D2A-0E43-8386-38C590DCC7E1}"/>
-          </ac:grpSpMkLst>
-        </pc:grpChg>
-        <pc:grpChg chg="mod">
-          <ac:chgData name="Dave Iberson-Hurst" userId="b9343ad4-b965-4c67-a190-78071bba09d9" providerId="ADAL" clId="{31DF6E34-6386-D345-95D1-76FAD145A90A}" dt="2024-10-02T11:30:50.126" v="1250" actId="1036"/>
-          <ac:grpSpMkLst>
-            <pc:docMk/>
-            <pc:sldMk cId="3544396517" sldId="256"/>
-            <ac:grpSpMk id="19" creationId="{F465CDB0-6493-2D84-A891-368F805AE19E}"/>
-          </ac:grpSpMkLst>
-        </pc:grpChg>
-        <pc:grpChg chg="add mod">
-          <ac:chgData name="Dave Iberson-Hurst" userId="b9343ad4-b965-4c67-a190-78071bba09d9" providerId="ADAL" clId="{31DF6E34-6386-D345-95D1-76FAD145A90A}" dt="2024-10-02T11:07:56.111" v="694" actId="1035"/>
-          <ac:grpSpMkLst>
-            <pc:docMk/>
-            <pc:sldMk cId="3544396517" sldId="256"/>
-            <ac:grpSpMk id="28" creationId="{1CDF21F5-549A-BD1F-04F3-216F8701CECF}"/>
-          </ac:grpSpMkLst>
-        </pc:grpChg>
-        <pc:grpChg chg="mod">
-          <ac:chgData name="Dave Iberson-Hurst" userId="b9343ad4-b965-4c67-a190-78071bba09d9" providerId="ADAL" clId="{31DF6E34-6386-D345-95D1-76FAD145A90A}" dt="2024-10-03T05:36:01.382" v="2099" actId="1036"/>
-          <ac:grpSpMkLst>
-            <pc:docMk/>
-            <pc:sldMk cId="3544396517" sldId="256"/>
-            <ac:grpSpMk id="34" creationId="{601CCEEC-A18D-7673-1732-272CFA7D7FC8}"/>
-          </ac:grpSpMkLst>
-        </pc:grpChg>
-        <pc:grpChg chg="mod">
-          <ac:chgData name="Dave Iberson-Hurst" userId="b9343ad4-b965-4c67-a190-78071bba09d9" providerId="ADAL" clId="{31DF6E34-6386-D345-95D1-76FAD145A90A}" dt="2024-10-03T05:36:01.382" v="2099" actId="1036"/>
-          <ac:grpSpMkLst>
-            <pc:docMk/>
-            <pc:sldMk cId="3544396517" sldId="256"/>
-            <ac:grpSpMk id="50" creationId="{8F125DBD-CCE8-0AD5-8692-5C619A1D4025}"/>
-          </ac:grpSpMkLst>
-        </pc:grpChg>
-        <pc:grpChg chg="mod">
-          <ac:chgData name="Dave Iberson-Hurst" userId="b9343ad4-b965-4c67-a190-78071bba09d9" providerId="ADAL" clId="{31DF6E34-6386-D345-95D1-76FAD145A90A}" dt="2024-10-02T10:49:24.625" v="0"/>
-          <ac:grpSpMkLst>
-            <pc:docMk/>
-            <pc:sldMk cId="3544396517" sldId="256"/>
-            <ac:grpSpMk id="60" creationId="{07ECBF70-94B1-3D52-F84F-7B21DB1FB96F}"/>
-          </ac:grpSpMkLst>
-        </pc:grpChg>
-        <pc:grpChg chg="add mod">
-          <ac:chgData name="Dave Iberson-Hurst" userId="b9343ad4-b965-4c67-a190-78071bba09d9" providerId="ADAL" clId="{31DF6E34-6386-D345-95D1-76FAD145A90A}" dt="2024-10-03T05:09:02.097" v="1507" actId="1036"/>
-          <ac:grpSpMkLst>
-            <pc:docMk/>
-            <pc:sldMk cId="3544396517" sldId="256"/>
-            <ac:grpSpMk id="136" creationId="{22607A43-B59D-770E-8CBF-025E73129677}"/>
-          </ac:grpSpMkLst>
-        </pc:grpChg>
-        <pc:grpChg chg="mod">
-          <ac:chgData name="Dave Iberson-Hurst" userId="b9343ad4-b965-4c67-a190-78071bba09d9" providerId="ADAL" clId="{31DF6E34-6386-D345-95D1-76FAD145A90A}" dt="2024-10-02T10:50:34.774" v="40"/>
-          <ac:grpSpMkLst>
-            <pc:docMk/>
-            <pc:sldMk cId="3544396517" sldId="256"/>
-            <ac:grpSpMk id="137" creationId="{75D58F9E-41BA-C38A-D091-9B380E4B2F94}"/>
-          </ac:grpSpMkLst>
-        </pc:grpChg>
-        <pc:grpChg chg="add mod">
-          <ac:chgData name="Dave Iberson-Hurst" userId="b9343ad4-b965-4c67-a190-78071bba09d9" providerId="ADAL" clId="{31DF6E34-6386-D345-95D1-76FAD145A90A}" dt="2024-10-02T11:27:57.388" v="1194" actId="1035"/>
-          <ac:grpSpMkLst>
-            <pc:docMk/>
-            <pc:sldMk cId="3544396517" sldId="256"/>
-            <ac:grpSpMk id="146" creationId="{4EE7EA41-E109-ACAB-F425-184175779831}"/>
-          </ac:grpSpMkLst>
-        </pc:grpChg>
-        <pc:grpChg chg="mod">
-          <ac:chgData name="Dave Iberson-Hurst" userId="b9343ad4-b965-4c67-a190-78071bba09d9" providerId="ADAL" clId="{31DF6E34-6386-D345-95D1-76FAD145A90A}" dt="2024-10-02T10:51:48.136" v="92"/>
-          <ac:grpSpMkLst>
-            <pc:docMk/>
-            <pc:sldMk cId="3544396517" sldId="256"/>
-            <ac:grpSpMk id="147" creationId="{FAAEA2F3-3ECC-2D42-0885-A185CF063E82}"/>
-          </ac:grpSpMkLst>
-        </pc:grpChg>
-        <pc:grpChg chg="add mod topLvl">
-          <ac:chgData name="Dave Iberson-Hurst" userId="b9343ad4-b965-4c67-a190-78071bba09d9" providerId="ADAL" clId="{31DF6E34-6386-D345-95D1-76FAD145A90A}" dt="2024-10-02T11:19:28.554" v="989" actId="1076"/>
-          <ac:grpSpMkLst>
-            <pc:docMk/>
-            <pc:sldMk cId="3544396517" sldId="256"/>
-            <ac:grpSpMk id="156" creationId="{0AFCB1CA-3C0F-91C7-F4C2-AEB4E2218827}"/>
-          </ac:grpSpMkLst>
-        </pc:grpChg>
-        <pc:grpChg chg="mod">
-          <ac:chgData name="Dave Iberson-Hurst" userId="b9343ad4-b965-4c67-a190-78071bba09d9" providerId="ADAL" clId="{31DF6E34-6386-D345-95D1-76FAD145A90A}" dt="2024-10-02T10:55:05.955" v="138"/>
-          <ac:grpSpMkLst>
-            <pc:docMk/>
-            <pc:sldMk cId="3544396517" sldId="256"/>
-            <ac:grpSpMk id="157" creationId="{67500760-D43B-18CF-3D81-7A9077196FD1}"/>
-          </ac:grpSpMkLst>
-        </pc:grpChg>
-        <pc:grpChg chg="add del mod">
-          <ac:chgData name="Dave Iberson-Hurst" userId="b9343ad4-b965-4c67-a190-78071bba09d9" providerId="ADAL" clId="{31DF6E34-6386-D345-95D1-76FAD145A90A}" dt="2024-10-02T11:18:58.983" v="958" actId="165"/>
-          <ac:grpSpMkLst>
-            <pc:docMk/>
-            <pc:sldMk cId="3544396517" sldId="256"/>
-            <ac:grpSpMk id="166" creationId="{C377CB16-3D1B-A87B-1A13-A262ABC625BF}"/>
-          </ac:grpSpMkLst>
-        </pc:grpChg>
-        <pc:grpChg chg="add mod">
-          <ac:chgData name="Dave Iberson-Hurst" userId="b9343ad4-b965-4c67-a190-78071bba09d9" providerId="ADAL" clId="{31DF6E34-6386-D345-95D1-76FAD145A90A}" dt="2024-10-02T11:07:56.111" v="694" actId="1035"/>
-          <ac:grpSpMkLst>
-            <pc:docMk/>
-            <pc:sldMk cId="3544396517" sldId="256"/>
-            <ac:grpSpMk id="167" creationId="{641CA479-2F4C-4D3A-24D1-B61D1121994F}"/>
-          </ac:grpSpMkLst>
-        </pc:grpChg>
-        <pc:grpChg chg="mod">
-          <ac:chgData name="Dave Iberson-Hurst" userId="b9343ad4-b965-4c67-a190-78071bba09d9" providerId="ADAL" clId="{31DF6E34-6386-D345-95D1-76FAD145A90A}" dt="2024-10-02T11:04:49.043" v="495"/>
-          <ac:grpSpMkLst>
-            <pc:docMk/>
-            <pc:sldMk cId="3544396517" sldId="256"/>
-            <ac:grpSpMk id="168" creationId="{E1B37670-EAEF-808E-5AF5-44EA9971EB69}"/>
-          </ac:grpSpMkLst>
-        </pc:grpChg>
-        <pc:grpChg chg="del">
-          <ac:chgData name="Dave Iberson-Hurst" userId="b9343ad4-b965-4c67-a190-78071bba09d9" providerId="ADAL" clId="{31DF6E34-6386-D345-95D1-76FAD145A90A}" dt="2024-10-02T11:15:13.464" v="820" actId="478"/>
-          <ac:grpSpMkLst>
-            <pc:docMk/>
-            <pc:sldMk cId="3544396517" sldId="256"/>
-            <ac:grpSpMk id="185" creationId="{A6B44D4A-50BE-0461-02A7-74E549B9A981}"/>
-          </ac:grpSpMkLst>
-        </pc:grpChg>
-        <pc:grpChg chg="add del mod">
-          <ac:chgData name="Dave Iberson-Hurst" userId="b9343ad4-b965-4c67-a190-78071bba09d9" providerId="ADAL" clId="{31DF6E34-6386-D345-95D1-76FAD145A90A}" dt="2024-10-03T05:04:25.701" v="1396" actId="165"/>
-          <ac:grpSpMkLst>
-            <pc:docMk/>
-            <pc:sldMk cId="3544396517" sldId="256"/>
-            <ac:grpSpMk id="187" creationId="{3467F35B-9585-7316-45A9-920B509748A8}"/>
-          </ac:grpSpMkLst>
-        </pc:grpChg>
-        <pc:grpChg chg="add del mod">
-          <ac:chgData name="Dave Iberson-Hurst" userId="b9343ad4-b965-4c67-a190-78071bba09d9" providerId="ADAL" clId="{31DF6E34-6386-D345-95D1-76FAD145A90A}" dt="2024-10-03T05:05:01.965" v="1404" actId="478"/>
-          <ac:grpSpMkLst>
-            <pc:docMk/>
-            <pc:sldMk cId="3544396517" sldId="256"/>
-            <ac:grpSpMk id="188" creationId="{301CBCB2-2B10-73D8-59FF-6636BF071304}"/>
-          </ac:grpSpMkLst>
-        </pc:grpChg>
-        <pc:grpChg chg="add mod">
-          <ac:chgData name="Dave Iberson-Hurst" userId="b9343ad4-b965-4c67-a190-78071bba09d9" providerId="ADAL" clId="{31DF6E34-6386-D345-95D1-76FAD145A90A}" dt="2024-10-03T05:06:34.669" v="1432" actId="1076"/>
-          <ac:grpSpMkLst>
-            <pc:docMk/>
-            <pc:sldMk cId="3544396517" sldId="256"/>
-            <ac:grpSpMk id="192" creationId="{C1E3FA95-1541-4F80-FFD7-9F8A8BC3A075}"/>
-          </ac:grpSpMkLst>
-        </pc:grpChg>
-        <pc:grpChg chg="add mod">
-          <ac:chgData name="Dave Iberson-Hurst" userId="b9343ad4-b965-4c67-a190-78071bba09d9" providerId="ADAL" clId="{31DF6E34-6386-D345-95D1-76FAD145A90A}" dt="2024-10-03T05:06:27.559" v="1431" actId="1076"/>
-          <ac:grpSpMkLst>
-            <pc:docMk/>
-            <pc:sldMk cId="3544396517" sldId="256"/>
-            <ac:grpSpMk id="193" creationId="{657FA12F-468C-D0E4-C56A-2955EDAA7A5E}"/>
-          </ac:grpSpMkLst>
-        </pc:grpChg>
-        <pc:grpChg chg="mod">
-          <ac:chgData name="Dave Iberson-Hurst" userId="b9343ad4-b965-4c67-a190-78071bba09d9" providerId="ADAL" clId="{31DF6E34-6386-D345-95D1-76FAD145A90A}" dt="2024-10-02T11:15:24.517" v="822" actId="1076"/>
-          <ac:grpSpMkLst>
-            <pc:docMk/>
-            <pc:sldMk cId="3544396517" sldId="256"/>
-            <ac:grpSpMk id="195" creationId="{142448C7-EC66-8AD1-B194-3EB727119090}"/>
-          </ac:grpSpMkLst>
-        </pc:grpChg>
-        <pc:grpChg chg="mod">
-          <ac:chgData name="Dave Iberson-Hurst" userId="b9343ad4-b965-4c67-a190-78071bba09d9" providerId="ADAL" clId="{31DF6E34-6386-D345-95D1-76FAD145A90A}" dt="2024-10-03T05:36:01.382" v="2099" actId="1036"/>
-          <ac:grpSpMkLst>
-            <pc:docMk/>
-            <pc:sldMk cId="3544396517" sldId="256"/>
-            <ac:grpSpMk id="205" creationId="{2434307A-9969-D384-7076-A7E4ABB12577}"/>
-          </ac:grpSpMkLst>
-        </pc:grpChg>
-        <pc:grpChg chg="mod">
-          <ac:chgData name="Dave Iberson-Hurst" userId="b9343ad4-b965-4c67-a190-78071bba09d9" providerId="ADAL" clId="{31DF6E34-6386-D345-95D1-76FAD145A90A}" dt="2024-10-03T05:30:00.885" v="1771" actId="1076"/>
-          <ac:grpSpMkLst>
-            <pc:docMk/>
-            <pc:sldMk cId="3544396517" sldId="256"/>
-            <ac:grpSpMk id="215" creationId="{2FA3DB53-A5B1-6B35-4AEF-DE77FCBD57C3}"/>
-          </ac:grpSpMkLst>
-        </pc:grpChg>
-        <pc:grpChg chg="add">
-          <ac:chgData name="Dave Iberson-Hurst" userId="b9343ad4-b965-4c67-a190-78071bba09d9" providerId="ADAL" clId="{31DF6E34-6386-D345-95D1-76FAD145A90A}" dt="2024-10-02T11:08:07.242" v="695" actId="164"/>
-          <ac:grpSpMkLst>
-            <pc:docMk/>
-            <pc:sldMk cId="3544396517" sldId="256"/>
-            <ac:grpSpMk id="228" creationId="{BB494873-AF29-C0D0-1E2C-886488BC4009}"/>
-          </ac:grpSpMkLst>
-        </pc:grpChg>
-        <pc:grpChg chg="add mod">
-          <ac:chgData name="Dave Iberson-Hurst" userId="b9343ad4-b965-4c67-a190-78071bba09d9" providerId="ADAL" clId="{31DF6E34-6386-D345-95D1-76FAD145A90A}" dt="2024-10-03T05:07:31.277" v="1435" actId="1076"/>
-          <ac:grpSpMkLst>
-            <pc:docMk/>
-            <pc:sldMk cId="3544396517" sldId="256"/>
-            <ac:grpSpMk id="232" creationId="{008A6EEC-6827-7055-7FE3-184C219749F0}"/>
-          </ac:grpSpMkLst>
-        </pc:grpChg>
-        <pc:grpChg chg="mod">
-          <ac:chgData name="Dave Iberson-Hurst" userId="b9343ad4-b965-4c67-a190-78071bba09d9" providerId="ADAL" clId="{31DF6E34-6386-D345-95D1-76FAD145A90A}" dt="2024-10-03T05:34:59.242" v="2068" actId="1035"/>
-          <ac:grpSpMkLst>
-            <pc:docMk/>
-            <pc:sldMk cId="3544396517" sldId="256"/>
-            <ac:grpSpMk id="236" creationId="{BD2DC696-BF00-A90D-50C3-EDA656AB3C17}"/>
-          </ac:grpSpMkLst>
-        </pc:grpChg>
-        <pc:grpChg chg="mod">
-          <ac:chgData name="Dave Iberson-Hurst" userId="b9343ad4-b965-4c67-a190-78071bba09d9" providerId="ADAL" clId="{31DF6E34-6386-D345-95D1-76FAD145A90A}" dt="2024-10-03T05:34:59.242" v="2068" actId="1035"/>
-          <ac:grpSpMkLst>
-            <pc:docMk/>
-            <pc:sldMk cId="3544396517" sldId="256"/>
-            <ac:grpSpMk id="246" creationId="{599A1DFF-8B7C-4F25-CBEC-2AD60119775B}"/>
-          </ac:grpSpMkLst>
-        </pc:grpChg>
-        <pc:grpChg chg="mod">
-          <ac:chgData name="Dave Iberson-Hurst" userId="b9343ad4-b965-4c67-a190-78071bba09d9" providerId="ADAL" clId="{31DF6E34-6386-D345-95D1-76FAD145A90A}" dt="2024-10-03T05:34:59.242" v="2068" actId="1035"/>
-          <ac:grpSpMkLst>
-            <pc:docMk/>
-            <pc:sldMk cId="3544396517" sldId="256"/>
-            <ac:grpSpMk id="256" creationId="{981CE930-E843-26CA-5183-8C9572BB6DAB}"/>
-          </ac:grpSpMkLst>
-        </pc:grpChg>
-        <pc:grpChg chg="del">
-          <ac:chgData name="Dave Iberson-Hurst" userId="b9343ad4-b965-4c67-a190-78071bba09d9" providerId="ADAL" clId="{31DF6E34-6386-D345-95D1-76FAD145A90A}" dt="2024-10-02T11:07:08.017" v="666" actId="165"/>
-          <ac:grpSpMkLst>
-            <pc:docMk/>
-            <pc:sldMk cId="3544396517" sldId="256"/>
-            <ac:grpSpMk id="266" creationId="{385CEFE9-C5D3-FB9A-1DE5-6CDA0471FBFD}"/>
-          </ac:grpSpMkLst>
-        </pc:grpChg>
-        <pc:grpChg chg="topLvl">
-          <ac:chgData name="Dave Iberson-Hurst" userId="b9343ad4-b965-4c67-a190-78071bba09d9" providerId="ADAL" clId="{31DF6E34-6386-D345-95D1-76FAD145A90A}" dt="2024-10-02T11:07:08.017" v="666" actId="165"/>
-          <ac:grpSpMkLst>
-            <pc:docMk/>
-            <pc:sldMk cId="3544396517" sldId="256"/>
-            <ac:grpSpMk id="267" creationId="{EB2AB8AB-02DA-FA0D-8D7C-0E22EBB068A8}"/>
-          </ac:grpSpMkLst>
-        </pc:grpChg>
-        <pc:grpChg chg="mod">
-          <ac:chgData name="Dave Iberson-Hurst" userId="b9343ad4-b965-4c67-a190-78071bba09d9" providerId="ADAL" clId="{31DF6E34-6386-D345-95D1-76FAD145A90A}" dt="2024-10-02T11:30:50.126" v="1250" actId="1036"/>
-          <ac:grpSpMkLst>
-            <pc:docMk/>
-            <pc:sldMk cId="3544396517" sldId="256"/>
-            <ac:grpSpMk id="276" creationId="{127E47D5-CF5B-766F-32CD-2E5FD8F7D150}"/>
-          </ac:grpSpMkLst>
-        </pc:grpChg>
-        <pc:grpChg chg="add mod">
-          <ac:chgData name="Dave Iberson-Hurst" userId="b9343ad4-b965-4c67-a190-78071bba09d9" providerId="ADAL" clId="{31DF6E34-6386-D345-95D1-76FAD145A90A}" dt="2024-10-03T05:07:50.285" v="1437" actId="1076"/>
-          <ac:grpSpMkLst>
-            <pc:docMk/>
-            <pc:sldMk cId="3544396517" sldId="256"/>
-            <ac:grpSpMk id="317" creationId="{A93FD729-F66F-F733-8929-309265BED930}"/>
-          </ac:grpSpMkLst>
-        </pc:grpChg>
-        <pc:grpChg chg="add mod">
-          <ac:chgData name="Dave Iberson-Hurst" userId="b9343ad4-b965-4c67-a190-78071bba09d9" providerId="ADAL" clId="{31DF6E34-6386-D345-95D1-76FAD145A90A}" dt="2024-10-03T05:08:18.412" v="1439" actId="1076"/>
-          <ac:grpSpMkLst>
-            <pc:docMk/>
-            <pc:sldMk cId="3544396517" sldId="256"/>
-            <ac:grpSpMk id="321" creationId="{E173FB8D-D7D1-980F-8563-AA4C7F758870}"/>
-          </ac:grpSpMkLst>
-        </pc:grpChg>
-        <pc:grpChg chg="add mod">
-          <ac:chgData name="Dave Iberson-Hurst" userId="b9343ad4-b965-4c67-a190-78071bba09d9" providerId="ADAL" clId="{31DF6E34-6386-D345-95D1-76FAD145A90A}" dt="2024-10-03T05:39:20.763" v="2101" actId="1076"/>
-          <ac:grpSpMkLst>
-            <pc:docMk/>
-            <pc:sldMk cId="3544396517" sldId="256"/>
-            <ac:grpSpMk id="325" creationId="{AB528702-E3AA-66A8-C1B7-94EFD505C009}"/>
-          </ac:grpSpMkLst>
-        </pc:grpChg>
-        <pc:grpChg chg="add del mod">
-          <ac:chgData name="Dave Iberson-Hurst" userId="b9343ad4-b965-4c67-a190-78071bba09d9" providerId="ADAL" clId="{31DF6E34-6386-D345-95D1-76FAD145A90A}" dt="2024-10-03T05:13:27.938" v="1539" actId="165"/>
-          <ac:grpSpMkLst>
-            <pc:docMk/>
-            <pc:sldMk cId="3544396517" sldId="256"/>
-            <ac:grpSpMk id="326" creationId="{7583BD07-A788-618A-39DC-E41686BAC6A4}"/>
-          </ac:grpSpMkLst>
-        </pc:grpChg>
-        <pc:grpChg chg="del mod">
-          <ac:chgData name="Dave Iberson-Hurst" userId="b9343ad4-b965-4c67-a190-78071bba09d9" providerId="ADAL" clId="{31DF6E34-6386-D345-95D1-76FAD145A90A}" dt="2024-10-03T05:12:56.378" v="1532" actId="478"/>
-          <ac:grpSpMkLst>
-            <pc:docMk/>
-            <pc:sldMk cId="3544396517" sldId="256"/>
-            <ac:grpSpMk id="328" creationId="{976C6F7A-23FB-DF2D-3DF2-BDC15D53A079}"/>
-          </ac:grpSpMkLst>
-        </pc:grpChg>
-        <pc:grpChg chg="del mod">
-          <ac:chgData name="Dave Iberson-Hurst" userId="b9343ad4-b965-4c67-a190-78071bba09d9" providerId="ADAL" clId="{31DF6E34-6386-D345-95D1-76FAD145A90A}" dt="2024-10-03T05:13:03.865" v="1536" actId="478"/>
-          <ac:grpSpMkLst>
-            <pc:docMk/>
-            <pc:sldMk cId="3544396517" sldId="256"/>
-            <ac:grpSpMk id="330" creationId="{DB415ED2-1514-C21B-9FC9-F73D498F60AC}"/>
-          </ac:grpSpMkLst>
-        </pc:grpChg>
-        <pc:grpChg chg="del mod topLvl">
-          <ac:chgData name="Dave Iberson-Hurst" userId="b9343ad4-b965-4c67-a190-78071bba09d9" providerId="ADAL" clId="{31DF6E34-6386-D345-95D1-76FAD145A90A}" dt="2024-10-03T05:13:33.095" v="1540" actId="478"/>
-          <ac:grpSpMkLst>
-            <pc:docMk/>
-            <pc:sldMk cId="3544396517" sldId="256"/>
-            <ac:grpSpMk id="331" creationId="{4495C413-42EE-1838-02C3-3278ABB5D743}"/>
-          </ac:grpSpMkLst>
-        </pc:grpChg>
-        <pc:grpChg chg="del mod topLvl">
-          <ac:chgData name="Dave Iberson-Hurst" userId="b9343ad4-b965-4c67-a190-78071bba09d9" providerId="ADAL" clId="{31DF6E34-6386-D345-95D1-76FAD145A90A}" dt="2024-10-03T05:13:34.199" v="1541" actId="478"/>
-          <ac:grpSpMkLst>
-            <pc:docMk/>
-            <pc:sldMk cId="3544396517" sldId="256"/>
-            <ac:grpSpMk id="340" creationId="{46E8679E-B28A-7CEC-2445-7171F9B88EA8}"/>
-          </ac:grpSpMkLst>
-        </pc:grpChg>
-        <pc:grpChg chg="mod">
-          <ac:chgData name="Dave Iberson-Hurst" userId="b9343ad4-b965-4c67-a190-78071bba09d9" providerId="ADAL" clId="{31DF6E34-6386-D345-95D1-76FAD145A90A}" dt="2024-10-02T11:27:12.987" v="1175" actId="1036"/>
-          <ac:grpSpMkLst>
-            <pc:docMk/>
-            <pc:sldMk cId="3544396517" sldId="256"/>
-            <ac:grpSpMk id="356" creationId="{8E982282-206D-4CA0-E86C-0099EB4897FB}"/>
-          </ac:grpSpMkLst>
-        </pc:grpChg>
-        <pc:grpChg chg="mod">
-          <ac:chgData name="Dave Iberson-Hurst" userId="b9343ad4-b965-4c67-a190-78071bba09d9" providerId="ADAL" clId="{31DF6E34-6386-D345-95D1-76FAD145A90A}" dt="2024-10-03T05:08:51.658" v="1486" actId="1076"/>
-          <ac:grpSpMkLst>
-            <pc:docMk/>
-            <pc:sldMk cId="3544396517" sldId="256"/>
-            <ac:grpSpMk id="366" creationId="{7B52A593-A47A-DDAC-E87D-20122C912511}"/>
-          </ac:grpSpMkLst>
-        </pc:grpChg>
-        <pc:grpChg chg="add del mod">
-          <ac:chgData name="Dave Iberson-Hurst" userId="b9343ad4-b965-4c67-a190-78071bba09d9" providerId="ADAL" clId="{31DF6E34-6386-D345-95D1-76FAD145A90A}" dt="2024-10-03T05:14:14.311" v="1561" actId="165"/>
-          <ac:grpSpMkLst>
-            <pc:docMk/>
-            <pc:sldMk cId="3544396517" sldId="256"/>
-            <ac:grpSpMk id="380" creationId="{0DA7426F-65E2-EF61-2FFE-77114A4FBF47}"/>
-          </ac:grpSpMkLst>
-        </pc:grpChg>
-        <pc:grpChg chg="add mod">
-          <ac:chgData name="Dave Iberson-Hurst" userId="b9343ad4-b965-4c67-a190-78071bba09d9" providerId="ADAL" clId="{31DF6E34-6386-D345-95D1-76FAD145A90A}" dt="2024-10-03T05:14:11.059" v="1560" actId="571"/>
-          <ac:grpSpMkLst>
-            <pc:docMk/>
-            <pc:sldMk cId="3544396517" sldId="256"/>
-            <ac:grpSpMk id="384" creationId="{6C493EE1-A63F-E84C-759E-377DD77D1660}"/>
-          </ac:grpSpMkLst>
-        </pc:grpChg>
-        <pc:grpChg chg="mod topLvl">
-          <ac:chgData name="Dave Iberson-Hurst" userId="b9343ad4-b965-4c67-a190-78071bba09d9" providerId="ADAL" clId="{31DF6E34-6386-D345-95D1-76FAD145A90A}" dt="2024-10-02T11:19:28.554" v="989" actId="1076"/>
-          <ac:grpSpMkLst>
-            <pc:docMk/>
-            <pc:sldMk cId="3544396517" sldId="256"/>
-            <ac:grpSpMk id="387" creationId="{A52C4CE2-C4DA-7C22-0399-AFFCBC18EF1E}"/>
-          </ac:grpSpMkLst>
-        </pc:grpChg>
-        <pc:grpChg chg="add mod">
-          <ac:chgData name="Dave Iberson-Hurst" userId="b9343ad4-b965-4c67-a190-78071bba09d9" providerId="ADAL" clId="{31DF6E34-6386-D345-95D1-76FAD145A90A}" dt="2024-10-03T05:14:10.464" v="1559" actId="571"/>
-          <ac:grpSpMkLst>
-            <pc:docMk/>
-            <pc:sldMk cId="3544396517" sldId="256"/>
-            <ac:grpSpMk id="400" creationId="{7801D6C0-FD62-E739-E1AA-B92927EB0EC0}"/>
-          </ac:grpSpMkLst>
-        </pc:grpChg>
-        <pc:grpChg chg="add mod">
-          <ac:chgData name="Dave Iberson-Hurst" userId="b9343ad4-b965-4c67-a190-78071bba09d9" providerId="ADAL" clId="{31DF6E34-6386-D345-95D1-76FAD145A90A}" dt="2024-10-03T05:14:10.090" v="1558" actId="571"/>
-          <ac:grpSpMkLst>
-            <pc:docMk/>
-            <pc:sldMk cId="3544396517" sldId="256"/>
-            <ac:grpSpMk id="404" creationId="{43CEBB63-6142-DF5B-60B7-09A2C289CC35}"/>
-          </ac:grpSpMkLst>
-        </pc:grpChg>
-        <pc:grpChg chg="add del mod">
-          <ac:chgData name="Dave Iberson-Hurst" userId="b9343ad4-b965-4c67-a190-78071bba09d9" providerId="ADAL" clId="{31DF6E34-6386-D345-95D1-76FAD145A90A}" dt="2024-10-03T05:41:34.294" v="2109" actId="165"/>
-          <ac:grpSpMkLst>
-            <pc:docMk/>
-            <pc:sldMk cId="3544396517" sldId="256"/>
-            <ac:grpSpMk id="410" creationId="{E8B5072C-29EE-E8B6-4A9B-1BED8D970BF3}"/>
-          </ac:grpSpMkLst>
-        </pc:grpChg>
-        <pc:grpChg chg="add mod">
-          <ac:chgData name="Dave Iberson-Hurst" userId="b9343ad4-b965-4c67-a190-78071bba09d9" providerId="ADAL" clId="{31DF6E34-6386-D345-95D1-76FAD145A90A}" dt="2024-10-03T05:36:01.382" v="2099" actId="1036"/>
-          <ac:grpSpMkLst>
-            <pc:docMk/>
-            <pc:sldMk cId="3544396517" sldId="256"/>
-            <ac:grpSpMk id="411" creationId="{3F217517-802A-DB18-4A2A-E287D2E2254F}"/>
-          </ac:grpSpMkLst>
-        </pc:grpChg>
-        <pc:grpChg chg="add mod">
-          <ac:chgData name="Dave Iberson-Hurst" userId="b9343ad4-b965-4c67-a190-78071bba09d9" providerId="ADAL" clId="{31DF6E34-6386-D345-95D1-76FAD145A90A}" dt="2024-10-03T05:23:46.144" v="1656" actId="1076"/>
-          <ac:grpSpMkLst>
-            <pc:docMk/>
-            <pc:sldMk cId="3544396517" sldId="256"/>
-            <ac:grpSpMk id="415" creationId="{610FFC07-958E-80EA-7735-47429C9DDA52}"/>
-          </ac:grpSpMkLst>
-        </pc:grpChg>
-        <pc:grpChg chg="add mod">
-          <ac:chgData name="Dave Iberson-Hurst" userId="b9343ad4-b965-4c67-a190-78071bba09d9" providerId="ADAL" clId="{31DF6E34-6386-D345-95D1-76FAD145A90A}" dt="2024-10-03T05:35:47.133" v="2077" actId="1076"/>
-          <ac:grpSpMkLst>
-            <pc:docMk/>
-            <pc:sldMk cId="3544396517" sldId="256"/>
-            <ac:grpSpMk id="419" creationId="{3302761B-45D8-CA44-4EA5-4CF18D72BD90}"/>
-          </ac:grpSpMkLst>
-        </pc:grpChg>
-        <pc:grpChg chg="add mod">
-          <ac:chgData name="Dave Iberson-Hurst" userId="b9343ad4-b965-4c67-a190-78071bba09d9" providerId="ADAL" clId="{31DF6E34-6386-D345-95D1-76FAD145A90A}" dt="2024-10-03T05:44:38.928" v="2303" actId="1076"/>
-          <ac:grpSpMkLst>
-            <pc:docMk/>
-            <pc:sldMk cId="3544396517" sldId="256"/>
-            <ac:grpSpMk id="424" creationId="{69F650B5-3460-2FEE-F314-DF5F8A6EF4FB}"/>
-          </ac:grpSpMkLst>
-        </pc:grpChg>
-        <pc:picChg chg="add del mod">
-          <ac:chgData name="Dave Iberson-Hurst" userId="b9343ad4-b965-4c67-a190-78071bba09d9" providerId="ADAL" clId="{31DF6E34-6386-D345-95D1-76FAD145A90A}" dt="2024-10-02T12:51:05.766" v="1264" actId="478"/>
-          <ac:picMkLst>
-            <pc:docMk/>
-            <pc:sldMk cId="3544396517" sldId="256"/>
-            <ac:picMk id="229" creationId="{F52940D4-A3D4-63CB-F46A-C4A3FAE8059D}"/>
-          </ac:picMkLst>
-        </pc:picChg>
-        <pc:picChg chg="add mod">
-          <ac:chgData name="Dave Iberson-Hurst" userId="b9343ad4-b965-4c67-a190-78071bba09d9" providerId="ADAL" clId="{31DF6E34-6386-D345-95D1-76FAD145A90A}" dt="2024-10-02T12:56:44.081" v="1313" actId="1076"/>
-          <ac:picMkLst>
-            <pc:docMk/>
-            <pc:sldMk cId="3544396517" sldId="256"/>
-            <ac:picMk id="231" creationId="{D26A7354-F3C6-9380-2257-267543BFC94C}"/>
-          </ac:picMkLst>
-        </pc:picChg>
-        <pc:picChg chg="add mod">
-          <ac:chgData name="Dave Iberson-Hurst" userId="b9343ad4-b965-4c67-a190-78071bba09d9" providerId="ADAL" clId="{31DF6E34-6386-D345-95D1-76FAD145A90A}" dt="2024-10-02T12:57:06.690" v="1316" actId="1076"/>
+        <pc:picChg chg="mod">
+          <ac:chgData name="Dave Iberson-Hurst" userId="b9343ad4-b965-4c67-a190-78071bba09d9" providerId="ADAL" clId="{0548765D-58AD-A348-A47A-BAEAEF245B50}" dt="2024-10-07T06:14:33.703" v="0" actId="1076"/>
           <ac:picMkLst>
             <pc:docMk/>
             <pc:sldMk cId="3544396517" sldId="256"/>
@@ -1778,7 +234,7 @@
           <a:p>
             <a:fld id="{643F7372-8583-3647-8A6D-8602282481EA}" type="datetimeFigureOut">
               <a:rPr lang="en-US" smtClean="0"/>
-              <a:t>10/3/24</a:t>
+              <a:t>10/7/24</a:t>
             </a:fld>
             <a:endParaRPr lang="en-US"/>
           </a:p>
@@ -2265,7 +721,7 @@
           <a:p>
             <a:fld id="{EA997AF5-C9B8-654C-B523-B4077F0C4FC6}" type="datetimeFigureOut">
               <a:rPr lang="en-GB" smtClean="0"/>
-              <a:t>03/10/2024</a:t>
+              <a:t>07/10/2024</a:t>
             </a:fld>
             <a:endParaRPr lang="en-GB"/>
           </a:p>
@@ -2435,7 +891,7 @@
           <a:p>
             <a:fld id="{EA997AF5-C9B8-654C-B523-B4077F0C4FC6}" type="datetimeFigureOut">
               <a:rPr lang="en-GB" smtClean="0"/>
-              <a:t>03/10/2024</a:t>
+              <a:t>07/10/2024</a:t>
             </a:fld>
             <a:endParaRPr lang="en-GB"/>
           </a:p>
@@ -2615,7 +1071,7 @@
           <a:p>
             <a:fld id="{EA997AF5-C9B8-654C-B523-B4077F0C4FC6}" type="datetimeFigureOut">
               <a:rPr lang="en-GB" smtClean="0"/>
-              <a:t>03/10/2024</a:t>
+              <a:t>07/10/2024</a:t>
             </a:fld>
             <a:endParaRPr lang="en-GB"/>
           </a:p>
@@ -2785,7 +1241,7 @@
           <a:p>
             <a:fld id="{EA997AF5-C9B8-654C-B523-B4077F0C4FC6}" type="datetimeFigureOut">
               <a:rPr lang="en-GB" smtClean="0"/>
-              <a:t>03/10/2024</a:t>
+              <a:t>07/10/2024</a:t>
             </a:fld>
             <a:endParaRPr lang="en-GB"/>
           </a:p>
@@ -3031,7 +1487,7 @@
           <a:p>
             <a:fld id="{EA997AF5-C9B8-654C-B523-B4077F0C4FC6}" type="datetimeFigureOut">
               <a:rPr lang="en-GB" smtClean="0"/>
-              <a:t>03/10/2024</a:t>
+              <a:t>07/10/2024</a:t>
             </a:fld>
             <a:endParaRPr lang="en-GB"/>
           </a:p>
@@ -3263,7 +1719,7 @@
           <a:p>
             <a:fld id="{EA997AF5-C9B8-654C-B523-B4077F0C4FC6}" type="datetimeFigureOut">
               <a:rPr lang="en-GB" smtClean="0"/>
-              <a:t>03/10/2024</a:t>
+              <a:t>07/10/2024</a:t>
             </a:fld>
             <a:endParaRPr lang="en-GB"/>
           </a:p>
@@ -3630,7 +2086,7 @@
           <a:p>
             <a:fld id="{EA997AF5-C9B8-654C-B523-B4077F0C4FC6}" type="datetimeFigureOut">
               <a:rPr lang="en-GB" smtClean="0"/>
-              <a:t>03/10/2024</a:t>
+              <a:t>07/10/2024</a:t>
             </a:fld>
             <a:endParaRPr lang="en-GB"/>
           </a:p>
@@ -3748,7 +2204,7 @@
           <a:p>
             <a:fld id="{EA997AF5-C9B8-654C-B523-B4077F0C4FC6}" type="datetimeFigureOut">
               <a:rPr lang="en-GB" smtClean="0"/>
-              <a:t>03/10/2024</a:t>
+              <a:t>07/10/2024</a:t>
             </a:fld>
             <a:endParaRPr lang="en-GB"/>
           </a:p>
@@ -3843,7 +2299,7 @@
           <a:p>
             <a:fld id="{EA997AF5-C9B8-654C-B523-B4077F0C4FC6}" type="datetimeFigureOut">
               <a:rPr lang="en-GB" smtClean="0"/>
-              <a:t>03/10/2024</a:t>
+              <a:t>07/10/2024</a:t>
             </a:fld>
             <a:endParaRPr lang="en-GB"/>
           </a:p>
@@ -4120,7 +2576,7 @@
           <a:p>
             <a:fld id="{EA997AF5-C9B8-654C-B523-B4077F0C4FC6}" type="datetimeFigureOut">
               <a:rPr lang="en-GB" smtClean="0"/>
-              <a:t>03/10/2024</a:t>
+              <a:t>07/10/2024</a:t>
             </a:fld>
             <a:endParaRPr lang="en-GB"/>
           </a:p>
@@ -4377,7 +2833,7 @@
           <a:p>
             <a:fld id="{EA997AF5-C9B8-654C-B523-B4077F0C4FC6}" type="datetimeFigureOut">
               <a:rPr lang="en-GB" smtClean="0"/>
-              <a:t>03/10/2024</a:t>
+              <a:t>07/10/2024</a:t>
             </a:fld>
             <a:endParaRPr lang="en-GB"/>
           </a:p>
@@ -4590,7 +3046,7 @@
           <a:p>
             <a:fld id="{EA997AF5-C9B8-654C-B523-B4077F0C4FC6}" type="datetimeFigureOut">
               <a:rPr lang="en-GB" smtClean="0"/>
-              <a:t>03/10/2024</a:t>
+              <a:t>07/10/2024</a:t>
             </a:fld>
             <a:endParaRPr lang="en-GB"/>
           </a:p>
@@ -5017,7 +3473,7 @@
         </p:blipFill>
         <p:spPr>
           <a:xfrm>
-            <a:off x="226998" y="366398"/>
+            <a:off x="215715" y="350861"/>
             <a:ext cx="4020930" cy="2233850"/>
           </a:xfrm>
           <a:prstGeom prst="rect">
@@ -16847,7 +15303,7 @@
                 </a:solidFill>
                 <a:latin typeface="Century Gothic" panose="020B0502020202020204" pitchFamily="34" charset="0"/>
               </a:rPr>
-              <a:t>Version 2, 10</a:t>
+              <a:t>Version 3, 10</a:t>
             </a:r>
             <a:r>
               <a:rPr lang="en-GB" sz="2000" baseline="30000" dirty="0">
@@ -27359,10 +25815,10 @@
       </p:pic>
       <p:grpSp>
         <p:nvGrpSpPr>
-          <p:cNvPr id="192" name="Group 191">
+          <p:cNvPr id="381" name="Group 380">
             <a:extLst>
               <a:ext uri="{FF2B5EF4-FFF2-40B4-BE49-F238E27FC236}">
-                <a16:creationId xmlns:a16="http://schemas.microsoft.com/office/drawing/2014/main" id="{C1E3FA95-1541-4F80-FFD7-9F8A8BC3A075}"/>
+                <a16:creationId xmlns:a16="http://schemas.microsoft.com/office/drawing/2014/main" id="{F9CD552B-AD07-801C-AFFC-CDD4CB016609}"/>
               </a:ext>
             </a:extLst>
           </p:cNvPr>
@@ -27371,935 +25827,10 @@
         </p:nvGrpSpPr>
         <p:grpSpPr>
           <a:xfrm>
-            <a:off x="7732805" y="8142779"/>
-            <a:ext cx="1081996" cy="622989"/>
-            <a:chOff x="7744853" y="8133339"/>
-            <a:chExt cx="1081996" cy="622989"/>
-          </a:xfrm>
-        </p:grpSpPr>
-        <p:sp>
-          <p:nvSpPr>
-            <p:cNvPr id="186" name="Rounded Rectangle 185">
-              <a:extLst>
-                <a:ext uri="{FF2B5EF4-FFF2-40B4-BE49-F238E27FC236}">
-                  <a16:creationId xmlns:a16="http://schemas.microsoft.com/office/drawing/2014/main" id="{220E1C3E-CE64-7E44-D5B2-EDFD1C943332}"/>
-                </a:ext>
-              </a:extLst>
-            </p:cNvPr>
-            <p:cNvSpPr/>
-            <p:nvPr/>
-          </p:nvSpPr>
-          <p:spPr>
-            <a:xfrm>
-              <a:off x="7744853" y="8133339"/>
-              <a:ext cx="1081996" cy="622989"/>
-            </a:xfrm>
-            <a:prstGeom prst="roundRect">
-              <a:avLst>
-                <a:gd name="adj" fmla="val 9233"/>
-              </a:avLst>
-            </a:prstGeom>
-            <a:solidFill>
-              <a:schemeClr val="bg1">
-                <a:lumMod val="95000"/>
-              </a:schemeClr>
-            </a:solidFill>
-            <a:ln>
-              <a:noFill/>
-            </a:ln>
-          </p:spPr>
-          <p:style>
-            <a:lnRef idx="2">
-              <a:schemeClr val="accent1">
-                <a:shade val="15000"/>
-              </a:schemeClr>
-            </a:lnRef>
-            <a:fillRef idx="1">
-              <a:schemeClr val="accent1"/>
-            </a:fillRef>
-            <a:effectRef idx="0">
-              <a:schemeClr val="accent1"/>
-            </a:effectRef>
-            <a:fontRef idx="minor">
-              <a:schemeClr val="lt1"/>
-            </a:fontRef>
-          </p:style>
-          <p:txBody>
-            <a:bodyPr rtlCol="0" anchor="ctr"/>
-            <a:lstStyle/>
-            <a:p>
-              <a:pPr algn="ctr"/>
-              <a:endParaRPr lang="en-GB" dirty="0"/>
-            </a:p>
-          </p:txBody>
-        </p:sp>
-        <p:sp>
-          <p:nvSpPr>
-            <p:cNvPr id="166" name="Oval 165">
-              <a:extLst>
-                <a:ext uri="{FF2B5EF4-FFF2-40B4-BE49-F238E27FC236}">
-                  <a16:creationId xmlns:a16="http://schemas.microsoft.com/office/drawing/2014/main" id="{D2ABD904-A8B2-B9AC-914A-CE0B66A19384}"/>
-                </a:ext>
-              </a:extLst>
-            </p:cNvPr>
-            <p:cNvSpPr/>
-            <p:nvPr/>
-          </p:nvSpPr>
-          <p:spPr>
-            <a:xfrm>
-              <a:off x="7797691" y="8234012"/>
-              <a:ext cx="433137" cy="435324"/>
-            </a:xfrm>
-            <a:prstGeom prst="ellipse">
-              <a:avLst/>
-            </a:prstGeom>
-            <a:solidFill>
-              <a:srgbClr val="FF0000"/>
-            </a:solidFill>
-            <a:ln>
-              <a:solidFill>
-                <a:srgbClr val="FF0000"/>
-              </a:solidFill>
-            </a:ln>
-          </p:spPr>
-          <p:style>
-            <a:lnRef idx="2">
-              <a:schemeClr val="accent1">
-                <a:shade val="15000"/>
-              </a:schemeClr>
-            </a:lnRef>
-            <a:fillRef idx="1">
-              <a:schemeClr val="accent1"/>
-            </a:fillRef>
-            <a:effectRef idx="0">
-              <a:schemeClr val="accent1"/>
-            </a:effectRef>
-            <a:fontRef idx="minor">
-              <a:schemeClr val="lt1"/>
-            </a:fontRef>
-          </p:style>
-          <p:txBody>
-            <a:bodyPr rtlCol="0" anchor="ctr"/>
-            <a:lstStyle/>
-            <a:p>
-              <a:pPr algn="ctr"/>
-              <a:endParaRPr lang="en-GB"/>
-            </a:p>
-          </p:txBody>
-        </p:sp>
-        <p:sp>
-          <p:nvSpPr>
-            <p:cNvPr id="185" name="Oval 184">
-              <a:extLst>
-                <a:ext uri="{FF2B5EF4-FFF2-40B4-BE49-F238E27FC236}">
-                  <a16:creationId xmlns:a16="http://schemas.microsoft.com/office/drawing/2014/main" id="{C6225F22-962C-3FBC-C0B1-4262C4F02BCC}"/>
-                </a:ext>
-              </a:extLst>
-            </p:cNvPr>
-            <p:cNvSpPr/>
-            <p:nvPr/>
-          </p:nvSpPr>
-          <p:spPr>
-            <a:xfrm>
-              <a:off x="8335896" y="8238460"/>
-              <a:ext cx="433137" cy="435324"/>
-            </a:xfrm>
-            <a:prstGeom prst="ellipse">
-              <a:avLst/>
-            </a:prstGeom>
-            <a:solidFill>
-              <a:srgbClr val="002E99"/>
-            </a:solidFill>
-            <a:ln>
-              <a:solidFill>
-                <a:srgbClr val="002E99"/>
-              </a:solidFill>
-            </a:ln>
-          </p:spPr>
-          <p:style>
-            <a:lnRef idx="2">
-              <a:schemeClr val="accent1">
-                <a:shade val="15000"/>
-              </a:schemeClr>
-            </a:lnRef>
-            <a:fillRef idx="1">
-              <a:schemeClr val="accent1"/>
-            </a:fillRef>
-            <a:effectRef idx="0">
-              <a:schemeClr val="accent1"/>
-            </a:effectRef>
-            <a:fontRef idx="minor">
-              <a:schemeClr val="lt1"/>
-            </a:fontRef>
-          </p:style>
-          <p:txBody>
-            <a:bodyPr rtlCol="0" anchor="ctr"/>
-            <a:lstStyle/>
-            <a:p>
-              <a:pPr algn="ctr"/>
-              <a:endParaRPr lang="en-GB"/>
-            </a:p>
-          </p:txBody>
-        </p:sp>
-      </p:grpSp>
-      <p:grpSp>
-        <p:nvGrpSpPr>
-          <p:cNvPr id="193" name="Group 192">
-            <a:extLst>
-              <a:ext uri="{FF2B5EF4-FFF2-40B4-BE49-F238E27FC236}">
-                <a16:creationId xmlns:a16="http://schemas.microsoft.com/office/drawing/2014/main" id="{657FA12F-468C-D0E4-C56A-2955EDAA7A5E}"/>
-              </a:ext>
-            </a:extLst>
-          </p:cNvPr>
-          <p:cNvGrpSpPr/>
-          <p:nvPr/>
-        </p:nvGrpSpPr>
-        <p:grpSpPr>
-          <a:xfrm>
-            <a:off x="16842167" y="16908634"/>
-            <a:ext cx="1081996" cy="622989"/>
-            <a:chOff x="7744853" y="8133339"/>
-            <a:chExt cx="1081996" cy="622989"/>
-          </a:xfrm>
-        </p:grpSpPr>
-        <p:sp>
-          <p:nvSpPr>
-            <p:cNvPr id="194" name="Rounded Rectangle 193">
-              <a:extLst>
-                <a:ext uri="{FF2B5EF4-FFF2-40B4-BE49-F238E27FC236}">
-                  <a16:creationId xmlns:a16="http://schemas.microsoft.com/office/drawing/2014/main" id="{19E52A7E-0A5C-948A-4AF3-0C050294B68B}"/>
-                </a:ext>
-              </a:extLst>
-            </p:cNvPr>
-            <p:cNvSpPr/>
-            <p:nvPr/>
-          </p:nvSpPr>
-          <p:spPr>
-            <a:xfrm>
-              <a:off x="7744853" y="8133339"/>
-              <a:ext cx="1081996" cy="622989"/>
-            </a:xfrm>
-            <a:prstGeom prst="roundRect">
-              <a:avLst>
-                <a:gd name="adj" fmla="val 9233"/>
-              </a:avLst>
-            </a:prstGeom>
-            <a:solidFill>
-              <a:schemeClr val="bg1">
-                <a:lumMod val="95000"/>
-              </a:schemeClr>
-            </a:solidFill>
-            <a:ln>
-              <a:noFill/>
-            </a:ln>
-          </p:spPr>
-          <p:style>
-            <a:lnRef idx="2">
-              <a:schemeClr val="accent1">
-                <a:shade val="15000"/>
-              </a:schemeClr>
-            </a:lnRef>
-            <a:fillRef idx="1">
-              <a:schemeClr val="accent1"/>
-            </a:fillRef>
-            <a:effectRef idx="0">
-              <a:schemeClr val="accent1"/>
-            </a:effectRef>
-            <a:fontRef idx="minor">
-              <a:schemeClr val="lt1"/>
-            </a:fontRef>
-          </p:style>
-          <p:txBody>
-            <a:bodyPr rtlCol="0" anchor="ctr"/>
-            <a:lstStyle/>
-            <a:p>
-              <a:pPr algn="ctr"/>
-              <a:endParaRPr lang="en-GB" dirty="0"/>
-            </a:p>
-          </p:txBody>
-        </p:sp>
-        <p:sp>
-          <p:nvSpPr>
-            <p:cNvPr id="229" name="Oval 228">
-              <a:extLst>
-                <a:ext uri="{FF2B5EF4-FFF2-40B4-BE49-F238E27FC236}">
-                  <a16:creationId xmlns:a16="http://schemas.microsoft.com/office/drawing/2014/main" id="{4583C860-6A9A-A838-F134-3CAA1B9DF3A7}"/>
-                </a:ext>
-              </a:extLst>
-            </p:cNvPr>
-            <p:cNvSpPr/>
-            <p:nvPr/>
-          </p:nvSpPr>
-          <p:spPr>
-            <a:xfrm>
-              <a:off x="7797691" y="8234012"/>
-              <a:ext cx="433137" cy="435324"/>
-            </a:xfrm>
-            <a:prstGeom prst="ellipse">
-              <a:avLst/>
-            </a:prstGeom>
-            <a:solidFill>
-              <a:srgbClr val="FF0000"/>
-            </a:solidFill>
-            <a:ln>
-              <a:solidFill>
-                <a:srgbClr val="FF0000"/>
-              </a:solidFill>
-            </a:ln>
-          </p:spPr>
-          <p:style>
-            <a:lnRef idx="2">
-              <a:schemeClr val="accent1">
-                <a:shade val="15000"/>
-              </a:schemeClr>
-            </a:lnRef>
-            <a:fillRef idx="1">
-              <a:schemeClr val="accent1"/>
-            </a:fillRef>
-            <a:effectRef idx="0">
-              <a:schemeClr val="accent1"/>
-            </a:effectRef>
-            <a:fontRef idx="minor">
-              <a:schemeClr val="lt1"/>
-            </a:fontRef>
-          </p:style>
-          <p:txBody>
-            <a:bodyPr rtlCol="0" anchor="ctr"/>
-            <a:lstStyle/>
-            <a:p>
-              <a:pPr algn="ctr"/>
-              <a:endParaRPr lang="en-GB"/>
-            </a:p>
-          </p:txBody>
-        </p:sp>
-        <p:sp>
-          <p:nvSpPr>
-            <p:cNvPr id="230" name="Oval 229">
-              <a:extLst>
-                <a:ext uri="{FF2B5EF4-FFF2-40B4-BE49-F238E27FC236}">
-                  <a16:creationId xmlns:a16="http://schemas.microsoft.com/office/drawing/2014/main" id="{DAE0FCA0-B0AD-339A-5D3B-96D6A85695C1}"/>
-                </a:ext>
-              </a:extLst>
-            </p:cNvPr>
-            <p:cNvSpPr/>
-            <p:nvPr/>
-          </p:nvSpPr>
-          <p:spPr>
-            <a:xfrm>
-              <a:off x="8335896" y="8238460"/>
-              <a:ext cx="433137" cy="435324"/>
-            </a:xfrm>
-            <a:prstGeom prst="ellipse">
-              <a:avLst/>
-            </a:prstGeom>
-            <a:solidFill>
-              <a:srgbClr val="002E99"/>
-            </a:solidFill>
-            <a:ln>
-              <a:solidFill>
-                <a:srgbClr val="002E99"/>
-              </a:solidFill>
-            </a:ln>
-          </p:spPr>
-          <p:style>
-            <a:lnRef idx="2">
-              <a:schemeClr val="accent1">
-                <a:shade val="15000"/>
-              </a:schemeClr>
-            </a:lnRef>
-            <a:fillRef idx="1">
-              <a:schemeClr val="accent1"/>
-            </a:fillRef>
-            <a:effectRef idx="0">
-              <a:schemeClr val="accent1"/>
-            </a:effectRef>
-            <a:fontRef idx="minor">
-              <a:schemeClr val="lt1"/>
-            </a:fontRef>
-          </p:style>
-          <p:txBody>
-            <a:bodyPr rtlCol="0" anchor="ctr"/>
-            <a:lstStyle/>
-            <a:p>
-              <a:pPr algn="ctr"/>
-              <a:endParaRPr lang="en-GB"/>
-            </a:p>
-          </p:txBody>
-        </p:sp>
-      </p:grpSp>
-      <p:grpSp>
-        <p:nvGrpSpPr>
-          <p:cNvPr id="232" name="Group 231">
-            <a:extLst>
-              <a:ext uri="{FF2B5EF4-FFF2-40B4-BE49-F238E27FC236}">
-                <a16:creationId xmlns:a16="http://schemas.microsoft.com/office/drawing/2014/main" id="{008A6EEC-6827-7055-7FE3-184C219749F0}"/>
-              </a:ext>
-            </a:extLst>
-          </p:cNvPr>
-          <p:cNvGrpSpPr/>
-          <p:nvPr/>
-        </p:nvGrpSpPr>
-        <p:grpSpPr>
-          <a:xfrm>
-            <a:off x="12306092" y="8142779"/>
-            <a:ext cx="1081996" cy="622989"/>
-            <a:chOff x="7744853" y="8133339"/>
-            <a:chExt cx="1081996" cy="622989"/>
-          </a:xfrm>
-        </p:grpSpPr>
-        <p:sp>
-          <p:nvSpPr>
-            <p:cNvPr id="234" name="Rounded Rectangle 233">
-              <a:extLst>
-                <a:ext uri="{FF2B5EF4-FFF2-40B4-BE49-F238E27FC236}">
-                  <a16:creationId xmlns:a16="http://schemas.microsoft.com/office/drawing/2014/main" id="{C5904485-F712-74D0-B438-9FC47C06D208}"/>
-                </a:ext>
-              </a:extLst>
-            </p:cNvPr>
-            <p:cNvSpPr/>
-            <p:nvPr/>
-          </p:nvSpPr>
-          <p:spPr>
-            <a:xfrm>
-              <a:off x="7744853" y="8133339"/>
-              <a:ext cx="1081996" cy="622989"/>
-            </a:xfrm>
-            <a:prstGeom prst="roundRect">
-              <a:avLst>
-                <a:gd name="adj" fmla="val 9233"/>
-              </a:avLst>
-            </a:prstGeom>
-            <a:solidFill>
-              <a:schemeClr val="bg1">
-                <a:lumMod val="95000"/>
-              </a:schemeClr>
-            </a:solidFill>
-            <a:ln>
-              <a:noFill/>
-            </a:ln>
-          </p:spPr>
-          <p:style>
-            <a:lnRef idx="2">
-              <a:schemeClr val="accent1">
-                <a:shade val="15000"/>
-              </a:schemeClr>
-            </a:lnRef>
-            <a:fillRef idx="1">
-              <a:schemeClr val="accent1"/>
-            </a:fillRef>
-            <a:effectRef idx="0">
-              <a:schemeClr val="accent1"/>
-            </a:effectRef>
-            <a:fontRef idx="minor">
-              <a:schemeClr val="lt1"/>
-            </a:fontRef>
-          </p:style>
-          <p:txBody>
-            <a:bodyPr rtlCol="0" anchor="ctr"/>
-            <a:lstStyle/>
-            <a:p>
-              <a:pPr algn="ctr"/>
-              <a:endParaRPr lang="en-GB" dirty="0"/>
-            </a:p>
-          </p:txBody>
-        </p:sp>
-        <p:sp>
-          <p:nvSpPr>
-            <p:cNvPr id="266" name="Oval 265">
-              <a:extLst>
-                <a:ext uri="{FF2B5EF4-FFF2-40B4-BE49-F238E27FC236}">
-                  <a16:creationId xmlns:a16="http://schemas.microsoft.com/office/drawing/2014/main" id="{1515C2A7-1440-3D26-F114-ED6525D3F698}"/>
-                </a:ext>
-              </a:extLst>
-            </p:cNvPr>
-            <p:cNvSpPr/>
-            <p:nvPr/>
-          </p:nvSpPr>
-          <p:spPr>
-            <a:xfrm>
-              <a:off x="7797691" y="8234012"/>
-              <a:ext cx="433137" cy="435324"/>
-            </a:xfrm>
-            <a:prstGeom prst="ellipse">
-              <a:avLst/>
-            </a:prstGeom>
-            <a:solidFill>
-              <a:srgbClr val="FF0000"/>
-            </a:solidFill>
-            <a:ln>
-              <a:solidFill>
-                <a:srgbClr val="FF0000"/>
-              </a:solidFill>
-            </a:ln>
-          </p:spPr>
-          <p:style>
-            <a:lnRef idx="2">
-              <a:schemeClr val="accent1">
-                <a:shade val="15000"/>
-              </a:schemeClr>
-            </a:lnRef>
-            <a:fillRef idx="1">
-              <a:schemeClr val="accent1"/>
-            </a:fillRef>
-            <a:effectRef idx="0">
-              <a:schemeClr val="accent1"/>
-            </a:effectRef>
-            <a:fontRef idx="minor">
-              <a:schemeClr val="lt1"/>
-            </a:fontRef>
-          </p:style>
-          <p:txBody>
-            <a:bodyPr rtlCol="0" anchor="ctr"/>
-            <a:lstStyle/>
-            <a:p>
-              <a:pPr algn="ctr"/>
-              <a:endParaRPr lang="en-GB"/>
-            </a:p>
-          </p:txBody>
-        </p:sp>
-        <p:sp>
-          <p:nvSpPr>
-            <p:cNvPr id="306" name="Oval 305">
-              <a:extLst>
-                <a:ext uri="{FF2B5EF4-FFF2-40B4-BE49-F238E27FC236}">
-                  <a16:creationId xmlns:a16="http://schemas.microsoft.com/office/drawing/2014/main" id="{96676045-269C-41B2-AB21-31DE80A65E17}"/>
-                </a:ext>
-              </a:extLst>
-            </p:cNvPr>
-            <p:cNvSpPr/>
-            <p:nvPr/>
-          </p:nvSpPr>
-          <p:spPr>
-            <a:xfrm>
-              <a:off x="8335896" y="8238460"/>
-              <a:ext cx="433137" cy="435324"/>
-            </a:xfrm>
-            <a:prstGeom prst="ellipse">
-              <a:avLst/>
-            </a:prstGeom>
-            <a:solidFill>
-              <a:srgbClr val="002E99"/>
-            </a:solidFill>
-            <a:ln>
-              <a:solidFill>
-                <a:srgbClr val="002E99"/>
-              </a:solidFill>
-            </a:ln>
-          </p:spPr>
-          <p:style>
-            <a:lnRef idx="2">
-              <a:schemeClr val="accent1">
-                <a:shade val="15000"/>
-              </a:schemeClr>
-            </a:lnRef>
-            <a:fillRef idx="1">
-              <a:schemeClr val="accent1"/>
-            </a:fillRef>
-            <a:effectRef idx="0">
-              <a:schemeClr val="accent1"/>
-            </a:effectRef>
-            <a:fontRef idx="minor">
-              <a:schemeClr val="lt1"/>
-            </a:fontRef>
-          </p:style>
-          <p:txBody>
-            <a:bodyPr rtlCol="0" anchor="ctr"/>
-            <a:lstStyle/>
-            <a:p>
-              <a:pPr algn="ctr"/>
-              <a:endParaRPr lang="en-GB"/>
-            </a:p>
-          </p:txBody>
-        </p:sp>
-      </p:grpSp>
-      <p:grpSp>
-        <p:nvGrpSpPr>
-          <p:cNvPr id="317" name="Group 316">
-            <a:extLst>
-              <a:ext uri="{FF2B5EF4-FFF2-40B4-BE49-F238E27FC236}">
-                <a16:creationId xmlns:a16="http://schemas.microsoft.com/office/drawing/2014/main" id="{A93FD729-F66F-F733-8929-309265BED930}"/>
-              </a:ext>
-            </a:extLst>
-          </p:cNvPr>
-          <p:cNvGrpSpPr/>
-          <p:nvPr/>
-        </p:nvGrpSpPr>
-        <p:grpSpPr>
-          <a:xfrm>
-            <a:off x="3200238" y="8154838"/>
-            <a:ext cx="1081996" cy="622989"/>
-            <a:chOff x="7744853" y="8133339"/>
-            <a:chExt cx="1081996" cy="622989"/>
-          </a:xfrm>
-        </p:grpSpPr>
-        <p:sp>
-          <p:nvSpPr>
-            <p:cNvPr id="318" name="Rounded Rectangle 317">
-              <a:extLst>
-                <a:ext uri="{FF2B5EF4-FFF2-40B4-BE49-F238E27FC236}">
-                  <a16:creationId xmlns:a16="http://schemas.microsoft.com/office/drawing/2014/main" id="{534AED70-45CF-2109-5D08-A6E727E72813}"/>
-                </a:ext>
-              </a:extLst>
-            </p:cNvPr>
-            <p:cNvSpPr/>
-            <p:nvPr/>
-          </p:nvSpPr>
-          <p:spPr>
-            <a:xfrm>
-              <a:off x="7744853" y="8133339"/>
-              <a:ext cx="1081996" cy="622989"/>
-            </a:xfrm>
-            <a:prstGeom prst="roundRect">
-              <a:avLst>
-                <a:gd name="adj" fmla="val 9233"/>
-              </a:avLst>
-            </a:prstGeom>
-            <a:solidFill>
-              <a:schemeClr val="bg1">
-                <a:lumMod val="95000"/>
-              </a:schemeClr>
-            </a:solidFill>
-            <a:ln>
-              <a:noFill/>
-            </a:ln>
-          </p:spPr>
-          <p:style>
-            <a:lnRef idx="2">
-              <a:schemeClr val="accent1">
-                <a:shade val="15000"/>
-              </a:schemeClr>
-            </a:lnRef>
-            <a:fillRef idx="1">
-              <a:schemeClr val="accent1"/>
-            </a:fillRef>
-            <a:effectRef idx="0">
-              <a:schemeClr val="accent1"/>
-            </a:effectRef>
-            <a:fontRef idx="minor">
-              <a:schemeClr val="lt1"/>
-            </a:fontRef>
-          </p:style>
-          <p:txBody>
-            <a:bodyPr rtlCol="0" anchor="ctr"/>
-            <a:lstStyle/>
-            <a:p>
-              <a:pPr algn="ctr"/>
-              <a:endParaRPr lang="en-GB" dirty="0"/>
-            </a:p>
-          </p:txBody>
-        </p:sp>
-        <p:sp>
-          <p:nvSpPr>
-            <p:cNvPr id="319" name="Oval 318">
-              <a:extLst>
-                <a:ext uri="{FF2B5EF4-FFF2-40B4-BE49-F238E27FC236}">
-                  <a16:creationId xmlns:a16="http://schemas.microsoft.com/office/drawing/2014/main" id="{4E71BFC4-4C37-442A-2749-2B6B929756DE}"/>
-                </a:ext>
-              </a:extLst>
-            </p:cNvPr>
-            <p:cNvSpPr/>
-            <p:nvPr/>
-          </p:nvSpPr>
-          <p:spPr>
-            <a:xfrm>
-              <a:off x="7797691" y="8234012"/>
-              <a:ext cx="433137" cy="435324"/>
-            </a:xfrm>
-            <a:prstGeom prst="ellipse">
-              <a:avLst/>
-            </a:prstGeom>
-            <a:solidFill>
-              <a:srgbClr val="FF0000"/>
-            </a:solidFill>
-            <a:ln>
-              <a:solidFill>
-                <a:srgbClr val="FF0000"/>
-              </a:solidFill>
-            </a:ln>
-          </p:spPr>
-          <p:style>
-            <a:lnRef idx="2">
-              <a:schemeClr val="accent1">
-                <a:shade val="15000"/>
-              </a:schemeClr>
-            </a:lnRef>
-            <a:fillRef idx="1">
-              <a:schemeClr val="accent1"/>
-            </a:fillRef>
-            <a:effectRef idx="0">
-              <a:schemeClr val="accent1"/>
-            </a:effectRef>
-            <a:fontRef idx="minor">
-              <a:schemeClr val="lt1"/>
-            </a:fontRef>
-          </p:style>
-          <p:txBody>
-            <a:bodyPr rtlCol="0" anchor="ctr"/>
-            <a:lstStyle/>
-            <a:p>
-              <a:pPr algn="ctr"/>
-              <a:endParaRPr lang="en-GB"/>
-            </a:p>
-          </p:txBody>
-        </p:sp>
-        <p:sp>
-          <p:nvSpPr>
-            <p:cNvPr id="320" name="Oval 319">
-              <a:extLst>
-                <a:ext uri="{FF2B5EF4-FFF2-40B4-BE49-F238E27FC236}">
-                  <a16:creationId xmlns:a16="http://schemas.microsoft.com/office/drawing/2014/main" id="{F300E1C4-9004-34CF-77C0-4705F7770001}"/>
-                </a:ext>
-              </a:extLst>
-            </p:cNvPr>
-            <p:cNvSpPr/>
-            <p:nvPr/>
-          </p:nvSpPr>
-          <p:spPr>
-            <a:xfrm>
-              <a:off x="8335896" y="8238460"/>
-              <a:ext cx="433137" cy="435324"/>
-            </a:xfrm>
-            <a:prstGeom prst="ellipse">
-              <a:avLst/>
-            </a:prstGeom>
-            <a:solidFill>
-              <a:srgbClr val="002E99"/>
-            </a:solidFill>
-            <a:ln>
-              <a:solidFill>
-                <a:srgbClr val="002E99"/>
-              </a:solidFill>
-            </a:ln>
-          </p:spPr>
-          <p:style>
-            <a:lnRef idx="2">
-              <a:schemeClr val="accent1">
-                <a:shade val="15000"/>
-              </a:schemeClr>
-            </a:lnRef>
-            <a:fillRef idx="1">
-              <a:schemeClr val="accent1"/>
-            </a:fillRef>
-            <a:effectRef idx="0">
-              <a:schemeClr val="accent1"/>
-            </a:effectRef>
-            <a:fontRef idx="minor">
-              <a:schemeClr val="lt1"/>
-            </a:fontRef>
-          </p:style>
-          <p:txBody>
-            <a:bodyPr rtlCol="0" anchor="ctr"/>
-            <a:lstStyle/>
-            <a:p>
-              <a:pPr algn="ctr"/>
-              <a:endParaRPr lang="en-GB"/>
-            </a:p>
-          </p:txBody>
-        </p:sp>
-      </p:grpSp>
-      <p:grpSp>
-        <p:nvGrpSpPr>
-          <p:cNvPr id="321" name="Group 320">
-            <a:extLst>
-              <a:ext uri="{FF2B5EF4-FFF2-40B4-BE49-F238E27FC236}">
-                <a16:creationId xmlns:a16="http://schemas.microsoft.com/office/drawing/2014/main" id="{E173FB8D-D7D1-980F-8563-AA4C7F758870}"/>
-              </a:ext>
-            </a:extLst>
-          </p:cNvPr>
-          <p:cNvGrpSpPr/>
-          <p:nvPr/>
-        </p:nvGrpSpPr>
-        <p:grpSpPr>
-          <a:xfrm>
-            <a:off x="21373978" y="10390865"/>
-            <a:ext cx="1081996" cy="622989"/>
-            <a:chOff x="7744853" y="8133339"/>
-            <a:chExt cx="1081996" cy="622989"/>
-          </a:xfrm>
-        </p:grpSpPr>
-        <p:sp>
-          <p:nvSpPr>
-            <p:cNvPr id="322" name="Rounded Rectangle 321">
-              <a:extLst>
-                <a:ext uri="{FF2B5EF4-FFF2-40B4-BE49-F238E27FC236}">
-                  <a16:creationId xmlns:a16="http://schemas.microsoft.com/office/drawing/2014/main" id="{93958656-B708-8F82-82F0-1C3F20693069}"/>
-                </a:ext>
-              </a:extLst>
-            </p:cNvPr>
-            <p:cNvSpPr/>
-            <p:nvPr/>
-          </p:nvSpPr>
-          <p:spPr>
-            <a:xfrm>
-              <a:off x="7744853" y="8133339"/>
-              <a:ext cx="1081996" cy="622989"/>
-            </a:xfrm>
-            <a:prstGeom prst="roundRect">
-              <a:avLst>
-                <a:gd name="adj" fmla="val 9233"/>
-              </a:avLst>
-            </a:prstGeom>
-            <a:solidFill>
-              <a:schemeClr val="bg1">
-                <a:lumMod val="95000"/>
-              </a:schemeClr>
-            </a:solidFill>
-            <a:ln>
-              <a:noFill/>
-            </a:ln>
-          </p:spPr>
-          <p:style>
-            <a:lnRef idx="2">
-              <a:schemeClr val="accent1">
-                <a:shade val="15000"/>
-              </a:schemeClr>
-            </a:lnRef>
-            <a:fillRef idx="1">
-              <a:schemeClr val="accent1"/>
-            </a:fillRef>
-            <a:effectRef idx="0">
-              <a:schemeClr val="accent1"/>
-            </a:effectRef>
-            <a:fontRef idx="minor">
-              <a:schemeClr val="lt1"/>
-            </a:fontRef>
-          </p:style>
-          <p:txBody>
-            <a:bodyPr rtlCol="0" anchor="ctr"/>
-            <a:lstStyle/>
-            <a:p>
-              <a:pPr algn="ctr"/>
-              <a:endParaRPr lang="en-GB" dirty="0"/>
-            </a:p>
-          </p:txBody>
-        </p:sp>
-        <p:sp>
-          <p:nvSpPr>
-            <p:cNvPr id="323" name="Oval 322">
-              <a:extLst>
-                <a:ext uri="{FF2B5EF4-FFF2-40B4-BE49-F238E27FC236}">
-                  <a16:creationId xmlns:a16="http://schemas.microsoft.com/office/drawing/2014/main" id="{CF81BA02-2017-F0FF-8B55-06C63065CB99}"/>
-                </a:ext>
-              </a:extLst>
-            </p:cNvPr>
-            <p:cNvSpPr/>
-            <p:nvPr/>
-          </p:nvSpPr>
-          <p:spPr>
-            <a:xfrm>
-              <a:off x="7797691" y="8234012"/>
-              <a:ext cx="433137" cy="435324"/>
-            </a:xfrm>
-            <a:prstGeom prst="ellipse">
-              <a:avLst/>
-            </a:prstGeom>
-            <a:solidFill>
-              <a:srgbClr val="FF0000"/>
-            </a:solidFill>
-            <a:ln>
-              <a:solidFill>
-                <a:srgbClr val="FF0000"/>
-              </a:solidFill>
-            </a:ln>
-          </p:spPr>
-          <p:style>
-            <a:lnRef idx="2">
-              <a:schemeClr val="accent1">
-                <a:shade val="15000"/>
-              </a:schemeClr>
-            </a:lnRef>
-            <a:fillRef idx="1">
-              <a:schemeClr val="accent1"/>
-            </a:fillRef>
-            <a:effectRef idx="0">
-              <a:schemeClr val="accent1"/>
-            </a:effectRef>
-            <a:fontRef idx="minor">
-              <a:schemeClr val="lt1"/>
-            </a:fontRef>
-          </p:style>
-          <p:txBody>
-            <a:bodyPr rtlCol="0" anchor="ctr"/>
-            <a:lstStyle/>
-            <a:p>
-              <a:pPr algn="ctr"/>
-              <a:endParaRPr lang="en-GB"/>
-            </a:p>
-          </p:txBody>
-        </p:sp>
-        <p:sp>
-          <p:nvSpPr>
-            <p:cNvPr id="324" name="Oval 323">
-              <a:extLst>
-                <a:ext uri="{FF2B5EF4-FFF2-40B4-BE49-F238E27FC236}">
-                  <a16:creationId xmlns:a16="http://schemas.microsoft.com/office/drawing/2014/main" id="{CE31DEAE-95FE-D361-1610-7EF786CAD815}"/>
-                </a:ext>
-              </a:extLst>
-            </p:cNvPr>
-            <p:cNvSpPr/>
-            <p:nvPr/>
-          </p:nvSpPr>
-          <p:spPr>
-            <a:xfrm>
-              <a:off x="8335896" y="8238460"/>
-              <a:ext cx="433137" cy="435324"/>
-            </a:xfrm>
-            <a:prstGeom prst="ellipse">
-              <a:avLst/>
-            </a:prstGeom>
-            <a:solidFill>
-              <a:srgbClr val="002E99"/>
-            </a:solidFill>
-            <a:ln>
-              <a:solidFill>
-                <a:srgbClr val="002E99"/>
-              </a:solidFill>
-            </a:ln>
-          </p:spPr>
-          <p:style>
-            <a:lnRef idx="2">
-              <a:schemeClr val="accent1">
-                <a:shade val="15000"/>
-              </a:schemeClr>
-            </a:lnRef>
-            <a:fillRef idx="1">
-              <a:schemeClr val="accent1"/>
-            </a:fillRef>
-            <a:effectRef idx="0">
-              <a:schemeClr val="accent1"/>
-            </a:effectRef>
-            <a:fontRef idx="minor">
-              <a:schemeClr val="lt1"/>
-            </a:fontRef>
-          </p:style>
-          <p:txBody>
-            <a:bodyPr rtlCol="0" anchor="ctr"/>
-            <a:lstStyle/>
-            <a:p>
-              <a:pPr algn="ctr"/>
-              <a:endParaRPr lang="en-GB"/>
-            </a:p>
-          </p:txBody>
-        </p:sp>
-      </p:grpSp>
-      <p:grpSp>
-        <p:nvGrpSpPr>
-          <p:cNvPr id="411" name="Group 410">
-            <a:extLst>
-              <a:ext uri="{FF2B5EF4-FFF2-40B4-BE49-F238E27FC236}">
-                <a16:creationId xmlns:a16="http://schemas.microsoft.com/office/drawing/2014/main" id="{3F217517-802A-DB18-4A2A-E287D2E2254F}"/>
-              </a:ext>
-            </a:extLst>
-          </p:cNvPr>
-          <p:cNvGrpSpPr/>
-          <p:nvPr/>
-        </p:nvGrpSpPr>
-        <p:grpSpPr>
-          <a:xfrm>
-            <a:off x="7732805" y="19293775"/>
-            <a:ext cx="1081996" cy="622989"/>
-            <a:chOff x="7744853" y="8133339"/>
-            <a:chExt cx="1081996" cy="622989"/>
+            <a:off x="25904828" y="12663587"/>
+            <a:ext cx="949473" cy="449400"/>
+            <a:chOff x="18132627" y="20895034"/>
+            <a:chExt cx="949473" cy="449400"/>
           </a:xfrm>
         </p:grpSpPr>
         <p:sp>
@@ -28316,8 +25847,8 @@
           </p:nvSpPr>
           <p:spPr>
             <a:xfrm>
-              <a:off x="7744853" y="8133339"/>
-              <a:ext cx="1081996" cy="622989"/>
+              <a:off x="18132627" y="20895034"/>
+              <a:ext cx="949473" cy="449400"/>
             </a:xfrm>
             <a:prstGeom prst="roundRect">
               <a:avLst>
@@ -28372,8 +25903,8 @@
           </p:nvSpPr>
           <p:spPr>
             <a:xfrm>
-              <a:off x="7797691" y="8234012"/>
-              <a:ext cx="433137" cy="435324"/>
+              <a:off x="18223650" y="20952780"/>
+              <a:ext cx="309707" cy="297319"/>
             </a:xfrm>
             <a:prstGeom prst="ellipse">
               <a:avLst/>
@@ -28381,7 +25912,7 @@
             <a:noFill/>
             <a:ln>
               <a:solidFill>
-                <a:srgbClr val="FF0000"/>
+                <a:srgbClr val="ED2759"/>
               </a:solidFill>
             </a:ln>
           </p:spPr>
@@ -28424,375 +25955,13 @@
           </p:nvSpPr>
           <p:spPr>
             <a:xfrm>
-              <a:off x="8335896" y="8238460"/>
-              <a:ext cx="433137" cy="435324"/>
+              <a:off x="18644934" y="20952744"/>
+              <a:ext cx="309707" cy="298680"/>
             </a:xfrm>
             <a:prstGeom prst="ellipse">
               <a:avLst/>
             </a:prstGeom>
             <a:noFill/>
-            <a:ln>
-              <a:solidFill>
-                <a:srgbClr val="002E99"/>
-              </a:solidFill>
-            </a:ln>
-          </p:spPr>
-          <p:style>
-            <a:lnRef idx="2">
-              <a:schemeClr val="accent1">
-                <a:shade val="15000"/>
-              </a:schemeClr>
-            </a:lnRef>
-            <a:fillRef idx="1">
-              <a:schemeClr val="accent1"/>
-            </a:fillRef>
-            <a:effectRef idx="0">
-              <a:schemeClr val="accent1"/>
-            </a:effectRef>
-            <a:fontRef idx="minor">
-              <a:schemeClr val="lt1"/>
-            </a:fontRef>
-          </p:style>
-          <p:txBody>
-            <a:bodyPr rtlCol="0" anchor="ctr"/>
-            <a:lstStyle/>
-            <a:p>
-              <a:pPr algn="ctr"/>
-              <a:endParaRPr lang="en-GB"/>
-            </a:p>
-          </p:txBody>
-        </p:sp>
-      </p:grpSp>
-      <p:grpSp>
-        <p:nvGrpSpPr>
-          <p:cNvPr id="415" name="Group 414">
-            <a:extLst>
-              <a:ext uri="{FF2B5EF4-FFF2-40B4-BE49-F238E27FC236}">
-                <a16:creationId xmlns:a16="http://schemas.microsoft.com/office/drawing/2014/main" id="{610FFC07-958E-80EA-7735-47429C9DDA52}"/>
-              </a:ext>
-            </a:extLst>
-          </p:cNvPr>
-          <p:cNvGrpSpPr/>
-          <p:nvPr/>
-        </p:nvGrpSpPr>
-        <p:grpSpPr>
-          <a:xfrm>
-            <a:off x="25870828" y="10111475"/>
-            <a:ext cx="1081996" cy="622989"/>
-            <a:chOff x="7744853" y="8133339"/>
-            <a:chExt cx="1081996" cy="622989"/>
-          </a:xfrm>
-        </p:grpSpPr>
-        <p:sp>
-          <p:nvSpPr>
-            <p:cNvPr id="416" name="Rounded Rectangle 415">
-              <a:extLst>
-                <a:ext uri="{FF2B5EF4-FFF2-40B4-BE49-F238E27FC236}">
-                  <a16:creationId xmlns:a16="http://schemas.microsoft.com/office/drawing/2014/main" id="{0EB55741-A26F-1127-DEF3-65B1672A2D48}"/>
-                </a:ext>
-              </a:extLst>
-            </p:cNvPr>
-            <p:cNvSpPr/>
-            <p:nvPr/>
-          </p:nvSpPr>
-          <p:spPr>
-            <a:xfrm>
-              <a:off x="7744853" y="8133339"/>
-              <a:ext cx="1081996" cy="622989"/>
-            </a:xfrm>
-            <a:prstGeom prst="roundRect">
-              <a:avLst>
-                <a:gd name="adj" fmla="val 9233"/>
-              </a:avLst>
-            </a:prstGeom>
-            <a:noFill/>
-            <a:ln>
-              <a:noFill/>
-            </a:ln>
-          </p:spPr>
-          <p:style>
-            <a:lnRef idx="2">
-              <a:schemeClr val="accent1">
-                <a:shade val="15000"/>
-              </a:schemeClr>
-            </a:lnRef>
-            <a:fillRef idx="1">
-              <a:schemeClr val="accent1"/>
-            </a:fillRef>
-            <a:effectRef idx="0">
-              <a:schemeClr val="accent1"/>
-            </a:effectRef>
-            <a:fontRef idx="minor">
-              <a:schemeClr val="lt1"/>
-            </a:fontRef>
-          </p:style>
-          <p:txBody>
-            <a:bodyPr rtlCol="0" anchor="ctr"/>
-            <a:lstStyle/>
-            <a:p>
-              <a:pPr algn="ctr"/>
-              <a:endParaRPr lang="en-GB" dirty="0"/>
-            </a:p>
-          </p:txBody>
-        </p:sp>
-        <p:sp>
-          <p:nvSpPr>
-            <p:cNvPr id="417" name="Oval 416">
-              <a:extLst>
-                <a:ext uri="{FF2B5EF4-FFF2-40B4-BE49-F238E27FC236}">
-                  <a16:creationId xmlns:a16="http://schemas.microsoft.com/office/drawing/2014/main" id="{AEABC8A5-6F4B-1FEE-0DE2-1C345095AD8A}"/>
-                </a:ext>
-              </a:extLst>
-            </p:cNvPr>
-            <p:cNvSpPr/>
-            <p:nvPr/>
-          </p:nvSpPr>
-          <p:spPr>
-            <a:xfrm>
-              <a:off x="7797691" y="8234012"/>
-              <a:ext cx="433137" cy="435324"/>
-            </a:xfrm>
-            <a:prstGeom prst="ellipse">
-              <a:avLst/>
-            </a:prstGeom>
-            <a:noFill/>
-            <a:ln>
-              <a:solidFill>
-                <a:srgbClr val="FF0000"/>
-              </a:solidFill>
-            </a:ln>
-          </p:spPr>
-          <p:style>
-            <a:lnRef idx="2">
-              <a:schemeClr val="accent1">
-                <a:shade val="15000"/>
-              </a:schemeClr>
-            </a:lnRef>
-            <a:fillRef idx="1">
-              <a:schemeClr val="accent1"/>
-            </a:fillRef>
-            <a:effectRef idx="0">
-              <a:schemeClr val="accent1"/>
-            </a:effectRef>
-            <a:fontRef idx="minor">
-              <a:schemeClr val="lt1"/>
-            </a:fontRef>
-          </p:style>
-          <p:txBody>
-            <a:bodyPr rtlCol="0" anchor="ctr"/>
-            <a:lstStyle/>
-            <a:p>
-              <a:pPr algn="ctr"/>
-              <a:endParaRPr lang="en-GB"/>
-            </a:p>
-          </p:txBody>
-        </p:sp>
-        <p:sp>
-          <p:nvSpPr>
-            <p:cNvPr id="418" name="Oval 417">
-              <a:extLst>
-                <a:ext uri="{FF2B5EF4-FFF2-40B4-BE49-F238E27FC236}">
-                  <a16:creationId xmlns:a16="http://schemas.microsoft.com/office/drawing/2014/main" id="{4E8FFF89-8EC5-0310-0757-95AB1AA7DBCE}"/>
-                </a:ext>
-              </a:extLst>
-            </p:cNvPr>
-            <p:cNvSpPr/>
-            <p:nvPr/>
-          </p:nvSpPr>
-          <p:spPr>
-            <a:xfrm>
-              <a:off x="8335896" y="8238460"/>
-              <a:ext cx="433137" cy="435324"/>
-            </a:xfrm>
-            <a:prstGeom prst="ellipse">
-              <a:avLst/>
-            </a:prstGeom>
-            <a:noFill/>
-            <a:ln>
-              <a:solidFill>
-                <a:srgbClr val="002E99"/>
-              </a:solidFill>
-            </a:ln>
-          </p:spPr>
-          <p:style>
-            <a:lnRef idx="2">
-              <a:schemeClr val="accent1">
-                <a:shade val="15000"/>
-              </a:schemeClr>
-            </a:lnRef>
-            <a:fillRef idx="1">
-              <a:schemeClr val="accent1"/>
-            </a:fillRef>
-            <a:effectRef idx="0">
-              <a:schemeClr val="accent1"/>
-            </a:effectRef>
-            <a:fontRef idx="minor">
-              <a:schemeClr val="lt1"/>
-            </a:fontRef>
-          </p:style>
-          <p:txBody>
-            <a:bodyPr rtlCol="0" anchor="ctr"/>
-            <a:lstStyle/>
-            <a:p>
-              <a:pPr algn="ctr"/>
-              <a:endParaRPr lang="en-GB"/>
-            </a:p>
-          </p:txBody>
-        </p:sp>
-      </p:grpSp>
-      <p:grpSp>
-        <p:nvGrpSpPr>
-          <p:cNvPr id="419" name="Group 418">
-            <a:extLst>
-              <a:ext uri="{FF2B5EF4-FFF2-40B4-BE49-F238E27FC236}">
-                <a16:creationId xmlns:a16="http://schemas.microsoft.com/office/drawing/2014/main" id="{3302761B-45D8-CA44-4EA5-4CF18D72BD90}"/>
-              </a:ext>
-            </a:extLst>
-          </p:cNvPr>
-          <p:cNvGrpSpPr/>
-          <p:nvPr/>
-        </p:nvGrpSpPr>
-        <p:grpSpPr>
-          <a:xfrm>
-            <a:off x="7732394" y="13197716"/>
-            <a:ext cx="1081996" cy="622989"/>
-            <a:chOff x="7744853" y="8133339"/>
-            <a:chExt cx="1081996" cy="622989"/>
-          </a:xfrm>
-        </p:grpSpPr>
-        <p:sp>
-          <p:nvSpPr>
-            <p:cNvPr id="420" name="Rounded Rectangle 419">
-              <a:extLst>
-                <a:ext uri="{FF2B5EF4-FFF2-40B4-BE49-F238E27FC236}">
-                  <a16:creationId xmlns:a16="http://schemas.microsoft.com/office/drawing/2014/main" id="{0B82FD8C-1FB0-1A79-A04E-84ABF4B65324}"/>
-                </a:ext>
-              </a:extLst>
-            </p:cNvPr>
-            <p:cNvSpPr/>
-            <p:nvPr/>
-          </p:nvSpPr>
-          <p:spPr>
-            <a:xfrm>
-              <a:off x="7744853" y="8133339"/>
-              <a:ext cx="1081996" cy="622989"/>
-            </a:xfrm>
-            <a:prstGeom prst="roundRect">
-              <a:avLst>
-                <a:gd name="adj" fmla="val 9233"/>
-              </a:avLst>
-            </a:prstGeom>
-            <a:solidFill>
-              <a:schemeClr val="bg1">
-                <a:lumMod val="95000"/>
-              </a:schemeClr>
-            </a:solidFill>
-            <a:ln>
-              <a:noFill/>
-            </a:ln>
-          </p:spPr>
-          <p:style>
-            <a:lnRef idx="2">
-              <a:schemeClr val="accent1">
-                <a:shade val="15000"/>
-              </a:schemeClr>
-            </a:lnRef>
-            <a:fillRef idx="1">
-              <a:schemeClr val="accent1"/>
-            </a:fillRef>
-            <a:effectRef idx="0">
-              <a:schemeClr val="accent1"/>
-            </a:effectRef>
-            <a:fontRef idx="minor">
-              <a:schemeClr val="lt1"/>
-            </a:fontRef>
-          </p:style>
-          <p:txBody>
-            <a:bodyPr rtlCol="0" anchor="ctr"/>
-            <a:lstStyle/>
-            <a:p>
-              <a:pPr algn="ctr"/>
-              <a:endParaRPr lang="en-GB" dirty="0"/>
-            </a:p>
-          </p:txBody>
-        </p:sp>
-        <p:sp>
-          <p:nvSpPr>
-            <p:cNvPr id="421" name="Oval 420">
-              <a:extLst>
-                <a:ext uri="{FF2B5EF4-FFF2-40B4-BE49-F238E27FC236}">
-                  <a16:creationId xmlns:a16="http://schemas.microsoft.com/office/drawing/2014/main" id="{BACEBBF9-21D6-CC7F-EC25-DC6645E1B691}"/>
-                </a:ext>
-              </a:extLst>
-            </p:cNvPr>
-            <p:cNvSpPr/>
-            <p:nvPr/>
-          </p:nvSpPr>
-          <p:spPr>
-            <a:xfrm>
-              <a:off x="7797691" y="8234012"/>
-              <a:ext cx="433137" cy="435324"/>
-            </a:xfrm>
-            <a:prstGeom prst="ellipse">
-              <a:avLst/>
-            </a:prstGeom>
-            <a:solidFill>
-              <a:srgbClr val="FF0000"/>
-            </a:solidFill>
-            <a:ln>
-              <a:solidFill>
-                <a:srgbClr val="FF0000"/>
-              </a:solidFill>
-            </a:ln>
-          </p:spPr>
-          <p:style>
-            <a:lnRef idx="2">
-              <a:schemeClr val="accent1">
-                <a:shade val="15000"/>
-              </a:schemeClr>
-            </a:lnRef>
-            <a:fillRef idx="1">
-              <a:schemeClr val="accent1"/>
-            </a:fillRef>
-            <a:effectRef idx="0">
-              <a:schemeClr val="accent1"/>
-            </a:effectRef>
-            <a:fontRef idx="minor">
-              <a:schemeClr val="lt1"/>
-            </a:fontRef>
-          </p:style>
-          <p:txBody>
-            <a:bodyPr rtlCol="0" anchor="ctr"/>
-            <a:lstStyle/>
-            <a:p>
-              <a:pPr algn="ctr"/>
-              <a:endParaRPr lang="en-GB"/>
-            </a:p>
-          </p:txBody>
-        </p:sp>
-        <p:sp>
-          <p:nvSpPr>
-            <p:cNvPr id="422" name="Oval 421">
-              <a:extLst>
-                <a:ext uri="{FF2B5EF4-FFF2-40B4-BE49-F238E27FC236}">
-                  <a16:creationId xmlns:a16="http://schemas.microsoft.com/office/drawing/2014/main" id="{F1C9F506-53D7-4031-093C-81B26D7D1687}"/>
-                </a:ext>
-              </a:extLst>
-            </p:cNvPr>
-            <p:cNvSpPr/>
-            <p:nvPr/>
-          </p:nvSpPr>
-          <p:spPr>
-            <a:xfrm>
-              <a:off x="8335896" y="8238460"/>
-              <a:ext cx="433137" cy="435324"/>
-            </a:xfrm>
-            <a:prstGeom prst="ellipse">
-              <a:avLst/>
-            </a:prstGeom>
-            <a:solidFill>
-              <a:srgbClr val="002E99"/>
-            </a:solidFill>
             <a:ln>
               <a:solidFill>
                 <a:srgbClr val="002E99"/>
@@ -29028,114 +26197,6 @@
         </p:sp>
         <p:sp>
           <p:nvSpPr>
-            <p:cNvPr id="382" name="Oval 381">
-              <a:extLst>
-                <a:ext uri="{FF2B5EF4-FFF2-40B4-BE49-F238E27FC236}">
-                  <a16:creationId xmlns:a16="http://schemas.microsoft.com/office/drawing/2014/main" id="{B64F8737-1B3B-BE75-F4AC-0DA8BD18E24B}"/>
-                </a:ext>
-              </a:extLst>
-            </p:cNvPr>
-            <p:cNvSpPr/>
-            <p:nvPr/>
-          </p:nvSpPr>
-          <p:spPr>
-            <a:xfrm>
-              <a:off x="522473" y="21135571"/>
-              <a:ext cx="433137" cy="435324"/>
-            </a:xfrm>
-            <a:prstGeom prst="ellipse">
-              <a:avLst/>
-            </a:prstGeom>
-            <a:solidFill>
-              <a:srgbClr val="FF0000"/>
-            </a:solidFill>
-            <a:ln>
-              <a:solidFill>
-                <a:srgbClr val="FF0000"/>
-              </a:solidFill>
-            </a:ln>
-          </p:spPr>
-          <p:style>
-            <a:lnRef idx="2">
-              <a:schemeClr val="accent1">
-                <a:shade val="15000"/>
-              </a:schemeClr>
-            </a:lnRef>
-            <a:fillRef idx="1">
-              <a:schemeClr val="accent1"/>
-            </a:fillRef>
-            <a:effectRef idx="0">
-              <a:schemeClr val="accent1"/>
-            </a:effectRef>
-            <a:fontRef idx="minor">
-              <a:schemeClr val="lt1"/>
-            </a:fontRef>
-          </p:style>
-          <p:txBody>
-            <a:bodyPr rtlCol="0" anchor="ctr"/>
-            <a:lstStyle/>
-            <a:p>
-              <a:pPr algn="ctr"/>
-              <a:endParaRPr lang="en-GB"/>
-            </a:p>
-          </p:txBody>
-        </p:sp>
-        <p:sp>
-          <p:nvSpPr>
-            <p:cNvPr id="383" name="Oval 382">
-              <a:extLst>
-                <a:ext uri="{FF2B5EF4-FFF2-40B4-BE49-F238E27FC236}">
-                  <a16:creationId xmlns:a16="http://schemas.microsoft.com/office/drawing/2014/main" id="{8FB5723D-9A1F-838B-007B-265E75D1B991}"/>
-                </a:ext>
-              </a:extLst>
-            </p:cNvPr>
-            <p:cNvSpPr/>
-            <p:nvPr/>
-          </p:nvSpPr>
-          <p:spPr>
-            <a:xfrm>
-              <a:off x="522473" y="20562125"/>
-              <a:ext cx="433137" cy="435324"/>
-            </a:xfrm>
-            <a:prstGeom prst="ellipse">
-              <a:avLst/>
-            </a:prstGeom>
-            <a:solidFill>
-              <a:srgbClr val="002E99"/>
-            </a:solidFill>
-            <a:ln>
-              <a:solidFill>
-                <a:srgbClr val="002E99"/>
-              </a:solidFill>
-            </a:ln>
-          </p:spPr>
-          <p:style>
-            <a:lnRef idx="2">
-              <a:schemeClr val="accent1">
-                <a:shade val="15000"/>
-              </a:schemeClr>
-            </a:lnRef>
-            <a:fillRef idx="1">
-              <a:schemeClr val="accent1"/>
-            </a:fillRef>
-            <a:effectRef idx="0">
-              <a:schemeClr val="accent1"/>
-            </a:effectRef>
-            <a:fontRef idx="minor">
-              <a:schemeClr val="lt1"/>
-            </a:fontRef>
-          </p:style>
-          <p:txBody>
-            <a:bodyPr rtlCol="0" anchor="ctr"/>
-            <a:lstStyle/>
-            <a:p>
-              <a:pPr algn="ctr"/>
-              <a:endParaRPr lang="en-GB"/>
-            </a:p>
-          </p:txBody>
-        </p:sp>
-        <p:sp>
-          <p:nvSpPr>
             <p:cNvPr id="408" name="TextBox 407">
               <a:extLst>
                 <a:ext uri="{FF2B5EF4-FFF2-40B4-BE49-F238E27FC236}">
@@ -29258,6 +26319,1069 @@
                 </a:rPr>
                 <a:t>Indicates that a poster touching on the use case described will be presented at the respective event.</a:t>
               </a:r>
+            </a:p>
+          </p:txBody>
+        </p:sp>
+      </p:grpSp>
+      <p:grpSp>
+        <p:nvGrpSpPr>
+          <p:cNvPr id="328" name="Group 327">
+            <a:extLst>
+              <a:ext uri="{FF2B5EF4-FFF2-40B4-BE49-F238E27FC236}">
+                <a16:creationId xmlns:a16="http://schemas.microsoft.com/office/drawing/2014/main" id="{19245CA4-8A07-5A98-3027-46377A362598}"/>
+              </a:ext>
+            </a:extLst>
+          </p:cNvPr>
+          <p:cNvGrpSpPr/>
+          <p:nvPr/>
+        </p:nvGrpSpPr>
+        <p:grpSpPr>
+          <a:xfrm>
+            <a:off x="16938507" y="17011775"/>
+            <a:ext cx="940536" cy="457903"/>
+            <a:chOff x="17127838" y="20884724"/>
+            <a:chExt cx="940536" cy="457903"/>
+          </a:xfrm>
+        </p:grpSpPr>
+        <p:sp>
+          <p:nvSpPr>
+            <p:cNvPr id="194" name="Rounded Rectangle 193">
+              <a:extLst>
+                <a:ext uri="{FF2B5EF4-FFF2-40B4-BE49-F238E27FC236}">
+                  <a16:creationId xmlns:a16="http://schemas.microsoft.com/office/drawing/2014/main" id="{19E52A7E-0A5C-948A-4AF3-0C050294B68B}"/>
+                </a:ext>
+              </a:extLst>
+            </p:cNvPr>
+            <p:cNvSpPr/>
+            <p:nvPr/>
+          </p:nvSpPr>
+          <p:spPr>
+            <a:xfrm>
+              <a:off x="17127838" y="20884724"/>
+              <a:ext cx="940536" cy="457903"/>
+            </a:xfrm>
+            <a:prstGeom prst="roundRect">
+              <a:avLst>
+                <a:gd name="adj" fmla="val 9233"/>
+              </a:avLst>
+            </a:prstGeom>
+            <a:solidFill>
+              <a:schemeClr val="bg1">
+                <a:lumMod val="95000"/>
+              </a:schemeClr>
+            </a:solidFill>
+            <a:ln>
+              <a:noFill/>
+            </a:ln>
+          </p:spPr>
+          <p:style>
+            <a:lnRef idx="2">
+              <a:schemeClr val="accent1">
+                <a:shade val="15000"/>
+              </a:schemeClr>
+            </a:lnRef>
+            <a:fillRef idx="1">
+              <a:schemeClr val="accent1"/>
+            </a:fillRef>
+            <a:effectRef idx="0">
+              <a:schemeClr val="accent1"/>
+            </a:effectRef>
+            <a:fontRef idx="minor">
+              <a:schemeClr val="lt1"/>
+            </a:fontRef>
+          </p:style>
+          <p:txBody>
+            <a:bodyPr rtlCol="0" anchor="ctr"/>
+            <a:lstStyle/>
+            <a:p>
+              <a:pPr algn="ctr"/>
+              <a:endParaRPr lang="en-GB" dirty="0"/>
+            </a:p>
+          </p:txBody>
+        </p:sp>
+        <p:pic>
+          <p:nvPicPr>
+            <p:cNvPr id="188" name="Picture 187" descr="A blue circle with yellow stars&#10;&#10;Description automatically generated">
+              <a:extLst>
+                <a:ext uri="{FF2B5EF4-FFF2-40B4-BE49-F238E27FC236}">
+                  <a16:creationId xmlns:a16="http://schemas.microsoft.com/office/drawing/2014/main" id="{42C19B17-1D8A-56D8-FDE0-A5A410E3FBE9}"/>
+                </a:ext>
+              </a:extLst>
+            </p:cNvPr>
+            <p:cNvPicPr>
+              <a:picLocks noChangeAspect="1"/>
+            </p:cNvPicPr>
+            <p:nvPr/>
+          </p:nvPicPr>
+          <p:blipFill>
+            <a:blip r:embed="rId7"/>
+            <a:stretch>
+              <a:fillRect/>
+            </a:stretch>
+          </p:blipFill>
+          <p:spPr>
+            <a:xfrm>
+              <a:off x="17625421" y="20939564"/>
+              <a:ext cx="340009" cy="340009"/>
+            </a:xfrm>
+            <a:prstGeom prst="rect">
+              <a:avLst/>
+            </a:prstGeom>
+          </p:spPr>
+        </p:pic>
+        <p:pic>
+          <p:nvPicPr>
+            <p:cNvPr id="190" name="Picture 189" descr="A red white and blue flag&#10;&#10;Description automatically generated">
+              <a:extLst>
+                <a:ext uri="{FF2B5EF4-FFF2-40B4-BE49-F238E27FC236}">
+                  <a16:creationId xmlns:a16="http://schemas.microsoft.com/office/drawing/2014/main" id="{55BCCAE2-4632-D2BC-4AC4-488621A90213}"/>
+                </a:ext>
+              </a:extLst>
+            </p:cNvPr>
+            <p:cNvPicPr>
+              <a:picLocks noChangeAspect="1"/>
+            </p:cNvPicPr>
+            <p:nvPr/>
+          </p:nvPicPr>
+          <p:blipFill>
+            <a:blip r:embed="rId8"/>
+            <a:stretch>
+              <a:fillRect/>
+            </a:stretch>
+          </p:blipFill>
+          <p:spPr>
+            <a:xfrm>
+              <a:off x="17190244" y="20938568"/>
+              <a:ext cx="340009" cy="340009"/>
+            </a:xfrm>
+            <a:prstGeom prst="rect">
+              <a:avLst/>
+            </a:prstGeom>
+          </p:spPr>
+        </p:pic>
+      </p:grpSp>
+      <p:pic>
+        <p:nvPicPr>
+          <p:cNvPr id="191" name="Picture 190" descr="A blue circle with yellow stars&#10;&#10;Description automatically generated">
+            <a:extLst>
+              <a:ext uri="{FF2B5EF4-FFF2-40B4-BE49-F238E27FC236}">
+                <a16:creationId xmlns:a16="http://schemas.microsoft.com/office/drawing/2014/main" id="{3C8703F0-C19A-FE25-5956-57389B022EFE}"/>
+              </a:ext>
+            </a:extLst>
+          </p:cNvPr>
+          <p:cNvPicPr>
+            <a:picLocks noChangeAspect="1"/>
+          </p:cNvPicPr>
+          <p:nvPr/>
+        </p:nvPicPr>
+        <p:blipFill>
+          <a:blip r:embed="rId7"/>
+          <a:stretch>
+            <a:fillRect/>
+          </a:stretch>
+        </p:blipFill>
+        <p:spPr>
+          <a:xfrm>
+            <a:off x="536000" y="20860578"/>
+            <a:ext cx="443661" cy="443661"/>
+          </a:xfrm>
+          <a:prstGeom prst="rect">
+            <a:avLst/>
+          </a:prstGeom>
+        </p:spPr>
+      </p:pic>
+      <p:pic>
+        <p:nvPicPr>
+          <p:cNvPr id="326" name="Picture 325" descr="A red white and blue flag&#10;&#10;Description automatically generated">
+            <a:extLst>
+              <a:ext uri="{FF2B5EF4-FFF2-40B4-BE49-F238E27FC236}">
+                <a16:creationId xmlns:a16="http://schemas.microsoft.com/office/drawing/2014/main" id="{820D7238-550A-0779-035C-E30501FA17D1}"/>
+              </a:ext>
+            </a:extLst>
+          </p:cNvPr>
+          <p:cNvPicPr>
+            <a:picLocks noChangeAspect="1"/>
+          </p:cNvPicPr>
+          <p:nvPr/>
+        </p:nvPicPr>
+        <p:blipFill>
+          <a:blip r:embed="rId8"/>
+          <a:stretch>
+            <a:fillRect/>
+          </a:stretch>
+        </p:blipFill>
+        <p:spPr>
+          <a:xfrm>
+            <a:off x="536000" y="21429032"/>
+            <a:ext cx="443661" cy="443661"/>
+          </a:xfrm>
+          <a:prstGeom prst="rect">
+            <a:avLst/>
+          </a:prstGeom>
+        </p:spPr>
+      </p:pic>
+      <p:grpSp>
+        <p:nvGrpSpPr>
+          <p:cNvPr id="330" name="Group 329">
+            <a:extLst>
+              <a:ext uri="{FF2B5EF4-FFF2-40B4-BE49-F238E27FC236}">
+                <a16:creationId xmlns:a16="http://schemas.microsoft.com/office/drawing/2014/main" id="{78F5C9BF-EB73-5B42-54A4-FE04476C3155}"/>
+              </a:ext>
+            </a:extLst>
+          </p:cNvPr>
+          <p:cNvGrpSpPr/>
+          <p:nvPr/>
+        </p:nvGrpSpPr>
+        <p:grpSpPr>
+          <a:xfrm>
+            <a:off x="7797368" y="13288900"/>
+            <a:ext cx="940536" cy="457903"/>
+            <a:chOff x="17127838" y="20884724"/>
+            <a:chExt cx="940536" cy="457903"/>
+          </a:xfrm>
+        </p:grpSpPr>
+        <p:sp>
+          <p:nvSpPr>
+            <p:cNvPr id="331" name="Rounded Rectangle 330">
+              <a:extLst>
+                <a:ext uri="{FF2B5EF4-FFF2-40B4-BE49-F238E27FC236}">
+                  <a16:creationId xmlns:a16="http://schemas.microsoft.com/office/drawing/2014/main" id="{B5E9E52E-8263-5F05-C769-2627AC00818B}"/>
+                </a:ext>
+              </a:extLst>
+            </p:cNvPr>
+            <p:cNvSpPr/>
+            <p:nvPr/>
+          </p:nvSpPr>
+          <p:spPr>
+            <a:xfrm>
+              <a:off x="17127838" y="20884724"/>
+              <a:ext cx="940536" cy="457903"/>
+            </a:xfrm>
+            <a:prstGeom prst="roundRect">
+              <a:avLst>
+                <a:gd name="adj" fmla="val 9233"/>
+              </a:avLst>
+            </a:prstGeom>
+            <a:solidFill>
+              <a:schemeClr val="bg1">
+                <a:lumMod val="95000"/>
+              </a:schemeClr>
+            </a:solidFill>
+            <a:ln>
+              <a:noFill/>
+            </a:ln>
+          </p:spPr>
+          <p:style>
+            <a:lnRef idx="2">
+              <a:schemeClr val="accent1">
+                <a:shade val="15000"/>
+              </a:schemeClr>
+            </a:lnRef>
+            <a:fillRef idx="1">
+              <a:schemeClr val="accent1"/>
+            </a:fillRef>
+            <a:effectRef idx="0">
+              <a:schemeClr val="accent1"/>
+            </a:effectRef>
+            <a:fontRef idx="minor">
+              <a:schemeClr val="lt1"/>
+            </a:fontRef>
+          </p:style>
+          <p:txBody>
+            <a:bodyPr rtlCol="0" anchor="ctr"/>
+            <a:lstStyle/>
+            <a:p>
+              <a:pPr algn="ctr"/>
+              <a:endParaRPr lang="en-GB" dirty="0"/>
+            </a:p>
+          </p:txBody>
+        </p:sp>
+        <p:pic>
+          <p:nvPicPr>
+            <p:cNvPr id="332" name="Picture 331" descr="A blue circle with yellow stars&#10;&#10;Description automatically generated">
+              <a:extLst>
+                <a:ext uri="{FF2B5EF4-FFF2-40B4-BE49-F238E27FC236}">
+                  <a16:creationId xmlns:a16="http://schemas.microsoft.com/office/drawing/2014/main" id="{0C5187BC-2EA0-4763-9CDE-D948EAC6C763}"/>
+                </a:ext>
+              </a:extLst>
+            </p:cNvPr>
+            <p:cNvPicPr>
+              <a:picLocks noChangeAspect="1"/>
+            </p:cNvPicPr>
+            <p:nvPr/>
+          </p:nvPicPr>
+          <p:blipFill>
+            <a:blip r:embed="rId7"/>
+            <a:stretch>
+              <a:fillRect/>
+            </a:stretch>
+          </p:blipFill>
+          <p:spPr>
+            <a:xfrm>
+              <a:off x="17625421" y="20939564"/>
+              <a:ext cx="340009" cy="340009"/>
+            </a:xfrm>
+            <a:prstGeom prst="rect">
+              <a:avLst/>
+            </a:prstGeom>
+          </p:spPr>
+        </p:pic>
+        <p:pic>
+          <p:nvPicPr>
+            <p:cNvPr id="333" name="Picture 332" descr="A red white and blue flag&#10;&#10;Description automatically generated">
+              <a:extLst>
+                <a:ext uri="{FF2B5EF4-FFF2-40B4-BE49-F238E27FC236}">
+                  <a16:creationId xmlns:a16="http://schemas.microsoft.com/office/drawing/2014/main" id="{E38085E4-3C41-2080-F89C-536F63C29069}"/>
+                </a:ext>
+              </a:extLst>
+            </p:cNvPr>
+            <p:cNvPicPr>
+              <a:picLocks noChangeAspect="1"/>
+            </p:cNvPicPr>
+            <p:nvPr/>
+          </p:nvPicPr>
+          <p:blipFill>
+            <a:blip r:embed="rId8"/>
+            <a:stretch>
+              <a:fillRect/>
+            </a:stretch>
+          </p:blipFill>
+          <p:spPr>
+            <a:xfrm>
+              <a:off x="17190244" y="20938568"/>
+              <a:ext cx="340009" cy="340009"/>
+            </a:xfrm>
+            <a:prstGeom prst="rect">
+              <a:avLst/>
+            </a:prstGeom>
+          </p:spPr>
+        </p:pic>
+      </p:grpSp>
+      <p:grpSp>
+        <p:nvGrpSpPr>
+          <p:cNvPr id="334" name="Group 333">
+            <a:extLst>
+              <a:ext uri="{FF2B5EF4-FFF2-40B4-BE49-F238E27FC236}">
+                <a16:creationId xmlns:a16="http://schemas.microsoft.com/office/drawing/2014/main" id="{9BE14320-07B7-D563-599D-06F1DC846048}"/>
+              </a:ext>
+            </a:extLst>
+          </p:cNvPr>
+          <p:cNvGrpSpPr/>
+          <p:nvPr/>
+        </p:nvGrpSpPr>
+        <p:grpSpPr>
+          <a:xfrm>
+            <a:off x="21455895" y="10557653"/>
+            <a:ext cx="940536" cy="457903"/>
+            <a:chOff x="17127838" y="20884724"/>
+            <a:chExt cx="940536" cy="457903"/>
+          </a:xfrm>
+        </p:grpSpPr>
+        <p:sp>
+          <p:nvSpPr>
+            <p:cNvPr id="335" name="Rounded Rectangle 334">
+              <a:extLst>
+                <a:ext uri="{FF2B5EF4-FFF2-40B4-BE49-F238E27FC236}">
+                  <a16:creationId xmlns:a16="http://schemas.microsoft.com/office/drawing/2014/main" id="{87D25476-8946-0DB2-8507-43367815E3D7}"/>
+                </a:ext>
+              </a:extLst>
+            </p:cNvPr>
+            <p:cNvSpPr/>
+            <p:nvPr/>
+          </p:nvSpPr>
+          <p:spPr>
+            <a:xfrm>
+              <a:off x="17127838" y="20884724"/>
+              <a:ext cx="940536" cy="457903"/>
+            </a:xfrm>
+            <a:prstGeom prst="roundRect">
+              <a:avLst>
+                <a:gd name="adj" fmla="val 9233"/>
+              </a:avLst>
+            </a:prstGeom>
+            <a:solidFill>
+              <a:schemeClr val="bg1">
+                <a:lumMod val="95000"/>
+              </a:schemeClr>
+            </a:solidFill>
+            <a:ln>
+              <a:noFill/>
+            </a:ln>
+          </p:spPr>
+          <p:style>
+            <a:lnRef idx="2">
+              <a:schemeClr val="accent1">
+                <a:shade val="15000"/>
+              </a:schemeClr>
+            </a:lnRef>
+            <a:fillRef idx="1">
+              <a:schemeClr val="accent1"/>
+            </a:fillRef>
+            <a:effectRef idx="0">
+              <a:schemeClr val="accent1"/>
+            </a:effectRef>
+            <a:fontRef idx="minor">
+              <a:schemeClr val="lt1"/>
+            </a:fontRef>
+          </p:style>
+          <p:txBody>
+            <a:bodyPr rtlCol="0" anchor="ctr"/>
+            <a:lstStyle/>
+            <a:p>
+              <a:pPr algn="ctr"/>
+              <a:endParaRPr lang="en-GB" dirty="0"/>
+            </a:p>
+          </p:txBody>
+        </p:sp>
+        <p:pic>
+          <p:nvPicPr>
+            <p:cNvPr id="336" name="Picture 335" descr="A blue circle with yellow stars&#10;&#10;Description automatically generated">
+              <a:extLst>
+                <a:ext uri="{FF2B5EF4-FFF2-40B4-BE49-F238E27FC236}">
+                  <a16:creationId xmlns:a16="http://schemas.microsoft.com/office/drawing/2014/main" id="{56EC69AB-290A-9BE5-5383-B5959C9BFE2B}"/>
+                </a:ext>
+              </a:extLst>
+            </p:cNvPr>
+            <p:cNvPicPr>
+              <a:picLocks noChangeAspect="1"/>
+            </p:cNvPicPr>
+            <p:nvPr/>
+          </p:nvPicPr>
+          <p:blipFill>
+            <a:blip r:embed="rId7"/>
+            <a:stretch>
+              <a:fillRect/>
+            </a:stretch>
+          </p:blipFill>
+          <p:spPr>
+            <a:xfrm>
+              <a:off x="17625421" y="20939564"/>
+              <a:ext cx="340009" cy="340009"/>
+            </a:xfrm>
+            <a:prstGeom prst="rect">
+              <a:avLst/>
+            </a:prstGeom>
+          </p:spPr>
+        </p:pic>
+        <p:pic>
+          <p:nvPicPr>
+            <p:cNvPr id="337" name="Picture 336" descr="A red white and blue flag&#10;&#10;Description automatically generated">
+              <a:extLst>
+                <a:ext uri="{FF2B5EF4-FFF2-40B4-BE49-F238E27FC236}">
+                  <a16:creationId xmlns:a16="http://schemas.microsoft.com/office/drawing/2014/main" id="{0D6B6940-A043-B19F-AB30-C993F9599E54}"/>
+                </a:ext>
+              </a:extLst>
+            </p:cNvPr>
+            <p:cNvPicPr>
+              <a:picLocks noChangeAspect="1"/>
+            </p:cNvPicPr>
+            <p:nvPr/>
+          </p:nvPicPr>
+          <p:blipFill>
+            <a:blip r:embed="rId8"/>
+            <a:stretch>
+              <a:fillRect/>
+            </a:stretch>
+          </p:blipFill>
+          <p:spPr>
+            <a:xfrm>
+              <a:off x="17190244" y="20938568"/>
+              <a:ext cx="340009" cy="340009"/>
+            </a:xfrm>
+            <a:prstGeom prst="rect">
+              <a:avLst/>
+            </a:prstGeom>
+          </p:spPr>
+        </p:pic>
+      </p:grpSp>
+      <p:grpSp>
+        <p:nvGrpSpPr>
+          <p:cNvPr id="338" name="Group 337">
+            <a:extLst>
+              <a:ext uri="{FF2B5EF4-FFF2-40B4-BE49-F238E27FC236}">
+                <a16:creationId xmlns:a16="http://schemas.microsoft.com/office/drawing/2014/main" id="{228100A6-0D0C-DA02-3582-2AF8AF778BCB}"/>
+              </a:ext>
+            </a:extLst>
+          </p:cNvPr>
+          <p:cNvGrpSpPr/>
+          <p:nvPr/>
+        </p:nvGrpSpPr>
+        <p:grpSpPr>
+          <a:xfrm>
+            <a:off x="12359100" y="8236814"/>
+            <a:ext cx="940536" cy="457903"/>
+            <a:chOff x="17127838" y="20884724"/>
+            <a:chExt cx="940536" cy="457903"/>
+          </a:xfrm>
+        </p:grpSpPr>
+        <p:sp>
+          <p:nvSpPr>
+            <p:cNvPr id="339" name="Rounded Rectangle 338">
+              <a:extLst>
+                <a:ext uri="{FF2B5EF4-FFF2-40B4-BE49-F238E27FC236}">
+                  <a16:creationId xmlns:a16="http://schemas.microsoft.com/office/drawing/2014/main" id="{FFA89D89-5EEE-0C2C-AFA8-14C204BF2DA6}"/>
+                </a:ext>
+              </a:extLst>
+            </p:cNvPr>
+            <p:cNvSpPr/>
+            <p:nvPr/>
+          </p:nvSpPr>
+          <p:spPr>
+            <a:xfrm>
+              <a:off x="17127838" y="20884724"/>
+              <a:ext cx="940536" cy="457903"/>
+            </a:xfrm>
+            <a:prstGeom prst="roundRect">
+              <a:avLst>
+                <a:gd name="adj" fmla="val 9233"/>
+              </a:avLst>
+            </a:prstGeom>
+            <a:solidFill>
+              <a:schemeClr val="bg1">
+                <a:lumMod val="95000"/>
+              </a:schemeClr>
+            </a:solidFill>
+            <a:ln>
+              <a:noFill/>
+            </a:ln>
+          </p:spPr>
+          <p:style>
+            <a:lnRef idx="2">
+              <a:schemeClr val="accent1">
+                <a:shade val="15000"/>
+              </a:schemeClr>
+            </a:lnRef>
+            <a:fillRef idx="1">
+              <a:schemeClr val="accent1"/>
+            </a:fillRef>
+            <a:effectRef idx="0">
+              <a:schemeClr val="accent1"/>
+            </a:effectRef>
+            <a:fontRef idx="minor">
+              <a:schemeClr val="lt1"/>
+            </a:fontRef>
+          </p:style>
+          <p:txBody>
+            <a:bodyPr rtlCol="0" anchor="ctr"/>
+            <a:lstStyle/>
+            <a:p>
+              <a:pPr algn="ctr"/>
+              <a:endParaRPr lang="en-GB" dirty="0"/>
+            </a:p>
+          </p:txBody>
+        </p:sp>
+        <p:pic>
+          <p:nvPicPr>
+            <p:cNvPr id="340" name="Picture 339" descr="A blue circle with yellow stars&#10;&#10;Description automatically generated">
+              <a:extLst>
+                <a:ext uri="{FF2B5EF4-FFF2-40B4-BE49-F238E27FC236}">
+                  <a16:creationId xmlns:a16="http://schemas.microsoft.com/office/drawing/2014/main" id="{C2EBE5AB-EE22-24A1-C66E-12662771BDF7}"/>
+                </a:ext>
+              </a:extLst>
+            </p:cNvPr>
+            <p:cNvPicPr>
+              <a:picLocks noChangeAspect="1"/>
+            </p:cNvPicPr>
+            <p:nvPr/>
+          </p:nvPicPr>
+          <p:blipFill>
+            <a:blip r:embed="rId7"/>
+            <a:stretch>
+              <a:fillRect/>
+            </a:stretch>
+          </p:blipFill>
+          <p:spPr>
+            <a:xfrm>
+              <a:off x="17625421" y="20939564"/>
+              <a:ext cx="340009" cy="340009"/>
+            </a:xfrm>
+            <a:prstGeom prst="rect">
+              <a:avLst/>
+            </a:prstGeom>
+          </p:spPr>
+        </p:pic>
+        <p:pic>
+          <p:nvPicPr>
+            <p:cNvPr id="341" name="Picture 340" descr="A red white and blue flag&#10;&#10;Description automatically generated">
+              <a:extLst>
+                <a:ext uri="{FF2B5EF4-FFF2-40B4-BE49-F238E27FC236}">
+                  <a16:creationId xmlns:a16="http://schemas.microsoft.com/office/drawing/2014/main" id="{6CD75109-9D98-E7E6-A997-A97FF8FCF114}"/>
+                </a:ext>
+              </a:extLst>
+            </p:cNvPr>
+            <p:cNvPicPr>
+              <a:picLocks noChangeAspect="1"/>
+            </p:cNvPicPr>
+            <p:nvPr/>
+          </p:nvPicPr>
+          <p:blipFill>
+            <a:blip r:embed="rId8"/>
+            <a:stretch>
+              <a:fillRect/>
+            </a:stretch>
+          </p:blipFill>
+          <p:spPr>
+            <a:xfrm>
+              <a:off x="17190244" y="20938568"/>
+              <a:ext cx="340009" cy="340009"/>
+            </a:xfrm>
+            <a:prstGeom prst="rect">
+              <a:avLst/>
+            </a:prstGeom>
+          </p:spPr>
+        </p:pic>
+      </p:grpSp>
+      <p:grpSp>
+        <p:nvGrpSpPr>
+          <p:cNvPr id="342" name="Group 341">
+            <a:extLst>
+              <a:ext uri="{FF2B5EF4-FFF2-40B4-BE49-F238E27FC236}">
+                <a16:creationId xmlns:a16="http://schemas.microsoft.com/office/drawing/2014/main" id="{219113EB-3D10-BA6D-8051-DB679F7A48FA}"/>
+              </a:ext>
+            </a:extLst>
+          </p:cNvPr>
+          <p:cNvGrpSpPr/>
+          <p:nvPr/>
+        </p:nvGrpSpPr>
+        <p:grpSpPr>
+          <a:xfrm>
+            <a:off x="3274234" y="8241037"/>
+            <a:ext cx="940536" cy="457903"/>
+            <a:chOff x="17127838" y="20884724"/>
+            <a:chExt cx="940536" cy="457903"/>
+          </a:xfrm>
+        </p:grpSpPr>
+        <p:sp>
+          <p:nvSpPr>
+            <p:cNvPr id="343" name="Rounded Rectangle 342">
+              <a:extLst>
+                <a:ext uri="{FF2B5EF4-FFF2-40B4-BE49-F238E27FC236}">
+                  <a16:creationId xmlns:a16="http://schemas.microsoft.com/office/drawing/2014/main" id="{324FEC4C-A87F-74CA-4DEC-2575CC36FA8D}"/>
+                </a:ext>
+              </a:extLst>
+            </p:cNvPr>
+            <p:cNvSpPr/>
+            <p:nvPr/>
+          </p:nvSpPr>
+          <p:spPr>
+            <a:xfrm>
+              <a:off x="17127838" y="20884724"/>
+              <a:ext cx="940536" cy="457903"/>
+            </a:xfrm>
+            <a:prstGeom prst="roundRect">
+              <a:avLst>
+                <a:gd name="adj" fmla="val 9233"/>
+              </a:avLst>
+            </a:prstGeom>
+            <a:solidFill>
+              <a:schemeClr val="bg1">
+                <a:lumMod val="95000"/>
+              </a:schemeClr>
+            </a:solidFill>
+            <a:ln>
+              <a:noFill/>
+            </a:ln>
+          </p:spPr>
+          <p:style>
+            <a:lnRef idx="2">
+              <a:schemeClr val="accent1">
+                <a:shade val="15000"/>
+              </a:schemeClr>
+            </a:lnRef>
+            <a:fillRef idx="1">
+              <a:schemeClr val="accent1"/>
+            </a:fillRef>
+            <a:effectRef idx="0">
+              <a:schemeClr val="accent1"/>
+            </a:effectRef>
+            <a:fontRef idx="minor">
+              <a:schemeClr val="lt1"/>
+            </a:fontRef>
+          </p:style>
+          <p:txBody>
+            <a:bodyPr rtlCol="0" anchor="ctr"/>
+            <a:lstStyle/>
+            <a:p>
+              <a:pPr algn="ctr"/>
+              <a:endParaRPr lang="en-GB" dirty="0"/>
+            </a:p>
+          </p:txBody>
+        </p:sp>
+        <p:pic>
+          <p:nvPicPr>
+            <p:cNvPr id="345" name="Picture 344" descr="A blue circle with yellow stars&#10;&#10;Description automatically generated">
+              <a:extLst>
+                <a:ext uri="{FF2B5EF4-FFF2-40B4-BE49-F238E27FC236}">
+                  <a16:creationId xmlns:a16="http://schemas.microsoft.com/office/drawing/2014/main" id="{E96A88C4-62A1-1388-21DD-FD1E7D98A7AD}"/>
+                </a:ext>
+              </a:extLst>
+            </p:cNvPr>
+            <p:cNvPicPr>
+              <a:picLocks noChangeAspect="1"/>
+            </p:cNvPicPr>
+            <p:nvPr/>
+          </p:nvPicPr>
+          <p:blipFill>
+            <a:blip r:embed="rId7"/>
+            <a:stretch>
+              <a:fillRect/>
+            </a:stretch>
+          </p:blipFill>
+          <p:spPr>
+            <a:xfrm>
+              <a:off x="17625421" y="20939564"/>
+              <a:ext cx="340009" cy="340009"/>
+            </a:xfrm>
+            <a:prstGeom prst="rect">
+              <a:avLst/>
+            </a:prstGeom>
+          </p:spPr>
+        </p:pic>
+        <p:pic>
+          <p:nvPicPr>
+            <p:cNvPr id="376" name="Picture 375" descr="A red white and blue flag&#10;&#10;Description automatically generated">
+              <a:extLst>
+                <a:ext uri="{FF2B5EF4-FFF2-40B4-BE49-F238E27FC236}">
+                  <a16:creationId xmlns:a16="http://schemas.microsoft.com/office/drawing/2014/main" id="{BF2F40D1-5C5C-851A-B730-4CE04B3FD8A4}"/>
+                </a:ext>
+              </a:extLst>
+            </p:cNvPr>
+            <p:cNvPicPr>
+              <a:picLocks noChangeAspect="1"/>
+            </p:cNvPicPr>
+            <p:nvPr/>
+          </p:nvPicPr>
+          <p:blipFill>
+            <a:blip r:embed="rId8"/>
+            <a:stretch>
+              <a:fillRect/>
+            </a:stretch>
+          </p:blipFill>
+          <p:spPr>
+            <a:xfrm>
+              <a:off x="17190244" y="20938568"/>
+              <a:ext cx="340009" cy="340009"/>
+            </a:xfrm>
+            <a:prstGeom prst="rect">
+              <a:avLst/>
+            </a:prstGeom>
+          </p:spPr>
+        </p:pic>
+      </p:grpSp>
+      <p:grpSp>
+        <p:nvGrpSpPr>
+          <p:cNvPr id="377" name="Group 376">
+            <a:extLst>
+              <a:ext uri="{FF2B5EF4-FFF2-40B4-BE49-F238E27FC236}">
+                <a16:creationId xmlns:a16="http://schemas.microsoft.com/office/drawing/2014/main" id="{8BAEA50F-8EE7-B2AD-C62E-20A444710543}"/>
+              </a:ext>
+            </a:extLst>
+          </p:cNvPr>
+          <p:cNvGrpSpPr/>
+          <p:nvPr/>
+        </p:nvGrpSpPr>
+        <p:grpSpPr>
+          <a:xfrm>
+            <a:off x="7824683" y="8247667"/>
+            <a:ext cx="940536" cy="457903"/>
+            <a:chOff x="17127838" y="20884724"/>
+            <a:chExt cx="940536" cy="457903"/>
+          </a:xfrm>
+        </p:grpSpPr>
+        <p:sp>
+          <p:nvSpPr>
+            <p:cNvPr id="378" name="Rounded Rectangle 377">
+              <a:extLst>
+                <a:ext uri="{FF2B5EF4-FFF2-40B4-BE49-F238E27FC236}">
+                  <a16:creationId xmlns:a16="http://schemas.microsoft.com/office/drawing/2014/main" id="{9AF8FDE2-8360-1CF1-B9AF-30A267E2F8DD}"/>
+                </a:ext>
+              </a:extLst>
+            </p:cNvPr>
+            <p:cNvSpPr/>
+            <p:nvPr/>
+          </p:nvSpPr>
+          <p:spPr>
+            <a:xfrm>
+              <a:off x="17127838" y="20884724"/>
+              <a:ext cx="940536" cy="457903"/>
+            </a:xfrm>
+            <a:prstGeom prst="roundRect">
+              <a:avLst>
+                <a:gd name="adj" fmla="val 9233"/>
+              </a:avLst>
+            </a:prstGeom>
+            <a:solidFill>
+              <a:schemeClr val="bg1">
+                <a:lumMod val="95000"/>
+              </a:schemeClr>
+            </a:solidFill>
+            <a:ln>
+              <a:noFill/>
+            </a:ln>
+          </p:spPr>
+          <p:style>
+            <a:lnRef idx="2">
+              <a:schemeClr val="accent1">
+                <a:shade val="15000"/>
+              </a:schemeClr>
+            </a:lnRef>
+            <a:fillRef idx="1">
+              <a:schemeClr val="accent1"/>
+            </a:fillRef>
+            <a:effectRef idx="0">
+              <a:schemeClr val="accent1"/>
+            </a:effectRef>
+            <a:fontRef idx="minor">
+              <a:schemeClr val="lt1"/>
+            </a:fontRef>
+          </p:style>
+          <p:txBody>
+            <a:bodyPr rtlCol="0" anchor="ctr"/>
+            <a:lstStyle/>
+            <a:p>
+              <a:pPr algn="ctr"/>
+              <a:endParaRPr lang="en-GB" dirty="0"/>
+            </a:p>
+          </p:txBody>
+        </p:sp>
+        <p:pic>
+          <p:nvPicPr>
+            <p:cNvPr id="379" name="Picture 378" descr="A blue circle with yellow stars&#10;&#10;Description automatically generated">
+              <a:extLst>
+                <a:ext uri="{FF2B5EF4-FFF2-40B4-BE49-F238E27FC236}">
+                  <a16:creationId xmlns:a16="http://schemas.microsoft.com/office/drawing/2014/main" id="{0B33C6FD-D10F-02EF-2802-09C3171240BD}"/>
+                </a:ext>
+              </a:extLst>
+            </p:cNvPr>
+            <p:cNvPicPr>
+              <a:picLocks noChangeAspect="1"/>
+            </p:cNvPicPr>
+            <p:nvPr/>
+          </p:nvPicPr>
+          <p:blipFill>
+            <a:blip r:embed="rId7"/>
+            <a:stretch>
+              <a:fillRect/>
+            </a:stretch>
+          </p:blipFill>
+          <p:spPr>
+            <a:xfrm>
+              <a:off x="17625421" y="20939564"/>
+              <a:ext cx="340009" cy="340009"/>
+            </a:xfrm>
+            <a:prstGeom prst="rect">
+              <a:avLst/>
+            </a:prstGeom>
+          </p:spPr>
+        </p:pic>
+        <p:pic>
+          <p:nvPicPr>
+            <p:cNvPr id="380" name="Picture 379" descr="A red white and blue flag&#10;&#10;Description automatically generated">
+              <a:extLst>
+                <a:ext uri="{FF2B5EF4-FFF2-40B4-BE49-F238E27FC236}">
+                  <a16:creationId xmlns:a16="http://schemas.microsoft.com/office/drawing/2014/main" id="{77EC60FA-4DF7-BB40-93B0-D45DC7828595}"/>
+                </a:ext>
+              </a:extLst>
+            </p:cNvPr>
+            <p:cNvPicPr>
+              <a:picLocks noChangeAspect="1"/>
+            </p:cNvPicPr>
+            <p:nvPr/>
+          </p:nvPicPr>
+          <p:blipFill>
+            <a:blip r:embed="rId8"/>
+            <a:stretch>
+              <a:fillRect/>
+            </a:stretch>
+          </p:blipFill>
+          <p:spPr>
+            <a:xfrm>
+              <a:off x="17190244" y="20938568"/>
+              <a:ext cx="340009" cy="340009"/>
+            </a:xfrm>
+            <a:prstGeom prst="rect">
+              <a:avLst/>
+            </a:prstGeom>
+          </p:spPr>
+        </p:pic>
+      </p:grpSp>
+      <p:grpSp>
+        <p:nvGrpSpPr>
+          <p:cNvPr id="384" name="Group 383">
+            <a:extLst>
+              <a:ext uri="{FF2B5EF4-FFF2-40B4-BE49-F238E27FC236}">
+                <a16:creationId xmlns:a16="http://schemas.microsoft.com/office/drawing/2014/main" id="{C37B6ECC-C37D-8373-E8DD-A1684DB21351}"/>
+              </a:ext>
+            </a:extLst>
+          </p:cNvPr>
+          <p:cNvGrpSpPr/>
+          <p:nvPr/>
+        </p:nvGrpSpPr>
+        <p:grpSpPr>
+          <a:xfrm>
+            <a:off x="7770649" y="19345068"/>
+            <a:ext cx="949473" cy="449400"/>
+            <a:chOff x="18132627" y="20895034"/>
+            <a:chExt cx="949473" cy="449400"/>
+          </a:xfrm>
+        </p:grpSpPr>
+        <p:sp>
+          <p:nvSpPr>
+            <p:cNvPr id="385" name="Rounded Rectangle 384">
+              <a:extLst>
+                <a:ext uri="{FF2B5EF4-FFF2-40B4-BE49-F238E27FC236}">
+                  <a16:creationId xmlns:a16="http://schemas.microsoft.com/office/drawing/2014/main" id="{FBECBD5D-B1FA-7D5D-A484-F26F220A7977}"/>
+                </a:ext>
+              </a:extLst>
+            </p:cNvPr>
+            <p:cNvSpPr/>
+            <p:nvPr/>
+          </p:nvSpPr>
+          <p:spPr>
+            <a:xfrm>
+              <a:off x="18132627" y="20895034"/>
+              <a:ext cx="949473" cy="449400"/>
+            </a:xfrm>
+            <a:prstGeom prst="roundRect">
+              <a:avLst>
+                <a:gd name="adj" fmla="val 9233"/>
+              </a:avLst>
+            </a:prstGeom>
+            <a:solidFill>
+              <a:schemeClr val="bg1">
+                <a:lumMod val="95000"/>
+              </a:schemeClr>
+            </a:solidFill>
+            <a:ln>
+              <a:noFill/>
+            </a:ln>
+          </p:spPr>
+          <p:style>
+            <a:lnRef idx="2">
+              <a:schemeClr val="accent1">
+                <a:shade val="15000"/>
+              </a:schemeClr>
+            </a:lnRef>
+            <a:fillRef idx="1">
+              <a:schemeClr val="accent1"/>
+            </a:fillRef>
+            <a:effectRef idx="0">
+              <a:schemeClr val="accent1"/>
+            </a:effectRef>
+            <a:fontRef idx="minor">
+              <a:schemeClr val="lt1"/>
+            </a:fontRef>
+          </p:style>
+          <p:txBody>
+            <a:bodyPr rtlCol="0" anchor="ctr"/>
+            <a:lstStyle/>
+            <a:p>
+              <a:pPr algn="ctr"/>
+              <a:endParaRPr lang="en-GB" dirty="0"/>
+            </a:p>
+          </p:txBody>
+        </p:sp>
+        <p:sp>
+          <p:nvSpPr>
+            <p:cNvPr id="386" name="Oval 385">
+              <a:extLst>
+                <a:ext uri="{FF2B5EF4-FFF2-40B4-BE49-F238E27FC236}">
+                  <a16:creationId xmlns:a16="http://schemas.microsoft.com/office/drawing/2014/main" id="{3F08E07B-8BFC-ED1C-B03B-A47603C17FB0}"/>
+                </a:ext>
+              </a:extLst>
+            </p:cNvPr>
+            <p:cNvSpPr/>
+            <p:nvPr/>
+          </p:nvSpPr>
+          <p:spPr>
+            <a:xfrm>
+              <a:off x="18223650" y="20952780"/>
+              <a:ext cx="309707" cy="297319"/>
+            </a:xfrm>
+            <a:prstGeom prst="ellipse">
+              <a:avLst/>
+            </a:prstGeom>
+            <a:noFill/>
+            <a:ln>
+              <a:solidFill>
+                <a:srgbClr val="ED2759"/>
+              </a:solidFill>
+            </a:ln>
+          </p:spPr>
+          <p:style>
+            <a:lnRef idx="2">
+              <a:schemeClr val="accent1">
+                <a:shade val="15000"/>
+              </a:schemeClr>
+            </a:lnRef>
+            <a:fillRef idx="1">
+              <a:schemeClr val="accent1"/>
+            </a:fillRef>
+            <a:effectRef idx="0">
+              <a:schemeClr val="accent1"/>
+            </a:effectRef>
+            <a:fontRef idx="minor">
+              <a:schemeClr val="lt1"/>
+            </a:fontRef>
+          </p:style>
+          <p:txBody>
+            <a:bodyPr rtlCol="0" anchor="ctr"/>
+            <a:lstStyle/>
+            <a:p>
+              <a:pPr algn="ctr"/>
+              <a:endParaRPr lang="en-GB"/>
+            </a:p>
+          </p:txBody>
+        </p:sp>
+        <p:sp>
+          <p:nvSpPr>
+            <p:cNvPr id="399" name="Oval 398">
+              <a:extLst>
+                <a:ext uri="{FF2B5EF4-FFF2-40B4-BE49-F238E27FC236}">
+                  <a16:creationId xmlns:a16="http://schemas.microsoft.com/office/drawing/2014/main" id="{CE6AA233-D266-7BD5-AF30-1E4005DE3990}"/>
+                </a:ext>
+              </a:extLst>
+            </p:cNvPr>
+            <p:cNvSpPr/>
+            <p:nvPr/>
+          </p:nvSpPr>
+          <p:spPr>
+            <a:xfrm>
+              <a:off x="18644934" y="20952744"/>
+              <a:ext cx="309707" cy="298680"/>
+            </a:xfrm>
+            <a:prstGeom prst="ellipse">
+              <a:avLst/>
+            </a:prstGeom>
+            <a:noFill/>
+            <a:ln>
+              <a:solidFill>
+                <a:srgbClr val="002E99"/>
+              </a:solidFill>
+            </a:ln>
+          </p:spPr>
+          <p:style>
+            <a:lnRef idx="2">
+              <a:schemeClr val="accent1">
+                <a:shade val="15000"/>
+              </a:schemeClr>
+            </a:lnRef>
+            <a:fillRef idx="1">
+              <a:schemeClr val="accent1"/>
+            </a:fillRef>
+            <a:effectRef idx="0">
+              <a:schemeClr val="accent1"/>
+            </a:effectRef>
+            <a:fontRef idx="minor">
+              <a:schemeClr val="lt1"/>
+            </a:fontRef>
+          </p:style>
+          <p:txBody>
+            <a:bodyPr rtlCol="0" anchor="ctr"/>
+            <a:lstStyle/>
+            <a:p>
+              <a:pPr algn="ctr"/>
+              <a:endParaRPr lang="en-GB"/>
             </a:p>
           </p:txBody>
         </p:sp>
@@ -30135,16 +28259,16 @@
 <file path=customXml/itemProps1.xml><?xml version="1.0" encoding="utf-8"?>
 <ds:datastoreItem xmlns:ds="http://schemas.openxmlformats.org/officeDocument/2006/customXml" ds:itemID="{0608C028-DB74-4132-93E9-98A6B8817B9A}">
   <ds:schemaRefs>
+    <ds:schemaRef ds:uri="98eacbea-7562-4a40-a7f2-e999cdc0cec5"/>
+    <ds:schemaRef ds:uri="http://www.w3.org/XML/1998/namespace"/>
+    <ds:schemaRef ds:uri="http://purl.org/dc/dcmitype/"/>
+    <ds:schemaRef ds:uri="http://schemas.microsoft.com/office/infopath/2007/PartnerControls"/>
+    <ds:schemaRef ds:uri="http://schemas.openxmlformats.org/package/2006/metadata/core-properties"/>
+    <ds:schemaRef ds:uri="75bf9804-c18d-470a-a27f-eeaf4abcd247"/>
+    <ds:schemaRef ds:uri="http://schemas.microsoft.com/office/2006/metadata/properties"/>
     <ds:schemaRef ds:uri="http://schemas.microsoft.com/office/2006/documentManagement/types"/>
-    <ds:schemaRef ds:uri="http://schemas.openxmlformats.org/package/2006/metadata/core-properties"/>
-    <ds:schemaRef ds:uri="http://www.w3.org/XML/1998/namespace"/>
+    <ds:schemaRef ds:uri="http://purl.org/dc/terms/"/>
     <ds:schemaRef ds:uri="http://purl.org/dc/elements/1.1/"/>
-    <ds:schemaRef ds:uri="http://schemas.microsoft.com/office/infopath/2007/PartnerControls"/>
-    <ds:schemaRef ds:uri="75bf9804-c18d-470a-a27f-eeaf4abcd247"/>
-    <ds:schemaRef ds:uri="98eacbea-7562-4a40-a7f2-e999cdc0cec5"/>
-    <ds:schemaRef ds:uri="http://purl.org/dc/terms/"/>
-    <ds:schemaRef ds:uri="http://schemas.microsoft.com/office/2006/metadata/properties"/>
-    <ds:schemaRef ds:uri="http://purl.org/dc/dcmitype/"/>
   </ds:schemaRefs>
 </ds:datastoreItem>
 </file>

--- a/use_cases.pptx
+++ b/use_cases.pptx
@@ -115,16 +115,104 @@
 </p:presentation>
 </file>
 
-<file path=ppt/revisionInfo.xml><?xml version="1.0" encoding="utf-8"?>
-<p1510:revInfo xmlns:a="http://schemas.openxmlformats.org/drawingml/2006/main" xmlns:r="http://schemas.openxmlformats.org/officeDocument/2006/relationships" xmlns:p1510="http://schemas.microsoft.com/office/powerpoint/2015/10/main">
-  <p1510:revLst>
-    <p1510:client id="{0548765D-58AD-A348-A47A-BAEAEF245B50}" v="9" dt="2024-10-03T08:45:17.911"/>
-  </p1510:revLst>
-</p1510:revInfo>
-</file>
-
 <file path=ppt/changesInfos/changesInfo1.xml><?xml version="1.0" encoding="utf-8"?>
 <pc:chgInfo xmlns:a="http://schemas.openxmlformats.org/drawingml/2006/main" xmlns:r="http://schemas.openxmlformats.org/officeDocument/2006/relationships" xmlns:ac="http://schemas.microsoft.com/office/drawing/2013/main/command" xmlns:pc="http://schemas.microsoft.com/office/powerpoint/2013/main/command">
+  <pc:docChgLst>
+    <pc:chgData name="Dave Iberson-Hurst" userId="b9343ad4-b965-4c67-a190-78071bba09d9" providerId="ADAL" clId="{FC85707D-3600-9244-9A94-A301775AFE44}"/>
+    <pc:docChg chg="modSld">
+      <pc:chgData name="Dave Iberson-Hurst" userId="b9343ad4-b965-4c67-a190-78071bba09d9" providerId="ADAL" clId="{FC85707D-3600-9244-9A94-A301775AFE44}" dt="2024-10-08T12:55:19.513" v="24" actId="20577"/>
+      <pc:docMkLst>
+        <pc:docMk/>
+      </pc:docMkLst>
+      <pc:sldChg chg="delSp modSp mod">
+        <pc:chgData name="Dave Iberson-Hurst" userId="b9343ad4-b965-4c67-a190-78071bba09d9" providerId="ADAL" clId="{FC85707D-3600-9244-9A94-A301775AFE44}" dt="2024-10-08T12:55:19.513" v="24" actId="20577"/>
+        <pc:sldMkLst>
+          <pc:docMk/>
+          <pc:sldMk cId="3544396517" sldId="256"/>
+        </pc:sldMkLst>
+        <pc:spChg chg="topLvl">
+          <ac:chgData name="Dave Iberson-Hurst" userId="b9343ad4-b965-4c67-a190-78071bba09d9" providerId="ADAL" clId="{FC85707D-3600-9244-9A94-A301775AFE44}" dt="2024-10-08T12:54:48.649" v="1" actId="165"/>
+          <ac:spMkLst>
+            <pc:docMk/>
+            <pc:sldMk cId="3544396517" sldId="256"/>
+            <ac:spMk id="327" creationId="{20C1498C-2589-353E-5779-C02EECBD8DA2}"/>
+          </ac:spMkLst>
+        </pc:spChg>
+        <pc:spChg chg="topLvl">
+          <ac:chgData name="Dave Iberson-Hurst" userId="b9343ad4-b965-4c67-a190-78071bba09d9" providerId="ADAL" clId="{FC85707D-3600-9244-9A94-A301775AFE44}" dt="2024-10-08T12:54:48.649" v="1" actId="165"/>
+          <ac:spMkLst>
+            <pc:docMk/>
+            <pc:sldMk cId="3544396517" sldId="256"/>
+            <ac:spMk id="329" creationId="{42EAB0D2-ED1A-242A-D507-51B70B86FF59}"/>
+          </ac:spMkLst>
+        </pc:spChg>
+        <pc:spChg chg="mod">
+          <ac:chgData name="Dave Iberson-Hurst" userId="b9343ad4-b965-4c67-a190-78071bba09d9" providerId="ADAL" clId="{FC85707D-3600-9244-9A94-A301775AFE44}" dt="2024-10-08T12:55:19.513" v="24" actId="20577"/>
+          <ac:spMkLst>
+            <pc:docMk/>
+            <pc:sldMk cId="3544396517" sldId="256"/>
+            <ac:spMk id="344" creationId="{0985E804-5F92-EF54-9BC8-093413E91041}"/>
+          </ac:spMkLst>
+        </pc:spChg>
+        <pc:spChg chg="mod topLvl">
+          <ac:chgData name="Dave Iberson-Hurst" userId="b9343ad4-b965-4c67-a190-78071bba09d9" providerId="ADAL" clId="{FC85707D-3600-9244-9A94-A301775AFE44}" dt="2024-10-08T12:55:07.167" v="22" actId="1035"/>
+          <ac:spMkLst>
+            <pc:docMk/>
+            <pc:sldMk cId="3544396517" sldId="256"/>
+            <ac:spMk id="408" creationId="{5A8CFBC7-BC42-4161-8B19-E8F473456880}"/>
+          </ac:spMkLst>
+        </pc:spChg>
+        <pc:spChg chg="mod topLvl">
+          <ac:chgData name="Dave Iberson-Hurst" userId="b9343ad4-b965-4c67-a190-78071bba09d9" providerId="ADAL" clId="{FC85707D-3600-9244-9A94-A301775AFE44}" dt="2024-10-08T12:55:07.167" v="22" actId="1035"/>
+          <ac:spMkLst>
+            <pc:docMk/>
+            <pc:sldMk cId="3544396517" sldId="256"/>
+            <ac:spMk id="409" creationId="{756F2B23-B2ED-D931-A2F9-00E05F9C2CBC}"/>
+          </ac:spMkLst>
+        </pc:spChg>
+        <pc:spChg chg="topLvl">
+          <ac:chgData name="Dave Iberson-Hurst" userId="b9343ad4-b965-4c67-a190-78071bba09d9" providerId="ADAL" clId="{FC85707D-3600-9244-9A94-A301775AFE44}" dt="2024-10-08T12:54:48.649" v="1" actId="165"/>
+          <ac:spMkLst>
+            <pc:docMk/>
+            <pc:sldMk cId="3544396517" sldId="256"/>
+            <ac:spMk id="423" creationId="{6E034EFE-F73A-60FE-C503-7C9033E0C0D2}"/>
+          </ac:spMkLst>
+        </pc:spChg>
+        <pc:grpChg chg="mod">
+          <ac:chgData name="Dave Iberson-Hurst" userId="b9343ad4-b965-4c67-a190-78071bba09d9" providerId="ADAL" clId="{FC85707D-3600-9244-9A94-A301775AFE44}" dt="2024-10-08T12:50:26.277" v="0" actId="1076"/>
+          <ac:grpSpMkLst>
+            <pc:docMk/>
+            <pc:sldMk cId="3544396517" sldId="256"/>
+            <ac:grpSpMk id="381" creationId="{F9CD552B-AD07-801C-AFFC-CDD4CB016609}"/>
+          </ac:grpSpMkLst>
+        </pc:grpChg>
+        <pc:grpChg chg="del">
+          <ac:chgData name="Dave Iberson-Hurst" userId="b9343ad4-b965-4c67-a190-78071bba09d9" providerId="ADAL" clId="{FC85707D-3600-9244-9A94-A301775AFE44}" dt="2024-10-08T12:54:48.649" v="1" actId="165"/>
+          <ac:grpSpMkLst>
+            <pc:docMk/>
+            <pc:sldMk cId="3544396517" sldId="256"/>
+            <ac:grpSpMk id="424" creationId="{69F650B5-3460-2FEE-F314-DF5F8A6EF4FB}"/>
+          </ac:grpSpMkLst>
+        </pc:grpChg>
+        <pc:picChg chg="mod">
+          <ac:chgData name="Dave Iberson-Hurst" userId="b9343ad4-b965-4c67-a190-78071bba09d9" providerId="ADAL" clId="{FC85707D-3600-9244-9A94-A301775AFE44}" dt="2024-10-08T12:55:07.167" v="22" actId="1035"/>
+          <ac:picMkLst>
+            <pc:docMk/>
+            <pc:sldMk cId="3544396517" sldId="256"/>
+            <ac:picMk id="191" creationId="{3C8703F0-C19A-FE25-5956-57389B022EFE}"/>
+          </ac:picMkLst>
+        </pc:picChg>
+        <pc:picChg chg="mod">
+          <ac:chgData name="Dave Iberson-Hurst" userId="b9343ad4-b965-4c67-a190-78071bba09d9" providerId="ADAL" clId="{FC85707D-3600-9244-9A94-A301775AFE44}" dt="2024-10-08T12:55:07.167" v="22" actId="1035"/>
+          <ac:picMkLst>
+            <pc:docMk/>
+            <pc:sldMk cId="3544396517" sldId="256"/>
+            <ac:picMk id="326" creationId="{820D7238-550A-0779-035C-E30501FA17D1}"/>
+          </ac:picMkLst>
+        </pc:picChg>
+      </pc:sldChg>
+    </pc:docChg>
+  </pc:docChgLst>
   <pc:docChgLst>
     <pc:chgData name="Dave Iberson-Hurst" userId="b9343ad4-b965-4c67-a190-78071bba09d9" providerId="ADAL" clId="{0548765D-58AD-A348-A47A-BAEAEF245B50}"/>
     <pc:docChg chg="modSld">
@@ -234,7 +322,7 @@
           <a:p>
             <a:fld id="{643F7372-8583-3647-8A6D-8602282481EA}" type="datetimeFigureOut">
               <a:rPr lang="en-US" smtClean="0"/>
-              <a:t>10/7/24</a:t>
+              <a:t>10/8/24</a:t>
             </a:fld>
             <a:endParaRPr lang="en-US"/>
           </a:p>
@@ -721,7 +809,7 @@
           <a:p>
             <a:fld id="{EA997AF5-C9B8-654C-B523-B4077F0C4FC6}" type="datetimeFigureOut">
               <a:rPr lang="en-GB" smtClean="0"/>
-              <a:t>07/10/2024</a:t>
+              <a:t>08/10/2024</a:t>
             </a:fld>
             <a:endParaRPr lang="en-GB"/>
           </a:p>
@@ -891,7 +979,7 @@
           <a:p>
             <a:fld id="{EA997AF5-C9B8-654C-B523-B4077F0C4FC6}" type="datetimeFigureOut">
               <a:rPr lang="en-GB" smtClean="0"/>
-              <a:t>07/10/2024</a:t>
+              <a:t>08/10/2024</a:t>
             </a:fld>
             <a:endParaRPr lang="en-GB"/>
           </a:p>
@@ -1071,7 +1159,7 @@
           <a:p>
             <a:fld id="{EA997AF5-C9B8-654C-B523-B4077F0C4FC6}" type="datetimeFigureOut">
               <a:rPr lang="en-GB" smtClean="0"/>
-              <a:t>07/10/2024</a:t>
+              <a:t>08/10/2024</a:t>
             </a:fld>
             <a:endParaRPr lang="en-GB"/>
           </a:p>
@@ -1241,7 +1329,7 @@
           <a:p>
             <a:fld id="{EA997AF5-C9B8-654C-B523-B4077F0C4FC6}" type="datetimeFigureOut">
               <a:rPr lang="en-GB" smtClean="0"/>
-              <a:t>07/10/2024</a:t>
+              <a:t>08/10/2024</a:t>
             </a:fld>
             <a:endParaRPr lang="en-GB"/>
           </a:p>
@@ -1487,7 +1575,7 @@
           <a:p>
             <a:fld id="{EA997AF5-C9B8-654C-B523-B4077F0C4FC6}" type="datetimeFigureOut">
               <a:rPr lang="en-GB" smtClean="0"/>
-              <a:t>07/10/2024</a:t>
+              <a:t>08/10/2024</a:t>
             </a:fld>
             <a:endParaRPr lang="en-GB"/>
           </a:p>
@@ -1719,7 +1807,7 @@
           <a:p>
             <a:fld id="{EA997AF5-C9B8-654C-B523-B4077F0C4FC6}" type="datetimeFigureOut">
               <a:rPr lang="en-GB" smtClean="0"/>
-              <a:t>07/10/2024</a:t>
+              <a:t>08/10/2024</a:t>
             </a:fld>
             <a:endParaRPr lang="en-GB"/>
           </a:p>
@@ -2086,7 +2174,7 @@
           <a:p>
             <a:fld id="{EA997AF5-C9B8-654C-B523-B4077F0C4FC6}" type="datetimeFigureOut">
               <a:rPr lang="en-GB" smtClean="0"/>
-              <a:t>07/10/2024</a:t>
+              <a:t>08/10/2024</a:t>
             </a:fld>
             <a:endParaRPr lang="en-GB"/>
           </a:p>
@@ -2204,7 +2292,7 @@
           <a:p>
             <a:fld id="{EA997AF5-C9B8-654C-B523-B4077F0C4FC6}" type="datetimeFigureOut">
               <a:rPr lang="en-GB" smtClean="0"/>
-              <a:t>07/10/2024</a:t>
+              <a:t>08/10/2024</a:t>
             </a:fld>
             <a:endParaRPr lang="en-GB"/>
           </a:p>
@@ -2299,7 +2387,7 @@
           <a:p>
             <a:fld id="{EA997AF5-C9B8-654C-B523-B4077F0C4FC6}" type="datetimeFigureOut">
               <a:rPr lang="en-GB" smtClean="0"/>
-              <a:t>07/10/2024</a:t>
+              <a:t>08/10/2024</a:t>
             </a:fld>
             <a:endParaRPr lang="en-GB"/>
           </a:p>
@@ -2576,7 +2664,7 @@
           <a:p>
             <a:fld id="{EA997AF5-C9B8-654C-B523-B4077F0C4FC6}" type="datetimeFigureOut">
               <a:rPr lang="en-GB" smtClean="0"/>
-              <a:t>07/10/2024</a:t>
+              <a:t>08/10/2024</a:t>
             </a:fld>
             <a:endParaRPr lang="en-GB"/>
           </a:p>
@@ -2833,7 +2921,7 @@
           <a:p>
             <a:fld id="{EA997AF5-C9B8-654C-B523-B4077F0C4FC6}" type="datetimeFigureOut">
               <a:rPr lang="en-GB" smtClean="0"/>
-              <a:t>07/10/2024</a:t>
+              <a:t>08/10/2024</a:t>
             </a:fld>
             <a:endParaRPr lang="en-GB"/>
           </a:p>
@@ -3046,7 +3134,7 @@
           <a:p>
             <a:fld id="{EA997AF5-C9B8-654C-B523-B4077F0C4FC6}" type="datetimeFigureOut">
               <a:rPr lang="en-GB" smtClean="0"/>
-              <a:t>07/10/2024</a:t>
+              <a:t>08/10/2024</a:t>
             </a:fld>
             <a:endParaRPr lang="en-GB"/>
           </a:p>
@@ -15295,7 +15383,7 @@
           <a:p>
             <a:pPr algn="ctr"/>
             <a:r>
-              <a:rPr lang="en-GB" sz="2000" dirty="0">
+              <a:rPr lang="en-GB" sz="2000">
                 <a:solidFill>
                   <a:schemeClr val="bg1">
                     <a:lumMod val="50000"/>
@@ -15303,7 +15391,18 @@
                 </a:solidFill>
                 <a:latin typeface="Century Gothic" panose="020B0502020202020204" pitchFamily="34" charset="0"/>
               </a:rPr>
-              <a:t>Version 3, 10</a:t>
+              <a:t>Version 4, </a:t>
+            </a:r>
+            <a:r>
+              <a:rPr lang="en-GB" sz="2000" dirty="0">
+                <a:solidFill>
+                  <a:schemeClr val="bg1">
+                    <a:lumMod val="50000"/>
+                  </a:schemeClr>
+                </a:solidFill>
+                <a:latin typeface="Century Gothic" panose="020B0502020202020204" pitchFamily="34" charset="0"/>
+              </a:rPr>
+              <a:t>10</a:t>
             </a:r>
             <a:r>
               <a:rPr lang="en-GB" sz="2000" baseline="30000" dirty="0">
@@ -25827,7 +25926,7 @@
         </p:nvGrpSpPr>
         <p:grpSpPr>
           <a:xfrm>
-            <a:off x="25904828" y="12663587"/>
+            <a:off x="25944804" y="10069760"/>
             <a:ext cx="949473" cy="449400"/>
             <a:chOff x="18132627" y="20895034"/>
             <a:chExt cx="949473" cy="449400"/>
@@ -25994,335 +26093,314 @@
           </p:txBody>
         </p:sp>
       </p:grpSp>
-      <p:grpSp>
-        <p:nvGrpSpPr>
-          <p:cNvPr id="424" name="Group 423">
+      <p:sp>
+        <p:nvSpPr>
+          <p:cNvPr id="327" name="Rounded Rectangle 326">
             <a:extLst>
               <a:ext uri="{FF2B5EF4-FFF2-40B4-BE49-F238E27FC236}">
-                <a16:creationId xmlns:a16="http://schemas.microsoft.com/office/drawing/2014/main" id="{69F650B5-3460-2FEE-F314-DF5F8A6EF4FB}"/>
+                <a16:creationId xmlns:a16="http://schemas.microsoft.com/office/drawing/2014/main" id="{20C1498C-2589-353E-5779-C02EECBD8DA2}"/>
               </a:ext>
             </a:extLst>
           </p:cNvPr>
-          <p:cNvGrpSpPr/>
+          <p:cNvSpPr/>
           <p:nvPr/>
-        </p:nvGrpSpPr>
-        <p:grpSpPr>
+        </p:nvSpPr>
+        <p:spPr>
           <a:xfrm>
             <a:off x="396309" y="18857410"/>
             <a:ext cx="3382449" cy="3282118"/>
-            <a:chOff x="408832" y="18534811"/>
-            <a:chExt cx="3382449" cy="3282118"/>
           </a:xfrm>
-        </p:grpSpPr>
-        <p:sp>
-          <p:nvSpPr>
-            <p:cNvPr id="327" name="Rounded Rectangle 326">
-              <a:extLst>
-                <a:ext uri="{FF2B5EF4-FFF2-40B4-BE49-F238E27FC236}">
-                  <a16:creationId xmlns:a16="http://schemas.microsoft.com/office/drawing/2014/main" id="{20C1498C-2589-353E-5779-C02EECBD8DA2}"/>
-                </a:ext>
-              </a:extLst>
-            </p:cNvPr>
-            <p:cNvSpPr/>
-            <p:nvPr/>
-          </p:nvSpPr>
-          <p:spPr>
-            <a:xfrm>
-              <a:off x="408832" y="18534811"/>
-              <a:ext cx="3382449" cy="3282118"/>
-            </a:xfrm>
-            <a:prstGeom prst="roundRect">
-              <a:avLst>
-                <a:gd name="adj" fmla="val 2438"/>
-              </a:avLst>
-            </a:prstGeom>
-            <a:solidFill>
-              <a:schemeClr val="bg1">
-                <a:lumMod val="95000"/>
-              </a:schemeClr>
-            </a:solidFill>
-            <a:ln>
-              <a:noFill/>
-            </a:ln>
-          </p:spPr>
-          <p:style>
-            <a:lnRef idx="2">
-              <a:schemeClr val="accent1">
-                <a:shade val="15000"/>
-              </a:schemeClr>
-            </a:lnRef>
-            <a:fillRef idx="1">
-              <a:schemeClr val="accent1"/>
-            </a:fillRef>
-            <a:effectRef idx="0">
-              <a:schemeClr val="accent1"/>
-            </a:effectRef>
-            <a:fontRef idx="minor">
-              <a:schemeClr val="lt1"/>
-            </a:fontRef>
-          </p:style>
-          <p:txBody>
-            <a:bodyPr rtlCol="0" anchor="ctr"/>
-            <a:lstStyle/>
-            <a:p>
-              <a:pPr algn="ctr"/>
-              <a:endParaRPr lang="en-GB" sz="2000" dirty="0">
+          <a:prstGeom prst="roundRect">
+            <a:avLst>
+              <a:gd name="adj" fmla="val 2438"/>
+            </a:avLst>
+          </a:prstGeom>
+          <a:solidFill>
+            <a:schemeClr val="bg1">
+              <a:lumMod val="95000"/>
+            </a:schemeClr>
+          </a:solidFill>
+          <a:ln>
+            <a:noFill/>
+          </a:ln>
+        </p:spPr>
+        <p:style>
+          <a:lnRef idx="2">
+            <a:schemeClr val="accent1">
+              <a:shade val="15000"/>
+            </a:schemeClr>
+          </a:lnRef>
+          <a:fillRef idx="1">
+            <a:schemeClr val="accent1"/>
+          </a:fillRef>
+          <a:effectRef idx="0">
+            <a:schemeClr val="accent1"/>
+          </a:effectRef>
+          <a:fontRef idx="minor">
+            <a:schemeClr val="lt1"/>
+          </a:fontRef>
+        </p:style>
+        <p:txBody>
+          <a:bodyPr rtlCol="0" anchor="ctr"/>
+          <a:lstStyle/>
+          <a:p>
+            <a:pPr algn="ctr"/>
+            <a:endParaRPr lang="en-GB" sz="2000" dirty="0">
+              <a:solidFill>
+                <a:schemeClr val="bg1">
+                  <a:lumMod val="50000"/>
+                </a:schemeClr>
+              </a:solidFill>
+              <a:latin typeface="Century Gothic" panose="020B0502020202020204" pitchFamily="34" charset="0"/>
+            </a:endParaRPr>
+          </a:p>
+        </p:txBody>
+      </p:sp>
+      <p:sp>
+        <p:nvSpPr>
+          <p:cNvPr id="329" name="TextBox 328">
+            <a:extLst>
+              <a:ext uri="{FF2B5EF4-FFF2-40B4-BE49-F238E27FC236}">
+                <a16:creationId xmlns:a16="http://schemas.microsoft.com/office/drawing/2014/main" id="{42EAB0D2-ED1A-242A-D507-51B70B86FF59}"/>
+              </a:ext>
+            </a:extLst>
+          </p:cNvPr>
+          <p:cNvSpPr txBox="1"/>
+          <p:nvPr/>
+        </p:nvSpPr>
+        <p:spPr>
+          <a:xfrm>
+            <a:off x="396309" y="18924595"/>
+            <a:ext cx="3382449" cy="766860"/>
+          </a:xfrm>
+          <a:prstGeom prst="rect">
+            <a:avLst/>
+          </a:prstGeom>
+          <a:noFill/>
+          <a:ln>
+            <a:noFill/>
+          </a:ln>
+        </p:spPr>
+        <p:style>
+          <a:lnRef idx="2">
+            <a:schemeClr val="accent1"/>
+          </a:lnRef>
+          <a:fillRef idx="1">
+            <a:schemeClr val="lt1"/>
+          </a:fillRef>
+          <a:effectRef idx="0">
+            <a:schemeClr val="accent1"/>
+          </a:effectRef>
+          <a:fontRef idx="minor">
+            <a:schemeClr val="dk1"/>
+          </a:fontRef>
+        </p:style>
+        <p:txBody>
+          <a:bodyPr lIns="0" tIns="42863" rIns="0" bIns="42863" rtlCol="0" anchor="ctr"/>
+          <a:lstStyle>
+            <a:defPPr>
+              <a:defRPr lang="en-US"/>
+            </a:defPPr>
+            <a:lvl1pPr algn="ctr">
+              <a:defRPr sz="3600" b="1">
+                <a:solidFill>
+                  <a:schemeClr val="accent1"/>
+                </a:solidFill>
+                <a:latin typeface="Century Gothic"/>
+              </a:defRPr>
+            </a:lvl1pPr>
+            <a:lvl2pPr>
+              <a:defRPr>
+                <a:solidFill>
+                  <a:schemeClr val="lt1"/>
+                </a:solidFill>
+              </a:defRPr>
+            </a:lvl2pPr>
+            <a:lvl3pPr>
+              <a:defRPr>
+                <a:solidFill>
+                  <a:schemeClr val="lt1"/>
+                </a:solidFill>
+              </a:defRPr>
+            </a:lvl3pPr>
+            <a:lvl4pPr>
+              <a:defRPr>
+                <a:solidFill>
+                  <a:schemeClr val="lt1"/>
+                </a:solidFill>
+              </a:defRPr>
+            </a:lvl4pPr>
+            <a:lvl5pPr>
+              <a:defRPr>
+                <a:solidFill>
+                  <a:schemeClr val="lt1"/>
+                </a:solidFill>
+              </a:defRPr>
+            </a:lvl5pPr>
+            <a:lvl6pPr>
+              <a:defRPr>
+                <a:solidFill>
+                  <a:schemeClr val="lt1"/>
+                </a:solidFill>
+              </a:defRPr>
+            </a:lvl6pPr>
+            <a:lvl7pPr>
+              <a:defRPr>
+                <a:solidFill>
+                  <a:schemeClr val="lt1"/>
+                </a:solidFill>
+              </a:defRPr>
+            </a:lvl7pPr>
+            <a:lvl8pPr>
+              <a:defRPr>
+                <a:solidFill>
+                  <a:schemeClr val="lt1"/>
+                </a:solidFill>
+              </a:defRPr>
+            </a:lvl8pPr>
+            <a:lvl9pPr>
+              <a:defRPr>
+                <a:solidFill>
+                  <a:schemeClr val="lt1"/>
+                </a:solidFill>
+              </a:defRPr>
+            </a:lvl9pPr>
+          </a:lstStyle>
+          <a:p>
+            <a:r>
+              <a:rPr lang="en-GB" dirty="0"/>
+              <a:t>‘DDF In Action’</a:t>
+            </a:r>
+          </a:p>
+        </p:txBody>
+      </p:sp>
+      <p:sp>
+        <p:nvSpPr>
+          <p:cNvPr id="408" name="TextBox 407">
+            <a:extLst>
+              <a:ext uri="{FF2B5EF4-FFF2-40B4-BE49-F238E27FC236}">
+                <a16:creationId xmlns:a16="http://schemas.microsoft.com/office/drawing/2014/main" id="{5A8CFBC7-BC42-4161-8B19-E8F473456880}"/>
+              </a:ext>
+            </a:extLst>
+          </p:cNvPr>
+          <p:cNvSpPr txBox="1"/>
+          <p:nvPr/>
+        </p:nvSpPr>
+        <p:spPr>
+          <a:xfrm>
+            <a:off x="1025962" y="21503835"/>
+            <a:ext cx="2722992" cy="369332"/>
+          </a:xfrm>
+          <a:prstGeom prst="rect">
+            <a:avLst/>
+          </a:prstGeom>
+          <a:noFill/>
+        </p:spPr>
+        <p:txBody>
+          <a:bodyPr wrap="square" rtlCol="0">
+            <a:spAutoFit/>
+          </a:bodyPr>
+          <a:lstStyle/>
+          <a:p>
+            <a:r>
+              <a:rPr lang="en-GB" sz="1800" dirty="0">
                 <a:solidFill>
                   <a:schemeClr val="bg1">
                     <a:lumMod val="50000"/>
                   </a:schemeClr>
                 </a:solidFill>
                 <a:latin typeface="Century Gothic" panose="020B0502020202020204" pitchFamily="34" charset="0"/>
-              </a:endParaRPr>
-            </a:p>
-          </p:txBody>
-        </p:sp>
-        <p:sp>
-          <p:nvSpPr>
-            <p:cNvPr id="329" name="TextBox 328">
-              <a:extLst>
-                <a:ext uri="{FF2B5EF4-FFF2-40B4-BE49-F238E27FC236}">
-                  <a16:creationId xmlns:a16="http://schemas.microsoft.com/office/drawing/2014/main" id="{42EAB0D2-ED1A-242A-D507-51B70B86FF59}"/>
-                </a:ext>
-              </a:extLst>
-            </p:cNvPr>
-            <p:cNvSpPr txBox="1"/>
-            <p:nvPr/>
-          </p:nvSpPr>
-          <p:spPr>
-            <a:xfrm>
-              <a:off x="408832" y="18601996"/>
-              <a:ext cx="3382449" cy="766860"/>
-            </a:xfrm>
-            <a:prstGeom prst="rect">
-              <a:avLst/>
-            </a:prstGeom>
-            <a:noFill/>
-            <a:ln>
-              <a:noFill/>
-            </a:ln>
-          </p:spPr>
-          <p:style>
-            <a:lnRef idx="2">
-              <a:schemeClr val="accent1"/>
-            </a:lnRef>
-            <a:fillRef idx="1">
-              <a:schemeClr val="lt1"/>
-            </a:fillRef>
-            <a:effectRef idx="0">
-              <a:schemeClr val="accent1"/>
-            </a:effectRef>
-            <a:fontRef idx="minor">
-              <a:schemeClr val="dk1"/>
-            </a:fontRef>
-          </p:style>
-          <p:txBody>
-            <a:bodyPr lIns="0" tIns="42863" rIns="0" bIns="42863" rtlCol="0" anchor="ctr"/>
-            <a:lstStyle>
-              <a:defPPr>
-                <a:defRPr lang="en-US"/>
-              </a:defPPr>
-              <a:lvl1pPr algn="ctr">
-                <a:defRPr sz="3600" b="1">
-                  <a:solidFill>
-                    <a:schemeClr val="accent1"/>
-                  </a:solidFill>
-                  <a:latin typeface="Century Gothic"/>
-                </a:defRPr>
-              </a:lvl1pPr>
-              <a:lvl2pPr>
-                <a:defRPr>
-                  <a:solidFill>
-                    <a:schemeClr val="lt1"/>
-                  </a:solidFill>
-                </a:defRPr>
-              </a:lvl2pPr>
-              <a:lvl3pPr>
-                <a:defRPr>
-                  <a:solidFill>
-                    <a:schemeClr val="lt1"/>
-                  </a:solidFill>
-                </a:defRPr>
-              </a:lvl3pPr>
-              <a:lvl4pPr>
-                <a:defRPr>
-                  <a:solidFill>
-                    <a:schemeClr val="lt1"/>
-                  </a:solidFill>
-                </a:defRPr>
-              </a:lvl4pPr>
-              <a:lvl5pPr>
-                <a:defRPr>
-                  <a:solidFill>
-                    <a:schemeClr val="lt1"/>
-                  </a:solidFill>
-                </a:defRPr>
-              </a:lvl5pPr>
-              <a:lvl6pPr>
-                <a:defRPr>
-                  <a:solidFill>
-                    <a:schemeClr val="lt1"/>
-                  </a:solidFill>
-                </a:defRPr>
-              </a:lvl6pPr>
-              <a:lvl7pPr>
-                <a:defRPr>
-                  <a:solidFill>
-                    <a:schemeClr val="lt1"/>
-                  </a:solidFill>
-                </a:defRPr>
-              </a:lvl7pPr>
-              <a:lvl8pPr>
-                <a:defRPr>
-                  <a:solidFill>
-                    <a:schemeClr val="lt1"/>
-                  </a:solidFill>
-                </a:defRPr>
-              </a:lvl8pPr>
-              <a:lvl9pPr>
-                <a:defRPr>
-                  <a:solidFill>
-                    <a:schemeClr val="lt1"/>
-                  </a:solidFill>
-                </a:defRPr>
-              </a:lvl9pPr>
-            </a:lstStyle>
-            <a:p>
-              <a:r>
-                <a:rPr lang="en-GB" dirty="0"/>
-                <a:t>‘DDF In Action’</a:t>
-              </a:r>
-            </a:p>
-          </p:txBody>
-        </p:sp>
-        <p:sp>
-          <p:nvSpPr>
-            <p:cNvPr id="408" name="TextBox 407">
-              <a:extLst>
-                <a:ext uri="{FF2B5EF4-FFF2-40B4-BE49-F238E27FC236}">
-                  <a16:creationId xmlns:a16="http://schemas.microsoft.com/office/drawing/2014/main" id="{5A8CFBC7-BC42-4161-8B19-E8F473456880}"/>
-                </a:ext>
-              </a:extLst>
-            </p:cNvPr>
-            <p:cNvSpPr txBox="1"/>
-            <p:nvPr/>
-          </p:nvSpPr>
-          <p:spPr>
-            <a:xfrm>
-              <a:off x="1038485" y="20580380"/>
-              <a:ext cx="2722992" cy="369332"/>
-            </a:xfrm>
-            <a:prstGeom prst="rect">
-              <a:avLst/>
-            </a:prstGeom>
-            <a:noFill/>
-          </p:spPr>
-          <p:txBody>
-            <a:bodyPr wrap="square" rtlCol="0">
-              <a:spAutoFit/>
-            </a:bodyPr>
-            <a:lstStyle/>
-            <a:p>
-              <a:r>
-                <a:rPr lang="en-GB" sz="1800" dirty="0">
-                  <a:solidFill>
-                    <a:schemeClr val="bg1">
-                      <a:lumMod val="50000"/>
-                    </a:schemeClr>
-                  </a:solidFill>
-                  <a:latin typeface="Century Gothic" panose="020B0502020202020204" pitchFamily="34" charset="0"/>
-                </a:rPr>
-                <a:t>Europe, Copenhagen</a:t>
-              </a:r>
-            </a:p>
-          </p:txBody>
-        </p:sp>
-        <p:sp>
-          <p:nvSpPr>
-            <p:cNvPr id="409" name="TextBox 408">
-              <a:extLst>
-                <a:ext uri="{FF2B5EF4-FFF2-40B4-BE49-F238E27FC236}">
-                  <a16:creationId xmlns:a16="http://schemas.microsoft.com/office/drawing/2014/main" id="{756F2B23-B2ED-D931-A2F9-00E05F9C2CBC}"/>
-                </a:ext>
-              </a:extLst>
-            </p:cNvPr>
-            <p:cNvSpPr txBox="1"/>
-            <p:nvPr/>
-          </p:nvSpPr>
-          <p:spPr>
-            <a:xfrm>
-              <a:off x="1038484" y="21161100"/>
-              <a:ext cx="2752797" cy="369332"/>
-            </a:xfrm>
-            <a:prstGeom prst="rect">
-              <a:avLst/>
-            </a:prstGeom>
-            <a:noFill/>
-          </p:spPr>
-          <p:txBody>
-            <a:bodyPr wrap="square" rtlCol="0">
-              <a:spAutoFit/>
-            </a:bodyPr>
-            <a:lstStyle/>
-            <a:p>
-              <a:r>
-                <a:rPr lang="en-GB" sz="1800" dirty="0">
-                  <a:solidFill>
-                    <a:schemeClr val="bg1">
-                      <a:lumMod val="50000"/>
-                    </a:schemeClr>
-                  </a:solidFill>
-                  <a:latin typeface="Century Gothic" panose="020B0502020202020204" pitchFamily="34" charset="0"/>
-                </a:rPr>
-                <a:t>US, New jersey</a:t>
-              </a:r>
-            </a:p>
-          </p:txBody>
-        </p:sp>
-        <p:sp>
-          <p:nvSpPr>
-            <p:cNvPr id="423" name="TextBox 422">
-              <a:extLst>
-                <a:ext uri="{FF2B5EF4-FFF2-40B4-BE49-F238E27FC236}">
-                  <a16:creationId xmlns:a16="http://schemas.microsoft.com/office/drawing/2014/main" id="{6E034EFE-F73A-60FE-C503-7C9033E0C0D2}"/>
-                </a:ext>
-              </a:extLst>
-            </p:cNvPr>
-            <p:cNvSpPr txBox="1"/>
-            <p:nvPr/>
-          </p:nvSpPr>
-          <p:spPr>
-            <a:xfrm>
-              <a:off x="408832" y="19271929"/>
-              <a:ext cx="3348274" cy="1200329"/>
-            </a:xfrm>
-            <a:prstGeom prst="rect">
-              <a:avLst/>
-            </a:prstGeom>
-            <a:noFill/>
-          </p:spPr>
-          <p:txBody>
-            <a:bodyPr wrap="square" rtlCol="0">
-              <a:spAutoFit/>
-            </a:bodyPr>
-            <a:lstStyle/>
-            <a:p>
-              <a:pPr algn="ctr"/>
-              <a:r>
-                <a:rPr lang="en-GB" sz="1800" dirty="0">
-                  <a:solidFill>
-                    <a:schemeClr val="bg1">
-                      <a:lumMod val="50000"/>
-                    </a:schemeClr>
-                  </a:solidFill>
-                  <a:latin typeface="Century Gothic" panose="020B0502020202020204" pitchFamily="34" charset="0"/>
-                </a:rPr>
-                <a:t>Indicates that a poster touching on the use case described will be presented at the respective event.</a:t>
-              </a:r>
-            </a:p>
-          </p:txBody>
-        </p:sp>
-      </p:grpSp>
+              </a:rPr>
+              <a:t>Europe, Copenhagen</a:t>
+            </a:r>
+          </a:p>
+        </p:txBody>
+      </p:sp>
+      <p:sp>
+        <p:nvSpPr>
+          <p:cNvPr id="409" name="TextBox 408">
+            <a:extLst>
+              <a:ext uri="{FF2B5EF4-FFF2-40B4-BE49-F238E27FC236}">
+                <a16:creationId xmlns:a16="http://schemas.microsoft.com/office/drawing/2014/main" id="{756F2B23-B2ED-D931-A2F9-00E05F9C2CBC}"/>
+              </a:ext>
+            </a:extLst>
+          </p:cNvPr>
+          <p:cNvSpPr txBox="1"/>
+          <p:nvPr/>
+        </p:nvSpPr>
+        <p:spPr>
+          <a:xfrm>
+            <a:off x="1025961" y="20983629"/>
+            <a:ext cx="2752797" cy="369332"/>
+          </a:xfrm>
+          <a:prstGeom prst="rect">
+            <a:avLst/>
+          </a:prstGeom>
+          <a:noFill/>
+        </p:spPr>
+        <p:txBody>
+          <a:bodyPr wrap="square" rtlCol="0">
+            <a:spAutoFit/>
+          </a:bodyPr>
+          <a:lstStyle/>
+          <a:p>
+            <a:r>
+              <a:rPr lang="en-GB" sz="1800" dirty="0">
+                <a:solidFill>
+                  <a:schemeClr val="bg1">
+                    <a:lumMod val="50000"/>
+                  </a:schemeClr>
+                </a:solidFill>
+                <a:latin typeface="Century Gothic" panose="020B0502020202020204" pitchFamily="34" charset="0"/>
+              </a:rPr>
+              <a:t>US, New jersey</a:t>
+            </a:r>
+          </a:p>
+        </p:txBody>
+      </p:sp>
+      <p:sp>
+        <p:nvSpPr>
+          <p:cNvPr id="423" name="TextBox 422">
+            <a:extLst>
+              <a:ext uri="{FF2B5EF4-FFF2-40B4-BE49-F238E27FC236}">
+                <a16:creationId xmlns:a16="http://schemas.microsoft.com/office/drawing/2014/main" id="{6E034EFE-F73A-60FE-C503-7C9033E0C0D2}"/>
+              </a:ext>
+            </a:extLst>
+          </p:cNvPr>
+          <p:cNvSpPr txBox="1"/>
+          <p:nvPr/>
+        </p:nvSpPr>
+        <p:spPr>
+          <a:xfrm>
+            <a:off x="396309" y="19594528"/>
+            <a:ext cx="3348274" cy="1200329"/>
+          </a:xfrm>
+          <a:prstGeom prst="rect">
+            <a:avLst/>
+          </a:prstGeom>
+          <a:noFill/>
+        </p:spPr>
+        <p:txBody>
+          <a:bodyPr wrap="square" rtlCol="0">
+            <a:spAutoFit/>
+          </a:bodyPr>
+          <a:lstStyle/>
+          <a:p>
+            <a:pPr algn="ctr"/>
+            <a:r>
+              <a:rPr lang="en-GB" sz="1800" dirty="0">
+                <a:solidFill>
+                  <a:schemeClr val="bg1">
+                    <a:lumMod val="50000"/>
+                  </a:schemeClr>
+                </a:solidFill>
+                <a:latin typeface="Century Gothic" panose="020B0502020202020204" pitchFamily="34" charset="0"/>
+              </a:rPr>
+              <a:t>Indicates that a poster touching on the use case described will be presented at the respective event.</a:t>
+            </a:r>
+          </a:p>
+        </p:txBody>
+      </p:sp>
       <p:grpSp>
         <p:nvGrpSpPr>
           <p:cNvPr id="328" name="Group 327">
@@ -26482,7 +26560,7 @@
         </p:blipFill>
         <p:spPr>
           <a:xfrm>
-            <a:off x="536000" y="20860578"/>
+            <a:off x="536000" y="21461434"/>
             <a:ext cx="443661" cy="443661"/>
           </a:xfrm>
           <a:prstGeom prst="rect">
@@ -26512,7 +26590,7 @@
         </p:blipFill>
         <p:spPr>
           <a:xfrm>
-            <a:off x="536000" y="21429032"/>
+            <a:off x="536000" y="20928962"/>
             <a:ext cx="443661" cy="443661"/>
           </a:xfrm>
           <a:prstGeom prst="rect">
@@ -28259,16 +28337,16 @@
 <file path=customXml/itemProps1.xml><?xml version="1.0" encoding="utf-8"?>
 <ds:datastoreItem xmlns:ds="http://schemas.openxmlformats.org/officeDocument/2006/customXml" ds:itemID="{0608C028-DB74-4132-93E9-98A6B8817B9A}">
   <ds:schemaRefs>
+    <ds:schemaRef ds:uri="http://schemas.microsoft.com/office/2006/metadata/properties"/>
+    <ds:schemaRef ds:uri="http://schemas.microsoft.com/office/2006/documentManagement/types"/>
+    <ds:schemaRef ds:uri="75bf9804-c18d-470a-a27f-eeaf4abcd247"/>
+    <ds:schemaRef ds:uri="http://schemas.microsoft.com/office/infopath/2007/PartnerControls"/>
+    <ds:schemaRef ds:uri="http://purl.org/dc/terms/"/>
+    <ds:schemaRef ds:uri="http://schemas.openxmlformats.org/package/2006/metadata/core-properties"/>
+    <ds:schemaRef ds:uri="http://purl.org/dc/elements/1.1/"/>
     <ds:schemaRef ds:uri="98eacbea-7562-4a40-a7f2-e999cdc0cec5"/>
     <ds:schemaRef ds:uri="http://www.w3.org/XML/1998/namespace"/>
     <ds:schemaRef ds:uri="http://purl.org/dc/dcmitype/"/>
-    <ds:schemaRef ds:uri="http://schemas.microsoft.com/office/infopath/2007/PartnerControls"/>
-    <ds:schemaRef ds:uri="http://schemas.openxmlformats.org/package/2006/metadata/core-properties"/>
-    <ds:schemaRef ds:uri="75bf9804-c18d-470a-a27f-eeaf4abcd247"/>
-    <ds:schemaRef ds:uri="http://schemas.microsoft.com/office/2006/metadata/properties"/>
-    <ds:schemaRef ds:uri="http://schemas.microsoft.com/office/2006/documentManagement/types"/>
-    <ds:schemaRef ds:uri="http://purl.org/dc/terms/"/>
-    <ds:schemaRef ds:uri="http://purl.org/dc/elements/1.1/"/>
   </ds:schemaRefs>
 </ds:datastoreItem>
 </file>

--- a/use_cases.pptx
+++ b/use_cases.pptx
@@ -214,6 +214,150 @@
     </pc:docChg>
   </pc:docChgLst>
   <pc:docChgLst>
+    <pc:chgData name="Dave Iberson-Hurst" userId="b9343ad4-b965-4c67-a190-78071bba09d9" providerId="ADAL" clId="{BF203458-2CDB-F847-A5CE-9F4770B1BC5D}"/>
+    <pc:docChg chg="custSel modSld">
+      <pc:chgData name="Dave Iberson-Hurst" userId="b9343ad4-b965-4c67-a190-78071bba09d9" providerId="ADAL" clId="{BF203458-2CDB-F847-A5CE-9F4770B1BC5D}" dt="2024-10-24T12:41:08.756" v="12" actId="20577"/>
+      <pc:docMkLst>
+        <pc:docMk/>
+      </pc:docMkLst>
+      <pc:sldChg chg="delSp modSp mod">
+        <pc:chgData name="Dave Iberson-Hurst" userId="b9343ad4-b965-4c67-a190-78071bba09d9" providerId="ADAL" clId="{BF203458-2CDB-F847-A5CE-9F4770B1BC5D}" dt="2024-10-24T12:41:08.756" v="12" actId="20577"/>
+        <pc:sldMkLst>
+          <pc:docMk/>
+          <pc:sldMk cId="3544396517" sldId="256"/>
+        </pc:sldMkLst>
+        <pc:spChg chg="del">
+          <ac:chgData name="Dave Iberson-Hurst" userId="b9343ad4-b965-4c67-a190-78071bba09d9" providerId="ADAL" clId="{BF203458-2CDB-F847-A5CE-9F4770B1BC5D}" dt="2024-10-24T12:40:33.258" v="0" actId="478"/>
+          <ac:spMkLst>
+            <pc:docMk/>
+            <pc:sldMk cId="3544396517" sldId="256"/>
+            <ac:spMk id="327" creationId="{20C1498C-2589-353E-5779-C02EECBD8DA2}"/>
+          </ac:spMkLst>
+        </pc:spChg>
+        <pc:spChg chg="del">
+          <ac:chgData name="Dave Iberson-Hurst" userId="b9343ad4-b965-4c67-a190-78071bba09d9" providerId="ADAL" clId="{BF203458-2CDB-F847-A5CE-9F4770B1BC5D}" dt="2024-10-24T12:40:33.258" v="0" actId="478"/>
+          <ac:spMkLst>
+            <pc:docMk/>
+            <pc:sldMk cId="3544396517" sldId="256"/>
+            <ac:spMk id="329" creationId="{42EAB0D2-ED1A-242A-D507-51B70B86FF59}"/>
+          </ac:spMkLst>
+        </pc:spChg>
+        <pc:spChg chg="mod">
+          <ac:chgData name="Dave Iberson-Hurst" userId="b9343ad4-b965-4c67-a190-78071bba09d9" providerId="ADAL" clId="{BF203458-2CDB-F847-A5CE-9F4770B1BC5D}" dt="2024-10-24T12:41:08.756" v="12" actId="20577"/>
+          <ac:spMkLst>
+            <pc:docMk/>
+            <pc:sldMk cId="3544396517" sldId="256"/>
+            <ac:spMk id="344" creationId="{0985E804-5F92-EF54-9BC8-093413E91041}"/>
+          </ac:spMkLst>
+        </pc:spChg>
+        <pc:spChg chg="del">
+          <ac:chgData name="Dave Iberson-Hurst" userId="b9343ad4-b965-4c67-a190-78071bba09d9" providerId="ADAL" clId="{BF203458-2CDB-F847-A5CE-9F4770B1BC5D}" dt="2024-10-24T12:40:33.258" v="0" actId="478"/>
+          <ac:spMkLst>
+            <pc:docMk/>
+            <pc:sldMk cId="3544396517" sldId="256"/>
+            <ac:spMk id="408" creationId="{5A8CFBC7-BC42-4161-8B19-E8F473456880}"/>
+          </ac:spMkLst>
+        </pc:spChg>
+        <pc:spChg chg="del">
+          <ac:chgData name="Dave Iberson-Hurst" userId="b9343ad4-b965-4c67-a190-78071bba09d9" providerId="ADAL" clId="{BF203458-2CDB-F847-A5CE-9F4770B1BC5D}" dt="2024-10-24T12:40:33.258" v="0" actId="478"/>
+          <ac:spMkLst>
+            <pc:docMk/>
+            <pc:sldMk cId="3544396517" sldId="256"/>
+            <ac:spMk id="409" creationId="{756F2B23-B2ED-D931-A2F9-00E05F9C2CBC}"/>
+          </ac:spMkLst>
+        </pc:spChg>
+        <pc:spChg chg="del">
+          <ac:chgData name="Dave Iberson-Hurst" userId="b9343ad4-b965-4c67-a190-78071bba09d9" providerId="ADAL" clId="{BF203458-2CDB-F847-A5CE-9F4770B1BC5D}" dt="2024-10-24T12:40:33.258" v="0" actId="478"/>
+          <ac:spMkLst>
+            <pc:docMk/>
+            <pc:sldMk cId="3544396517" sldId="256"/>
+            <ac:spMk id="423" creationId="{6E034EFE-F73A-60FE-C503-7C9033E0C0D2}"/>
+          </ac:spMkLst>
+        </pc:spChg>
+        <pc:grpChg chg="del">
+          <ac:chgData name="Dave Iberson-Hurst" userId="b9343ad4-b965-4c67-a190-78071bba09d9" providerId="ADAL" clId="{BF203458-2CDB-F847-A5CE-9F4770B1BC5D}" dt="2024-10-24T12:40:54.139" v="8" actId="478"/>
+          <ac:grpSpMkLst>
+            <pc:docMk/>
+            <pc:sldMk cId="3544396517" sldId="256"/>
+            <ac:grpSpMk id="328" creationId="{19245CA4-8A07-5A98-3027-46377A362598}"/>
+          </ac:grpSpMkLst>
+        </pc:grpChg>
+        <pc:grpChg chg="del">
+          <ac:chgData name="Dave Iberson-Hurst" userId="b9343ad4-b965-4c67-a190-78071bba09d9" providerId="ADAL" clId="{BF203458-2CDB-F847-A5CE-9F4770B1BC5D}" dt="2024-10-24T12:40:47.848" v="4" actId="478"/>
+          <ac:grpSpMkLst>
+            <pc:docMk/>
+            <pc:sldMk cId="3544396517" sldId="256"/>
+            <ac:grpSpMk id="330" creationId="{78F5C9BF-EB73-5B42-54A4-FE04476C3155}"/>
+          </ac:grpSpMkLst>
+        </pc:grpChg>
+        <pc:grpChg chg="del">
+          <ac:chgData name="Dave Iberson-Hurst" userId="b9343ad4-b965-4c67-a190-78071bba09d9" providerId="ADAL" clId="{BF203458-2CDB-F847-A5CE-9F4770B1BC5D}" dt="2024-10-24T12:40:49.211" v="5" actId="478"/>
+          <ac:grpSpMkLst>
+            <pc:docMk/>
+            <pc:sldMk cId="3544396517" sldId="256"/>
+            <ac:grpSpMk id="334" creationId="{9BE14320-07B7-D563-599D-06F1DC846048}"/>
+          </ac:grpSpMkLst>
+        </pc:grpChg>
+        <pc:grpChg chg="del">
+          <ac:chgData name="Dave Iberson-Hurst" userId="b9343ad4-b965-4c67-a190-78071bba09d9" providerId="ADAL" clId="{BF203458-2CDB-F847-A5CE-9F4770B1BC5D}" dt="2024-10-24T12:40:46.534" v="3" actId="478"/>
+          <ac:grpSpMkLst>
+            <pc:docMk/>
+            <pc:sldMk cId="3544396517" sldId="256"/>
+            <ac:grpSpMk id="338" creationId="{228100A6-0D0C-DA02-3582-2AF8AF778BCB}"/>
+          </ac:grpSpMkLst>
+        </pc:grpChg>
+        <pc:grpChg chg="del">
+          <ac:chgData name="Dave Iberson-Hurst" userId="b9343ad4-b965-4c67-a190-78071bba09d9" providerId="ADAL" clId="{BF203458-2CDB-F847-A5CE-9F4770B1BC5D}" dt="2024-10-24T12:40:44.269" v="1" actId="478"/>
+          <ac:grpSpMkLst>
+            <pc:docMk/>
+            <pc:sldMk cId="3544396517" sldId="256"/>
+            <ac:grpSpMk id="342" creationId="{219113EB-3D10-BA6D-8051-DB679F7A48FA}"/>
+          </ac:grpSpMkLst>
+        </pc:grpChg>
+        <pc:grpChg chg="del">
+          <ac:chgData name="Dave Iberson-Hurst" userId="b9343ad4-b965-4c67-a190-78071bba09d9" providerId="ADAL" clId="{BF203458-2CDB-F847-A5CE-9F4770B1BC5D}" dt="2024-10-24T12:40:45.346" v="2" actId="478"/>
+          <ac:grpSpMkLst>
+            <pc:docMk/>
+            <pc:sldMk cId="3544396517" sldId="256"/>
+            <ac:grpSpMk id="377" creationId="{8BAEA50F-8EE7-B2AD-C62E-20A444710543}"/>
+          </ac:grpSpMkLst>
+        </pc:grpChg>
+        <pc:grpChg chg="del">
+          <ac:chgData name="Dave Iberson-Hurst" userId="b9343ad4-b965-4c67-a190-78071bba09d9" providerId="ADAL" clId="{BF203458-2CDB-F847-A5CE-9F4770B1BC5D}" dt="2024-10-24T12:40:50.499" v="6" actId="478"/>
+          <ac:grpSpMkLst>
+            <pc:docMk/>
+            <pc:sldMk cId="3544396517" sldId="256"/>
+            <ac:grpSpMk id="381" creationId="{F9CD552B-AD07-801C-AFFC-CDD4CB016609}"/>
+          </ac:grpSpMkLst>
+        </pc:grpChg>
+        <pc:grpChg chg="del">
+          <ac:chgData name="Dave Iberson-Hurst" userId="b9343ad4-b965-4c67-a190-78071bba09d9" providerId="ADAL" clId="{BF203458-2CDB-F847-A5CE-9F4770B1BC5D}" dt="2024-10-24T12:40:52.821" v="7" actId="478"/>
+          <ac:grpSpMkLst>
+            <pc:docMk/>
+            <pc:sldMk cId="3544396517" sldId="256"/>
+            <ac:grpSpMk id="384" creationId="{C37B6ECC-C37D-8373-E8DD-A1684DB21351}"/>
+          </ac:grpSpMkLst>
+        </pc:grpChg>
+        <pc:picChg chg="del">
+          <ac:chgData name="Dave Iberson-Hurst" userId="b9343ad4-b965-4c67-a190-78071bba09d9" providerId="ADAL" clId="{BF203458-2CDB-F847-A5CE-9F4770B1BC5D}" dt="2024-10-24T12:40:33.258" v="0" actId="478"/>
+          <ac:picMkLst>
+            <pc:docMk/>
+            <pc:sldMk cId="3544396517" sldId="256"/>
+            <ac:picMk id="191" creationId="{3C8703F0-C19A-FE25-5956-57389B022EFE}"/>
+          </ac:picMkLst>
+        </pc:picChg>
+        <pc:picChg chg="del">
+          <ac:chgData name="Dave Iberson-Hurst" userId="b9343ad4-b965-4c67-a190-78071bba09d9" providerId="ADAL" clId="{BF203458-2CDB-F847-A5CE-9F4770B1BC5D}" dt="2024-10-24T12:40:33.258" v="0" actId="478"/>
+          <ac:picMkLst>
+            <pc:docMk/>
+            <pc:sldMk cId="3544396517" sldId="256"/>
+            <ac:picMk id="326" creationId="{820D7238-550A-0779-035C-E30501FA17D1}"/>
+          </ac:picMkLst>
+        </pc:picChg>
+      </pc:sldChg>
+    </pc:docChg>
+  </pc:docChgLst>
+  <pc:docChgLst>
     <pc:chgData name="Dave Iberson-Hurst" userId="b9343ad4-b965-4c67-a190-78071bba09d9" providerId="ADAL" clId="{0548765D-58AD-A348-A47A-BAEAEF245B50}"/>
     <pc:docChg chg="modSld">
       <pc:chgData name="Dave Iberson-Hurst" userId="b9343ad4-b965-4c67-a190-78071bba09d9" providerId="ADAL" clId="{0548765D-58AD-A348-A47A-BAEAEF245B50}" dt="2024-10-07T06:14:33.703" v="0" actId="1076"/>
@@ -322,7 +466,7 @@
           <a:p>
             <a:fld id="{643F7372-8583-3647-8A6D-8602282481EA}" type="datetimeFigureOut">
               <a:rPr lang="en-US" smtClean="0"/>
-              <a:t>10/8/24</a:t>
+              <a:t>10/24/24</a:t>
             </a:fld>
             <a:endParaRPr lang="en-US"/>
           </a:p>
@@ -809,7 +953,7 @@
           <a:p>
             <a:fld id="{EA997AF5-C9B8-654C-B523-B4077F0C4FC6}" type="datetimeFigureOut">
               <a:rPr lang="en-GB" smtClean="0"/>
-              <a:t>08/10/2024</a:t>
+              <a:t>24/10/2024</a:t>
             </a:fld>
             <a:endParaRPr lang="en-GB"/>
           </a:p>
@@ -979,7 +1123,7 @@
           <a:p>
             <a:fld id="{EA997AF5-C9B8-654C-B523-B4077F0C4FC6}" type="datetimeFigureOut">
               <a:rPr lang="en-GB" smtClean="0"/>
-              <a:t>08/10/2024</a:t>
+              <a:t>24/10/2024</a:t>
             </a:fld>
             <a:endParaRPr lang="en-GB"/>
           </a:p>
@@ -1159,7 +1303,7 @@
           <a:p>
             <a:fld id="{EA997AF5-C9B8-654C-B523-B4077F0C4FC6}" type="datetimeFigureOut">
               <a:rPr lang="en-GB" smtClean="0"/>
-              <a:t>08/10/2024</a:t>
+              <a:t>24/10/2024</a:t>
             </a:fld>
             <a:endParaRPr lang="en-GB"/>
           </a:p>
@@ -1329,7 +1473,7 @@
           <a:p>
             <a:fld id="{EA997AF5-C9B8-654C-B523-B4077F0C4FC6}" type="datetimeFigureOut">
               <a:rPr lang="en-GB" smtClean="0"/>
-              <a:t>08/10/2024</a:t>
+              <a:t>24/10/2024</a:t>
             </a:fld>
             <a:endParaRPr lang="en-GB"/>
           </a:p>
@@ -1575,7 +1719,7 @@
           <a:p>
             <a:fld id="{EA997AF5-C9B8-654C-B523-B4077F0C4FC6}" type="datetimeFigureOut">
               <a:rPr lang="en-GB" smtClean="0"/>
-              <a:t>08/10/2024</a:t>
+              <a:t>24/10/2024</a:t>
             </a:fld>
             <a:endParaRPr lang="en-GB"/>
           </a:p>
@@ -1807,7 +1951,7 @@
           <a:p>
             <a:fld id="{EA997AF5-C9B8-654C-B523-B4077F0C4FC6}" type="datetimeFigureOut">
               <a:rPr lang="en-GB" smtClean="0"/>
-              <a:t>08/10/2024</a:t>
+              <a:t>24/10/2024</a:t>
             </a:fld>
             <a:endParaRPr lang="en-GB"/>
           </a:p>
@@ -2174,7 +2318,7 @@
           <a:p>
             <a:fld id="{EA997AF5-C9B8-654C-B523-B4077F0C4FC6}" type="datetimeFigureOut">
               <a:rPr lang="en-GB" smtClean="0"/>
-              <a:t>08/10/2024</a:t>
+              <a:t>24/10/2024</a:t>
             </a:fld>
             <a:endParaRPr lang="en-GB"/>
           </a:p>
@@ -2292,7 +2436,7 @@
           <a:p>
             <a:fld id="{EA997AF5-C9B8-654C-B523-B4077F0C4FC6}" type="datetimeFigureOut">
               <a:rPr lang="en-GB" smtClean="0"/>
-              <a:t>08/10/2024</a:t>
+              <a:t>24/10/2024</a:t>
             </a:fld>
             <a:endParaRPr lang="en-GB"/>
           </a:p>
@@ -2387,7 +2531,7 @@
           <a:p>
             <a:fld id="{EA997AF5-C9B8-654C-B523-B4077F0C4FC6}" type="datetimeFigureOut">
               <a:rPr lang="en-GB" smtClean="0"/>
-              <a:t>08/10/2024</a:t>
+              <a:t>24/10/2024</a:t>
             </a:fld>
             <a:endParaRPr lang="en-GB"/>
           </a:p>
@@ -2664,7 +2808,7 @@
           <a:p>
             <a:fld id="{EA997AF5-C9B8-654C-B523-B4077F0C4FC6}" type="datetimeFigureOut">
               <a:rPr lang="en-GB" smtClean="0"/>
-              <a:t>08/10/2024</a:t>
+              <a:t>24/10/2024</a:t>
             </a:fld>
             <a:endParaRPr lang="en-GB"/>
           </a:p>
@@ -2921,7 +3065,7 @@
           <a:p>
             <a:fld id="{EA997AF5-C9B8-654C-B523-B4077F0C4FC6}" type="datetimeFigureOut">
               <a:rPr lang="en-GB" smtClean="0"/>
-              <a:t>08/10/2024</a:t>
+              <a:t>24/10/2024</a:t>
             </a:fld>
             <a:endParaRPr lang="en-GB"/>
           </a:p>
@@ -3134,7 +3278,7 @@
           <a:p>
             <a:fld id="{EA997AF5-C9B8-654C-B523-B4077F0C4FC6}" type="datetimeFigureOut">
               <a:rPr lang="en-GB" smtClean="0"/>
-              <a:t>08/10/2024</a:t>
+              <a:t>24/10/2024</a:t>
             </a:fld>
             <a:endParaRPr lang="en-GB"/>
           </a:p>
@@ -15383,7 +15527,7 @@
           <a:p>
             <a:pPr algn="ctr"/>
             <a:r>
-              <a:rPr lang="en-GB" sz="2000">
+              <a:rPr lang="en-GB" sz="2000" dirty="0">
                 <a:solidFill>
                   <a:schemeClr val="bg1">
                     <a:lumMod val="50000"/>
@@ -15391,10 +15535,10 @@
                 </a:solidFill>
                 <a:latin typeface="Century Gothic" panose="020B0502020202020204" pitchFamily="34" charset="0"/>
               </a:rPr>
-              <a:t>Version 4, </a:t>
+              <a:t>Version 5</a:t>
             </a:r>
             <a:r>
-              <a:rPr lang="en-GB" sz="2000" dirty="0">
+              <a:rPr lang="en-GB" sz="2000">
                 <a:solidFill>
                   <a:schemeClr val="bg1">
                     <a:lumMod val="50000"/>
@@ -15402,10 +15546,10 @@
                 </a:solidFill>
                 <a:latin typeface="Century Gothic" panose="020B0502020202020204" pitchFamily="34" charset="0"/>
               </a:rPr>
-              <a:t>10</a:t>
+              <a:t>, 24</a:t>
             </a:r>
             <a:r>
-              <a:rPr lang="en-GB" sz="2000" baseline="30000" dirty="0">
+              <a:rPr lang="en-GB" sz="2000" baseline="30000">
                 <a:solidFill>
                   <a:schemeClr val="bg1">
                     <a:lumMod val="50000"/>
@@ -15416,7 +15560,7 @@
               <a:t>th</a:t>
             </a:r>
             <a:r>
-              <a:rPr lang="en-GB" sz="2000" dirty="0">
+              <a:rPr lang="en-GB" sz="2000">
                 <a:solidFill>
                   <a:schemeClr val="bg1">
                     <a:lumMod val="50000"/>
@@ -15424,7 +15568,18 @@
                 </a:solidFill>
                 <a:latin typeface="Century Gothic" panose="020B0502020202020204" pitchFamily="34" charset="0"/>
               </a:rPr>
-              <a:t> October 2024. Prepared by D </a:t>
+              <a:t> </a:t>
+            </a:r>
+            <a:r>
+              <a:rPr lang="en-GB" sz="2000" dirty="0">
+                <a:solidFill>
+                  <a:schemeClr val="bg1">
+                    <a:lumMod val="50000"/>
+                  </a:schemeClr>
+                </a:solidFill>
+                <a:latin typeface="Century Gothic" panose="020B0502020202020204" pitchFamily="34" charset="0"/>
+              </a:rPr>
+              <a:t>October 2024. Prepared by D </a:t>
             </a:r>
             <a:r>
               <a:rPr lang="en-GB" sz="2000" dirty="0" err="1">
@@ -25912,1558 +26067,6 @@
           </a:prstGeom>
         </p:spPr>
       </p:pic>
-      <p:grpSp>
-        <p:nvGrpSpPr>
-          <p:cNvPr id="381" name="Group 380">
-            <a:extLst>
-              <a:ext uri="{FF2B5EF4-FFF2-40B4-BE49-F238E27FC236}">
-                <a16:creationId xmlns:a16="http://schemas.microsoft.com/office/drawing/2014/main" id="{F9CD552B-AD07-801C-AFFC-CDD4CB016609}"/>
-              </a:ext>
-            </a:extLst>
-          </p:cNvPr>
-          <p:cNvGrpSpPr/>
-          <p:nvPr/>
-        </p:nvGrpSpPr>
-        <p:grpSpPr>
-          <a:xfrm>
-            <a:off x="25944804" y="10069760"/>
-            <a:ext cx="949473" cy="449400"/>
-            <a:chOff x="18132627" y="20895034"/>
-            <a:chExt cx="949473" cy="449400"/>
-          </a:xfrm>
-        </p:grpSpPr>
-        <p:sp>
-          <p:nvSpPr>
-            <p:cNvPr id="412" name="Rounded Rectangle 411">
-              <a:extLst>
-                <a:ext uri="{FF2B5EF4-FFF2-40B4-BE49-F238E27FC236}">
-                  <a16:creationId xmlns:a16="http://schemas.microsoft.com/office/drawing/2014/main" id="{61C744AD-4355-1AFC-4366-E36B9E509DA6}"/>
-                </a:ext>
-              </a:extLst>
-            </p:cNvPr>
-            <p:cNvSpPr/>
-            <p:nvPr/>
-          </p:nvSpPr>
-          <p:spPr>
-            <a:xfrm>
-              <a:off x="18132627" y="20895034"/>
-              <a:ext cx="949473" cy="449400"/>
-            </a:xfrm>
-            <a:prstGeom prst="roundRect">
-              <a:avLst>
-                <a:gd name="adj" fmla="val 9233"/>
-              </a:avLst>
-            </a:prstGeom>
-            <a:solidFill>
-              <a:schemeClr val="bg1">
-                <a:lumMod val="95000"/>
-              </a:schemeClr>
-            </a:solidFill>
-            <a:ln>
-              <a:noFill/>
-            </a:ln>
-          </p:spPr>
-          <p:style>
-            <a:lnRef idx="2">
-              <a:schemeClr val="accent1">
-                <a:shade val="15000"/>
-              </a:schemeClr>
-            </a:lnRef>
-            <a:fillRef idx="1">
-              <a:schemeClr val="accent1"/>
-            </a:fillRef>
-            <a:effectRef idx="0">
-              <a:schemeClr val="accent1"/>
-            </a:effectRef>
-            <a:fontRef idx="minor">
-              <a:schemeClr val="lt1"/>
-            </a:fontRef>
-          </p:style>
-          <p:txBody>
-            <a:bodyPr rtlCol="0" anchor="ctr"/>
-            <a:lstStyle/>
-            <a:p>
-              <a:pPr algn="ctr"/>
-              <a:endParaRPr lang="en-GB" dirty="0"/>
-            </a:p>
-          </p:txBody>
-        </p:sp>
-        <p:sp>
-          <p:nvSpPr>
-            <p:cNvPr id="413" name="Oval 412">
-              <a:extLst>
-                <a:ext uri="{FF2B5EF4-FFF2-40B4-BE49-F238E27FC236}">
-                  <a16:creationId xmlns:a16="http://schemas.microsoft.com/office/drawing/2014/main" id="{2F79E679-04E3-7326-7149-396C3351FDA8}"/>
-                </a:ext>
-              </a:extLst>
-            </p:cNvPr>
-            <p:cNvSpPr/>
-            <p:nvPr/>
-          </p:nvSpPr>
-          <p:spPr>
-            <a:xfrm>
-              <a:off x="18223650" y="20952780"/>
-              <a:ext cx="309707" cy="297319"/>
-            </a:xfrm>
-            <a:prstGeom prst="ellipse">
-              <a:avLst/>
-            </a:prstGeom>
-            <a:noFill/>
-            <a:ln>
-              <a:solidFill>
-                <a:srgbClr val="ED2759"/>
-              </a:solidFill>
-            </a:ln>
-          </p:spPr>
-          <p:style>
-            <a:lnRef idx="2">
-              <a:schemeClr val="accent1">
-                <a:shade val="15000"/>
-              </a:schemeClr>
-            </a:lnRef>
-            <a:fillRef idx="1">
-              <a:schemeClr val="accent1"/>
-            </a:fillRef>
-            <a:effectRef idx="0">
-              <a:schemeClr val="accent1"/>
-            </a:effectRef>
-            <a:fontRef idx="minor">
-              <a:schemeClr val="lt1"/>
-            </a:fontRef>
-          </p:style>
-          <p:txBody>
-            <a:bodyPr rtlCol="0" anchor="ctr"/>
-            <a:lstStyle/>
-            <a:p>
-              <a:pPr algn="ctr"/>
-              <a:endParaRPr lang="en-GB"/>
-            </a:p>
-          </p:txBody>
-        </p:sp>
-        <p:sp>
-          <p:nvSpPr>
-            <p:cNvPr id="414" name="Oval 413">
-              <a:extLst>
-                <a:ext uri="{FF2B5EF4-FFF2-40B4-BE49-F238E27FC236}">
-                  <a16:creationId xmlns:a16="http://schemas.microsoft.com/office/drawing/2014/main" id="{A6BAABB7-3B0E-3A7E-B71B-CA9BB434155A}"/>
-                </a:ext>
-              </a:extLst>
-            </p:cNvPr>
-            <p:cNvSpPr/>
-            <p:nvPr/>
-          </p:nvSpPr>
-          <p:spPr>
-            <a:xfrm>
-              <a:off x="18644934" y="20952744"/>
-              <a:ext cx="309707" cy="298680"/>
-            </a:xfrm>
-            <a:prstGeom prst="ellipse">
-              <a:avLst/>
-            </a:prstGeom>
-            <a:noFill/>
-            <a:ln>
-              <a:solidFill>
-                <a:srgbClr val="002E99"/>
-              </a:solidFill>
-            </a:ln>
-          </p:spPr>
-          <p:style>
-            <a:lnRef idx="2">
-              <a:schemeClr val="accent1">
-                <a:shade val="15000"/>
-              </a:schemeClr>
-            </a:lnRef>
-            <a:fillRef idx="1">
-              <a:schemeClr val="accent1"/>
-            </a:fillRef>
-            <a:effectRef idx="0">
-              <a:schemeClr val="accent1"/>
-            </a:effectRef>
-            <a:fontRef idx="minor">
-              <a:schemeClr val="lt1"/>
-            </a:fontRef>
-          </p:style>
-          <p:txBody>
-            <a:bodyPr rtlCol="0" anchor="ctr"/>
-            <a:lstStyle/>
-            <a:p>
-              <a:pPr algn="ctr"/>
-              <a:endParaRPr lang="en-GB"/>
-            </a:p>
-          </p:txBody>
-        </p:sp>
-      </p:grpSp>
-      <p:sp>
-        <p:nvSpPr>
-          <p:cNvPr id="327" name="Rounded Rectangle 326">
-            <a:extLst>
-              <a:ext uri="{FF2B5EF4-FFF2-40B4-BE49-F238E27FC236}">
-                <a16:creationId xmlns:a16="http://schemas.microsoft.com/office/drawing/2014/main" id="{20C1498C-2589-353E-5779-C02EECBD8DA2}"/>
-              </a:ext>
-            </a:extLst>
-          </p:cNvPr>
-          <p:cNvSpPr/>
-          <p:nvPr/>
-        </p:nvSpPr>
-        <p:spPr>
-          <a:xfrm>
-            <a:off x="396309" y="18857410"/>
-            <a:ext cx="3382449" cy="3282118"/>
-          </a:xfrm>
-          <a:prstGeom prst="roundRect">
-            <a:avLst>
-              <a:gd name="adj" fmla="val 2438"/>
-            </a:avLst>
-          </a:prstGeom>
-          <a:solidFill>
-            <a:schemeClr val="bg1">
-              <a:lumMod val="95000"/>
-            </a:schemeClr>
-          </a:solidFill>
-          <a:ln>
-            <a:noFill/>
-          </a:ln>
-        </p:spPr>
-        <p:style>
-          <a:lnRef idx="2">
-            <a:schemeClr val="accent1">
-              <a:shade val="15000"/>
-            </a:schemeClr>
-          </a:lnRef>
-          <a:fillRef idx="1">
-            <a:schemeClr val="accent1"/>
-          </a:fillRef>
-          <a:effectRef idx="0">
-            <a:schemeClr val="accent1"/>
-          </a:effectRef>
-          <a:fontRef idx="minor">
-            <a:schemeClr val="lt1"/>
-          </a:fontRef>
-        </p:style>
-        <p:txBody>
-          <a:bodyPr rtlCol="0" anchor="ctr"/>
-          <a:lstStyle/>
-          <a:p>
-            <a:pPr algn="ctr"/>
-            <a:endParaRPr lang="en-GB" sz="2000" dirty="0">
-              <a:solidFill>
-                <a:schemeClr val="bg1">
-                  <a:lumMod val="50000"/>
-                </a:schemeClr>
-              </a:solidFill>
-              <a:latin typeface="Century Gothic" panose="020B0502020202020204" pitchFamily="34" charset="0"/>
-            </a:endParaRPr>
-          </a:p>
-        </p:txBody>
-      </p:sp>
-      <p:sp>
-        <p:nvSpPr>
-          <p:cNvPr id="329" name="TextBox 328">
-            <a:extLst>
-              <a:ext uri="{FF2B5EF4-FFF2-40B4-BE49-F238E27FC236}">
-                <a16:creationId xmlns:a16="http://schemas.microsoft.com/office/drawing/2014/main" id="{42EAB0D2-ED1A-242A-D507-51B70B86FF59}"/>
-              </a:ext>
-            </a:extLst>
-          </p:cNvPr>
-          <p:cNvSpPr txBox="1"/>
-          <p:nvPr/>
-        </p:nvSpPr>
-        <p:spPr>
-          <a:xfrm>
-            <a:off x="396309" y="18924595"/>
-            <a:ext cx="3382449" cy="766860"/>
-          </a:xfrm>
-          <a:prstGeom prst="rect">
-            <a:avLst/>
-          </a:prstGeom>
-          <a:noFill/>
-          <a:ln>
-            <a:noFill/>
-          </a:ln>
-        </p:spPr>
-        <p:style>
-          <a:lnRef idx="2">
-            <a:schemeClr val="accent1"/>
-          </a:lnRef>
-          <a:fillRef idx="1">
-            <a:schemeClr val="lt1"/>
-          </a:fillRef>
-          <a:effectRef idx="0">
-            <a:schemeClr val="accent1"/>
-          </a:effectRef>
-          <a:fontRef idx="minor">
-            <a:schemeClr val="dk1"/>
-          </a:fontRef>
-        </p:style>
-        <p:txBody>
-          <a:bodyPr lIns="0" tIns="42863" rIns="0" bIns="42863" rtlCol="0" anchor="ctr"/>
-          <a:lstStyle>
-            <a:defPPr>
-              <a:defRPr lang="en-US"/>
-            </a:defPPr>
-            <a:lvl1pPr algn="ctr">
-              <a:defRPr sz="3600" b="1">
-                <a:solidFill>
-                  <a:schemeClr val="accent1"/>
-                </a:solidFill>
-                <a:latin typeface="Century Gothic"/>
-              </a:defRPr>
-            </a:lvl1pPr>
-            <a:lvl2pPr>
-              <a:defRPr>
-                <a:solidFill>
-                  <a:schemeClr val="lt1"/>
-                </a:solidFill>
-              </a:defRPr>
-            </a:lvl2pPr>
-            <a:lvl3pPr>
-              <a:defRPr>
-                <a:solidFill>
-                  <a:schemeClr val="lt1"/>
-                </a:solidFill>
-              </a:defRPr>
-            </a:lvl3pPr>
-            <a:lvl4pPr>
-              <a:defRPr>
-                <a:solidFill>
-                  <a:schemeClr val="lt1"/>
-                </a:solidFill>
-              </a:defRPr>
-            </a:lvl4pPr>
-            <a:lvl5pPr>
-              <a:defRPr>
-                <a:solidFill>
-                  <a:schemeClr val="lt1"/>
-                </a:solidFill>
-              </a:defRPr>
-            </a:lvl5pPr>
-            <a:lvl6pPr>
-              <a:defRPr>
-                <a:solidFill>
-                  <a:schemeClr val="lt1"/>
-                </a:solidFill>
-              </a:defRPr>
-            </a:lvl6pPr>
-            <a:lvl7pPr>
-              <a:defRPr>
-                <a:solidFill>
-                  <a:schemeClr val="lt1"/>
-                </a:solidFill>
-              </a:defRPr>
-            </a:lvl7pPr>
-            <a:lvl8pPr>
-              <a:defRPr>
-                <a:solidFill>
-                  <a:schemeClr val="lt1"/>
-                </a:solidFill>
-              </a:defRPr>
-            </a:lvl8pPr>
-            <a:lvl9pPr>
-              <a:defRPr>
-                <a:solidFill>
-                  <a:schemeClr val="lt1"/>
-                </a:solidFill>
-              </a:defRPr>
-            </a:lvl9pPr>
-          </a:lstStyle>
-          <a:p>
-            <a:r>
-              <a:rPr lang="en-GB" dirty="0"/>
-              <a:t>‘DDF In Action’</a:t>
-            </a:r>
-          </a:p>
-        </p:txBody>
-      </p:sp>
-      <p:sp>
-        <p:nvSpPr>
-          <p:cNvPr id="408" name="TextBox 407">
-            <a:extLst>
-              <a:ext uri="{FF2B5EF4-FFF2-40B4-BE49-F238E27FC236}">
-                <a16:creationId xmlns:a16="http://schemas.microsoft.com/office/drawing/2014/main" id="{5A8CFBC7-BC42-4161-8B19-E8F473456880}"/>
-              </a:ext>
-            </a:extLst>
-          </p:cNvPr>
-          <p:cNvSpPr txBox="1"/>
-          <p:nvPr/>
-        </p:nvSpPr>
-        <p:spPr>
-          <a:xfrm>
-            <a:off x="1025962" y="21503835"/>
-            <a:ext cx="2722992" cy="369332"/>
-          </a:xfrm>
-          <a:prstGeom prst="rect">
-            <a:avLst/>
-          </a:prstGeom>
-          <a:noFill/>
-        </p:spPr>
-        <p:txBody>
-          <a:bodyPr wrap="square" rtlCol="0">
-            <a:spAutoFit/>
-          </a:bodyPr>
-          <a:lstStyle/>
-          <a:p>
-            <a:r>
-              <a:rPr lang="en-GB" sz="1800" dirty="0">
-                <a:solidFill>
-                  <a:schemeClr val="bg1">
-                    <a:lumMod val="50000"/>
-                  </a:schemeClr>
-                </a:solidFill>
-                <a:latin typeface="Century Gothic" panose="020B0502020202020204" pitchFamily="34" charset="0"/>
-              </a:rPr>
-              <a:t>Europe, Copenhagen</a:t>
-            </a:r>
-          </a:p>
-        </p:txBody>
-      </p:sp>
-      <p:sp>
-        <p:nvSpPr>
-          <p:cNvPr id="409" name="TextBox 408">
-            <a:extLst>
-              <a:ext uri="{FF2B5EF4-FFF2-40B4-BE49-F238E27FC236}">
-                <a16:creationId xmlns:a16="http://schemas.microsoft.com/office/drawing/2014/main" id="{756F2B23-B2ED-D931-A2F9-00E05F9C2CBC}"/>
-              </a:ext>
-            </a:extLst>
-          </p:cNvPr>
-          <p:cNvSpPr txBox="1"/>
-          <p:nvPr/>
-        </p:nvSpPr>
-        <p:spPr>
-          <a:xfrm>
-            <a:off x="1025961" y="20983629"/>
-            <a:ext cx="2752797" cy="369332"/>
-          </a:xfrm>
-          <a:prstGeom prst="rect">
-            <a:avLst/>
-          </a:prstGeom>
-          <a:noFill/>
-        </p:spPr>
-        <p:txBody>
-          <a:bodyPr wrap="square" rtlCol="0">
-            <a:spAutoFit/>
-          </a:bodyPr>
-          <a:lstStyle/>
-          <a:p>
-            <a:r>
-              <a:rPr lang="en-GB" sz="1800" dirty="0">
-                <a:solidFill>
-                  <a:schemeClr val="bg1">
-                    <a:lumMod val="50000"/>
-                  </a:schemeClr>
-                </a:solidFill>
-                <a:latin typeface="Century Gothic" panose="020B0502020202020204" pitchFamily="34" charset="0"/>
-              </a:rPr>
-              <a:t>US, New jersey</a:t>
-            </a:r>
-          </a:p>
-        </p:txBody>
-      </p:sp>
-      <p:sp>
-        <p:nvSpPr>
-          <p:cNvPr id="423" name="TextBox 422">
-            <a:extLst>
-              <a:ext uri="{FF2B5EF4-FFF2-40B4-BE49-F238E27FC236}">
-                <a16:creationId xmlns:a16="http://schemas.microsoft.com/office/drawing/2014/main" id="{6E034EFE-F73A-60FE-C503-7C9033E0C0D2}"/>
-              </a:ext>
-            </a:extLst>
-          </p:cNvPr>
-          <p:cNvSpPr txBox="1"/>
-          <p:nvPr/>
-        </p:nvSpPr>
-        <p:spPr>
-          <a:xfrm>
-            <a:off x="396309" y="19594528"/>
-            <a:ext cx="3348274" cy="1200329"/>
-          </a:xfrm>
-          <a:prstGeom prst="rect">
-            <a:avLst/>
-          </a:prstGeom>
-          <a:noFill/>
-        </p:spPr>
-        <p:txBody>
-          <a:bodyPr wrap="square" rtlCol="0">
-            <a:spAutoFit/>
-          </a:bodyPr>
-          <a:lstStyle/>
-          <a:p>
-            <a:pPr algn="ctr"/>
-            <a:r>
-              <a:rPr lang="en-GB" sz="1800" dirty="0">
-                <a:solidFill>
-                  <a:schemeClr val="bg1">
-                    <a:lumMod val="50000"/>
-                  </a:schemeClr>
-                </a:solidFill>
-                <a:latin typeface="Century Gothic" panose="020B0502020202020204" pitchFamily="34" charset="0"/>
-              </a:rPr>
-              <a:t>Indicates that a poster touching on the use case described will be presented at the respective event.</a:t>
-            </a:r>
-          </a:p>
-        </p:txBody>
-      </p:sp>
-      <p:grpSp>
-        <p:nvGrpSpPr>
-          <p:cNvPr id="328" name="Group 327">
-            <a:extLst>
-              <a:ext uri="{FF2B5EF4-FFF2-40B4-BE49-F238E27FC236}">
-                <a16:creationId xmlns:a16="http://schemas.microsoft.com/office/drawing/2014/main" id="{19245CA4-8A07-5A98-3027-46377A362598}"/>
-              </a:ext>
-            </a:extLst>
-          </p:cNvPr>
-          <p:cNvGrpSpPr/>
-          <p:nvPr/>
-        </p:nvGrpSpPr>
-        <p:grpSpPr>
-          <a:xfrm>
-            <a:off x="16938507" y="17011775"/>
-            <a:ext cx="940536" cy="457903"/>
-            <a:chOff x="17127838" y="20884724"/>
-            <a:chExt cx="940536" cy="457903"/>
-          </a:xfrm>
-        </p:grpSpPr>
-        <p:sp>
-          <p:nvSpPr>
-            <p:cNvPr id="194" name="Rounded Rectangle 193">
-              <a:extLst>
-                <a:ext uri="{FF2B5EF4-FFF2-40B4-BE49-F238E27FC236}">
-                  <a16:creationId xmlns:a16="http://schemas.microsoft.com/office/drawing/2014/main" id="{19E52A7E-0A5C-948A-4AF3-0C050294B68B}"/>
-                </a:ext>
-              </a:extLst>
-            </p:cNvPr>
-            <p:cNvSpPr/>
-            <p:nvPr/>
-          </p:nvSpPr>
-          <p:spPr>
-            <a:xfrm>
-              <a:off x="17127838" y="20884724"/>
-              <a:ext cx="940536" cy="457903"/>
-            </a:xfrm>
-            <a:prstGeom prst="roundRect">
-              <a:avLst>
-                <a:gd name="adj" fmla="val 9233"/>
-              </a:avLst>
-            </a:prstGeom>
-            <a:solidFill>
-              <a:schemeClr val="bg1">
-                <a:lumMod val="95000"/>
-              </a:schemeClr>
-            </a:solidFill>
-            <a:ln>
-              <a:noFill/>
-            </a:ln>
-          </p:spPr>
-          <p:style>
-            <a:lnRef idx="2">
-              <a:schemeClr val="accent1">
-                <a:shade val="15000"/>
-              </a:schemeClr>
-            </a:lnRef>
-            <a:fillRef idx="1">
-              <a:schemeClr val="accent1"/>
-            </a:fillRef>
-            <a:effectRef idx="0">
-              <a:schemeClr val="accent1"/>
-            </a:effectRef>
-            <a:fontRef idx="minor">
-              <a:schemeClr val="lt1"/>
-            </a:fontRef>
-          </p:style>
-          <p:txBody>
-            <a:bodyPr rtlCol="0" anchor="ctr"/>
-            <a:lstStyle/>
-            <a:p>
-              <a:pPr algn="ctr"/>
-              <a:endParaRPr lang="en-GB" dirty="0"/>
-            </a:p>
-          </p:txBody>
-        </p:sp>
-        <p:pic>
-          <p:nvPicPr>
-            <p:cNvPr id="188" name="Picture 187" descr="A blue circle with yellow stars&#10;&#10;Description automatically generated">
-              <a:extLst>
-                <a:ext uri="{FF2B5EF4-FFF2-40B4-BE49-F238E27FC236}">
-                  <a16:creationId xmlns:a16="http://schemas.microsoft.com/office/drawing/2014/main" id="{42C19B17-1D8A-56D8-FDE0-A5A410E3FBE9}"/>
-                </a:ext>
-              </a:extLst>
-            </p:cNvPr>
-            <p:cNvPicPr>
-              <a:picLocks noChangeAspect="1"/>
-            </p:cNvPicPr>
-            <p:nvPr/>
-          </p:nvPicPr>
-          <p:blipFill>
-            <a:blip r:embed="rId7"/>
-            <a:stretch>
-              <a:fillRect/>
-            </a:stretch>
-          </p:blipFill>
-          <p:spPr>
-            <a:xfrm>
-              <a:off x="17625421" y="20939564"/>
-              <a:ext cx="340009" cy="340009"/>
-            </a:xfrm>
-            <a:prstGeom prst="rect">
-              <a:avLst/>
-            </a:prstGeom>
-          </p:spPr>
-        </p:pic>
-        <p:pic>
-          <p:nvPicPr>
-            <p:cNvPr id="190" name="Picture 189" descr="A red white and blue flag&#10;&#10;Description automatically generated">
-              <a:extLst>
-                <a:ext uri="{FF2B5EF4-FFF2-40B4-BE49-F238E27FC236}">
-                  <a16:creationId xmlns:a16="http://schemas.microsoft.com/office/drawing/2014/main" id="{55BCCAE2-4632-D2BC-4AC4-488621A90213}"/>
-                </a:ext>
-              </a:extLst>
-            </p:cNvPr>
-            <p:cNvPicPr>
-              <a:picLocks noChangeAspect="1"/>
-            </p:cNvPicPr>
-            <p:nvPr/>
-          </p:nvPicPr>
-          <p:blipFill>
-            <a:blip r:embed="rId8"/>
-            <a:stretch>
-              <a:fillRect/>
-            </a:stretch>
-          </p:blipFill>
-          <p:spPr>
-            <a:xfrm>
-              <a:off x="17190244" y="20938568"/>
-              <a:ext cx="340009" cy="340009"/>
-            </a:xfrm>
-            <a:prstGeom prst="rect">
-              <a:avLst/>
-            </a:prstGeom>
-          </p:spPr>
-        </p:pic>
-      </p:grpSp>
-      <p:pic>
-        <p:nvPicPr>
-          <p:cNvPr id="191" name="Picture 190" descr="A blue circle with yellow stars&#10;&#10;Description automatically generated">
-            <a:extLst>
-              <a:ext uri="{FF2B5EF4-FFF2-40B4-BE49-F238E27FC236}">
-                <a16:creationId xmlns:a16="http://schemas.microsoft.com/office/drawing/2014/main" id="{3C8703F0-C19A-FE25-5956-57389B022EFE}"/>
-              </a:ext>
-            </a:extLst>
-          </p:cNvPr>
-          <p:cNvPicPr>
-            <a:picLocks noChangeAspect="1"/>
-          </p:cNvPicPr>
-          <p:nvPr/>
-        </p:nvPicPr>
-        <p:blipFill>
-          <a:blip r:embed="rId7"/>
-          <a:stretch>
-            <a:fillRect/>
-          </a:stretch>
-        </p:blipFill>
-        <p:spPr>
-          <a:xfrm>
-            <a:off x="536000" y="21461434"/>
-            <a:ext cx="443661" cy="443661"/>
-          </a:xfrm>
-          <a:prstGeom prst="rect">
-            <a:avLst/>
-          </a:prstGeom>
-        </p:spPr>
-      </p:pic>
-      <p:pic>
-        <p:nvPicPr>
-          <p:cNvPr id="326" name="Picture 325" descr="A red white and blue flag&#10;&#10;Description automatically generated">
-            <a:extLst>
-              <a:ext uri="{FF2B5EF4-FFF2-40B4-BE49-F238E27FC236}">
-                <a16:creationId xmlns:a16="http://schemas.microsoft.com/office/drawing/2014/main" id="{820D7238-550A-0779-035C-E30501FA17D1}"/>
-              </a:ext>
-            </a:extLst>
-          </p:cNvPr>
-          <p:cNvPicPr>
-            <a:picLocks noChangeAspect="1"/>
-          </p:cNvPicPr>
-          <p:nvPr/>
-        </p:nvPicPr>
-        <p:blipFill>
-          <a:blip r:embed="rId8"/>
-          <a:stretch>
-            <a:fillRect/>
-          </a:stretch>
-        </p:blipFill>
-        <p:spPr>
-          <a:xfrm>
-            <a:off x="536000" y="20928962"/>
-            <a:ext cx="443661" cy="443661"/>
-          </a:xfrm>
-          <a:prstGeom prst="rect">
-            <a:avLst/>
-          </a:prstGeom>
-        </p:spPr>
-      </p:pic>
-      <p:grpSp>
-        <p:nvGrpSpPr>
-          <p:cNvPr id="330" name="Group 329">
-            <a:extLst>
-              <a:ext uri="{FF2B5EF4-FFF2-40B4-BE49-F238E27FC236}">
-                <a16:creationId xmlns:a16="http://schemas.microsoft.com/office/drawing/2014/main" id="{78F5C9BF-EB73-5B42-54A4-FE04476C3155}"/>
-              </a:ext>
-            </a:extLst>
-          </p:cNvPr>
-          <p:cNvGrpSpPr/>
-          <p:nvPr/>
-        </p:nvGrpSpPr>
-        <p:grpSpPr>
-          <a:xfrm>
-            <a:off x="7797368" y="13288900"/>
-            <a:ext cx="940536" cy="457903"/>
-            <a:chOff x="17127838" y="20884724"/>
-            <a:chExt cx="940536" cy="457903"/>
-          </a:xfrm>
-        </p:grpSpPr>
-        <p:sp>
-          <p:nvSpPr>
-            <p:cNvPr id="331" name="Rounded Rectangle 330">
-              <a:extLst>
-                <a:ext uri="{FF2B5EF4-FFF2-40B4-BE49-F238E27FC236}">
-                  <a16:creationId xmlns:a16="http://schemas.microsoft.com/office/drawing/2014/main" id="{B5E9E52E-8263-5F05-C769-2627AC00818B}"/>
-                </a:ext>
-              </a:extLst>
-            </p:cNvPr>
-            <p:cNvSpPr/>
-            <p:nvPr/>
-          </p:nvSpPr>
-          <p:spPr>
-            <a:xfrm>
-              <a:off x="17127838" y="20884724"/>
-              <a:ext cx="940536" cy="457903"/>
-            </a:xfrm>
-            <a:prstGeom prst="roundRect">
-              <a:avLst>
-                <a:gd name="adj" fmla="val 9233"/>
-              </a:avLst>
-            </a:prstGeom>
-            <a:solidFill>
-              <a:schemeClr val="bg1">
-                <a:lumMod val="95000"/>
-              </a:schemeClr>
-            </a:solidFill>
-            <a:ln>
-              <a:noFill/>
-            </a:ln>
-          </p:spPr>
-          <p:style>
-            <a:lnRef idx="2">
-              <a:schemeClr val="accent1">
-                <a:shade val="15000"/>
-              </a:schemeClr>
-            </a:lnRef>
-            <a:fillRef idx="1">
-              <a:schemeClr val="accent1"/>
-            </a:fillRef>
-            <a:effectRef idx="0">
-              <a:schemeClr val="accent1"/>
-            </a:effectRef>
-            <a:fontRef idx="minor">
-              <a:schemeClr val="lt1"/>
-            </a:fontRef>
-          </p:style>
-          <p:txBody>
-            <a:bodyPr rtlCol="0" anchor="ctr"/>
-            <a:lstStyle/>
-            <a:p>
-              <a:pPr algn="ctr"/>
-              <a:endParaRPr lang="en-GB" dirty="0"/>
-            </a:p>
-          </p:txBody>
-        </p:sp>
-        <p:pic>
-          <p:nvPicPr>
-            <p:cNvPr id="332" name="Picture 331" descr="A blue circle with yellow stars&#10;&#10;Description automatically generated">
-              <a:extLst>
-                <a:ext uri="{FF2B5EF4-FFF2-40B4-BE49-F238E27FC236}">
-                  <a16:creationId xmlns:a16="http://schemas.microsoft.com/office/drawing/2014/main" id="{0C5187BC-2EA0-4763-9CDE-D948EAC6C763}"/>
-                </a:ext>
-              </a:extLst>
-            </p:cNvPr>
-            <p:cNvPicPr>
-              <a:picLocks noChangeAspect="1"/>
-            </p:cNvPicPr>
-            <p:nvPr/>
-          </p:nvPicPr>
-          <p:blipFill>
-            <a:blip r:embed="rId7"/>
-            <a:stretch>
-              <a:fillRect/>
-            </a:stretch>
-          </p:blipFill>
-          <p:spPr>
-            <a:xfrm>
-              <a:off x="17625421" y="20939564"/>
-              <a:ext cx="340009" cy="340009"/>
-            </a:xfrm>
-            <a:prstGeom prst="rect">
-              <a:avLst/>
-            </a:prstGeom>
-          </p:spPr>
-        </p:pic>
-        <p:pic>
-          <p:nvPicPr>
-            <p:cNvPr id="333" name="Picture 332" descr="A red white and blue flag&#10;&#10;Description automatically generated">
-              <a:extLst>
-                <a:ext uri="{FF2B5EF4-FFF2-40B4-BE49-F238E27FC236}">
-                  <a16:creationId xmlns:a16="http://schemas.microsoft.com/office/drawing/2014/main" id="{E38085E4-3C41-2080-F89C-536F63C29069}"/>
-                </a:ext>
-              </a:extLst>
-            </p:cNvPr>
-            <p:cNvPicPr>
-              <a:picLocks noChangeAspect="1"/>
-            </p:cNvPicPr>
-            <p:nvPr/>
-          </p:nvPicPr>
-          <p:blipFill>
-            <a:blip r:embed="rId8"/>
-            <a:stretch>
-              <a:fillRect/>
-            </a:stretch>
-          </p:blipFill>
-          <p:spPr>
-            <a:xfrm>
-              <a:off x="17190244" y="20938568"/>
-              <a:ext cx="340009" cy="340009"/>
-            </a:xfrm>
-            <a:prstGeom prst="rect">
-              <a:avLst/>
-            </a:prstGeom>
-          </p:spPr>
-        </p:pic>
-      </p:grpSp>
-      <p:grpSp>
-        <p:nvGrpSpPr>
-          <p:cNvPr id="334" name="Group 333">
-            <a:extLst>
-              <a:ext uri="{FF2B5EF4-FFF2-40B4-BE49-F238E27FC236}">
-                <a16:creationId xmlns:a16="http://schemas.microsoft.com/office/drawing/2014/main" id="{9BE14320-07B7-D563-599D-06F1DC846048}"/>
-              </a:ext>
-            </a:extLst>
-          </p:cNvPr>
-          <p:cNvGrpSpPr/>
-          <p:nvPr/>
-        </p:nvGrpSpPr>
-        <p:grpSpPr>
-          <a:xfrm>
-            <a:off x="21455895" y="10557653"/>
-            <a:ext cx="940536" cy="457903"/>
-            <a:chOff x="17127838" y="20884724"/>
-            <a:chExt cx="940536" cy="457903"/>
-          </a:xfrm>
-        </p:grpSpPr>
-        <p:sp>
-          <p:nvSpPr>
-            <p:cNvPr id="335" name="Rounded Rectangle 334">
-              <a:extLst>
-                <a:ext uri="{FF2B5EF4-FFF2-40B4-BE49-F238E27FC236}">
-                  <a16:creationId xmlns:a16="http://schemas.microsoft.com/office/drawing/2014/main" id="{87D25476-8946-0DB2-8507-43367815E3D7}"/>
-                </a:ext>
-              </a:extLst>
-            </p:cNvPr>
-            <p:cNvSpPr/>
-            <p:nvPr/>
-          </p:nvSpPr>
-          <p:spPr>
-            <a:xfrm>
-              <a:off x="17127838" y="20884724"/>
-              <a:ext cx="940536" cy="457903"/>
-            </a:xfrm>
-            <a:prstGeom prst="roundRect">
-              <a:avLst>
-                <a:gd name="adj" fmla="val 9233"/>
-              </a:avLst>
-            </a:prstGeom>
-            <a:solidFill>
-              <a:schemeClr val="bg1">
-                <a:lumMod val="95000"/>
-              </a:schemeClr>
-            </a:solidFill>
-            <a:ln>
-              <a:noFill/>
-            </a:ln>
-          </p:spPr>
-          <p:style>
-            <a:lnRef idx="2">
-              <a:schemeClr val="accent1">
-                <a:shade val="15000"/>
-              </a:schemeClr>
-            </a:lnRef>
-            <a:fillRef idx="1">
-              <a:schemeClr val="accent1"/>
-            </a:fillRef>
-            <a:effectRef idx="0">
-              <a:schemeClr val="accent1"/>
-            </a:effectRef>
-            <a:fontRef idx="minor">
-              <a:schemeClr val="lt1"/>
-            </a:fontRef>
-          </p:style>
-          <p:txBody>
-            <a:bodyPr rtlCol="0" anchor="ctr"/>
-            <a:lstStyle/>
-            <a:p>
-              <a:pPr algn="ctr"/>
-              <a:endParaRPr lang="en-GB" dirty="0"/>
-            </a:p>
-          </p:txBody>
-        </p:sp>
-        <p:pic>
-          <p:nvPicPr>
-            <p:cNvPr id="336" name="Picture 335" descr="A blue circle with yellow stars&#10;&#10;Description automatically generated">
-              <a:extLst>
-                <a:ext uri="{FF2B5EF4-FFF2-40B4-BE49-F238E27FC236}">
-                  <a16:creationId xmlns:a16="http://schemas.microsoft.com/office/drawing/2014/main" id="{56EC69AB-290A-9BE5-5383-B5959C9BFE2B}"/>
-                </a:ext>
-              </a:extLst>
-            </p:cNvPr>
-            <p:cNvPicPr>
-              <a:picLocks noChangeAspect="1"/>
-            </p:cNvPicPr>
-            <p:nvPr/>
-          </p:nvPicPr>
-          <p:blipFill>
-            <a:blip r:embed="rId7"/>
-            <a:stretch>
-              <a:fillRect/>
-            </a:stretch>
-          </p:blipFill>
-          <p:spPr>
-            <a:xfrm>
-              <a:off x="17625421" y="20939564"/>
-              <a:ext cx="340009" cy="340009"/>
-            </a:xfrm>
-            <a:prstGeom prst="rect">
-              <a:avLst/>
-            </a:prstGeom>
-          </p:spPr>
-        </p:pic>
-        <p:pic>
-          <p:nvPicPr>
-            <p:cNvPr id="337" name="Picture 336" descr="A red white and blue flag&#10;&#10;Description automatically generated">
-              <a:extLst>
-                <a:ext uri="{FF2B5EF4-FFF2-40B4-BE49-F238E27FC236}">
-                  <a16:creationId xmlns:a16="http://schemas.microsoft.com/office/drawing/2014/main" id="{0D6B6940-A043-B19F-AB30-C993F9599E54}"/>
-                </a:ext>
-              </a:extLst>
-            </p:cNvPr>
-            <p:cNvPicPr>
-              <a:picLocks noChangeAspect="1"/>
-            </p:cNvPicPr>
-            <p:nvPr/>
-          </p:nvPicPr>
-          <p:blipFill>
-            <a:blip r:embed="rId8"/>
-            <a:stretch>
-              <a:fillRect/>
-            </a:stretch>
-          </p:blipFill>
-          <p:spPr>
-            <a:xfrm>
-              <a:off x="17190244" y="20938568"/>
-              <a:ext cx="340009" cy="340009"/>
-            </a:xfrm>
-            <a:prstGeom prst="rect">
-              <a:avLst/>
-            </a:prstGeom>
-          </p:spPr>
-        </p:pic>
-      </p:grpSp>
-      <p:grpSp>
-        <p:nvGrpSpPr>
-          <p:cNvPr id="338" name="Group 337">
-            <a:extLst>
-              <a:ext uri="{FF2B5EF4-FFF2-40B4-BE49-F238E27FC236}">
-                <a16:creationId xmlns:a16="http://schemas.microsoft.com/office/drawing/2014/main" id="{228100A6-0D0C-DA02-3582-2AF8AF778BCB}"/>
-              </a:ext>
-            </a:extLst>
-          </p:cNvPr>
-          <p:cNvGrpSpPr/>
-          <p:nvPr/>
-        </p:nvGrpSpPr>
-        <p:grpSpPr>
-          <a:xfrm>
-            <a:off x="12359100" y="8236814"/>
-            <a:ext cx="940536" cy="457903"/>
-            <a:chOff x="17127838" y="20884724"/>
-            <a:chExt cx="940536" cy="457903"/>
-          </a:xfrm>
-        </p:grpSpPr>
-        <p:sp>
-          <p:nvSpPr>
-            <p:cNvPr id="339" name="Rounded Rectangle 338">
-              <a:extLst>
-                <a:ext uri="{FF2B5EF4-FFF2-40B4-BE49-F238E27FC236}">
-                  <a16:creationId xmlns:a16="http://schemas.microsoft.com/office/drawing/2014/main" id="{FFA89D89-5EEE-0C2C-AFA8-14C204BF2DA6}"/>
-                </a:ext>
-              </a:extLst>
-            </p:cNvPr>
-            <p:cNvSpPr/>
-            <p:nvPr/>
-          </p:nvSpPr>
-          <p:spPr>
-            <a:xfrm>
-              <a:off x="17127838" y="20884724"/>
-              <a:ext cx="940536" cy="457903"/>
-            </a:xfrm>
-            <a:prstGeom prst="roundRect">
-              <a:avLst>
-                <a:gd name="adj" fmla="val 9233"/>
-              </a:avLst>
-            </a:prstGeom>
-            <a:solidFill>
-              <a:schemeClr val="bg1">
-                <a:lumMod val="95000"/>
-              </a:schemeClr>
-            </a:solidFill>
-            <a:ln>
-              <a:noFill/>
-            </a:ln>
-          </p:spPr>
-          <p:style>
-            <a:lnRef idx="2">
-              <a:schemeClr val="accent1">
-                <a:shade val="15000"/>
-              </a:schemeClr>
-            </a:lnRef>
-            <a:fillRef idx="1">
-              <a:schemeClr val="accent1"/>
-            </a:fillRef>
-            <a:effectRef idx="0">
-              <a:schemeClr val="accent1"/>
-            </a:effectRef>
-            <a:fontRef idx="minor">
-              <a:schemeClr val="lt1"/>
-            </a:fontRef>
-          </p:style>
-          <p:txBody>
-            <a:bodyPr rtlCol="0" anchor="ctr"/>
-            <a:lstStyle/>
-            <a:p>
-              <a:pPr algn="ctr"/>
-              <a:endParaRPr lang="en-GB" dirty="0"/>
-            </a:p>
-          </p:txBody>
-        </p:sp>
-        <p:pic>
-          <p:nvPicPr>
-            <p:cNvPr id="340" name="Picture 339" descr="A blue circle with yellow stars&#10;&#10;Description automatically generated">
-              <a:extLst>
-                <a:ext uri="{FF2B5EF4-FFF2-40B4-BE49-F238E27FC236}">
-                  <a16:creationId xmlns:a16="http://schemas.microsoft.com/office/drawing/2014/main" id="{C2EBE5AB-EE22-24A1-C66E-12662771BDF7}"/>
-                </a:ext>
-              </a:extLst>
-            </p:cNvPr>
-            <p:cNvPicPr>
-              <a:picLocks noChangeAspect="1"/>
-            </p:cNvPicPr>
-            <p:nvPr/>
-          </p:nvPicPr>
-          <p:blipFill>
-            <a:blip r:embed="rId7"/>
-            <a:stretch>
-              <a:fillRect/>
-            </a:stretch>
-          </p:blipFill>
-          <p:spPr>
-            <a:xfrm>
-              <a:off x="17625421" y="20939564"/>
-              <a:ext cx="340009" cy="340009"/>
-            </a:xfrm>
-            <a:prstGeom prst="rect">
-              <a:avLst/>
-            </a:prstGeom>
-          </p:spPr>
-        </p:pic>
-        <p:pic>
-          <p:nvPicPr>
-            <p:cNvPr id="341" name="Picture 340" descr="A red white and blue flag&#10;&#10;Description automatically generated">
-              <a:extLst>
-                <a:ext uri="{FF2B5EF4-FFF2-40B4-BE49-F238E27FC236}">
-                  <a16:creationId xmlns:a16="http://schemas.microsoft.com/office/drawing/2014/main" id="{6CD75109-9D98-E7E6-A997-A97FF8FCF114}"/>
-                </a:ext>
-              </a:extLst>
-            </p:cNvPr>
-            <p:cNvPicPr>
-              <a:picLocks noChangeAspect="1"/>
-            </p:cNvPicPr>
-            <p:nvPr/>
-          </p:nvPicPr>
-          <p:blipFill>
-            <a:blip r:embed="rId8"/>
-            <a:stretch>
-              <a:fillRect/>
-            </a:stretch>
-          </p:blipFill>
-          <p:spPr>
-            <a:xfrm>
-              <a:off x="17190244" y="20938568"/>
-              <a:ext cx="340009" cy="340009"/>
-            </a:xfrm>
-            <a:prstGeom prst="rect">
-              <a:avLst/>
-            </a:prstGeom>
-          </p:spPr>
-        </p:pic>
-      </p:grpSp>
-      <p:grpSp>
-        <p:nvGrpSpPr>
-          <p:cNvPr id="342" name="Group 341">
-            <a:extLst>
-              <a:ext uri="{FF2B5EF4-FFF2-40B4-BE49-F238E27FC236}">
-                <a16:creationId xmlns:a16="http://schemas.microsoft.com/office/drawing/2014/main" id="{219113EB-3D10-BA6D-8051-DB679F7A48FA}"/>
-              </a:ext>
-            </a:extLst>
-          </p:cNvPr>
-          <p:cNvGrpSpPr/>
-          <p:nvPr/>
-        </p:nvGrpSpPr>
-        <p:grpSpPr>
-          <a:xfrm>
-            <a:off x="3274234" y="8241037"/>
-            <a:ext cx="940536" cy="457903"/>
-            <a:chOff x="17127838" y="20884724"/>
-            <a:chExt cx="940536" cy="457903"/>
-          </a:xfrm>
-        </p:grpSpPr>
-        <p:sp>
-          <p:nvSpPr>
-            <p:cNvPr id="343" name="Rounded Rectangle 342">
-              <a:extLst>
-                <a:ext uri="{FF2B5EF4-FFF2-40B4-BE49-F238E27FC236}">
-                  <a16:creationId xmlns:a16="http://schemas.microsoft.com/office/drawing/2014/main" id="{324FEC4C-A87F-74CA-4DEC-2575CC36FA8D}"/>
-                </a:ext>
-              </a:extLst>
-            </p:cNvPr>
-            <p:cNvSpPr/>
-            <p:nvPr/>
-          </p:nvSpPr>
-          <p:spPr>
-            <a:xfrm>
-              <a:off x="17127838" y="20884724"/>
-              <a:ext cx="940536" cy="457903"/>
-            </a:xfrm>
-            <a:prstGeom prst="roundRect">
-              <a:avLst>
-                <a:gd name="adj" fmla="val 9233"/>
-              </a:avLst>
-            </a:prstGeom>
-            <a:solidFill>
-              <a:schemeClr val="bg1">
-                <a:lumMod val="95000"/>
-              </a:schemeClr>
-            </a:solidFill>
-            <a:ln>
-              <a:noFill/>
-            </a:ln>
-          </p:spPr>
-          <p:style>
-            <a:lnRef idx="2">
-              <a:schemeClr val="accent1">
-                <a:shade val="15000"/>
-              </a:schemeClr>
-            </a:lnRef>
-            <a:fillRef idx="1">
-              <a:schemeClr val="accent1"/>
-            </a:fillRef>
-            <a:effectRef idx="0">
-              <a:schemeClr val="accent1"/>
-            </a:effectRef>
-            <a:fontRef idx="minor">
-              <a:schemeClr val="lt1"/>
-            </a:fontRef>
-          </p:style>
-          <p:txBody>
-            <a:bodyPr rtlCol="0" anchor="ctr"/>
-            <a:lstStyle/>
-            <a:p>
-              <a:pPr algn="ctr"/>
-              <a:endParaRPr lang="en-GB" dirty="0"/>
-            </a:p>
-          </p:txBody>
-        </p:sp>
-        <p:pic>
-          <p:nvPicPr>
-            <p:cNvPr id="345" name="Picture 344" descr="A blue circle with yellow stars&#10;&#10;Description automatically generated">
-              <a:extLst>
-                <a:ext uri="{FF2B5EF4-FFF2-40B4-BE49-F238E27FC236}">
-                  <a16:creationId xmlns:a16="http://schemas.microsoft.com/office/drawing/2014/main" id="{E96A88C4-62A1-1388-21DD-FD1E7D98A7AD}"/>
-                </a:ext>
-              </a:extLst>
-            </p:cNvPr>
-            <p:cNvPicPr>
-              <a:picLocks noChangeAspect="1"/>
-            </p:cNvPicPr>
-            <p:nvPr/>
-          </p:nvPicPr>
-          <p:blipFill>
-            <a:blip r:embed="rId7"/>
-            <a:stretch>
-              <a:fillRect/>
-            </a:stretch>
-          </p:blipFill>
-          <p:spPr>
-            <a:xfrm>
-              <a:off x="17625421" y="20939564"/>
-              <a:ext cx="340009" cy="340009"/>
-            </a:xfrm>
-            <a:prstGeom prst="rect">
-              <a:avLst/>
-            </a:prstGeom>
-          </p:spPr>
-        </p:pic>
-        <p:pic>
-          <p:nvPicPr>
-            <p:cNvPr id="376" name="Picture 375" descr="A red white and blue flag&#10;&#10;Description automatically generated">
-              <a:extLst>
-                <a:ext uri="{FF2B5EF4-FFF2-40B4-BE49-F238E27FC236}">
-                  <a16:creationId xmlns:a16="http://schemas.microsoft.com/office/drawing/2014/main" id="{BF2F40D1-5C5C-851A-B730-4CE04B3FD8A4}"/>
-                </a:ext>
-              </a:extLst>
-            </p:cNvPr>
-            <p:cNvPicPr>
-              <a:picLocks noChangeAspect="1"/>
-            </p:cNvPicPr>
-            <p:nvPr/>
-          </p:nvPicPr>
-          <p:blipFill>
-            <a:blip r:embed="rId8"/>
-            <a:stretch>
-              <a:fillRect/>
-            </a:stretch>
-          </p:blipFill>
-          <p:spPr>
-            <a:xfrm>
-              <a:off x="17190244" y="20938568"/>
-              <a:ext cx="340009" cy="340009"/>
-            </a:xfrm>
-            <a:prstGeom prst="rect">
-              <a:avLst/>
-            </a:prstGeom>
-          </p:spPr>
-        </p:pic>
-      </p:grpSp>
-      <p:grpSp>
-        <p:nvGrpSpPr>
-          <p:cNvPr id="377" name="Group 376">
-            <a:extLst>
-              <a:ext uri="{FF2B5EF4-FFF2-40B4-BE49-F238E27FC236}">
-                <a16:creationId xmlns:a16="http://schemas.microsoft.com/office/drawing/2014/main" id="{8BAEA50F-8EE7-B2AD-C62E-20A444710543}"/>
-              </a:ext>
-            </a:extLst>
-          </p:cNvPr>
-          <p:cNvGrpSpPr/>
-          <p:nvPr/>
-        </p:nvGrpSpPr>
-        <p:grpSpPr>
-          <a:xfrm>
-            <a:off x="7824683" y="8247667"/>
-            <a:ext cx="940536" cy="457903"/>
-            <a:chOff x="17127838" y="20884724"/>
-            <a:chExt cx="940536" cy="457903"/>
-          </a:xfrm>
-        </p:grpSpPr>
-        <p:sp>
-          <p:nvSpPr>
-            <p:cNvPr id="378" name="Rounded Rectangle 377">
-              <a:extLst>
-                <a:ext uri="{FF2B5EF4-FFF2-40B4-BE49-F238E27FC236}">
-                  <a16:creationId xmlns:a16="http://schemas.microsoft.com/office/drawing/2014/main" id="{9AF8FDE2-8360-1CF1-B9AF-30A267E2F8DD}"/>
-                </a:ext>
-              </a:extLst>
-            </p:cNvPr>
-            <p:cNvSpPr/>
-            <p:nvPr/>
-          </p:nvSpPr>
-          <p:spPr>
-            <a:xfrm>
-              <a:off x="17127838" y="20884724"/>
-              <a:ext cx="940536" cy="457903"/>
-            </a:xfrm>
-            <a:prstGeom prst="roundRect">
-              <a:avLst>
-                <a:gd name="adj" fmla="val 9233"/>
-              </a:avLst>
-            </a:prstGeom>
-            <a:solidFill>
-              <a:schemeClr val="bg1">
-                <a:lumMod val="95000"/>
-              </a:schemeClr>
-            </a:solidFill>
-            <a:ln>
-              <a:noFill/>
-            </a:ln>
-          </p:spPr>
-          <p:style>
-            <a:lnRef idx="2">
-              <a:schemeClr val="accent1">
-                <a:shade val="15000"/>
-              </a:schemeClr>
-            </a:lnRef>
-            <a:fillRef idx="1">
-              <a:schemeClr val="accent1"/>
-            </a:fillRef>
-            <a:effectRef idx="0">
-              <a:schemeClr val="accent1"/>
-            </a:effectRef>
-            <a:fontRef idx="minor">
-              <a:schemeClr val="lt1"/>
-            </a:fontRef>
-          </p:style>
-          <p:txBody>
-            <a:bodyPr rtlCol="0" anchor="ctr"/>
-            <a:lstStyle/>
-            <a:p>
-              <a:pPr algn="ctr"/>
-              <a:endParaRPr lang="en-GB" dirty="0"/>
-            </a:p>
-          </p:txBody>
-        </p:sp>
-        <p:pic>
-          <p:nvPicPr>
-            <p:cNvPr id="379" name="Picture 378" descr="A blue circle with yellow stars&#10;&#10;Description automatically generated">
-              <a:extLst>
-                <a:ext uri="{FF2B5EF4-FFF2-40B4-BE49-F238E27FC236}">
-                  <a16:creationId xmlns:a16="http://schemas.microsoft.com/office/drawing/2014/main" id="{0B33C6FD-D10F-02EF-2802-09C3171240BD}"/>
-                </a:ext>
-              </a:extLst>
-            </p:cNvPr>
-            <p:cNvPicPr>
-              <a:picLocks noChangeAspect="1"/>
-            </p:cNvPicPr>
-            <p:nvPr/>
-          </p:nvPicPr>
-          <p:blipFill>
-            <a:blip r:embed="rId7"/>
-            <a:stretch>
-              <a:fillRect/>
-            </a:stretch>
-          </p:blipFill>
-          <p:spPr>
-            <a:xfrm>
-              <a:off x="17625421" y="20939564"/>
-              <a:ext cx="340009" cy="340009"/>
-            </a:xfrm>
-            <a:prstGeom prst="rect">
-              <a:avLst/>
-            </a:prstGeom>
-          </p:spPr>
-        </p:pic>
-        <p:pic>
-          <p:nvPicPr>
-            <p:cNvPr id="380" name="Picture 379" descr="A red white and blue flag&#10;&#10;Description automatically generated">
-              <a:extLst>
-                <a:ext uri="{FF2B5EF4-FFF2-40B4-BE49-F238E27FC236}">
-                  <a16:creationId xmlns:a16="http://schemas.microsoft.com/office/drawing/2014/main" id="{77EC60FA-4DF7-BB40-93B0-D45DC7828595}"/>
-                </a:ext>
-              </a:extLst>
-            </p:cNvPr>
-            <p:cNvPicPr>
-              <a:picLocks noChangeAspect="1"/>
-            </p:cNvPicPr>
-            <p:nvPr/>
-          </p:nvPicPr>
-          <p:blipFill>
-            <a:blip r:embed="rId8"/>
-            <a:stretch>
-              <a:fillRect/>
-            </a:stretch>
-          </p:blipFill>
-          <p:spPr>
-            <a:xfrm>
-              <a:off x="17190244" y="20938568"/>
-              <a:ext cx="340009" cy="340009"/>
-            </a:xfrm>
-            <a:prstGeom prst="rect">
-              <a:avLst/>
-            </a:prstGeom>
-          </p:spPr>
-        </p:pic>
-      </p:grpSp>
-      <p:grpSp>
-        <p:nvGrpSpPr>
-          <p:cNvPr id="384" name="Group 383">
-            <a:extLst>
-              <a:ext uri="{FF2B5EF4-FFF2-40B4-BE49-F238E27FC236}">
-                <a16:creationId xmlns:a16="http://schemas.microsoft.com/office/drawing/2014/main" id="{C37B6ECC-C37D-8373-E8DD-A1684DB21351}"/>
-              </a:ext>
-            </a:extLst>
-          </p:cNvPr>
-          <p:cNvGrpSpPr/>
-          <p:nvPr/>
-        </p:nvGrpSpPr>
-        <p:grpSpPr>
-          <a:xfrm>
-            <a:off x="7770649" y="19345068"/>
-            <a:ext cx="949473" cy="449400"/>
-            <a:chOff x="18132627" y="20895034"/>
-            <a:chExt cx="949473" cy="449400"/>
-          </a:xfrm>
-        </p:grpSpPr>
-        <p:sp>
-          <p:nvSpPr>
-            <p:cNvPr id="385" name="Rounded Rectangle 384">
-              <a:extLst>
-                <a:ext uri="{FF2B5EF4-FFF2-40B4-BE49-F238E27FC236}">
-                  <a16:creationId xmlns:a16="http://schemas.microsoft.com/office/drawing/2014/main" id="{FBECBD5D-B1FA-7D5D-A484-F26F220A7977}"/>
-                </a:ext>
-              </a:extLst>
-            </p:cNvPr>
-            <p:cNvSpPr/>
-            <p:nvPr/>
-          </p:nvSpPr>
-          <p:spPr>
-            <a:xfrm>
-              <a:off x="18132627" y="20895034"/>
-              <a:ext cx="949473" cy="449400"/>
-            </a:xfrm>
-            <a:prstGeom prst="roundRect">
-              <a:avLst>
-                <a:gd name="adj" fmla="val 9233"/>
-              </a:avLst>
-            </a:prstGeom>
-            <a:solidFill>
-              <a:schemeClr val="bg1">
-                <a:lumMod val="95000"/>
-              </a:schemeClr>
-            </a:solidFill>
-            <a:ln>
-              <a:noFill/>
-            </a:ln>
-          </p:spPr>
-          <p:style>
-            <a:lnRef idx="2">
-              <a:schemeClr val="accent1">
-                <a:shade val="15000"/>
-              </a:schemeClr>
-            </a:lnRef>
-            <a:fillRef idx="1">
-              <a:schemeClr val="accent1"/>
-            </a:fillRef>
-            <a:effectRef idx="0">
-              <a:schemeClr val="accent1"/>
-            </a:effectRef>
-            <a:fontRef idx="minor">
-              <a:schemeClr val="lt1"/>
-            </a:fontRef>
-          </p:style>
-          <p:txBody>
-            <a:bodyPr rtlCol="0" anchor="ctr"/>
-            <a:lstStyle/>
-            <a:p>
-              <a:pPr algn="ctr"/>
-              <a:endParaRPr lang="en-GB" dirty="0"/>
-            </a:p>
-          </p:txBody>
-        </p:sp>
-        <p:sp>
-          <p:nvSpPr>
-            <p:cNvPr id="386" name="Oval 385">
-              <a:extLst>
-                <a:ext uri="{FF2B5EF4-FFF2-40B4-BE49-F238E27FC236}">
-                  <a16:creationId xmlns:a16="http://schemas.microsoft.com/office/drawing/2014/main" id="{3F08E07B-8BFC-ED1C-B03B-A47603C17FB0}"/>
-                </a:ext>
-              </a:extLst>
-            </p:cNvPr>
-            <p:cNvSpPr/>
-            <p:nvPr/>
-          </p:nvSpPr>
-          <p:spPr>
-            <a:xfrm>
-              <a:off x="18223650" y="20952780"/>
-              <a:ext cx="309707" cy="297319"/>
-            </a:xfrm>
-            <a:prstGeom prst="ellipse">
-              <a:avLst/>
-            </a:prstGeom>
-            <a:noFill/>
-            <a:ln>
-              <a:solidFill>
-                <a:srgbClr val="ED2759"/>
-              </a:solidFill>
-            </a:ln>
-          </p:spPr>
-          <p:style>
-            <a:lnRef idx="2">
-              <a:schemeClr val="accent1">
-                <a:shade val="15000"/>
-              </a:schemeClr>
-            </a:lnRef>
-            <a:fillRef idx="1">
-              <a:schemeClr val="accent1"/>
-            </a:fillRef>
-            <a:effectRef idx="0">
-              <a:schemeClr val="accent1"/>
-            </a:effectRef>
-            <a:fontRef idx="minor">
-              <a:schemeClr val="lt1"/>
-            </a:fontRef>
-          </p:style>
-          <p:txBody>
-            <a:bodyPr rtlCol="0" anchor="ctr"/>
-            <a:lstStyle/>
-            <a:p>
-              <a:pPr algn="ctr"/>
-              <a:endParaRPr lang="en-GB"/>
-            </a:p>
-          </p:txBody>
-        </p:sp>
-        <p:sp>
-          <p:nvSpPr>
-            <p:cNvPr id="399" name="Oval 398">
-              <a:extLst>
-                <a:ext uri="{FF2B5EF4-FFF2-40B4-BE49-F238E27FC236}">
-                  <a16:creationId xmlns:a16="http://schemas.microsoft.com/office/drawing/2014/main" id="{CE6AA233-D266-7BD5-AF30-1E4005DE3990}"/>
-                </a:ext>
-              </a:extLst>
-            </p:cNvPr>
-            <p:cNvSpPr/>
-            <p:nvPr/>
-          </p:nvSpPr>
-          <p:spPr>
-            <a:xfrm>
-              <a:off x="18644934" y="20952744"/>
-              <a:ext cx="309707" cy="298680"/>
-            </a:xfrm>
-            <a:prstGeom prst="ellipse">
-              <a:avLst/>
-            </a:prstGeom>
-            <a:noFill/>
-            <a:ln>
-              <a:solidFill>
-                <a:srgbClr val="002E99"/>
-              </a:solidFill>
-            </a:ln>
-          </p:spPr>
-          <p:style>
-            <a:lnRef idx="2">
-              <a:schemeClr val="accent1">
-                <a:shade val="15000"/>
-              </a:schemeClr>
-            </a:lnRef>
-            <a:fillRef idx="1">
-              <a:schemeClr val="accent1"/>
-            </a:fillRef>
-            <a:effectRef idx="0">
-              <a:schemeClr val="accent1"/>
-            </a:effectRef>
-            <a:fontRef idx="minor">
-              <a:schemeClr val="lt1"/>
-            </a:fontRef>
-          </p:style>
-          <p:txBody>
-            <a:bodyPr rtlCol="0" anchor="ctr"/>
-            <a:lstStyle/>
-            <a:p>
-              <a:pPr algn="ctr"/>
-              <a:endParaRPr lang="en-GB"/>
-            </a:p>
-          </p:txBody>
-        </p:sp>
-      </p:grpSp>
     </p:spTree>
     <p:extLst>
       <p:ext uri="{BB962C8B-B14F-4D97-AF65-F5344CB8AC3E}">
@@ -28108,14 +26711,12 @@
 </file>
 
 <file path=customXml/item1.xml><?xml version="1.0" encoding="utf-8"?>
-<p:properties xmlns:p="http://schemas.microsoft.com/office/2006/metadata/properties" xmlns:xsi="http://www.w3.org/2001/XMLSchema-instance" xmlns:pc="http://schemas.microsoft.com/office/infopath/2007/PartnerControls">
-  <documentManagement>
-    <lcf76f155ced4ddcb4097134ff3c332f xmlns="98eacbea-7562-4a40-a7f2-e999cdc0cec5">
-      <Terms xmlns="http://schemas.microsoft.com/office/infopath/2007/PartnerControls"/>
-    </lcf76f155ced4ddcb4097134ff3c332f>
-    <TaxCatchAll xmlns="75bf9804-c18d-470a-a27f-eeaf4abcd247" xsi:nil="true"/>
-  </documentManagement>
-</p:properties>
+<?mso-contentType ?>
+<FormTemplates xmlns="http://schemas.microsoft.com/sharepoint/v3/contenttype/forms">
+  <Display>DocumentLibraryForm</Display>
+  <Edit>DocumentLibraryForm</Edit>
+  <New>DocumentLibraryForm</New>
+</FormTemplates>
 </file>
 
 <file path=customXml/item2.xml><?xml version="1.0" encoding="utf-8"?>
@@ -28326,27 +26927,20 @@
 </file>
 
 <file path=customXml/item3.xml><?xml version="1.0" encoding="utf-8"?>
-<?mso-contentType ?>
-<FormTemplates xmlns="http://schemas.microsoft.com/sharepoint/v3/contenttype/forms">
-  <Display>DocumentLibraryForm</Display>
-  <Edit>DocumentLibraryForm</Edit>
-  <New>DocumentLibraryForm</New>
-</FormTemplates>
+<p:properties xmlns:p="http://schemas.microsoft.com/office/2006/metadata/properties" xmlns:xsi="http://www.w3.org/2001/XMLSchema-instance" xmlns:pc="http://schemas.microsoft.com/office/infopath/2007/PartnerControls">
+  <documentManagement>
+    <lcf76f155ced4ddcb4097134ff3c332f xmlns="98eacbea-7562-4a40-a7f2-e999cdc0cec5">
+      <Terms xmlns="http://schemas.microsoft.com/office/infopath/2007/PartnerControls"/>
+    </lcf76f155ced4ddcb4097134ff3c332f>
+    <TaxCatchAll xmlns="75bf9804-c18d-470a-a27f-eeaf4abcd247" xsi:nil="true"/>
+  </documentManagement>
+</p:properties>
 </file>
 
 <file path=customXml/itemProps1.xml><?xml version="1.0" encoding="utf-8"?>
-<ds:datastoreItem xmlns:ds="http://schemas.openxmlformats.org/officeDocument/2006/customXml" ds:itemID="{0608C028-DB74-4132-93E9-98A6B8817B9A}">
+<ds:datastoreItem xmlns:ds="http://schemas.openxmlformats.org/officeDocument/2006/customXml" ds:itemID="{7D880353-A811-4A5E-ACC7-78B678F8698F}">
   <ds:schemaRefs>
-    <ds:schemaRef ds:uri="http://schemas.microsoft.com/office/2006/metadata/properties"/>
-    <ds:schemaRef ds:uri="http://schemas.microsoft.com/office/2006/documentManagement/types"/>
-    <ds:schemaRef ds:uri="75bf9804-c18d-470a-a27f-eeaf4abcd247"/>
-    <ds:schemaRef ds:uri="http://schemas.microsoft.com/office/infopath/2007/PartnerControls"/>
-    <ds:schemaRef ds:uri="http://purl.org/dc/terms/"/>
-    <ds:schemaRef ds:uri="http://schemas.openxmlformats.org/package/2006/metadata/core-properties"/>
-    <ds:schemaRef ds:uri="http://purl.org/dc/elements/1.1/"/>
-    <ds:schemaRef ds:uri="98eacbea-7562-4a40-a7f2-e999cdc0cec5"/>
-    <ds:schemaRef ds:uri="http://www.w3.org/XML/1998/namespace"/>
-    <ds:schemaRef ds:uri="http://purl.org/dc/dcmitype/"/>
+    <ds:schemaRef ds:uri="http://schemas.microsoft.com/sharepoint/v3/contenttype/forms"/>
   </ds:schemaRefs>
 </ds:datastoreItem>
 </file>
@@ -28371,9 +26965,18 @@
 </file>
 
 <file path=customXml/itemProps3.xml><?xml version="1.0" encoding="utf-8"?>
-<ds:datastoreItem xmlns:ds="http://schemas.openxmlformats.org/officeDocument/2006/customXml" ds:itemID="{7D880353-A811-4A5E-ACC7-78B678F8698F}">
+<ds:datastoreItem xmlns:ds="http://schemas.openxmlformats.org/officeDocument/2006/customXml" ds:itemID="{0608C028-DB74-4132-93E9-98A6B8817B9A}">
   <ds:schemaRefs>
-    <ds:schemaRef ds:uri="http://schemas.microsoft.com/sharepoint/v3/contenttype/forms"/>
+    <ds:schemaRef ds:uri="http://purl.org/dc/terms/"/>
+    <ds:schemaRef ds:uri="http://schemas.openxmlformats.org/package/2006/metadata/core-properties"/>
+    <ds:schemaRef ds:uri="http://schemas.microsoft.com/office/2006/documentManagement/types"/>
+    <ds:schemaRef ds:uri="http://purl.org/dc/elements/1.1/"/>
+    <ds:schemaRef ds:uri="http://www.w3.org/XML/1998/namespace"/>
+    <ds:schemaRef ds:uri="http://purl.org/dc/dcmitype/"/>
+    <ds:schemaRef ds:uri="http://schemas.microsoft.com/office/infopath/2007/PartnerControls"/>
+    <ds:schemaRef ds:uri="75bf9804-c18d-470a-a27f-eeaf4abcd247"/>
+    <ds:schemaRef ds:uri="98eacbea-7562-4a40-a7f2-e999cdc0cec5"/>
+    <ds:schemaRef ds:uri="http://schemas.microsoft.com/office/2006/metadata/properties"/>
   </ds:schemaRefs>
 </ds:datastoreItem>
 </file>
--- a/use_cases.pptx
+++ b/use_cases.pptx
@@ -466,7 +466,7 @@
           <a:p>
             <a:fld id="{643F7372-8583-3647-8A6D-8602282481EA}" type="datetimeFigureOut">
               <a:rPr lang="en-US" smtClean="0"/>
-              <a:t>10/24/24</a:t>
+              <a:t>4/16/25</a:t>
             </a:fld>
             <a:endParaRPr lang="en-US"/>
           </a:p>
@@ -953,7 +953,7 @@
           <a:p>
             <a:fld id="{EA997AF5-C9B8-654C-B523-B4077F0C4FC6}" type="datetimeFigureOut">
               <a:rPr lang="en-GB" smtClean="0"/>
-              <a:t>24/10/2024</a:t>
+              <a:t>16/04/2025</a:t>
             </a:fld>
             <a:endParaRPr lang="en-GB"/>
           </a:p>
@@ -1123,7 +1123,7 @@
           <a:p>
             <a:fld id="{EA997AF5-C9B8-654C-B523-B4077F0C4FC6}" type="datetimeFigureOut">
               <a:rPr lang="en-GB" smtClean="0"/>
-              <a:t>24/10/2024</a:t>
+              <a:t>16/04/2025</a:t>
             </a:fld>
             <a:endParaRPr lang="en-GB"/>
           </a:p>
@@ -1303,7 +1303,7 @@
           <a:p>
             <a:fld id="{EA997AF5-C9B8-654C-B523-B4077F0C4FC6}" type="datetimeFigureOut">
               <a:rPr lang="en-GB" smtClean="0"/>
-              <a:t>24/10/2024</a:t>
+              <a:t>16/04/2025</a:t>
             </a:fld>
             <a:endParaRPr lang="en-GB"/>
           </a:p>
@@ -1473,7 +1473,7 @@
           <a:p>
             <a:fld id="{EA997AF5-C9B8-654C-B523-B4077F0C4FC6}" type="datetimeFigureOut">
               <a:rPr lang="en-GB" smtClean="0"/>
-              <a:t>24/10/2024</a:t>
+              <a:t>16/04/2025</a:t>
             </a:fld>
             <a:endParaRPr lang="en-GB"/>
           </a:p>
@@ -1719,7 +1719,7 @@
           <a:p>
             <a:fld id="{EA997AF5-C9B8-654C-B523-B4077F0C4FC6}" type="datetimeFigureOut">
               <a:rPr lang="en-GB" smtClean="0"/>
-              <a:t>24/10/2024</a:t>
+              <a:t>16/04/2025</a:t>
             </a:fld>
             <a:endParaRPr lang="en-GB"/>
           </a:p>
@@ -1951,7 +1951,7 @@
           <a:p>
             <a:fld id="{EA997AF5-C9B8-654C-B523-B4077F0C4FC6}" type="datetimeFigureOut">
               <a:rPr lang="en-GB" smtClean="0"/>
-              <a:t>24/10/2024</a:t>
+              <a:t>16/04/2025</a:t>
             </a:fld>
             <a:endParaRPr lang="en-GB"/>
           </a:p>
@@ -2318,7 +2318,7 @@
           <a:p>
             <a:fld id="{EA997AF5-C9B8-654C-B523-B4077F0C4FC6}" type="datetimeFigureOut">
               <a:rPr lang="en-GB" smtClean="0"/>
-              <a:t>24/10/2024</a:t>
+              <a:t>16/04/2025</a:t>
             </a:fld>
             <a:endParaRPr lang="en-GB"/>
           </a:p>
@@ -2436,7 +2436,7 @@
           <a:p>
             <a:fld id="{EA997AF5-C9B8-654C-B523-B4077F0C4FC6}" type="datetimeFigureOut">
               <a:rPr lang="en-GB" smtClean="0"/>
-              <a:t>24/10/2024</a:t>
+              <a:t>16/04/2025</a:t>
             </a:fld>
             <a:endParaRPr lang="en-GB"/>
           </a:p>
@@ -2531,7 +2531,7 @@
           <a:p>
             <a:fld id="{EA997AF5-C9B8-654C-B523-B4077F0C4FC6}" type="datetimeFigureOut">
               <a:rPr lang="en-GB" smtClean="0"/>
-              <a:t>24/10/2024</a:t>
+              <a:t>16/04/2025</a:t>
             </a:fld>
             <a:endParaRPr lang="en-GB"/>
           </a:p>
@@ -2808,7 +2808,7 @@
           <a:p>
             <a:fld id="{EA997AF5-C9B8-654C-B523-B4077F0C4FC6}" type="datetimeFigureOut">
               <a:rPr lang="en-GB" smtClean="0"/>
-              <a:t>24/10/2024</a:t>
+              <a:t>16/04/2025</a:t>
             </a:fld>
             <a:endParaRPr lang="en-GB"/>
           </a:p>
@@ -3065,7 +3065,7 @@
           <a:p>
             <a:fld id="{EA997AF5-C9B8-654C-B523-B4077F0C4FC6}" type="datetimeFigureOut">
               <a:rPr lang="en-GB" smtClean="0"/>
-              <a:t>24/10/2024</a:t>
+              <a:t>16/04/2025</a:t>
             </a:fld>
             <a:endParaRPr lang="en-GB"/>
           </a:p>
@@ -3278,7 +3278,7 @@
           <a:p>
             <a:fld id="{EA997AF5-C9B8-654C-B523-B4077F0C4FC6}" type="datetimeFigureOut">
               <a:rPr lang="en-GB" smtClean="0"/>
-              <a:t>24/10/2024</a:t>
+              <a:t>16/04/2025</a:t>
             </a:fld>
             <a:endParaRPr lang="en-GB"/>
           </a:p>
@@ -15535,21 +15535,10 @@
                 </a:solidFill>
                 <a:latin typeface="Century Gothic" panose="020B0502020202020204" pitchFamily="34" charset="0"/>
               </a:rPr>
-              <a:t>Version 5</a:t>
+              <a:t>Version 6, 16</a:t>
             </a:r>
             <a:r>
-              <a:rPr lang="en-GB" sz="2000">
-                <a:solidFill>
-                  <a:schemeClr val="bg1">
-                    <a:lumMod val="50000"/>
-                  </a:schemeClr>
-                </a:solidFill>
-                <a:latin typeface="Century Gothic" panose="020B0502020202020204" pitchFamily="34" charset="0"/>
-              </a:rPr>
-              <a:t>, 24</a:t>
-            </a:r>
-            <a:r>
-              <a:rPr lang="en-GB" sz="2000" baseline="30000">
+              <a:rPr lang="en-GB" sz="2000" baseline="30000" dirty="0">
                 <a:solidFill>
                   <a:schemeClr val="bg1">
                     <a:lumMod val="50000"/>
@@ -15560,7 +15549,7 @@
               <a:t>th</a:t>
             </a:r>
             <a:r>
-              <a:rPr lang="en-GB" sz="2000">
+              <a:rPr lang="en-GB" sz="2000" dirty="0">
                 <a:solidFill>
                   <a:schemeClr val="bg1">
                     <a:lumMod val="50000"/>
@@ -15568,18 +15557,7 @@
                 </a:solidFill>
                 <a:latin typeface="Century Gothic" panose="020B0502020202020204" pitchFamily="34" charset="0"/>
               </a:rPr>
-              <a:t> </a:t>
-            </a:r>
-            <a:r>
-              <a:rPr lang="en-GB" sz="2000" dirty="0">
-                <a:solidFill>
-                  <a:schemeClr val="bg1">
-                    <a:lumMod val="50000"/>
-                  </a:schemeClr>
-                </a:solidFill>
-                <a:latin typeface="Century Gothic" panose="020B0502020202020204" pitchFamily="34" charset="0"/>
-              </a:rPr>
-              <a:t>October 2024. Prepared by D </a:t>
+              <a:t> April 2025. Prepared by D </a:t>
             </a:r>
             <a:r>
               <a:rPr lang="en-GB" sz="2000" dirty="0" err="1">
@@ -18875,10 +18853,10 @@
       </p:grpSp>
       <p:grpSp>
         <p:nvGrpSpPr>
-          <p:cNvPr id="19" name="Group 18">
+          <p:cNvPr id="317" name="Group 316">
             <a:extLst>
               <a:ext uri="{FF2B5EF4-FFF2-40B4-BE49-F238E27FC236}">
-                <a16:creationId xmlns:a16="http://schemas.microsoft.com/office/drawing/2014/main" id="{F465CDB0-6493-2D84-A891-368F805AE19E}"/>
+                <a16:creationId xmlns:a16="http://schemas.microsoft.com/office/drawing/2014/main" id="{D7AFC344-F5D1-4EB6-5B65-2D0C7F854270}"/>
               </a:ext>
             </a:extLst>
           </p:cNvPr>
@@ -18889,7 +18867,7 @@
           <a:xfrm>
             <a:off x="13743968" y="15431783"/>
             <a:ext cx="4324406" cy="3325058"/>
-            <a:chOff x="15220704" y="16694762"/>
+            <a:chOff x="13743968" y="15431783"/>
             <a:chExt cx="4324406" cy="3325058"/>
           </a:xfrm>
         </p:grpSpPr>
@@ -18907,7 +18885,7 @@
           </p:nvGrpSpPr>
           <p:grpSpPr>
             <a:xfrm>
-              <a:off x="18330885" y="16811136"/>
+              <a:off x="16854149" y="15548157"/>
               <a:ext cx="1061748" cy="1238986"/>
               <a:chOff x="8136941" y="5623858"/>
               <a:chExt cx="1061748" cy="1238986"/>
@@ -19542,7 +19520,7 @@
           </p:nvSpPr>
           <p:spPr>
             <a:xfrm>
-              <a:off x="15220704" y="16694762"/>
+              <a:off x="13743968" y="15431783"/>
               <a:ext cx="4324406" cy="3325058"/>
             </a:xfrm>
             <a:prstGeom prst="roundRect">
@@ -26067,6 +26045,762 @@
           </a:prstGeom>
         </p:spPr>
       </p:pic>
+      <p:grpSp>
+        <p:nvGrpSpPr>
+          <p:cNvPr id="321" name="Group 320">
+            <a:extLst>
+              <a:ext uri="{FF2B5EF4-FFF2-40B4-BE49-F238E27FC236}">
+                <a16:creationId xmlns:a16="http://schemas.microsoft.com/office/drawing/2014/main" id="{CA999B6A-31A8-95DD-736C-8DA2F2010DB4}"/>
+              </a:ext>
+            </a:extLst>
+          </p:cNvPr>
+          <p:cNvGrpSpPr/>
+          <p:nvPr/>
+        </p:nvGrpSpPr>
+        <p:grpSpPr>
+          <a:xfrm>
+            <a:off x="398655" y="19283479"/>
+            <a:ext cx="2910258" cy="2806700"/>
+            <a:chOff x="215716" y="19377761"/>
+            <a:chExt cx="2910258" cy="2806700"/>
+          </a:xfrm>
+        </p:grpSpPr>
+        <p:sp>
+          <p:nvSpPr>
+            <p:cNvPr id="319" name="Rounded Rectangle 318">
+              <a:extLst>
+                <a:ext uri="{FF2B5EF4-FFF2-40B4-BE49-F238E27FC236}">
+                  <a16:creationId xmlns:a16="http://schemas.microsoft.com/office/drawing/2014/main" id="{53BF7B41-D345-3A90-1101-385736481AD2}"/>
+                </a:ext>
+              </a:extLst>
+            </p:cNvPr>
+            <p:cNvSpPr/>
+            <p:nvPr/>
+          </p:nvSpPr>
+          <p:spPr>
+            <a:xfrm>
+              <a:off x="215716" y="19377761"/>
+              <a:ext cx="2910258" cy="2806700"/>
+            </a:xfrm>
+            <a:prstGeom prst="roundRect">
+              <a:avLst>
+                <a:gd name="adj" fmla="val 4617"/>
+              </a:avLst>
+            </a:prstGeom>
+            <a:solidFill>
+              <a:schemeClr val="bg1">
+                <a:lumMod val="95000"/>
+              </a:schemeClr>
+            </a:solidFill>
+            <a:ln>
+              <a:noFill/>
+            </a:ln>
+          </p:spPr>
+          <p:style>
+            <a:lnRef idx="2">
+              <a:schemeClr val="accent1">
+                <a:shade val="15000"/>
+              </a:schemeClr>
+            </a:lnRef>
+            <a:fillRef idx="1">
+              <a:schemeClr val="accent1"/>
+            </a:fillRef>
+            <a:effectRef idx="0">
+              <a:schemeClr val="accent1"/>
+            </a:effectRef>
+            <a:fontRef idx="minor">
+              <a:schemeClr val="lt1"/>
+            </a:fontRef>
+          </p:style>
+          <p:txBody>
+            <a:bodyPr rtlCol="0" anchor="ctr"/>
+            <a:lstStyle/>
+            <a:p>
+              <a:pPr algn="ctr"/>
+              <a:endParaRPr lang="en-GB"/>
+            </a:p>
+          </p:txBody>
+        </p:sp>
+        <p:grpSp>
+          <p:nvGrpSpPr>
+            <p:cNvPr id="193" name="Group 192">
+              <a:extLst>
+                <a:ext uri="{FF2B5EF4-FFF2-40B4-BE49-F238E27FC236}">
+                  <a16:creationId xmlns:a16="http://schemas.microsoft.com/office/drawing/2014/main" id="{3AEF3BD1-F36D-1F45-C374-FB0BC85B01CB}"/>
+                </a:ext>
+              </a:extLst>
+            </p:cNvPr>
+            <p:cNvGrpSpPr/>
+            <p:nvPr/>
+          </p:nvGrpSpPr>
+          <p:grpSpPr>
+            <a:xfrm>
+              <a:off x="1139971" y="20675722"/>
+              <a:ext cx="1061748" cy="1238986"/>
+              <a:chOff x="8136941" y="5623858"/>
+              <a:chExt cx="1061748" cy="1238986"/>
+            </a:xfrm>
+          </p:grpSpPr>
+          <p:sp>
+            <p:nvSpPr>
+              <p:cNvPr id="194" name="Rounded Rectangle 193">
+                <a:extLst>
+                  <a:ext uri="{FF2B5EF4-FFF2-40B4-BE49-F238E27FC236}">
+                    <a16:creationId xmlns:a16="http://schemas.microsoft.com/office/drawing/2014/main" id="{9A57A3E3-DD6A-1950-55A2-5083B1D68AC5}"/>
+                  </a:ext>
+                </a:extLst>
+              </p:cNvPr>
+              <p:cNvSpPr/>
+              <p:nvPr/>
+            </p:nvSpPr>
+            <p:spPr>
+              <a:xfrm>
+                <a:off x="8728980" y="5917072"/>
+                <a:ext cx="467920" cy="267960"/>
+              </a:xfrm>
+              <a:prstGeom prst="roundRect">
+                <a:avLst>
+                  <a:gd name="adj" fmla="val 5628"/>
+                </a:avLst>
+              </a:prstGeom>
+              <a:noFill/>
+              <a:ln w="3175">
+                <a:solidFill>
+                  <a:srgbClr val="C00000"/>
+                </a:solidFill>
+              </a:ln>
+            </p:spPr>
+            <p:style>
+              <a:lnRef idx="2">
+                <a:schemeClr val="accent1">
+                  <a:shade val="15000"/>
+                </a:schemeClr>
+              </a:lnRef>
+              <a:fillRef idx="1">
+                <a:schemeClr val="accent1"/>
+              </a:fillRef>
+              <a:effectRef idx="0">
+                <a:schemeClr val="accent1"/>
+              </a:effectRef>
+              <a:fontRef idx="minor">
+                <a:schemeClr val="lt1"/>
+              </a:fontRef>
+            </p:style>
+            <p:txBody>
+              <a:bodyPr lIns="36000" tIns="36000" rIns="36000" bIns="36000" rtlCol="0" anchor="ctr"/>
+              <a:lstStyle/>
+              <a:p>
+                <a:pPr marL="0" marR="0" lvl="0" indent="0" algn="ctr" defTabSz="914400" rtl="0" eaLnBrk="1" fontAlgn="auto" latinLnBrk="0" hangingPunct="1">
+                  <a:lnSpc>
+                    <a:spcPct val="100000"/>
+                  </a:lnSpc>
+                  <a:spcBef>
+                    <a:spcPts val="0"/>
+                  </a:spcBef>
+                  <a:spcAft>
+                    <a:spcPts val="0"/>
+                  </a:spcAft>
+                  <a:buClrTx/>
+                  <a:buSzTx/>
+                  <a:buFontTx/>
+                  <a:buNone/>
+                  <a:tabLst/>
+                  <a:defRPr/>
+                </a:pPr>
+                <a:endParaRPr kumimoji="0" lang="en-GB" sz="2400" b="1" i="0" u="none" strike="noStrike" kern="1200" cap="none" spc="0" normalizeH="0" baseline="0" noProof="0" dirty="0">
+                  <a:ln>
+                    <a:noFill/>
+                  </a:ln>
+                  <a:solidFill>
+                    <a:srgbClr val="C00000"/>
+                  </a:solidFill>
+                  <a:effectLst/>
+                  <a:uLnTx/>
+                  <a:uFillTx/>
+                  <a:latin typeface="Arial" panose="020B0604020202020204"/>
+                  <a:ea typeface="+mn-ea"/>
+                  <a:cs typeface="+mn-cs"/>
+                </a:endParaRPr>
+              </a:p>
+            </p:txBody>
+          </p:sp>
+          <p:sp>
+            <p:nvSpPr>
+              <p:cNvPr id="229" name="Rounded Rectangle 228">
+                <a:extLst>
+                  <a:ext uri="{FF2B5EF4-FFF2-40B4-BE49-F238E27FC236}">
+                    <a16:creationId xmlns:a16="http://schemas.microsoft.com/office/drawing/2014/main" id="{B19F4C9E-F14A-7DFB-2033-5847F38675BE}"/>
+                  </a:ext>
+                </a:extLst>
+              </p:cNvPr>
+              <p:cNvSpPr/>
+              <p:nvPr/>
+            </p:nvSpPr>
+            <p:spPr>
+              <a:xfrm>
+                <a:off x="8728980" y="6228640"/>
+                <a:ext cx="469704" cy="311421"/>
+              </a:xfrm>
+              <a:prstGeom prst="roundRect">
+                <a:avLst>
+                  <a:gd name="adj" fmla="val 5628"/>
+                </a:avLst>
+              </a:prstGeom>
+              <a:noFill/>
+              <a:ln w="3175">
+                <a:solidFill>
+                  <a:schemeClr val="accent2">
+                    <a:lumMod val="50000"/>
+                  </a:schemeClr>
+                </a:solidFill>
+              </a:ln>
+            </p:spPr>
+            <p:style>
+              <a:lnRef idx="2">
+                <a:schemeClr val="accent1">
+                  <a:shade val="15000"/>
+                </a:schemeClr>
+              </a:lnRef>
+              <a:fillRef idx="1">
+                <a:schemeClr val="accent1"/>
+              </a:fillRef>
+              <a:effectRef idx="0">
+                <a:schemeClr val="accent1"/>
+              </a:effectRef>
+              <a:fontRef idx="minor">
+                <a:schemeClr val="lt1"/>
+              </a:fontRef>
+            </p:style>
+            <p:txBody>
+              <a:bodyPr lIns="36000" tIns="36000" rIns="36000" bIns="36000" rtlCol="0" anchor="ctr"/>
+              <a:lstStyle/>
+              <a:p>
+                <a:pPr marL="0" marR="0" lvl="0" indent="0" algn="ctr" defTabSz="914400" rtl="0" eaLnBrk="1" fontAlgn="auto" latinLnBrk="0" hangingPunct="1">
+                  <a:lnSpc>
+                    <a:spcPct val="100000"/>
+                  </a:lnSpc>
+                  <a:spcBef>
+                    <a:spcPts val="0"/>
+                  </a:spcBef>
+                  <a:spcAft>
+                    <a:spcPts val="0"/>
+                  </a:spcAft>
+                  <a:buClrTx/>
+                  <a:buSzTx/>
+                  <a:buFontTx/>
+                  <a:buNone/>
+                  <a:tabLst/>
+                  <a:defRPr/>
+                </a:pPr>
+                <a:endParaRPr kumimoji="0" lang="en-GB" sz="2400" b="1" i="0" u="none" strike="noStrike" kern="1200" cap="none" spc="0" normalizeH="0" baseline="0" noProof="0" dirty="0">
+                  <a:ln>
+                    <a:noFill/>
+                  </a:ln>
+                  <a:solidFill>
+                    <a:schemeClr val="accent2">
+                      <a:lumMod val="75000"/>
+                    </a:schemeClr>
+                  </a:solidFill>
+                  <a:effectLst/>
+                  <a:uLnTx/>
+                  <a:uFillTx/>
+                  <a:latin typeface="Century Gothic" panose="020B0502020202020204" pitchFamily="34" charset="0"/>
+                </a:endParaRPr>
+              </a:p>
+            </p:txBody>
+          </p:sp>
+          <p:sp>
+            <p:nvSpPr>
+              <p:cNvPr id="230" name="Rounded Rectangle 229">
+                <a:extLst>
+                  <a:ext uri="{FF2B5EF4-FFF2-40B4-BE49-F238E27FC236}">
+                    <a16:creationId xmlns:a16="http://schemas.microsoft.com/office/drawing/2014/main" id="{90A3457A-D2B4-36FE-286E-E840AF9E4B88}"/>
+                  </a:ext>
+                </a:extLst>
+              </p:cNvPr>
+              <p:cNvSpPr/>
+              <p:nvPr/>
+            </p:nvSpPr>
+            <p:spPr>
+              <a:xfrm>
+                <a:off x="8567591" y="6588749"/>
+                <a:ext cx="631098" cy="274095"/>
+              </a:xfrm>
+              <a:prstGeom prst="roundRect">
+                <a:avLst>
+                  <a:gd name="adj" fmla="val 5628"/>
+                </a:avLst>
+              </a:prstGeom>
+              <a:solidFill>
+                <a:srgbClr val="FFC000">
+                  <a:alpha val="47843"/>
+                </a:srgbClr>
+              </a:solidFill>
+              <a:ln w="3175">
+                <a:solidFill>
+                  <a:schemeClr val="accent2">
+                    <a:lumMod val="50000"/>
+                  </a:schemeClr>
+                </a:solidFill>
+              </a:ln>
+            </p:spPr>
+            <p:style>
+              <a:lnRef idx="2">
+                <a:schemeClr val="accent1">
+                  <a:shade val="15000"/>
+                </a:schemeClr>
+              </a:lnRef>
+              <a:fillRef idx="1">
+                <a:schemeClr val="accent1"/>
+              </a:fillRef>
+              <a:effectRef idx="0">
+                <a:schemeClr val="accent1"/>
+              </a:effectRef>
+              <a:fontRef idx="minor">
+                <a:schemeClr val="lt1"/>
+              </a:fontRef>
+            </p:style>
+            <p:txBody>
+              <a:bodyPr lIns="36000" tIns="36000" rIns="36000" bIns="36000" rtlCol="0" anchor="ctr"/>
+              <a:lstStyle/>
+              <a:p>
+                <a:pPr marL="0" marR="0" lvl="0" indent="0" algn="ctr" defTabSz="914400" rtl="0" eaLnBrk="1" fontAlgn="auto" latinLnBrk="0" hangingPunct="1">
+                  <a:lnSpc>
+                    <a:spcPct val="100000"/>
+                  </a:lnSpc>
+                  <a:spcBef>
+                    <a:spcPts val="0"/>
+                  </a:spcBef>
+                  <a:spcAft>
+                    <a:spcPts val="0"/>
+                  </a:spcAft>
+                  <a:buClrTx/>
+                  <a:buSzTx/>
+                  <a:buFontTx/>
+                  <a:buNone/>
+                  <a:tabLst/>
+                  <a:defRPr/>
+                </a:pPr>
+                <a:endParaRPr kumimoji="0" lang="en-GB" sz="2400" b="1" i="0" u="none" strike="noStrike" kern="1200" cap="none" spc="0" normalizeH="0" baseline="0" noProof="0" dirty="0">
+                  <a:ln>
+                    <a:noFill/>
+                  </a:ln>
+                  <a:solidFill>
+                    <a:schemeClr val="accent2">
+                      <a:lumMod val="50000"/>
+                    </a:schemeClr>
+                  </a:solidFill>
+                  <a:effectLst/>
+                  <a:uLnTx/>
+                  <a:uFillTx/>
+                  <a:latin typeface="Century Gothic" panose="020B0502020202020204" pitchFamily="34" charset="0"/>
+                </a:endParaRPr>
+              </a:p>
+            </p:txBody>
+          </p:sp>
+          <p:sp>
+            <p:nvSpPr>
+              <p:cNvPr id="232" name="Rounded Rectangle 231">
+                <a:extLst>
+                  <a:ext uri="{FF2B5EF4-FFF2-40B4-BE49-F238E27FC236}">
+                    <a16:creationId xmlns:a16="http://schemas.microsoft.com/office/drawing/2014/main" id="{98C70286-1B80-1CB4-47EA-C71E72FA53D3}"/>
+                  </a:ext>
+                </a:extLst>
+              </p:cNvPr>
+              <p:cNvSpPr/>
+              <p:nvPr/>
+            </p:nvSpPr>
+            <p:spPr>
+              <a:xfrm>
+                <a:off x="8136941" y="6588749"/>
+                <a:ext cx="366397" cy="274095"/>
+              </a:xfrm>
+              <a:prstGeom prst="roundRect">
+                <a:avLst>
+                  <a:gd name="adj" fmla="val 5628"/>
+                </a:avLst>
+              </a:prstGeom>
+              <a:solidFill>
+                <a:schemeClr val="accent3">
+                  <a:lumMod val="60000"/>
+                  <a:lumOff val="40000"/>
+                  <a:alpha val="47843"/>
+                </a:schemeClr>
+              </a:solidFill>
+              <a:ln w="3175">
+                <a:solidFill>
+                  <a:schemeClr val="accent3">
+                    <a:lumMod val="75000"/>
+                  </a:schemeClr>
+                </a:solidFill>
+              </a:ln>
+            </p:spPr>
+            <p:style>
+              <a:lnRef idx="2">
+                <a:schemeClr val="accent1">
+                  <a:shade val="15000"/>
+                </a:schemeClr>
+              </a:lnRef>
+              <a:fillRef idx="1">
+                <a:schemeClr val="accent1"/>
+              </a:fillRef>
+              <a:effectRef idx="0">
+                <a:schemeClr val="accent1"/>
+              </a:effectRef>
+              <a:fontRef idx="minor">
+                <a:schemeClr val="lt1"/>
+              </a:fontRef>
+            </p:style>
+            <p:txBody>
+              <a:bodyPr lIns="36000" tIns="36000" rIns="36000" bIns="36000" rtlCol="0" anchor="ctr"/>
+              <a:lstStyle/>
+              <a:p>
+                <a:pPr marL="0" marR="0" lvl="0" indent="0" algn="ctr" defTabSz="914400" rtl="0" eaLnBrk="1" fontAlgn="auto" latinLnBrk="0" hangingPunct="1">
+                  <a:lnSpc>
+                    <a:spcPct val="100000"/>
+                  </a:lnSpc>
+                  <a:spcBef>
+                    <a:spcPts val="0"/>
+                  </a:spcBef>
+                  <a:spcAft>
+                    <a:spcPts val="0"/>
+                  </a:spcAft>
+                  <a:buClrTx/>
+                  <a:buSzTx/>
+                  <a:buFontTx/>
+                  <a:buNone/>
+                  <a:tabLst/>
+                  <a:defRPr/>
+                </a:pPr>
+                <a:endParaRPr kumimoji="0" lang="en-GB" sz="2400" b="1" i="0" u="none" strike="noStrike" kern="1200" cap="none" spc="0" normalizeH="0" baseline="0" noProof="0" dirty="0">
+                  <a:ln>
+                    <a:noFill/>
+                  </a:ln>
+                  <a:solidFill>
+                    <a:schemeClr val="accent6">
+                      <a:lumMod val="75000"/>
+                    </a:schemeClr>
+                  </a:solidFill>
+                  <a:effectLst/>
+                  <a:uLnTx/>
+                  <a:uFillTx/>
+                  <a:latin typeface="Century Gothic" panose="020B0502020202020204" pitchFamily="34" charset="0"/>
+                </a:endParaRPr>
+              </a:p>
+            </p:txBody>
+          </p:sp>
+          <p:sp>
+            <p:nvSpPr>
+              <p:cNvPr id="234" name="Rounded Rectangle 233">
+                <a:extLst>
+                  <a:ext uri="{FF2B5EF4-FFF2-40B4-BE49-F238E27FC236}">
+                    <a16:creationId xmlns:a16="http://schemas.microsoft.com/office/drawing/2014/main" id="{370F4055-7B32-6644-2F11-13D905E76E47}"/>
+                  </a:ext>
+                </a:extLst>
+              </p:cNvPr>
+              <p:cNvSpPr/>
+              <p:nvPr/>
+            </p:nvSpPr>
+            <p:spPr>
+              <a:xfrm>
+                <a:off x="8136941" y="5917072"/>
+                <a:ext cx="534831" cy="622989"/>
+              </a:xfrm>
+              <a:prstGeom prst="roundRect">
+                <a:avLst>
+                  <a:gd name="adj" fmla="val 3189"/>
+                </a:avLst>
+              </a:prstGeom>
+              <a:solidFill>
+                <a:schemeClr val="accent1">
+                  <a:lumMod val="60000"/>
+                  <a:lumOff val="40000"/>
+                  <a:alpha val="47843"/>
+                </a:schemeClr>
+              </a:solidFill>
+              <a:ln w="3175">
+                <a:solidFill>
+                  <a:schemeClr val="accent1">
+                    <a:lumMod val="50000"/>
+                  </a:schemeClr>
+                </a:solidFill>
+              </a:ln>
+            </p:spPr>
+            <p:style>
+              <a:lnRef idx="2">
+                <a:schemeClr val="accent1">
+                  <a:shade val="15000"/>
+                </a:schemeClr>
+              </a:lnRef>
+              <a:fillRef idx="1">
+                <a:schemeClr val="accent1"/>
+              </a:fillRef>
+              <a:effectRef idx="0">
+                <a:schemeClr val="accent1"/>
+              </a:effectRef>
+              <a:fontRef idx="minor">
+                <a:schemeClr val="lt1"/>
+              </a:fontRef>
+            </p:style>
+            <p:txBody>
+              <a:bodyPr lIns="36000" tIns="36000" rIns="36000" bIns="36000" rtlCol="0" anchor="ctr"/>
+              <a:lstStyle/>
+              <a:p>
+                <a:pPr marL="0" marR="0" lvl="0" indent="0" algn="ctr" defTabSz="914400" rtl="0" eaLnBrk="1" fontAlgn="auto" latinLnBrk="0" hangingPunct="1">
+                  <a:lnSpc>
+                    <a:spcPct val="100000"/>
+                  </a:lnSpc>
+                  <a:spcBef>
+                    <a:spcPts val="0"/>
+                  </a:spcBef>
+                  <a:spcAft>
+                    <a:spcPts val="0"/>
+                  </a:spcAft>
+                  <a:buClrTx/>
+                  <a:buSzTx/>
+                  <a:buFontTx/>
+                  <a:buNone/>
+                  <a:tabLst/>
+                  <a:defRPr/>
+                </a:pPr>
+                <a:endParaRPr kumimoji="0" lang="en-GB" sz="2400" b="1" i="0" u="none" strike="noStrike" kern="1200" cap="none" spc="0" normalizeH="0" baseline="0" noProof="0" dirty="0">
+                  <a:ln>
+                    <a:noFill/>
+                  </a:ln>
+                  <a:solidFill>
+                    <a:schemeClr val="accent1"/>
+                  </a:solidFill>
+                  <a:effectLst/>
+                  <a:uLnTx/>
+                  <a:uFillTx/>
+                  <a:latin typeface="Century Gothic" panose="020B0502020202020204" pitchFamily="34" charset="0"/>
+                </a:endParaRPr>
+              </a:p>
+            </p:txBody>
+          </p:sp>
+          <p:sp>
+            <p:nvSpPr>
+              <p:cNvPr id="266" name="Rounded Rectangle 265">
+                <a:extLst>
+                  <a:ext uri="{FF2B5EF4-FFF2-40B4-BE49-F238E27FC236}">
+                    <a16:creationId xmlns:a16="http://schemas.microsoft.com/office/drawing/2014/main" id="{E7CEFA8B-FA1D-724F-7AD9-22A15FD9D94D}"/>
+                  </a:ext>
+                </a:extLst>
+              </p:cNvPr>
+              <p:cNvSpPr/>
+              <p:nvPr/>
+            </p:nvSpPr>
+            <p:spPr>
+              <a:xfrm>
+                <a:off x="8136942" y="5623858"/>
+                <a:ext cx="430650" cy="249606"/>
+              </a:xfrm>
+              <a:prstGeom prst="roundRect">
+                <a:avLst>
+                  <a:gd name="adj" fmla="val 3189"/>
+                </a:avLst>
+              </a:prstGeom>
+              <a:solidFill>
+                <a:schemeClr val="bg1">
+                  <a:lumMod val="75000"/>
+                  <a:alpha val="47843"/>
+                </a:schemeClr>
+              </a:solidFill>
+              <a:ln w="3175">
+                <a:solidFill>
+                  <a:schemeClr val="bg2">
+                    <a:lumMod val="50000"/>
+                  </a:schemeClr>
+                </a:solidFill>
+              </a:ln>
+            </p:spPr>
+            <p:style>
+              <a:lnRef idx="2">
+                <a:schemeClr val="accent1">
+                  <a:shade val="15000"/>
+                </a:schemeClr>
+              </a:lnRef>
+              <a:fillRef idx="1">
+                <a:schemeClr val="accent1"/>
+              </a:fillRef>
+              <a:effectRef idx="0">
+                <a:schemeClr val="accent1"/>
+              </a:effectRef>
+              <a:fontRef idx="minor">
+                <a:schemeClr val="lt1"/>
+              </a:fontRef>
+            </p:style>
+            <p:txBody>
+              <a:bodyPr lIns="36000" tIns="36000" rIns="36000" bIns="36000" rtlCol="0" anchor="ctr"/>
+              <a:lstStyle/>
+              <a:p>
+                <a:pPr marL="0" marR="0" lvl="0" indent="0" algn="ctr" defTabSz="914400" rtl="0" eaLnBrk="1" fontAlgn="auto" latinLnBrk="0" hangingPunct="1">
+                  <a:lnSpc>
+                    <a:spcPct val="100000"/>
+                  </a:lnSpc>
+                  <a:spcBef>
+                    <a:spcPts val="0"/>
+                  </a:spcBef>
+                  <a:spcAft>
+                    <a:spcPts val="0"/>
+                  </a:spcAft>
+                  <a:buClrTx/>
+                  <a:buSzTx/>
+                  <a:buFontTx/>
+                  <a:buNone/>
+                  <a:tabLst/>
+                  <a:defRPr/>
+                </a:pPr>
+                <a:endParaRPr kumimoji="0" lang="en-GB" sz="2400" b="1" i="0" u="none" strike="noStrike" kern="1200" cap="none" spc="0" normalizeH="0" baseline="0" noProof="0" dirty="0">
+                  <a:ln>
+                    <a:noFill/>
+                  </a:ln>
+                  <a:solidFill>
+                    <a:srgbClr val="FFFFFF">
+                      <a:lumMod val="50000"/>
+                    </a:srgbClr>
+                  </a:solidFill>
+                  <a:effectLst/>
+                  <a:uLnTx/>
+                  <a:uFillTx/>
+                  <a:latin typeface="Century Gothic" panose="020B0502020202020204" pitchFamily="34" charset="0"/>
+                </a:endParaRPr>
+              </a:p>
+            </p:txBody>
+          </p:sp>
+          <p:sp>
+            <p:nvSpPr>
+              <p:cNvPr id="306" name="Rounded Rectangle 305">
+                <a:extLst>
+                  <a:ext uri="{FF2B5EF4-FFF2-40B4-BE49-F238E27FC236}">
+                    <a16:creationId xmlns:a16="http://schemas.microsoft.com/office/drawing/2014/main" id="{6B437637-9106-993B-E5B3-5B2EB02C7F84}"/>
+                  </a:ext>
+                </a:extLst>
+              </p:cNvPr>
+              <p:cNvSpPr/>
+              <p:nvPr/>
+            </p:nvSpPr>
+            <p:spPr>
+              <a:xfrm>
+                <a:off x="8631796" y="5623858"/>
+                <a:ext cx="565104" cy="249606"/>
+              </a:xfrm>
+              <a:prstGeom prst="roundRect">
+                <a:avLst>
+                  <a:gd name="adj" fmla="val 5628"/>
+                </a:avLst>
+              </a:prstGeom>
+              <a:noFill/>
+              <a:ln w="3175">
+                <a:solidFill>
+                  <a:schemeClr val="accent5">
+                    <a:lumMod val="60000"/>
+                    <a:lumOff val="40000"/>
+                  </a:schemeClr>
+                </a:solidFill>
+              </a:ln>
+            </p:spPr>
+            <p:style>
+              <a:lnRef idx="2">
+                <a:schemeClr val="accent1">
+                  <a:shade val="15000"/>
+                </a:schemeClr>
+              </a:lnRef>
+              <a:fillRef idx="1">
+                <a:schemeClr val="accent1"/>
+              </a:fillRef>
+              <a:effectRef idx="0">
+                <a:schemeClr val="accent1"/>
+              </a:effectRef>
+              <a:fontRef idx="minor">
+                <a:schemeClr val="lt1"/>
+              </a:fontRef>
+            </p:style>
+            <p:txBody>
+              <a:bodyPr lIns="36000" tIns="36000" rIns="36000" bIns="36000" rtlCol="0" anchor="ctr"/>
+              <a:lstStyle/>
+              <a:p>
+                <a:pPr marL="0" marR="0" lvl="0" indent="0" algn="ctr" defTabSz="914400" rtl="0" eaLnBrk="1" fontAlgn="auto" latinLnBrk="0" hangingPunct="1">
+                  <a:lnSpc>
+                    <a:spcPct val="100000"/>
+                  </a:lnSpc>
+                  <a:spcBef>
+                    <a:spcPts val="0"/>
+                  </a:spcBef>
+                  <a:spcAft>
+                    <a:spcPts val="0"/>
+                  </a:spcAft>
+                  <a:buClrTx/>
+                  <a:buSzTx/>
+                  <a:buFontTx/>
+                  <a:buNone/>
+                  <a:tabLst/>
+                  <a:defRPr/>
+                </a:pPr>
+                <a:endParaRPr kumimoji="0" lang="en-GB" sz="2400" b="1" i="0" u="none" strike="noStrike" kern="1200" cap="none" spc="0" normalizeH="0" baseline="0" noProof="0" dirty="0">
+                  <a:ln>
+                    <a:noFill/>
+                  </a:ln>
+                  <a:solidFill>
+                    <a:srgbClr val="553278">
+                      <a:lumMod val="60000"/>
+                      <a:lumOff val="40000"/>
+                    </a:srgbClr>
+                  </a:solidFill>
+                  <a:effectLst/>
+                  <a:uLnTx/>
+                  <a:uFillTx/>
+                  <a:latin typeface="Century Gothic" panose="020B0502020202020204" pitchFamily="34" charset="0"/>
+                </a:endParaRPr>
+              </a:p>
+            </p:txBody>
+          </p:sp>
+        </p:grpSp>
+        <p:sp>
+          <p:nvSpPr>
+            <p:cNvPr id="318" name="TextBox 317">
+              <a:extLst>
+                <a:ext uri="{FF2B5EF4-FFF2-40B4-BE49-F238E27FC236}">
+                  <a16:creationId xmlns:a16="http://schemas.microsoft.com/office/drawing/2014/main" id="{99F0ED12-ABB2-213D-EB1A-1973A256BF9D}"/>
+                </a:ext>
+              </a:extLst>
+            </p:cNvPr>
+            <p:cNvSpPr txBox="1"/>
+            <p:nvPr/>
+          </p:nvSpPr>
+          <p:spPr>
+            <a:xfrm>
+              <a:off x="249977" y="19493999"/>
+              <a:ext cx="2875996" cy="1077218"/>
+            </a:xfrm>
+            <a:prstGeom prst="rect">
+              <a:avLst/>
+            </a:prstGeom>
+            <a:noFill/>
+          </p:spPr>
+          <p:txBody>
+            <a:bodyPr wrap="square" rtlCol="0">
+              <a:spAutoFit/>
+            </a:bodyPr>
+            <a:lstStyle/>
+            <a:p>
+              <a:pPr algn="ctr"/>
+              <a:r>
+                <a:rPr lang="en-GB" sz="1600" i="1" dirty="0">
+                  <a:solidFill>
+                    <a:schemeClr val="bg1">
+                      <a:lumMod val="50000"/>
+                    </a:schemeClr>
+                  </a:solidFill>
+                  <a:latin typeface="Century Gothic" panose="020B0502020202020204" pitchFamily="34" charset="0"/>
+                </a:rPr>
+                <a:t>Indication of the areas of the model that would be used to satisfy a given use case. Informative</a:t>
+              </a:r>
+              <a:endParaRPr lang="en-GB" sz="1600" i="1" dirty="0"/>
+            </a:p>
+          </p:txBody>
+        </p:sp>
+      </p:grpSp>
     </p:spTree>
     <p:extLst>
       <p:ext uri="{BB962C8B-B14F-4D97-AF65-F5344CB8AC3E}">
@@ -26711,12 +27445,14 @@
 </file>
 
 <file path=customXml/item1.xml><?xml version="1.0" encoding="utf-8"?>
-<?mso-contentType ?>
-<FormTemplates xmlns="http://schemas.microsoft.com/sharepoint/v3/contenttype/forms">
-  <Display>DocumentLibraryForm</Display>
-  <Edit>DocumentLibraryForm</Edit>
-  <New>DocumentLibraryForm</New>
-</FormTemplates>
+<p:properties xmlns:p="http://schemas.microsoft.com/office/2006/metadata/properties" xmlns:xsi="http://www.w3.org/2001/XMLSchema-instance" xmlns:pc="http://schemas.microsoft.com/office/infopath/2007/PartnerControls">
+  <documentManagement>
+    <lcf76f155ced4ddcb4097134ff3c332f xmlns="98eacbea-7562-4a40-a7f2-e999cdc0cec5">
+      <Terms xmlns="http://schemas.microsoft.com/office/infopath/2007/PartnerControls"/>
+    </lcf76f155ced4ddcb4097134ff3c332f>
+    <TaxCatchAll xmlns="75bf9804-c18d-470a-a27f-eeaf4abcd247" xsi:nil="true"/>
+  </documentManagement>
+</p:properties>
 </file>
 
 <file path=customXml/item2.xml><?xml version="1.0" encoding="utf-8"?>
@@ -26927,20 +27663,27 @@
 </file>
 
 <file path=customXml/item3.xml><?xml version="1.0" encoding="utf-8"?>
-<p:properties xmlns:p="http://schemas.microsoft.com/office/2006/metadata/properties" xmlns:xsi="http://www.w3.org/2001/XMLSchema-instance" xmlns:pc="http://schemas.microsoft.com/office/infopath/2007/PartnerControls">
-  <documentManagement>
-    <lcf76f155ced4ddcb4097134ff3c332f xmlns="98eacbea-7562-4a40-a7f2-e999cdc0cec5">
-      <Terms xmlns="http://schemas.microsoft.com/office/infopath/2007/PartnerControls"/>
-    </lcf76f155ced4ddcb4097134ff3c332f>
-    <TaxCatchAll xmlns="75bf9804-c18d-470a-a27f-eeaf4abcd247" xsi:nil="true"/>
-  </documentManagement>
-</p:properties>
+<?mso-contentType ?>
+<FormTemplates xmlns="http://schemas.microsoft.com/sharepoint/v3/contenttype/forms">
+  <Display>DocumentLibraryForm</Display>
+  <Edit>DocumentLibraryForm</Edit>
+  <New>DocumentLibraryForm</New>
+</FormTemplates>
 </file>
 
 <file path=customXml/itemProps1.xml><?xml version="1.0" encoding="utf-8"?>
-<ds:datastoreItem xmlns:ds="http://schemas.openxmlformats.org/officeDocument/2006/customXml" ds:itemID="{7D880353-A811-4A5E-ACC7-78B678F8698F}">
+<ds:datastoreItem xmlns:ds="http://schemas.openxmlformats.org/officeDocument/2006/customXml" ds:itemID="{0608C028-DB74-4132-93E9-98A6B8817B9A}">
   <ds:schemaRefs>
-    <ds:schemaRef ds:uri="http://schemas.microsoft.com/sharepoint/v3/contenttype/forms"/>
+    <ds:schemaRef ds:uri="http://purl.org/dc/terms/"/>
+    <ds:schemaRef ds:uri="http://schemas.openxmlformats.org/package/2006/metadata/core-properties"/>
+    <ds:schemaRef ds:uri="http://schemas.microsoft.com/office/2006/documentManagement/types"/>
+    <ds:schemaRef ds:uri="http://purl.org/dc/elements/1.1/"/>
+    <ds:schemaRef ds:uri="http://www.w3.org/XML/1998/namespace"/>
+    <ds:schemaRef ds:uri="http://purl.org/dc/dcmitype/"/>
+    <ds:schemaRef ds:uri="http://schemas.microsoft.com/office/infopath/2007/PartnerControls"/>
+    <ds:schemaRef ds:uri="75bf9804-c18d-470a-a27f-eeaf4abcd247"/>
+    <ds:schemaRef ds:uri="98eacbea-7562-4a40-a7f2-e999cdc0cec5"/>
+    <ds:schemaRef ds:uri="http://schemas.microsoft.com/office/2006/metadata/properties"/>
   </ds:schemaRefs>
 </ds:datastoreItem>
 </file>
@@ -26965,18 +27708,9 @@
 </file>
 
 <file path=customXml/itemProps3.xml><?xml version="1.0" encoding="utf-8"?>
-<ds:datastoreItem xmlns:ds="http://schemas.openxmlformats.org/officeDocument/2006/customXml" ds:itemID="{0608C028-DB74-4132-93E9-98A6B8817B9A}">
+<ds:datastoreItem xmlns:ds="http://schemas.openxmlformats.org/officeDocument/2006/customXml" ds:itemID="{7D880353-A811-4A5E-ACC7-78B678F8698F}">
   <ds:schemaRefs>
-    <ds:schemaRef ds:uri="http://purl.org/dc/terms/"/>
-    <ds:schemaRef ds:uri="http://schemas.openxmlformats.org/package/2006/metadata/core-properties"/>
-    <ds:schemaRef ds:uri="http://schemas.microsoft.com/office/2006/documentManagement/types"/>
-    <ds:schemaRef ds:uri="http://purl.org/dc/elements/1.1/"/>
-    <ds:schemaRef ds:uri="http://www.w3.org/XML/1998/namespace"/>
-    <ds:schemaRef ds:uri="http://purl.org/dc/dcmitype/"/>
-    <ds:schemaRef ds:uri="http://schemas.microsoft.com/office/infopath/2007/PartnerControls"/>
-    <ds:schemaRef ds:uri="75bf9804-c18d-470a-a27f-eeaf4abcd247"/>
-    <ds:schemaRef ds:uri="98eacbea-7562-4a40-a7f2-e999cdc0cec5"/>
-    <ds:schemaRef ds:uri="http://schemas.microsoft.com/office/2006/metadata/properties"/>
+    <ds:schemaRef ds:uri="http://schemas.microsoft.com/sharepoint/v3/contenttype/forms"/>
   </ds:schemaRefs>
 </ds:datastoreItem>
 </file>
--- a/use_cases.pptx
+++ b/use_cases.pptx
@@ -23549,7 +23549,7 @@
         </p:nvGrpSpPr>
         <p:grpSpPr>
           <a:xfrm>
-            <a:off x="21022362" y="16569751"/>
+            <a:off x="22116112" y="16529019"/>
             <a:ext cx="4805506" cy="5595042"/>
             <a:chOff x="20876523" y="16356909"/>
             <a:chExt cx="4805506" cy="5595042"/>
